--- a/Presentation/Presentation.pptx
+++ b/Presentation/Presentation.pptx
@@ -15,27 +15,29 @@
     <p:sldId id="260" r:id="rId9"/>
     <p:sldId id="261" r:id="rId10"/>
     <p:sldId id="262" r:id="rId11"/>
+    <p:sldId id="263" r:id="rId12"/>
+    <p:sldId id="264" r:id="rId13"/>
   </p:sldIdLst>
   <p:sldSz cy="6858000" cx="12192000"/>
   <p:notesSz cx="6858000" cy="9144000"/>
   <p:embeddedFontLst>
     <p:embeddedFont>
       <p:font typeface="Quattrocento Sans"/>
-      <p:regular r:id="rId12"/>
-      <p:bold r:id="rId13"/>
-      <p:italic r:id="rId14"/>
-      <p:boldItalic r:id="rId15"/>
+      <p:regular r:id="rId14"/>
+      <p:bold r:id="rId15"/>
+      <p:italic r:id="rId16"/>
+      <p:boldItalic r:id="rId17"/>
     </p:embeddedFont>
     <p:embeddedFont>
       <p:font typeface="Arial Black"/>
-      <p:regular r:id="rId16"/>
+      <p:regular r:id="rId18"/>
     </p:embeddedFont>
     <p:embeddedFont>
       <p:font typeface="Roboto Mono"/>
-      <p:regular r:id="rId17"/>
-      <p:bold r:id="rId18"/>
-      <p:italic r:id="rId19"/>
-      <p:boldItalic r:id="rId20"/>
+      <p:regular r:id="rId19"/>
+      <p:bold r:id="rId20"/>
+      <p:italic r:id="rId21"/>
+      <p:boldItalic r:id="rId22"/>
     </p:embeddedFont>
   </p:embeddedFontLst>
   <p:defaultTextStyle>
@@ -1012,7 +1014,7 @@
       </p:grpSpPr>
       <p:sp>
         <p:nvSpPr>
-          <p:cNvPr id="112" name="Google Shape;112;p6:notes"/>
+          <p:cNvPr id="112" name="Google Shape;112;g2d761c60ed7_1_0:notes"/>
           <p:cNvSpPr txBox="1"/>
           <p:nvPr>
             <p:ph idx="1" type="body"/>
@@ -1051,7 +1053,205 @@
       </p:sp>
       <p:sp>
         <p:nvSpPr>
-          <p:cNvPr id="113" name="Google Shape;113;p6:notes"/>
+          <p:cNvPr id="113" name="Google Shape;113;g2d761c60ed7_1_0:notes"/>
+          <p:cNvSpPr/>
+          <p:nvPr>
+            <p:ph idx="2" type="sldImg"/>
+          </p:nvPr>
+        </p:nvSpPr>
+        <p:spPr>
+          <a:xfrm>
+            <a:off x="1143225" y="685800"/>
+            <a:ext cx="4572300" cy="3429000"/>
+          </a:xfrm>
+          <a:custGeom>
+            <a:rect b="b" l="l" r="r" t="t"/>
+            <a:pathLst>
+              <a:path extrusionOk="0" h="120000" w="120000">
+                <a:moveTo>
+                  <a:pt x="0" y="0"/>
+                </a:moveTo>
+                <a:lnTo>
+                  <a:pt x="120000" y="0"/>
+                </a:lnTo>
+                <a:lnTo>
+                  <a:pt x="120000" y="120000"/>
+                </a:lnTo>
+                <a:lnTo>
+                  <a:pt x="0" y="120000"/>
+                </a:lnTo>
+                <a:close/>
+              </a:path>
+            </a:pathLst>
+          </a:custGeom>
+        </p:spPr>
+      </p:sp>
+    </p:spTree>
+  </p:cSld>
+  <p:clrMapOvr>
+    <a:masterClrMapping/>
+  </p:clrMapOvr>
+</p:notes>
+</file>
+
+<file path=ppt/notesSlides/notesSlide5.xml><?xml version="1.0" encoding="utf-8"?>
+<p:notes xmlns:a="http://schemas.openxmlformats.org/drawingml/2006/main" xmlns:r="http://schemas.openxmlformats.org/officeDocument/2006/relationships" xmlns:mc="http://schemas.openxmlformats.org/markup-compatibility/2006" xmlns:mv="urn:schemas-microsoft-com:mac:vml" xmlns:p="http://schemas.openxmlformats.org/presentationml/2006/main" xmlns:c="http://schemas.openxmlformats.org/drawingml/2006/chart" xmlns:dgm="http://schemas.openxmlformats.org/drawingml/2006/diagram" xmlns:o="urn:schemas-microsoft-com:office:office" xmlns:v="urn:schemas-microsoft-com:vml" xmlns:pvml="urn:schemas-microsoft-com:office:powerpoint" xmlns:com="http://schemas.openxmlformats.org/drawingml/2006/compatibility" xmlns:p14="http://schemas.microsoft.com/office/powerpoint/2010/main" xmlns:p15="http://schemas.microsoft.com/office/powerpoint/2012/main" xmlns:ahyp="http://schemas.microsoft.com/office/drawing/2018/hyperlinkcolor" showMasterPhAnim="0" showMasterSp="0">
+  <p:cSld>
+    <p:spTree>
+      <p:nvGrpSpPr>
+        <p:cNvPr id="117" name="Shape 117"/>
+        <p:cNvGrpSpPr/>
+        <p:nvPr/>
+      </p:nvGrpSpPr>
+      <p:grpSpPr>
+        <a:xfrm>
+          <a:off x="0" y="0"/>
+          <a:ext cx="0" cy="0"/>
+          <a:chOff x="0" y="0"/>
+          <a:chExt cx="0" cy="0"/>
+        </a:xfrm>
+      </p:grpSpPr>
+      <p:sp>
+        <p:nvSpPr>
+          <p:cNvPr id="118" name="Google Shape;118;g2d761c60ed7_1_80:notes"/>
+          <p:cNvSpPr txBox="1"/>
+          <p:nvPr>
+            <p:ph idx="1" type="body"/>
+          </p:nvPr>
+        </p:nvSpPr>
+        <p:spPr>
+          <a:xfrm>
+            <a:off x="685800" y="4343400"/>
+            <a:ext cx="5486400" cy="4114800"/>
+          </a:xfrm>
+          <a:prstGeom prst="rect">
+            <a:avLst/>
+          </a:prstGeom>
+        </p:spPr>
+        <p:txBody>
+          <a:bodyPr anchorCtr="0" anchor="t" bIns="91425" lIns="91425" spcFirstLastPara="1" rIns="91425" wrap="square" tIns="91425">
+            <a:noAutofit/>
+          </a:bodyPr>
+          <a:lstStyle/>
+          <a:p>
+            <a:pPr indent="0" lvl="0" marL="0" rtl="0" algn="l">
+              <a:spcBef>
+                <a:spcPts val="0"/>
+              </a:spcBef>
+              <a:spcAft>
+                <a:spcPts val="0"/>
+              </a:spcAft>
+              <a:buNone/>
+            </a:pPr>
+            <a:r>
+              <a:t/>
+            </a:r>
+            <a:endParaRPr/>
+          </a:p>
+        </p:txBody>
+      </p:sp>
+      <p:sp>
+        <p:nvSpPr>
+          <p:cNvPr id="119" name="Google Shape;119;g2d761c60ed7_1_80:notes"/>
+          <p:cNvSpPr/>
+          <p:nvPr>
+            <p:ph idx="2" type="sldImg"/>
+          </p:nvPr>
+        </p:nvSpPr>
+        <p:spPr>
+          <a:xfrm>
+            <a:off x="1143225" y="685800"/>
+            <a:ext cx="4572300" cy="3429000"/>
+          </a:xfrm>
+          <a:custGeom>
+            <a:rect b="b" l="l" r="r" t="t"/>
+            <a:pathLst>
+              <a:path extrusionOk="0" h="120000" w="120000">
+                <a:moveTo>
+                  <a:pt x="0" y="0"/>
+                </a:moveTo>
+                <a:lnTo>
+                  <a:pt x="120000" y="0"/>
+                </a:lnTo>
+                <a:lnTo>
+                  <a:pt x="120000" y="120000"/>
+                </a:lnTo>
+                <a:lnTo>
+                  <a:pt x="0" y="120000"/>
+                </a:lnTo>
+                <a:close/>
+              </a:path>
+            </a:pathLst>
+          </a:custGeom>
+        </p:spPr>
+      </p:sp>
+    </p:spTree>
+  </p:cSld>
+  <p:clrMapOvr>
+    <a:masterClrMapping/>
+  </p:clrMapOvr>
+</p:notes>
+</file>
+
+<file path=ppt/notesSlides/notesSlide6.xml><?xml version="1.0" encoding="utf-8"?>
+<p:notes xmlns:a="http://schemas.openxmlformats.org/drawingml/2006/main" xmlns:r="http://schemas.openxmlformats.org/officeDocument/2006/relationships" xmlns:mc="http://schemas.openxmlformats.org/markup-compatibility/2006" xmlns:mv="urn:schemas-microsoft-com:mac:vml" xmlns:p="http://schemas.openxmlformats.org/presentationml/2006/main" xmlns:c="http://schemas.openxmlformats.org/drawingml/2006/chart" xmlns:dgm="http://schemas.openxmlformats.org/drawingml/2006/diagram" xmlns:o="urn:schemas-microsoft-com:office:office" xmlns:v="urn:schemas-microsoft-com:vml" xmlns:pvml="urn:schemas-microsoft-com:office:powerpoint" xmlns:com="http://schemas.openxmlformats.org/drawingml/2006/compatibility" xmlns:p14="http://schemas.microsoft.com/office/powerpoint/2010/main" xmlns:p15="http://schemas.microsoft.com/office/powerpoint/2012/main" xmlns:ahyp="http://schemas.microsoft.com/office/drawing/2018/hyperlinkcolor" showMasterPhAnim="0" showMasterSp="0">
+  <p:cSld>
+    <p:spTree>
+      <p:nvGrpSpPr>
+        <p:cNvPr id="128" name="Shape 128"/>
+        <p:cNvGrpSpPr/>
+        <p:nvPr/>
+      </p:nvGrpSpPr>
+      <p:grpSpPr>
+        <a:xfrm>
+          <a:off x="0" y="0"/>
+          <a:ext cx="0" cy="0"/>
+          <a:chOff x="0" y="0"/>
+          <a:chExt cx="0" cy="0"/>
+        </a:xfrm>
+      </p:grpSpPr>
+      <p:sp>
+        <p:nvSpPr>
+          <p:cNvPr id="129" name="Google Shape;129;p6:notes"/>
+          <p:cNvSpPr txBox="1"/>
+          <p:nvPr>
+            <p:ph idx="1" type="body"/>
+          </p:nvPr>
+        </p:nvSpPr>
+        <p:spPr>
+          <a:xfrm>
+            <a:off x="685800" y="4343400"/>
+            <a:ext cx="5486400" cy="4114800"/>
+          </a:xfrm>
+          <a:prstGeom prst="rect">
+            <a:avLst/>
+          </a:prstGeom>
+        </p:spPr>
+        <p:txBody>
+          <a:bodyPr anchorCtr="0" anchor="t" bIns="91425" lIns="91425" spcFirstLastPara="1" rIns="91425" wrap="square" tIns="91425">
+            <a:noAutofit/>
+          </a:bodyPr>
+          <a:lstStyle/>
+          <a:p>
+            <a:pPr indent="0" lvl="0" marL="0" rtl="0" algn="l">
+              <a:spcBef>
+                <a:spcPts val="0"/>
+              </a:spcBef>
+              <a:spcAft>
+                <a:spcPts val="0"/>
+              </a:spcAft>
+              <a:buNone/>
+            </a:pPr>
+            <a:r>
+              <a:t/>
+            </a:r>
+            <a:endParaRPr/>
+          </a:p>
+        </p:txBody>
+      </p:sp>
+      <p:sp>
+        <p:nvSpPr>
+          <p:cNvPr id="130" name="Google Shape;130;p6:notes"/>
           <p:cNvSpPr/>
           <p:nvPr>
             <p:ph idx="2" type="sldImg"/>
@@ -1092,12 +1292,12 @@
 </p:notes>
 </file>
 
-<file path=ppt/notesSlides/notesSlide5.xml><?xml version="1.0" encoding="utf-8"?>
+<file path=ppt/notesSlides/notesSlide7.xml><?xml version="1.0" encoding="utf-8"?>
 <p:notes xmlns:a="http://schemas.openxmlformats.org/drawingml/2006/main" xmlns:r="http://schemas.openxmlformats.org/officeDocument/2006/relationships" xmlns:mc="http://schemas.openxmlformats.org/markup-compatibility/2006" xmlns:mv="urn:schemas-microsoft-com:mac:vml" xmlns:p="http://schemas.openxmlformats.org/presentationml/2006/main" xmlns:c="http://schemas.openxmlformats.org/drawingml/2006/chart" xmlns:dgm="http://schemas.openxmlformats.org/drawingml/2006/diagram" xmlns:o="urn:schemas-microsoft-com:office:office" xmlns:v="urn:schemas-microsoft-com:vml" xmlns:pvml="urn:schemas-microsoft-com:office:powerpoint" xmlns:com="http://schemas.openxmlformats.org/drawingml/2006/compatibility" xmlns:p14="http://schemas.microsoft.com/office/powerpoint/2010/main" xmlns:p15="http://schemas.microsoft.com/office/powerpoint/2012/main" xmlns:ahyp="http://schemas.microsoft.com/office/drawing/2018/hyperlinkcolor" showMasterPhAnim="0" showMasterSp="0">
   <p:cSld>
     <p:spTree>
       <p:nvGrpSpPr>
-        <p:cNvPr id="120" name="Shape 120"/>
+        <p:cNvPr id="137" name="Shape 137"/>
         <p:cNvGrpSpPr/>
         <p:nvPr/>
       </p:nvGrpSpPr>
@@ -1111,7 +1311,7 @@
       </p:grpSpPr>
       <p:sp>
         <p:nvSpPr>
-          <p:cNvPr id="121" name="Google Shape;121;g2d761c60ed7_0_6:notes"/>
+          <p:cNvPr id="138" name="Google Shape;138;g2d761c60ed7_0_6:notes"/>
           <p:cNvSpPr/>
           <p:nvPr>
             <p:ph idx="2" type="sldImg"/>
@@ -1146,7 +1346,7 @@
       </p:sp>
       <p:sp>
         <p:nvSpPr>
-          <p:cNvPr id="122" name="Google Shape;122;g2d761c60ed7_0_6:notes"/>
+          <p:cNvPr id="139" name="Google Shape;139;g2d761c60ed7_0_6:notes"/>
           <p:cNvSpPr txBox="1"/>
           <p:nvPr>
             <p:ph idx="1" type="body"/>
@@ -1191,12 +1391,12 @@
 </p:notes>
 </file>
 
-<file path=ppt/notesSlides/notesSlide6.xml><?xml version="1.0" encoding="utf-8"?>
+<file path=ppt/notesSlides/notesSlide8.xml><?xml version="1.0" encoding="utf-8"?>
 <p:notes xmlns:a="http://schemas.openxmlformats.org/drawingml/2006/main" xmlns:r="http://schemas.openxmlformats.org/officeDocument/2006/relationships" xmlns:mc="http://schemas.openxmlformats.org/markup-compatibility/2006" xmlns:mv="urn:schemas-microsoft-com:mac:vml" xmlns:p="http://schemas.openxmlformats.org/presentationml/2006/main" xmlns:c="http://schemas.openxmlformats.org/drawingml/2006/chart" xmlns:dgm="http://schemas.openxmlformats.org/drawingml/2006/diagram" xmlns:o="urn:schemas-microsoft-com:office:office" xmlns:v="urn:schemas-microsoft-com:vml" xmlns:pvml="urn:schemas-microsoft-com:office:powerpoint" xmlns:com="http://schemas.openxmlformats.org/drawingml/2006/compatibility" xmlns:p14="http://schemas.microsoft.com/office/powerpoint/2010/main" xmlns:p15="http://schemas.microsoft.com/office/powerpoint/2012/main" xmlns:ahyp="http://schemas.microsoft.com/office/drawing/2018/hyperlinkcolor" showMasterPhAnim="0" showMasterSp="0">
   <p:cSld>
     <p:spTree>
       <p:nvGrpSpPr>
-        <p:cNvPr id="126" name="Shape 126"/>
+        <p:cNvPr id="143" name="Shape 143"/>
         <p:cNvGrpSpPr/>
         <p:nvPr/>
       </p:nvGrpSpPr>
@@ -1210,7 +1410,7 @@
       </p:grpSpPr>
       <p:sp>
         <p:nvSpPr>
-          <p:cNvPr id="127" name="Google Shape;127;g2d761c60ed7_0_13:notes"/>
+          <p:cNvPr id="144" name="Google Shape;144;g2d761c60ed7_0_13:notes"/>
           <p:cNvSpPr/>
           <p:nvPr>
             <p:ph idx="2" type="sldImg"/>
@@ -1245,7 +1445,7 @@
       </p:sp>
       <p:sp>
         <p:nvSpPr>
-          <p:cNvPr id="128" name="Google Shape;128;g2d761c60ed7_0_13:notes"/>
+          <p:cNvPr id="145" name="Google Shape;145;g2d761c60ed7_0_13:notes"/>
           <p:cNvSpPr txBox="1"/>
           <p:nvPr>
             <p:ph idx="1" type="body"/>
@@ -1290,12 +1490,12 @@
 </p:notes>
 </file>
 
-<file path=ppt/notesSlides/notesSlide7.xml><?xml version="1.0" encoding="utf-8"?>
+<file path=ppt/notesSlides/notesSlide9.xml><?xml version="1.0" encoding="utf-8"?>
 <p:notes xmlns:a="http://schemas.openxmlformats.org/drawingml/2006/main" xmlns:r="http://schemas.openxmlformats.org/officeDocument/2006/relationships" xmlns:mc="http://schemas.openxmlformats.org/markup-compatibility/2006" xmlns:mv="urn:schemas-microsoft-com:mac:vml" xmlns:p="http://schemas.openxmlformats.org/presentationml/2006/main" xmlns:c="http://schemas.openxmlformats.org/drawingml/2006/chart" xmlns:dgm="http://schemas.openxmlformats.org/drawingml/2006/diagram" xmlns:o="urn:schemas-microsoft-com:office:office" xmlns:v="urn:schemas-microsoft-com:vml" xmlns:pvml="urn:schemas-microsoft-com:office:powerpoint" xmlns:com="http://schemas.openxmlformats.org/drawingml/2006/compatibility" xmlns:p14="http://schemas.microsoft.com/office/powerpoint/2010/main" xmlns:p15="http://schemas.microsoft.com/office/powerpoint/2012/main" xmlns:ahyp="http://schemas.microsoft.com/office/drawing/2018/hyperlinkcolor" showMasterPhAnim="0" showMasterSp="0">
   <p:cSld>
     <p:spTree>
       <p:nvGrpSpPr>
-        <p:cNvPr id="133" name="Shape 133"/>
+        <p:cNvPr id="150" name="Shape 150"/>
         <p:cNvGrpSpPr/>
         <p:nvPr/>
       </p:nvGrpSpPr>
@@ -1309,7 +1509,7 @@
       </p:grpSpPr>
       <p:sp>
         <p:nvSpPr>
-          <p:cNvPr id="134" name="Google Shape;134;p7:notes"/>
+          <p:cNvPr id="151" name="Google Shape;151;p7:notes"/>
           <p:cNvSpPr txBox="1"/>
           <p:nvPr>
             <p:ph idx="1" type="body"/>
@@ -1348,7 +1548,7 @@
       </p:sp>
       <p:sp>
         <p:nvSpPr>
-          <p:cNvPr id="135" name="Google Shape;135;p7:notes"/>
+          <p:cNvPr id="152" name="Google Shape;152;p7:notes"/>
           <p:cNvSpPr/>
           <p:nvPr>
             <p:ph idx="2" type="sldImg"/>
@@ -12728,9 +12928,473 @@
           <a:chExt cx="0" cy="0"/>
         </a:xfrm>
       </p:grpSpPr>
+      <p:pic>
+        <p:nvPicPr>
+          <p:cNvPr descr="Apache Kafka: what is it, why is it needed and how to use it" id="115" name="Google Shape;115;p16"/>
+          <p:cNvPicPr preferRelativeResize="0"/>
+          <p:nvPr/>
+        </p:nvPicPr>
+        <p:blipFill rotWithShape="1">
+          <a:blip r:embed="rId3">
+            <a:alphaModFix/>
+          </a:blip>
+          <a:srcRect b="0" l="0" r="0" t="0"/>
+          <a:stretch/>
+        </p:blipFill>
+        <p:spPr>
+          <a:xfrm>
+            <a:off x="1634290" y="830997"/>
+            <a:ext cx="8197771" cy="5771369"/>
+          </a:xfrm>
+          <a:prstGeom prst="rect">
+            <a:avLst/>
+          </a:prstGeom>
+          <a:noFill/>
+          <a:ln>
+            <a:noFill/>
+          </a:ln>
+        </p:spPr>
+      </p:pic>
       <p:sp>
         <p:nvSpPr>
-          <p:cNvPr id="115" name="Google Shape;115;p16"/>
+          <p:cNvPr id="116" name="Google Shape;116;p16"/>
+          <p:cNvSpPr txBox="1"/>
+          <p:nvPr/>
+        </p:nvSpPr>
+        <p:spPr>
+          <a:xfrm>
+            <a:off x="3913430" y="0"/>
+            <a:ext cx="3639600" cy="831000"/>
+          </a:xfrm>
+          <a:prstGeom prst="rect">
+            <a:avLst/>
+          </a:prstGeom>
+          <a:noFill/>
+          <a:ln>
+            <a:noFill/>
+          </a:ln>
+        </p:spPr>
+        <p:txBody>
+          <a:bodyPr anchorCtr="0" anchor="t" bIns="45700" lIns="91425" spcFirstLastPara="1" rIns="91425" wrap="square" tIns="45700">
+            <a:spAutoFit/>
+          </a:bodyPr>
+          <a:lstStyle/>
+          <a:p>
+            <a:pPr indent="0" lvl="0" marL="0" marR="0" rtl="0" algn="l">
+              <a:spcBef>
+                <a:spcPts val="0"/>
+              </a:spcBef>
+              <a:spcAft>
+                <a:spcPts val="0"/>
+              </a:spcAft>
+              <a:buNone/>
+            </a:pPr>
+            <a:r>
+              <a:rPr b="1" lang="en-US" sz="4800" u="sng">
+                <a:solidFill>
+                  <a:srgbClr val="BF9000"/>
+                </a:solidFill>
+                <a:latin typeface="Calibri"/>
+                <a:ea typeface="Calibri"/>
+                <a:cs typeface="Calibri"/>
+                <a:sym typeface="Calibri"/>
+              </a:rPr>
+              <a:t>Apache Kafka</a:t>
+            </a:r>
+            <a:endParaRPr/>
+          </a:p>
+        </p:txBody>
+      </p:sp>
+    </p:spTree>
+  </p:cSld>
+  <p:clrMapOvr>
+    <a:masterClrMapping/>
+  </p:clrMapOvr>
+</p:sld>
+</file>
+
+<file path=ppt/slides/slide5.xml><?xml version="1.0" encoding="utf-8"?>
+<p:sld xmlns:a="http://schemas.openxmlformats.org/drawingml/2006/main" xmlns:r="http://schemas.openxmlformats.org/officeDocument/2006/relationships" xmlns:mc="http://schemas.openxmlformats.org/markup-compatibility/2006" xmlns:mv="urn:schemas-microsoft-com:mac:vml" xmlns:p="http://schemas.openxmlformats.org/presentationml/2006/main" xmlns:c="http://schemas.openxmlformats.org/drawingml/2006/chart" xmlns:dgm="http://schemas.openxmlformats.org/drawingml/2006/diagram" xmlns:o="urn:schemas-microsoft-com:office:office" xmlns:v="urn:schemas-microsoft-com:vml" xmlns:pvml="urn:schemas-microsoft-com:office:powerpoint" xmlns:com="http://schemas.openxmlformats.org/drawingml/2006/compatibility" xmlns:p14="http://schemas.microsoft.com/office/powerpoint/2010/main" xmlns:p15="http://schemas.microsoft.com/office/powerpoint/2012/main" xmlns:ahyp="http://schemas.microsoft.com/office/drawing/2018/hyperlinkcolor">
+  <p:cSld>
+    <p:spTree>
+      <p:nvGrpSpPr>
+        <p:cNvPr id="120" name="Shape 120"/>
+        <p:cNvGrpSpPr/>
+        <p:nvPr/>
+      </p:nvGrpSpPr>
+      <p:grpSpPr>
+        <a:xfrm>
+          <a:off x="0" y="0"/>
+          <a:ext cx="0" cy="0"/>
+          <a:chOff x="0" y="0"/>
+          <a:chExt cx="0" cy="0"/>
+        </a:xfrm>
+      </p:grpSpPr>
+      <p:sp>
+        <p:nvSpPr>
+          <p:cNvPr id="121" name="Google Shape;121;p17"/>
+          <p:cNvSpPr txBox="1"/>
+          <p:nvPr>
+            <p:ph type="title"/>
+          </p:nvPr>
+        </p:nvSpPr>
+        <p:spPr>
+          <a:xfrm>
+            <a:off x="4251733" y="347018"/>
+            <a:ext cx="3688500" cy="1325700"/>
+          </a:xfrm>
+          <a:prstGeom prst="rect">
+            <a:avLst/>
+          </a:prstGeom>
+          <a:noFill/>
+          <a:ln>
+            <a:noFill/>
+          </a:ln>
+        </p:spPr>
+        <p:txBody>
+          <a:bodyPr anchorCtr="0" anchor="ctr" bIns="45700" lIns="91425" spcFirstLastPara="1" rIns="91425" wrap="square" tIns="45700">
+            <a:normAutofit fontScale="90000"/>
+          </a:bodyPr>
+          <a:lstStyle/>
+          <a:p>
+            <a:pPr indent="0" lvl="0" marL="0" rtl="0" algn="l">
+              <a:lnSpc>
+                <a:spcPct val="90000"/>
+              </a:lnSpc>
+              <a:spcBef>
+                <a:spcPts val="0"/>
+              </a:spcBef>
+              <a:spcAft>
+                <a:spcPts val="0"/>
+              </a:spcAft>
+              <a:buClr>
+                <a:srgbClr val="BF9000"/>
+              </a:buClr>
+              <a:buSzPct val="100000"/>
+              <a:buFont typeface="Calibri"/>
+              <a:buNone/>
+            </a:pPr>
+            <a:r>
+              <a:rPr b="1" lang="en-US" u="sng">
+                <a:solidFill>
+                  <a:srgbClr val="BF9000"/>
+                </a:solidFill>
+              </a:rPr>
+              <a:t>Data Processing</a:t>
+            </a:r>
+            <a:br>
+              <a:rPr lang="en-US"/>
+            </a:br>
+            <a:endParaRPr/>
+          </a:p>
+        </p:txBody>
+      </p:sp>
+      <p:pic>
+        <p:nvPicPr>
+          <p:cNvPr id="122" name="Google Shape;122;p17"/>
+          <p:cNvPicPr preferRelativeResize="0"/>
+          <p:nvPr/>
+        </p:nvPicPr>
+        <p:blipFill rotWithShape="1">
+          <a:blip r:embed="rId3">
+            <a:alphaModFix/>
+          </a:blip>
+          <a:srcRect b="0" l="0" r="0" t="0"/>
+          <a:stretch/>
+        </p:blipFill>
+        <p:spPr>
+          <a:xfrm>
+            <a:off x="8124543" y="2081000"/>
+            <a:ext cx="3556314" cy="2370876"/>
+          </a:xfrm>
+          <a:prstGeom prst="rect">
+            <a:avLst/>
+          </a:prstGeom>
+          <a:noFill/>
+          <a:ln>
+            <a:noFill/>
+          </a:ln>
+        </p:spPr>
+      </p:pic>
+      <p:pic>
+        <p:nvPicPr>
+          <p:cNvPr descr="Hashtag Extractor Copy Paste - Apps on Google Play" id="123" name="Google Shape;123;p17"/>
+          <p:cNvPicPr preferRelativeResize="0"/>
+          <p:nvPr/>
+        </p:nvPicPr>
+        <p:blipFill rotWithShape="1">
+          <a:blip r:embed="rId4">
+            <a:alphaModFix/>
+          </a:blip>
+          <a:srcRect b="0" l="0" r="0" t="0"/>
+          <a:stretch/>
+        </p:blipFill>
+        <p:spPr>
+          <a:xfrm>
+            <a:off x="4768934" y="2081000"/>
+            <a:ext cx="2491165" cy="2491165"/>
+          </a:xfrm>
+          <a:prstGeom prst="rect">
+            <a:avLst/>
+          </a:prstGeom>
+          <a:noFill/>
+          <a:ln>
+            <a:noFill/>
+          </a:ln>
+        </p:spPr>
+      </p:pic>
+      <p:pic>
+        <p:nvPicPr>
+          <p:cNvPr descr="Searchability - Free ui icons" id="124" name="Google Shape;124;p17"/>
+          <p:cNvPicPr preferRelativeResize="0"/>
+          <p:nvPr/>
+        </p:nvPicPr>
+        <p:blipFill rotWithShape="1">
+          <a:blip r:embed="rId5">
+            <a:alphaModFix/>
+          </a:blip>
+          <a:srcRect b="0" l="0" r="0" t="0"/>
+          <a:stretch/>
+        </p:blipFill>
+        <p:spPr>
+          <a:xfrm>
+            <a:off x="1160111" y="2081000"/>
+            <a:ext cx="2199217" cy="2199217"/>
+          </a:xfrm>
+          <a:prstGeom prst="rect">
+            <a:avLst/>
+          </a:prstGeom>
+          <a:noFill/>
+          <a:ln>
+            <a:noFill/>
+          </a:ln>
+        </p:spPr>
+      </p:pic>
+      <p:sp>
+        <p:nvSpPr>
+          <p:cNvPr id="125" name="Google Shape;125;p17"/>
+          <p:cNvSpPr txBox="1"/>
+          <p:nvPr/>
+        </p:nvSpPr>
+        <p:spPr>
+          <a:xfrm>
+            <a:off x="1160111" y="4695152"/>
+            <a:ext cx="2199300" cy="523200"/>
+          </a:xfrm>
+          <a:prstGeom prst="rect">
+            <a:avLst/>
+          </a:prstGeom>
+          <a:noFill/>
+          <a:ln>
+            <a:noFill/>
+          </a:ln>
+        </p:spPr>
+        <p:txBody>
+          <a:bodyPr anchorCtr="0" anchor="t" bIns="45700" lIns="91425" spcFirstLastPara="1" rIns="91425" wrap="square" tIns="45700">
+            <a:spAutoFit/>
+          </a:bodyPr>
+          <a:lstStyle/>
+          <a:p>
+            <a:pPr indent="0" lvl="0" marL="0" marR="0" rtl="0" algn="l">
+              <a:spcBef>
+                <a:spcPts val="0"/>
+              </a:spcBef>
+              <a:spcAft>
+                <a:spcPts val="0"/>
+              </a:spcAft>
+              <a:buNone/>
+            </a:pPr>
+            <a:r>
+              <a:rPr b="1" lang="en-US" sz="2800">
+                <a:solidFill>
+                  <a:schemeClr val="dk1"/>
+                </a:solidFill>
+                <a:latin typeface="Calibri"/>
+                <a:ea typeface="Calibri"/>
+                <a:cs typeface="Calibri"/>
+                <a:sym typeface="Calibri"/>
+              </a:rPr>
+              <a:t>Searchability</a:t>
+            </a:r>
+            <a:endParaRPr sz="2800">
+              <a:solidFill>
+                <a:schemeClr val="dk1"/>
+              </a:solidFill>
+              <a:latin typeface="Calibri"/>
+              <a:ea typeface="Calibri"/>
+              <a:cs typeface="Calibri"/>
+              <a:sym typeface="Calibri"/>
+            </a:endParaRPr>
+          </a:p>
+        </p:txBody>
+      </p:sp>
+      <p:sp>
+        <p:nvSpPr>
+          <p:cNvPr id="126" name="Google Shape;126;p17"/>
+          <p:cNvSpPr txBox="1"/>
+          <p:nvPr/>
+        </p:nvSpPr>
+        <p:spPr>
+          <a:xfrm>
+            <a:off x="8389006" y="4451876"/>
+            <a:ext cx="3027300" cy="523200"/>
+          </a:xfrm>
+          <a:prstGeom prst="rect">
+            <a:avLst/>
+          </a:prstGeom>
+          <a:noFill/>
+          <a:ln>
+            <a:noFill/>
+          </a:ln>
+        </p:spPr>
+        <p:txBody>
+          <a:bodyPr anchorCtr="0" anchor="t" bIns="45700" lIns="91425" spcFirstLastPara="1" rIns="91425" wrap="square" tIns="45700">
+            <a:spAutoFit/>
+          </a:bodyPr>
+          <a:lstStyle/>
+          <a:p>
+            <a:pPr indent="0" lvl="0" marL="0" marR="0" rtl="0" algn="l">
+              <a:spcBef>
+                <a:spcPts val="0"/>
+              </a:spcBef>
+              <a:spcAft>
+                <a:spcPts val="0"/>
+              </a:spcAft>
+              <a:buNone/>
+            </a:pPr>
+            <a:r>
+              <a:rPr b="1" lang="en-US" sz="2800">
+                <a:solidFill>
+                  <a:schemeClr val="dk1"/>
+                </a:solidFill>
+                <a:latin typeface="Calibri"/>
+                <a:ea typeface="Calibri"/>
+                <a:cs typeface="Calibri"/>
+                <a:sym typeface="Calibri"/>
+              </a:rPr>
+              <a:t>Sentiment Analysis</a:t>
+            </a:r>
+            <a:endParaRPr sz="2800">
+              <a:solidFill>
+                <a:schemeClr val="dk1"/>
+              </a:solidFill>
+              <a:latin typeface="Calibri"/>
+              <a:ea typeface="Calibri"/>
+              <a:cs typeface="Calibri"/>
+              <a:sym typeface="Calibri"/>
+            </a:endParaRPr>
+          </a:p>
+        </p:txBody>
+      </p:sp>
+      <p:sp>
+        <p:nvSpPr>
+          <p:cNvPr id="127" name="Google Shape;127;p17"/>
+          <p:cNvSpPr txBox="1"/>
+          <p:nvPr/>
+        </p:nvSpPr>
+        <p:spPr>
+          <a:xfrm>
+            <a:off x="4676399" y="4451876"/>
+            <a:ext cx="3027300" cy="954300"/>
+          </a:xfrm>
+          <a:prstGeom prst="rect">
+            <a:avLst/>
+          </a:prstGeom>
+          <a:noFill/>
+          <a:ln>
+            <a:noFill/>
+          </a:ln>
+        </p:spPr>
+        <p:txBody>
+          <a:bodyPr anchorCtr="0" anchor="t" bIns="45700" lIns="91425" spcFirstLastPara="1" rIns="91425" wrap="square" tIns="45700">
+            <a:spAutoFit/>
+          </a:bodyPr>
+          <a:lstStyle/>
+          <a:p>
+            <a:pPr indent="0" lvl="0" marL="0" marR="0" rtl="0" algn="l">
+              <a:spcBef>
+                <a:spcPts val="0"/>
+              </a:spcBef>
+              <a:spcAft>
+                <a:spcPts val="0"/>
+              </a:spcAft>
+              <a:buNone/>
+            </a:pPr>
+            <a:r>
+              <a:rPr b="1" lang="en-US" sz="2800">
+                <a:solidFill>
+                  <a:schemeClr val="dk1"/>
+                </a:solidFill>
+                <a:latin typeface="Calibri"/>
+                <a:ea typeface="Calibri"/>
+                <a:cs typeface="Calibri"/>
+                <a:sym typeface="Calibri"/>
+              </a:rPr>
+              <a:t>Hashtag Extraction</a:t>
+            </a:r>
+            <a:endParaRPr sz="2800">
+              <a:solidFill>
+                <a:schemeClr val="dk1"/>
+              </a:solidFill>
+              <a:latin typeface="Calibri"/>
+              <a:ea typeface="Calibri"/>
+              <a:cs typeface="Calibri"/>
+              <a:sym typeface="Calibri"/>
+            </a:endParaRPr>
+          </a:p>
+          <a:p>
+            <a:pPr indent="0" lvl="0" marL="0" marR="0" rtl="0" algn="l">
+              <a:spcBef>
+                <a:spcPts val="0"/>
+              </a:spcBef>
+              <a:spcAft>
+                <a:spcPts val="0"/>
+              </a:spcAft>
+              <a:buNone/>
+            </a:pPr>
+            <a:r>
+              <a:t/>
+            </a:r>
+            <a:endParaRPr sz="2800">
+              <a:solidFill>
+                <a:schemeClr val="dk1"/>
+              </a:solidFill>
+              <a:latin typeface="Calibri"/>
+              <a:ea typeface="Calibri"/>
+              <a:cs typeface="Calibri"/>
+              <a:sym typeface="Calibri"/>
+            </a:endParaRPr>
+          </a:p>
+        </p:txBody>
+      </p:sp>
+    </p:spTree>
+  </p:cSld>
+  <p:clrMapOvr>
+    <a:masterClrMapping/>
+  </p:clrMapOvr>
+</p:sld>
+</file>
+
+<file path=ppt/slides/slide6.xml><?xml version="1.0" encoding="utf-8"?>
+<p:sld xmlns:a="http://schemas.openxmlformats.org/drawingml/2006/main" xmlns:r="http://schemas.openxmlformats.org/officeDocument/2006/relationships" xmlns:mc="http://schemas.openxmlformats.org/markup-compatibility/2006" xmlns:mv="urn:schemas-microsoft-com:mac:vml" xmlns:p="http://schemas.openxmlformats.org/presentationml/2006/main" xmlns:c="http://schemas.openxmlformats.org/drawingml/2006/chart" xmlns:dgm="http://schemas.openxmlformats.org/drawingml/2006/diagram" xmlns:o="urn:schemas-microsoft-com:office:office" xmlns:v="urn:schemas-microsoft-com:vml" xmlns:pvml="urn:schemas-microsoft-com:office:powerpoint" xmlns:com="http://schemas.openxmlformats.org/drawingml/2006/compatibility" xmlns:p14="http://schemas.microsoft.com/office/powerpoint/2010/main" xmlns:p15="http://schemas.microsoft.com/office/powerpoint/2012/main" xmlns:ahyp="http://schemas.microsoft.com/office/drawing/2018/hyperlinkcolor">
+  <p:cSld>
+    <p:spTree>
+      <p:nvGrpSpPr>
+        <p:cNvPr id="131" name="Shape 131"/>
+        <p:cNvGrpSpPr/>
+        <p:nvPr/>
+      </p:nvGrpSpPr>
+      <p:grpSpPr>
+        <a:xfrm>
+          <a:off x="0" y="0"/>
+          <a:ext cx="0" cy="0"/>
+          <a:chOff x="0" y="0"/>
+          <a:chExt cx="0" cy="0"/>
+        </a:xfrm>
+      </p:grpSpPr>
+      <p:sp>
+        <p:nvSpPr>
+          <p:cNvPr id="132" name="Google Shape;132;p18"/>
           <p:cNvSpPr txBox="1"/>
           <p:nvPr>
             <p:ph type="title"/>
@@ -12797,7 +13461,7 @@
       </p:sp>
       <p:sp>
         <p:nvSpPr>
-          <p:cNvPr id="116" name="Google Shape;116;p16"/>
+          <p:cNvPr id="133" name="Google Shape;133;p18"/>
           <p:cNvSpPr txBox="1"/>
           <p:nvPr/>
         </p:nvSpPr>
@@ -13248,7 +13912,7 @@
       </p:sp>
       <p:pic>
         <p:nvPicPr>
-          <p:cNvPr id="117" name="Google Shape;117;p16"/>
+          <p:cNvPr id="134" name="Google Shape;134;p18"/>
           <p:cNvPicPr preferRelativeResize="0"/>
           <p:nvPr/>
         </p:nvPicPr>
@@ -13275,7 +13939,7 @@
       </p:pic>
       <p:pic>
         <p:nvPicPr>
-          <p:cNvPr id="118" name="Google Shape;118;p16"/>
+          <p:cNvPr id="135" name="Google Shape;135;p18"/>
           <p:cNvPicPr preferRelativeResize="0"/>
           <p:nvPr/>
         </p:nvPicPr>
@@ -13302,7 +13966,7 @@
       </p:pic>
       <p:pic>
         <p:nvPicPr>
-          <p:cNvPr id="119" name="Google Shape;119;p16"/>
+          <p:cNvPr id="136" name="Google Shape;136;p18"/>
           <p:cNvPicPr preferRelativeResize="0"/>
           <p:nvPr/>
         </p:nvPicPr>
@@ -13335,12 +13999,12 @@
 </p:sld>
 </file>
 
-<file path=ppt/slides/slide5.xml><?xml version="1.0" encoding="utf-8"?>
+<file path=ppt/slides/slide7.xml><?xml version="1.0" encoding="utf-8"?>
 <p:sld xmlns:a="http://schemas.openxmlformats.org/drawingml/2006/main" xmlns:r="http://schemas.openxmlformats.org/officeDocument/2006/relationships" xmlns:mc="http://schemas.openxmlformats.org/markup-compatibility/2006" xmlns:mv="urn:schemas-microsoft-com:mac:vml" xmlns:p="http://schemas.openxmlformats.org/presentationml/2006/main" xmlns:c="http://schemas.openxmlformats.org/drawingml/2006/chart" xmlns:dgm="http://schemas.openxmlformats.org/drawingml/2006/diagram" xmlns:o="urn:schemas-microsoft-com:office:office" xmlns:v="urn:schemas-microsoft-com:vml" xmlns:pvml="urn:schemas-microsoft-com:office:powerpoint" xmlns:com="http://schemas.openxmlformats.org/drawingml/2006/compatibility" xmlns:p14="http://schemas.microsoft.com/office/powerpoint/2010/main" xmlns:p15="http://schemas.microsoft.com/office/powerpoint/2012/main" xmlns:ahyp="http://schemas.microsoft.com/office/drawing/2018/hyperlinkcolor">
   <p:cSld>
     <p:spTree>
       <p:nvGrpSpPr>
-        <p:cNvPr id="123" name="Shape 123"/>
+        <p:cNvPr id="140" name="Shape 140"/>
         <p:cNvGrpSpPr/>
         <p:nvPr/>
       </p:nvGrpSpPr>
@@ -13354,7 +14018,7 @@
       </p:grpSpPr>
       <p:sp>
         <p:nvSpPr>
-          <p:cNvPr id="124" name="Google Shape;124;p17"/>
+          <p:cNvPr id="141" name="Google Shape;141;p19"/>
           <p:cNvSpPr txBox="1"/>
           <p:nvPr>
             <p:ph type="title"/>
@@ -13402,7 +14066,7 @@
       </p:sp>
       <p:sp>
         <p:nvSpPr>
-          <p:cNvPr id="125" name="Google Shape;125;p17"/>
+          <p:cNvPr id="142" name="Google Shape;142;p19"/>
           <p:cNvSpPr txBox="1"/>
           <p:nvPr>
             <p:ph idx="1" type="body"/>
@@ -13750,12 +14414,12 @@
 </p:sld>
 </file>
 
-<file path=ppt/slides/slide6.xml><?xml version="1.0" encoding="utf-8"?>
+<file path=ppt/slides/slide8.xml><?xml version="1.0" encoding="utf-8"?>
 <p:sld xmlns:a="http://schemas.openxmlformats.org/drawingml/2006/main" xmlns:r="http://schemas.openxmlformats.org/officeDocument/2006/relationships" xmlns:mc="http://schemas.openxmlformats.org/markup-compatibility/2006" xmlns:mv="urn:schemas-microsoft-com:mac:vml" xmlns:p="http://schemas.openxmlformats.org/presentationml/2006/main" xmlns:c="http://schemas.openxmlformats.org/drawingml/2006/chart" xmlns:dgm="http://schemas.openxmlformats.org/drawingml/2006/diagram" xmlns:o="urn:schemas-microsoft-com:office:office" xmlns:v="urn:schemas-microsoft-com:vml" xmlns:pvml="urn:schemas-microsoft-com:office:powerpoint" xmlns:com="http://schemas.openxmlformats.org/drawingml/2006/compatibility" xmlns:p14="http://schemas.microsoft.com/office/powerpoint/2010/main" xmlns:p15="http://schemas.microsoft.com/office/powerpoint/2012/main" xmlns:ahyp="http://schemas.microsoft.com/office/drawing/2018/hyperlinkcolor">
   <p:cSld>
     <p:spTree>
       <p:nvGrpSpPr>
-        <p:cNvPr id="129" name="Shape 129"/>
+        <p:cNvPr id="146" name="Shape 146"/>
         <p:cNvGrpSpPr/>
         <p:nvPr/>
       </p:nvGrpSpPr>
@@ -13769,7 +14433,7 @@
       </p:grpSpPr>
       <p:sp>
         <p:nvSpPr>
-          <p:cNvPr id="130" name="Google Shape;130;p18"/>
+          <p:cNvPr id="147" name="Google Shape;147;p20"/>
           <p:cNvSpPr txBox="1"/>
           <p:nvPr>
             <p:ph type="title"/>
@@ -13817,7 +14481,7 @@
       </p:sp>
       <p:pic>
         <p:nvPicPr>
-          <p:cNvPr id="131" name="Google Shape;131;p18"/>
+          <p:cNvPr id="148" name="Google Shape;148;p20"/>
           <p:cNvPicPr preferRelativeResize="0"/>
           <p:nvPr/>
         </p:nvPicPr>
@@ -13845,7 +14509,7 @@
       </p:pic>
       <p:sp>
         <p:nvSpPr>
-          <p:cNvPr id="132" name="Google Shape;132;p18"/>
+          <p:cNvPr id="149" name="Google Shape;149;p20"/>
           <p:cNvSpPr txBox="1"/>
           <p:nvPr/>
         </p:nvSpPr>
@@ -14366,12 +15030,12 @@
 </p:sld>
 </file>
 
-<file path=ppt/slides/slide7.xml><?xml version="1.0" encoding="utf-8"?>
+<file path=ppt/slides/slide9.xml><?xml version="1.0" encoding="utf-8"?>
 <p:sld xmlns:a="http://schemas.openxmlformats.org/drawingml/2006/main" xmlns:r="http://schemas.openxmlformats.org/officeDocument/2006/relationships" xmlns:mc="http://schemas.openxmlformats.org/markup-compatibility/2006" xmlns:mv="urn:schemas-microsoft-com:mac:vml" xmlns:p="http://schemas.openxmlformats.org/presentationml/2006/main" xmlns:c="http://schemas.openxmlformats.org/drawingml/2006/chart" xmlns:dgm="http://schemas.openxmlformats.org/drawingml/2006/diagram" xmlns:o="urn:schemas-microsoft-com:office:office" xmlns:v="urn:schemas-microsoft-com:vml" xmlns:pvml="urn:schemas-microsoft-com:office:powerpoint" xmlns:com="http://schemas.openxmlformats.org/drawingml/2006/compatibility" xmlns:p14="http://schemas.microsoft.com/office/powerpoint/2010/main" xmlns:p15="http://schemas.microsoft.com/office/powerpoint/2012/main" xmlns:ahyp="http://schemas.microsoft.com/office/drawing/2018/hyperlinkcolor">
   <p:cSld>
     <p:spTree>
       <p:nvGrpSpPr>
-        <p:cNvPr id="136" name="Shape 136"/>
+        <p:cNvPr id="153" name="Shape 153"/>
         <p:cNvGrpSpPr/>
         <p:nvPr/>
       </p:nvGrpSpPr>
@@ -14385,7 +15049,7 @@
       </p:grpSpPr>
       <p:sp>
         <p:nvSpPr>
-          <p:cNvPr id="137" name="Google Shape;137;p19"/>
+          <p:cNvPr id="154" name="Google Shape;154;p21"/>
           <p:cNvSpPr/>
           <p:nvPr/>
         </p:nvSpPr>
@@ -14434,7 +15098,7 @@
       </p:sp>
       <p:pic>
         <p:nvPicPr>
-          <p:cNvPr id="138" name="Google Shape;138;p19"/>
+          <p:cNvPr id="155" name="Google Shape;155;p21"/>
           <p:cNvPicPr preferRelativeResize="0"/>
           <p:nvPr/>
         </p:nvPicPr>
@@ -14461,7 +15125,7 @@
       </p:pic>
       <p:sp>
         <p:nvSpPr>
-          <p:cNvPr id="139" name="Google Shape;139;p19"/>
+          <p:cNvPr id="156" name="Google Shape;156;p21"/>
           <p:cNvSpPr txBox="1"/>
           <p:nvPr/>
         </p:nvSpPr>

--- a/Presentation/Presentation.pptx
+++ b/Presentation/Presentation.pptx
@@ -1,47 +1,47 @@
 
 <file path=ppt/presentation.xml><?xml version="1.0" encoding="utf-8"?>
-<p:presentation xmlns:a="http://schemas.openxmlformats.org/drawingml/2006/main" xmlns:r="http://schemas.openxmlformats.org/officeDocument/2006/relationships" xmlns:mc="http://schemas.openxmlformats.org/markup-compatibility/2006" xmlns:mv="urn:schemas-microsoft-com:mac:vml" xmlns:p="http://schemas.openxmlformats.org/presentationml/2006/main" xmlns:c="http://schemas.openxmlformats.org/drawingml/2006/chart" xmlns:dgm="http://schemas.openxmlformats.org/drawingml/2006/diagram" xmlns:o="urn:schemas-microsoft-com:office:office" xmlns:v="urn:schemas-microsoft-com:vml" xmlns:pvml="urn:schemas-microsoft-com:office:powerpoint" xmlns:com="http://schemas.openxmlformats.org/drawingml/2006/compatibility" xmlns:p14="http://schemas.microsoft.com/office/powerpoint/2010/main" xmlns:p15="http://schemas.microsoft.com/office/powerpoint/2012/main" xmlns:ahyp="http://schemas.microsoft.com/office/drawing/2018/hyperlinkcolor" autoCompressPictures="0" embedTrueTypeFonts="1" strictFirstAndLastChars="0" saveSubsetFonts="1">
+<p:presentation xmlns:a="http://schemas.openxmlformats.org/drawingml/2006/main" xmlns:r="http://schemas.openxmlformats.org/officeDocument/2006/relationships" xmlns:p="http://schemas.openxmlformats.org/presentationml/2006/main" strictFirstAndLastChars="0" embedTrueTypeFonts="1" saveSubsetFonts="1" autoCompressPictures="0">
   <p:sldMasterIdLst>
-    <p:sldMasterId id="2147483659" r:id="rId3"/>
+    <p:sldMasterId id="2147483659" r:id="rId1"/>
   </p:sldMasterIdLst>
   <p:notesMasterIdLst>
-    <p:notesMasterId r:id="rId4"/>
+    <p:notesMasterId r:id="rId10"/>
   </p:notesMasterIdLst>
   <p:sldIdLst>
-    <p:sldId id="256" r:id="rId5"/>
-    <p:sldId id="257" r:id="rId6"/>
-    <p:sldId id="258" r:id="rId7"/>
-    <p:sldId id="259" r:id="rId8"/>
-    <p:sldId id="260" r:id="rId9"/>
-    <p:sldId id="261" r:id="rId10"/>
-    <p:sldId id="262" r:id="rId11"/>
-    <p:sldId id="263" r:id="rId12"/>
-    <p:sldId id="264" r:id="rId13"/>
+    <p:sldId id="256" r:id="rId2"/>
+    <p:sldId id="257" r:id="rId3"/>
+    <p:sldId id="258" r:id="rId4"/>
+    <p:sldId id="260" r:id="rId5"/>
+    <p:sldId id="261" r:id="rId6"/>
+    <p:sldId id="262" r:id="rId7"/>
+    <p:sldId id="263" r:id="rId8"/>
+    <p:sldId id="264" r:id="rId9"/>
   </p:sldIdLst>
-  <p:sldSz cy="6858000" cx="12192000"/>
+  <p:sldSz cx="12192000" cy="6858000"/>
   <p:notesSz cx="6858000" cy="9144000"/>
   <p:embeddedFontLst>
     <p:embeddedFont>
-      <p:font typeface="Quattrocento Sans"/>
-      <p:regular r:id="rId14"/>
-      <p:bold r:id="rId15"/>
-      <p:italic r:id="rId16"/>
-      <p:boldItalic r:id="rId17"/>
+      <p:font typeface="Arial Black" panose="020B0A04020102020204" pitchFamily="34" charset="0"/>
+      <p:regular r:id="rId11"/>
+      <p:bold r:id="rId12"/>
     </p:embeddedFont>
     <p:embeddedFont>
-      <p:font typeface="Arial Black"/>
-      <p:regular r:id="rId18"/>
+      <p:font typeface="Quattrocento Sans" panose="020B0502050000020003" pitchFamily="34" charset="0"/>
+      <p:regular r:id="rId13"/>
+      <p:bold r:id="rId14"/>
+      <p:italic r:id="rId15"/>
+      <p:boldItalic r:id="rId16"/>
     </p:embeddedFont>
     <p:embeddedFont>
-      <p:font typeface="Roboto Mono"/>
-      <p:regular r:id="rId19"/>
-      <p:bold r:id="rId20"/>
-      <p:italic r:id="rId21"/>
-      <p:boldItalic r:id="rId22"/>
+      <p:font typeface="Roboto Mono" panose="00000009000000000000" pitchFamily="49" charset="0"/>
+      <p:regular r:id="rId17"/>
+      <p:bold r:id="rId18"/>
+      <p:italic r:id="rId19"/>
+      <p:boldItalic r:id="rId20"/>
     </p:embeddedFont>
   </p:embeddedFontLst>
   <p:defaultTextStyle>
-    <a:defPPr lvl="0" marR="0" rtl="0" algn="l">
+    <a:defPPr marR="0" lvl="0" algn="l" rtl="0">
       <a:lnSpc>
         <a:spcPct val="100000"/>
       </a:lnSpc>
@@ -52,7 +52,7 @@
         <a:spcPts val="0"/>
       </a:spcAft>
     </a:defPPr>
-    <a:lvl1pPr lvl="0" marR="0" rtl="0" algn="l">
+    <a:lvl1pPr marR="0" lvl="0" algn="l" rtl="0">
       <a:lnSpc>
         <a:spcPct val="100000"/>
       </a:lnSpc>
@@ -66,7 +66,7 @@
         <a:srgbClr val="000000"/>
       </a:buClr>
       <a:buFont typeface="Arial"/>
-      <a:defRPr b="0" i="0" sz="1400" u="none" cap="none" strike="noStrike">
+      <a:defRPr sz="1400" b="0" i="0" u="none" strike="noStrike" cap="none">
         <a:solidFill>
           <a:srgbClr val="000000"/>
         </a:solidFill>
@@ -76,7 +76,7 @@
         <a:sym typeface="Arial"/>
       </a:defRPr>
     </a:lvl1pPr>
-    <a:lvl2pPr lvl="1" marR="0" rtl="0" algn="l">
+    <a:lvl2pPr marR="0" lvl="1" algn="l" rtl="0">
       <a:lnSpc>
         <a:spcPct val="100000"/>
       </a:lnSpc>
@@ -90,7 +90,7 @@
         <a:srgbClr val="000000"/>
       </a:buClr>
       <a:buFont typeface="Arial"/>
-      <a:defRPr b="0" i="0" sz="1400" u="none" cap="none" strike="noStrike">
+      <a:defRPr sz="1400" b="0" i="0" u="none" strike="noStrike" cap="none">
         <a:solidFill>
           <a:srgbClr val="000000"/>
         </a:solidFill>
@@ -100,7 +100,7 @@
         <a:sym typeface="Arial"/>
       </a:defRPr>
     </a:lvl2pPr>
-    <a:lvl3pPr lvl="2" marR="0" rtl="0" algn="l">
+    <a:lvl3pPr marR="0" lvl="2" algn="l" rtl="0">
       <a:lnSpc>
         <a:spcPct val="100000"/>
       </a:lnSpc>
@@ -114,7 +114,7 @@
         <a:srgbClr val="000000"/>
       </a:buClr>
       <a:buFont typeface="Arial"/>
-      <a:defRPr b="0" i="0" sz="1400" u="none" cap="none" strike="noStrike">
+      <a:defRPr sz="1400" b="0" i="0" u="none" strike="noStrike" cap="none">
         <a:solidFill>
           <a:srgbClr val="000000"/>
         </a:solidFill>
@@ -124,7 +124,7 @@
         <a:sym typeface="Arial"/>
       </a:defRPr>
     </a:lvl3pPr>
-    <a:lvl4pPr lvl="3" marR="0" rtl="0" algn="l">
+    <a:lvl4pPr marR="0" lvl="3" algn="l" rtl="0">
       <a:lnSpc>
         <a:spcPct val="100000"/>
       </a:lnSpc>
@@ -138,7 +138,7 @@
         <a:srgbClr val="000000"/>
       </a:buClr>
       <a:buFont typeface="Arial"/>
-      <a:defRPr b="0" i="0" sz="1400" u="none" cap="none" strike="noStrike">
+      <a:defRPr sz="1400" b="0" i="0" u="none" strike="noStrike" cap="none">
         <a:solidFill>
           <a:srgbClr val="000000"/>
         </a:solidFill>
@@ -148,7 +148,7 @@
         <a:sym typeface="Arial"/>
       </a:defRPr>
     </a:lvl4pPr>
-    <a:lvl5pPr lvl="4" marR="0" rtl="0" algn="l">
+    <a:lvl5pPr marR="0" lvl="4" algn="l" rtl="0">
       <a:lnSpc>
         <a:spcPct val="100000"/>
       </a:lnSpc>
@@ -162,7 +162,7 @@
         <a:srgbClr val="000000"/>
       </a:buClr>
       <a:buFont typeface="Arial"/>
-      <a:defRPr b="0" i="0" sz="1400" u="none" cap="none" strike="noStrike">
+      <a:defRPr sz="1400" b="0" i="0" u="none" strike="noStrike" cap="none">
         <a:solidFill>
           <a:srgbClr val="000000"/>
         </a:solidFill>
@@ -172,7 +172,7 @@
         <a:sym typeface="Arial"/>
       </a:defRPr>
     </a:lvl5pPr>
-    <a:lvl6pPr lvl="5" marR="0" rtl="0" algn="l">
+    <a:lvl6pPr marR="0" lvl="5" algn="l" rtl="0">
       <a:lnSpc>
         <a:spcPct val="100000"/>
       </a:lnSpc>
@@ -186,7 +186,7 @@
         <a:srgbClr val="000000"/>
       </a:buClr>
       <a:buFont typeface="Arial"/>
-      <a:defRPr b="0" i="0" sz="1400" u="none" cap="none" strike="noStrike">
+      <a:defRPr sz="1400" b="0" i="0" u="none" strike="noStrike" cap="none">
         <a:solidFill>
           <a:srgbClr val="000000"/>
         </a:solidFill>
@@ -196,7 +196,7 @@
         <a:sym typeface="Arial"/>
       </a:defRPr>
     </a:lvl6pPr>
-    <a:lvl7pPr lvl="6" marR="0" rtl="0" algn="l">
+    <a:lvl7pPr marR="0" lvl="6" algn="l" rtl="0">
       <a:lnSpc>
         <a:spcPct val="100000"/>
       </a:lnSpc>
@@ -210,7 +210,7 @@
         <a:srgbClr val="000000"/>
       </a:buClr>
       <a:buFont typeface="Arial"/>
-      <a:defRPr b="0" i="0" sz="1400" u="none" cap="none" strike="noStrike">
+      <a:defRPr sz="1400" b="0" i="0" u="none" strike="noStrike" cap="none">
         <a:solidFill>
           <a:srgbClr val="000000"/>
         </a:solidFill>
@@ -220,7 +220,7 @@
         <a:sym typeface="Arial"/>
       </a:defRPr>
     </a:lvl7pPr>
-    <a:lvl8pPr lvl="7" marR="0" rtl="0" algn="l">
+    <a:lvl8pPr marR="0" lvl="7" algn="l" rtl="0">
       <a:lnSpc>
         <a:spcPct val="100000"/>
       </a:lnSpc>
@@ -234,7 +234,7 @@
         <a:srgbClr val="000000"/>
       </a:buClr>
       <a:buFont typeface="Arial"/>
-      <a:defRPr b="0" i="0" sz="1400" u="none" cap="none" strike="noStrike">
+      <a:defRPr sz="1400" b="0" i="0" u="none" strike="noStrike" cap="none">
         <a:solidFill>
           <a:srgbClr val="000000"/>
         </a:solidFill>
@@ -244,7 +244,7 @@
         <a:sym typeface="Arial"/>
       </a:defRPr>
     </a:lvl8pPr>
-    <a:lvl9pPr lvl="8" marR="0" rtl="0" algn="l">
+    <a:lvl9pPr marR="0" lvl="8" algn="l" rtl="0">
       <a:lnSpc>
         <a:spcPct val="100000"/>
       </a:lnSpc>
@@ -258,7 +258,7 @@
         <a:srgbClr val="000000"/>
       </a:buClr>
       <a:buFont typeface="Arial"/>
-      <a:defRPr b="0" i="0" sz="1400" u="none" cap="none" strike="noStrike">
+      <a:defRPr sz="1400" b="0" i="0" u="none" strike="noStrike" cap="none">
         <a:solidFill>
           <a:srgbClr val="000000"/>
         </a:solidFill>
@@ -273,11 +273,16 @@
 </file>
 
 <file path=ppt/notesMasters/notesMaster1.xml><?xml version="1.0" encoding="utf-8"?>
-<p:notesMaster xmlns:a="http://schemas.openxmlformats.org/drawingml/2006/main" xmlns:r="http://schemas.openxmlformats.org/officeDocument/2006/relationships" xmlns:mc="http://schemas.openxmlformats.org/markup-compatibility/2006" xmlns:mv="urn:schemas-microsoft-com:mac:vml" xmlns:p="http://schemas.openxmlformats.org/presentationml/2006/main" xmlns:c="http://schemas.openxmlformats.org/drawingml/2006/chart" xmlns:dgm="http://schemas.openxmlformats.org/drawingml/2006/diagram" xmlns:o="urn:schemas-microsoft-com:office:office" xmlns:v="urn:schemas-microsoft-com:vml" xmlns:pvml="urn:schemas-microsoft-com:office:powerpoint" xmlns:com="http://schemas.openxmlformats.org/drawingml/2006/compatibility" xmlns:p14="http://schemas.microsoft.com/office/powerpoint/2010/main" xmlns:p15="http://schemas.microsoft.com/office/powerpoint/2012/main" xmlns:ahyp="http://schemas.microsoft.com/office/drawing/2018/hyperlinkcolor">
+<p:notesMaster xmlns:a="http://schemas.openxmlformats.org/drawingml/2006/main" xmlns:r="http://schemas.openxmlformats.org/officeDocument/2006/relationships" xmlns:p="http://schemas.openxmlformats.org/presentationml/2006/main">
   <p:cSld>
+    <p:bg>
+      <p:bgRef idx="1001">
+        <a:schemeClr val="bg1"/>
+      </p:bgRef>
+    </p:bg>
     <p:spTree>
       <p:nvGrpSpPr>
-        <p:cNvPr id="2" name="Shape 2"/>
+        <p:cNvPr id="1" name="Shape 2"/>
         <p:cNvGrpSpPr/>
         <p:nvPr/>
       </p:nvGrpSpPr>
@@ -292,9 +297,11 @@
       <p:sp>
         <p:nvSpPr>
           <p:cNvPr id="3" name="Google Shape;3;n"/>
-          <p:cNvSpPr/>
+          <p:cNvSpPr>
+            <a:spLocks noGrp="1" noRot="1" noChangeAspect="1"/>
+          </p:cNvSpPr>
           <p:nvPr>
-            <p:ph idx="2" type="sldImg"/>
+            <p:ph type="sldImg" idx="2"/>
           </p:nvPr>
         </p:nvSpPr>
         <p:spPr>
@@ -303,9 +310,13 @@
             <a:ext cx="4572225" cy="3429000"/>
           </a:xfrm>
           <a:custGeom>
-            <a:rect b="b" l="l" r="r" t="t"/>
+            <a:avLst/>
+            <a:gdLst/>
+            <a:ahLst/>
+            <a:cxnLst/>
+            <a:rect l="l" t="t" r="r" b="b"/>
             <a:pathLst>
-              <a:path extrusionOk="0" h="120000" w="120000">
+              <a:path w="120000" h="120000" extrusionOk="0">
                 <a:moveTo>
                   <a:pt x="0" y="0"/>
                 </a:moveTo>
@@ -323,23 +334,25 @@
             </a:pathLst>
           </a:custGeom>
           <a:noFill/>
-          <a:ln cap="flat" cmpd="sng" w="9525">
+          <a:ln w="9525" cap="flat" cmpd="sng">
             <a:solidFill>
               <a:srgbClr val="000000"/>
             </a:solidFill>
             <a:prstDash val="solid"/>
             <a:round/>
-            <a:headEnd len="sm" w="sm" type="none"/>
-            <a:tailEnd len="sm" w="sm" type="none"/>
+            <a:headEnd type="none" w="sm" len="sm"/>
+            <a:tailEnd type="none" w="sm" len="sm"/>
           </a:ln>
         </p:spPr>
       </p:sp>
       <p:sp>
         <p:nvSpPr>
           <p:cNvPr id="4" name="Google Shape;4;n"/>
-          <p:cNvSpPr txBox="1"/>
+          <p:cNvSpPr txBox="1">
+            <a:spLocks noGrp="1"/>
+          </p:cNvSpPr>
           <p:nvPr>
-            <p:ph idx="1" type="body"/>
+            <p:ph type="body" idx="1"/>
           </p:nvPr>
         </p:nvSpPr>
         <p:spPr>
@@ -356,11 +369,11 @@
           </a:ln>
         </p:spPr>
         <p:txBody>
-          <a:bodyPr anchorCtr="0" anchor="t" bIns="91425" lIns="91425" spcFirstLastPara="1" rIns="91425" wrap="square" tIns="91425">
+          <a:bodyPr spcFirstLastPara="1" wrap="square" lIns="91425" tIns="91425" rIns="91425" bIns="91425" anchor="t" anchorCtr="0">
             <a:noAutofit/>
           </a:bodyPr>
           <a:lstStyle>
-            <a:lvl1pPr indent="-298450" lvl="0" marL="457200">
+            <a:lvl1pPr marL="457200" lvl="0" indent="-298450">
               <a:spcBef>
                 <a:spcPts val="0"/>
               </a:spcBef>
@@ -371,7 +384,7 @@
               <a:buChar char="●"/>
               <a:defRPr sz="1100"/>
             </a:lvl1pPr>
-            <a:lvl2pPr indent="-298450" lvl="1" marL="914400">
+            <a:lvl2pPr marL="914400" lvl="1" indent="-298450">
               <a:spcBef>
                 <a:spcPts val="0"/>
               </a:spcBef>
@@ -382,7 +395,7 @@
               <a:buChar char="○"/>
               <a:defRPr sz="1100"/>
             </a:lvl2pPr>
-            <a:lvl3pPr indent="-298450" lvl="2" marL="1371600">
+            <a:lvl3pPr marL="1371600" lvl="2" indent="-298450">
               <a:spcBef>
                 <a:spcPts val="0"/>
               </a:spcBef>
@@ -393,7 +406,7 @@
               <a:buChar char="■"/>
               <a:defRPr sz="1100"/>
             </a:lvl3pPr>
-            <a:lvl4pPr indent="-298450" lvl="3" marL="1828800">
+            <a:lvl4pPr marL="1828800" lvl="3" indent="-298450">
               <a:spcBef>
                 <a:spcPts val="0"/>
               </a:spcBef>
@@ -404,7 +417,7 @@
               <a:buChar char="●"/>
               <a:defRPr sz="1100"/>
             </a:lvl4pPr>
-            <a:lvl5pPr indent="-298450" lvl="4" marL="2286000">
+            <a:lvl5pPr marL="2286000" lvl="4" indent="-298450">
               <a:spcBef>
                 <a:spcPts val="0"/>
               </a:spcBef>
@@ -415,7 +428,7 @@
               <a:buChar char="○"/>
               <a:defRPr sz="1100"/>
             </a:lvl5pPr>
-            <a:lvl6pPr indent="-298450" lvl="5" marL="2743200">
+            <a:lvl6pPr marL="2743200" lvl="5" indent="-298450">
               <a:spcBef>
                 <a:spcPts val="0"/>
               </a:spcBef>
@@ -426,7 +439,7 @@
               <a:buChar char="■"/>
               <a:defRPr sz="1100"/>
             </a:lvl6pPr>
-            <a:lvl7pPr indent="-298450" lvl="6" marL="3200400">
+            <a:lvl7pPr marL="3200400" lvl="6" indent="-298450">
               <a:spcBef>
                 <a:spcPts val="0"/>
               </a:spcBef>
@@ -437,7 +450,7 @@
               <a:buChar char="●"/>
               <a:defRPr sz="1100"/>
             </a:lvl7pPr>
-            <a:lvl8pPr indent="-298450" lvl="7" marL="3657600">
+            <a:lvl8pPr marL="3657600" lvl="7" indent="-298450">
               <a:spcBef>
                 <a:spcPts val="0"/>
               </a:spcBef>
@@ -448,7 +461,7 @@
               <a:buChar char="○"/>
               <a:defRPr sz="1100"/>
             </a:lvl8pPr>
-            <a:lvl9pPr indent="-298450" lvl="8" marL="4114800">
+            <a:lvl9pPr marL="4114800" lvl="8" indent="-298450">
               <a:spcBef>
                 <a:spcPts val="0"/>
               </a:spcBef>
@@ -460,14 +473,16 @@
               <a:defRPr sz="1100"/>
             </a:lvl9pPr>
           </a:lstStyle>
-          <a:p/>
+          <a:p>
+            <a:endParaRPr/>
+          </a:p>
         </p:txBody>
       </p:sp>
     </p:spTree>
   </p:cSld>
-  <p:clrMap accent1="accent1" accent2="accent2" accent3="accent3" accent4="accent4" accent5="accent5" accent6="accent6" bg1="lt1" bg2="dk2" tx1="dk1" tx2="lt2" folHlink="folHlink" hlink="hlink"/>
+  <p:clrMap bg1="lt1" tx1="dk1" bg2="dk2" tx2="lt2" accent1="accent1" accent2="accent2" accent3="accent3" accent4="accent4" accent5="accent5" accent6="accent6" hlink="hlink" folHlink="folHlink"/>
   <p:notesStyle>
-    <a:defPPr lvl="0" marR="0" rtl="0" algn="l">
+    <a:defPPr marR="0" lvl="0" algn="l" rtl="0">
       <a:lnSpc>
         <a:spcPct val="100000"/>
       </a:lnSpc>
@@ -478,7 +493,7 @@
         <a:spcPts val="0"/>
       </a:spcAft>
     </a:defPPr>
-    <a:lvl1pPr lvl="0" marR="0" rtl="0" algn="l">
+    <a:lvl1pPr marR="0" lvl="0" algn="l" rtl="0">
       <a:lnSpc>
         <a:spcPct val="100000"/>
       </a:lnSpc>
@@ -492,7 +507,7 @@
         <a:srgbClr val="000000"/>
       </a:buClr>
       <a:buFont typeface="Arial"/>
-      <a:defRPr b="0" i="0" sz="1400" u="none" cap="none" strike="noStrike">
+      <a:defRPr sz="1400" b="0" i="0" u="none" strike="noStrike" cap="none">
         <a:solidFill>
           <a:srgbClr val="000000"/>
         </a:solidFill>
@@ -502,7 +517,7 @@
         <a:sym typeface="Arial"/>
       </a:defRPr>
     </a:lvl1pPr>
-    <a:lvl2pPr lvl="1" marR="0" rtl="0" algn="l">
+    <a:lvl2pPr marR="0" lvl="1" algn="l" rtl="0">
       <a:lnSpc>
         <a:spcPct val="100000"/>
       </a:lnSpc>
@@ -516,7 +531,7 @@
         <a:srgbClr val="000000"/>
       </a:buClr>
       <a:buFont typeface="Arial"/>
-      <a:defRPr b="0" i="0" sz="1400" u="none" cap="none" strike="noStrike">
+      <a:defRPr sz="1400" b="0" i="0" u="none" strike="noStrike" cap="none">
         <a:solidFill>
           <a:srgbClr val="000000"/>
         </a:solidFill>
@@ -526,7 +541,7 @@
         <a:sym typeface="Arial"/>
       </a:defRPr>
     </a:lvl2pPr>
-    <a:lvl3pPr lvl="2" marR="0" rtl="0" algn="l">
+    <a:lvl3pPr marR="0" lvl="2" algn="l" rtl="0">
       <a:lnSpc>
         <a:spcPct val="100000"/>
       </a:lnSpc>
@@ -540,7 +555,7 @@
         <a:srgbClr val="000000"/>
       </a:buClr>
       <a:buFont typeface="Arial"/>
-      <a:defRPr b="0" i="0" sz="1400" u="none" cap="none" strike="noStrike">
+      <a:defRPr sz="1400" b="0" i="0" u="none" strike="noStrike" cap="none">
         <a:solidFill>
           <a:srgbClr val="000000"/>
         </a:solidFill>
@@ -550,7 +565,7 @@
         <a:sym typeface="Arial"/>
       </a:defRPr>
     </a:lvl3pPr>
-    <a:lvl4pPr lvl="3" marR="0" rtl="0" algn="l">
+    <a:lvl4pPr marR="0" lvl="3" algn="l" rtl="0">
       <a:lnSpc>
         <a:spcPct val="100000"/>
       </a:lnSpc>
@@ -564,7 +579,7 @@
         <a:srgbClr val="000000"/>
       </a:buClr>
       <a:buFont typeface="Arial"/>
-      <a:defRPr b="0" i="0" sz="1400" u="none" cap="none" strike="noStrike">
+      <a:defRPr sz="1400" b="0" i="0" u="none" strike="noStrike" cap="none">
         <a:solidFill>
           <a:srgbClr val="000000"/>
         </a:solidFill>
@@ -574,7 +589,7 @@
         <a:sym typeface="Arial"/>
       </a:defRPr>
     </a:lvl4pPr>
-    <a:lvl5pPr lvl="4" marR="0" rtl="0" algn="l">
+    <a:lvl5pPr marR="0" lvl="4" algn="l" rtl="0">
       <a:lnSpc>
         <a:spcPct val="100000"/>
       </a:lnSpc>
@@ -588,7 +603,7 @@
         <a:srgbClr val="000000"/>
       </a:buClr>
       <a:buFont typeface="Arial"/>
-      <a:defRPr b="0" i="0" sz="1400" u="none" cap="none" strike="noStrike">
+      <a:defRPr sz="1400" b="0" i="0" u="none" strike="noStrike" cap="none">
         <a:solidFill>
           <a:srgbClr val="000000"/>
         </a:solidFill>
@@ -598,7 +613,7 @@
         <a:sym typeface="Arial"/>
       </a:defRPr>
     </a:lvl5pPr>
-    <a:lvl6pPr lvl="5" marR="0" rtl="0" algn="l">
+    <a:lvl6pPr marR="0" lvl="5" algn="l" rtl="0">
       <a:lnSpc>
         <a:spcPct val="100000"/>
       </a:lnSpc>
@@ -612,7 +627,7 @@
         <a:srgbClr val="000000"/>
       </a:buClr>
       <a:buFont typeface="Arial"/>
-      <a:defRPr b="0" i="0" sz="1400" u="none" cap="none" strike="noStrike">
+      <a:defRPr sz="1400" b="0" i="0" u="none" strike="noStrike" cap="none">
         <a:solidFill>
           <a:srgbClr val="000000"/>
         </a:solidFill>
@@ -622,7 +637,7 @@
         <a:sym typeface="Arial"/>
       </a:defRPr>
     </a:lvl6pPr>
-    <a:lvl7pPr lvl="6" marR="0" rtl="0" algn="l">
+    <a:lvl7pPr marR="0" lvl="6" algn="l" rtl="0">
       <a:lnSpc>
         <a:spcPct val="100000"/>
       </a:lnSpc>
@@ -636,7 +651,7 @@
         <a:srgbClr val="000000"/>
       </a:buClr>
       <a:buFont typeface="Arial"/>
-      <a:defRPr b="0" i="0" sz="1400" u="none" cap="none" strike="noStrike">
+      <a:defRPr sz="1400" b="0" i="0" u="none" strike="noStrike" cap="none">
         <a:solidFill>
           <a:srgbClr val="000000"/>
         </a:solidFill>
@@ -646,7 +661,7 @@
         <a:sym typeface="Arial"/>
       </a:defRPr>
     </a:lvl7pPr>
-    <a:lvl8pPr lvl="7" marR="0" rtl="0" algn="l">
+    <a:lvl8pPr marR="0" lvl="7" algn="l" rtl="0">
       <a:lnSpc>
         <a:spcPct val="100000"/>
       </a:lnSpc>
@@ -660,7 +675,7 @@
         <a:srgbClr val="000000"/>
       </a:buClr>
       <a:buFont typeface="Arial"/>
-      <a:defRPr b="0" i="0" sz="1400" u="none" cap="none" strike="noStrike">
+      <a:defRPr sz="1400" b="0" i="0" u="none" strike="noStrike" cap="none">
         <a:solidFill>
           <a:srgbClr val="000000"/>
         </a:solidFill>
@@ -670,7 +685,7 @@
         <a:sym typeface="Arial"/>
       </a:defRPr>
     </a:lvl8pPr>
-    <a:lvl9pPr lvl="8" marR="0" rtl="0" algn="l">
+    <a:lvl9pPr marR="0" lvl="8" algn="l" rtl="0">
       <a:lnSpc>
         <a:spcPct val="100000"/>
       </a:lnSpc>
@@ -684,7 +699,7 @@
         <a:srgbClr val="000000"/>
       </a:buClr>
       <a:buFont typeface="Arial"/>
-      <a:defRPr b="0" i="0" sz="1400" u="none" cap="none" strike="noStrike">
+      <a:defRPr sz="1400" b="0" i="0" u="none" strike="noStrike" cap="none">
         <a:solidFill>
           <a:srgbClr val="000000"/>
         </a:solidFill>
@@ -699,11 +714,11 @@
 </file>
 
 <file path=ppt/notesSlides/notesSlide1.xml><?xml version="1.0" encoding="utf-8"?>
-<p:notes xmlns:a="http://schemas.openxmlformats.org/drawingml/2006/main" xmlns:r="http://schemas.openxmlformats.org/officeDocument/2006/relationships" xmlns:mc="http://schemas.openxmlformats.org/markup-compatibility/2006" xmlns:mv="urn:schemas-microsoft-com:mac:vml" xmlns:p="http://schemas.openxmlformats.org/presentationml/2006/main" xmlns:c="http://schemas.openxmlformats.org/drawingml/2006/chart" xmlns:dgm="http://schemas.openxmlformats.org/drawingml/2006/diagram" xmlns:o="urn:schemas-microsoft-com:office:office" xmlns:v="urn:schemas-microsoft-com:vml" xmlns:pvml="urn:schemas-microsoft-com:office:powerpoint" xmlns:com="http://schemas.openxmlformats.org/drawingml/2006/compatibility" xmlns:p14="http://schemas.microsoft.com/office/powerpoint/2010/main" xmlns:p15="http://schemas.microsoft.com/office/powerpoint/2012/main" xmlns:ahyp="http://schemas.microsoft.com/office/drawing/2018/hyperlinkcolor" showMasterPhAnim="0" showMasterSp="0">
+<p:notes xmlns:a="http://schemas.openxmlformats.org/drawingml/2006/main" xmlns:r="http://schemas.openxmlformats.org/officeDocument/2006/relationships" xmlns:p="http://schemas.openxmlformats.org/presentationml/2006/main" showMasterSp="0" showMasterPhAnim="0">
   <p:cSld>
     <p:spTree>
       <p:nvGrpSpPr>
-        <p:cNvPr id="80" name="Shape 80"/>
+        <p:cNvPr id="1" name="Shape 80"/>
         <p:cNvGrpSpPr/>
         <p:nvPr/>
       </p:nvGrpSpPr>
@@ -718,9 +733,11 @@
       <p:sp>
         <p:nvSpPr>
           <p:cNvPr id="81" name="Google Shape;81;p1:notes"/>
-          <p:cNvSpPr txBox="1"/>
+          <p:cNvSpPr txBox="1">
+            <a:spLocks noGrp="1"/>
+          </p:cNvSpPr>
           <p:nvPr>
-            <p:ph idx="1" type="body"/>
+            <p:ph type="body" idx="1"/>
           </p:nvPr>
         </p:nvSpPr>
         <p:spPr>
@@ -733,12 +750,12 @@
           </a:prstGeom>
         </p:spPr>
         <p:txBody>
-          <a:bodyPr anchorCtr="0" anchor="t" bIns="91425" lIns="91425" spcFirstLastPara="1" rIns="91425" wrap="square" tIns="91425">
+          <a:bodyPr spcFirstLastPara="1" wrap="square" lIns="91425" tIns="91425" rIns="91425" bIns="91425" anchor="t" anchorCtr="0">
             <a:noAutofit/>
           </a:bodyPr>
           <a:lstStyle/>
           <a:p>
-            <a:pPr indent="0" lvl="0" marL="0" rtl="0" algn="l">
+            <a:pPr marL="0" lvl="0" indent="0" algn="l" rtl="0">
               <a:spcBef>
                 <a:spcPts val="0"/>
               </a:spcBef>
@@ -747,9 +764,6 @@
               </a:spcAft>
               <a:buNone/>
             </a:pPr>
-            <a:r>
-              <a:t/>
-            </a:r>
             <a:endParaRPr/>
           </a:p>
         </p:txBody>
@@ -757,9 +771,11 @@
       <p:sp>
         <p:nvSpPr>
           <p:cNvPr id="82" name="Google Shape;82;p1:notes"/>
-          <p:cNvSpPr/>
+          <p:cNvSpPr>
+            <a:spLocks noGrp="1" noRot="1" noChangeAspect="1"/>
+          </p:cNvSpPr>
           <p:nvPr>
-            <p:ph idx="2" type="sldImg"/>
+            <p:ph type="sldImg" idx="2"/>
           </p:nvPr>
         </p:nvSpPr>
         <p:spPr>
@@ -768,9 +784,13 @@
             <a:ext cx="4572225" cy="3429000"/>
           </a:xfrm>
           <a:custGeom>
-            <a:rect b="b" l="l" r="r" t="t"/>
+            <a:avLst/>
+            <a:gdLst/>
+            <a:ahLst/>
+            <a:cxnLst/>
+            <a:rect l="l" t="t" r="r" b="b"/>
             <a:pathLst>
-              <a:path extrusionOk="0" h="120000" w="120000">
+              <a:path w="120000" h="120000" extrusionOk="0">
                 <a:moveTo>
                   <a:pt x="0" y="0"/>
                 </a:moveTo>
@@ -798,11 +818,11 @@
 </file>
 
 <file path=ppt/notesSlides/notesSlide2.xml><?xml version="1.0" encoding="utf-8"?>
-<p:notes xmlns:a="http://schemas.openxmlformats.org/drawingml/2006/main" xmlns:r="http://schemas.openxmlformats.org/officeDocument/2006/relationships" xmlns:mc="http://schemas.openxmlformats.org/markup-compatibility/2006" xmlns:mv="urn:schemas-microsoft-com:mac:vml" xmlns:p="http://schemas.openxmlformats.org/presentationml/2006/main" xmlns:c="http://schemas.openxmlformats.org/drawingml/2006/chart" xmlns:dgm="http://schemas.openxmlformats.org/drawingml/2006/diagram" xmlns:o="urn:schemas-microsoft-com:office:office" xmlns:v="urn:schemas-microsoft-com:vml" xmlns:pvml="urn:schemas-microsoft-com:office:powerpoint" xmlns:com="http://schemas.openxmlformats.org/drawingml/2006/compatibility" xmlns:p14="http://schemas.microsoft.com/office/powerpoint/2010/main" xmlns:p15="http://schemas.microsoft.com/office/powerpoint/2012/main" xmlns:ahyp="http://schemas.microsoft.com/office/drawing/2018/hyperlinkcolor" showMasterPhAnim="0" showMasterSp="0">
+<p:notes xmlns:a="http://schemas.openxmlformats.org/drawingml/2006/main" xmlns:r="http://schemas.openxmlformats.org/officeDocument/2006/relationships" xmlns:p="http://schemas.openxmlformats.org/presentationml/2006/main" showMasterSp="0" showMasterPhAnim="0">
   <p:cSld>
     <p:spTree>
       <p:nvGrpSpPr>
-        <p:cNvPr id="94" name="Shape 94"/>
+        <p:cNvPr id="1" name="Shape 94"/>
         <p:cNvGrpSpPr/>
         <p:nvPr/>
       </p:nvGrpSpPr>
@@ -817,9 +837,11 @@
       <p:sp>
         <p:nvSpPr>
           <p:cNvPr id="95" name="Google Shape;95;p2:notes"/>
-          <p:cNvSpPr txBox="1"/>
+          <p:cNvSpPr txBox="1">
+            <a:spLocks noGrp="1"/>
+          </p:cNvSpPr>
           <p:nvPr>
-            <p:ph idx="1" type="body"/>
+            <p:ph type="body" idx="1"/>
           </p:nvPr>
         </p:nvSpPr>
         <p:spPr>
@@ -832,12 +854,12 @@
           </a:prstGeom>
         </p:spPr>
         <p:txBody>
-          <a:bodyPr anchorCtr="0" anchor="t" bIns="91425" lIns="91425" spcFirstLastPara="1" rIns="91425" wrap="square" tIns="91425">
+          <a:bodyPr spcFirstLastPara="1" wrap="square" lIns="91425" tIns="91425" rIns="91425" bIns="91425" anchor="t" anchorCtr="0">
             <a:noAutofit/>
           </a:bodyPr>
           <a:lstStyle/>
           <a:p>
-            <a:pPr indent="0" lvl="0" marL="0" rtl="0" algn="l">
+            <a:pPr marL="0" lvl="0" indent="0" algn="l" rtl="0">
               <a:spcBef>
                 <a:spcPts val="0"/>
               </a:spcBef>
@@ -846,9 +868,6 @@
               </a:spcAft>
               <a:buNone/>
             </a:pPr>
-            <a:r>
-              <a:t/>
-            </a:r>
             <a:endParaRPr/>
           </a:p>
         </p:txBody>
@@ -856,20 +875,26 @@
       <p:sp>
         <p:nvSpPr>
           <p:cNvPr id="96" name="Google Shape;96;p2:notes"/>
-          <p:cNvSpPr/>
+          <p:cNvSpPr>
+            <a:spLocks noGrp="1" noRot="1" noChangeAspect="1"/>
+          </p:cNvSpPr>
           <p:nvPr>
-            <p:ph idx="2" type="sldImg"/>
+            <p:ph type="sldImg" idx="2"/>
           </p:nvPr>
         </p:nvSpPr>
         <p:spPr>
           <a:xfrm>
-            <a:off x="1143225" y="685800"/>
-            <a:ext cx="4572225" cy="3429000"/>
+            <a:off x="381000" y="685800"/>
+            <a:ext cx="6096000" cy="3429000"/>
           </a:xfrm>
           <a:custGeom>
-            <a:rect b="b" l="l" r="r" t="t"/>
+            <a:avLst/>
+            <a:gdLst/>
+            <a:ahLst/>
+            <a:cxnLst/>
+            <a:rect l="l" t="t" r="r" b="b"/>
             <a:pathLst>
-              <a:path extrusionOk="0" h="120000" w="120000">
+              <a:path w="120000" h="120000" extrusionOk="0">
                 <a:moveTo>
                   <a:pt x="0" y="0"/>
                 </a:moveTo>
@@ -897,11 +922,11 @@
 </file>
 
 <file path=ppt/notesSlides/notesSlide3.xml><?xml version="1.0" encoding="utf-8"?>
-<p:notes xmlns:a="http://schemas.openxmlformats.org/drawingml/2006/main" xmlns:r="http://schemas.openxmlformats.org/officeDocument/2006/relationships" xmlns:mc="http://schemas.openxmlformats.org/markup-compatibility/2006" xmlns:mv="urn:schemas-microsoft-com:mac:vml" xmlns:p="http://schemas.openxmlformats.org/presentationml/2006/main" xmlns:c="http://schemas.openxmlformats.org/drawingml/2006/chart" xmlns:dgm="http://schemas.openxmlformats.org/drawingml/2006/diagram" xmlns:o="urn:schemas-microsoft-com:office:office" xmlns:v="urn:schemas-microsoft-com:vml" xmlns:pvml="urn:schemas-microsoft-com:office:powerpoint" xmlns:com="http://schemas.openxmlformats.org/drawingml/2006/compatibility" xmlns:p14="http://schemas.microsoft.com/office/powerpoint/2010/main" xmlns:p15="http://schemas.microsoft.com/office/powerpoint/2012/main" xmlns:ahyp="http://schemas.microsoft.com/office/drawing/2018/hyperlinkcolor" showMasterPhAnim="0" showMasterSp="0">
+<p:notes xmlns:a="http://schemas.openxmlformats.org/drawingml/2006/main" xmlns:r="http://schemas.openxmlformats.org/officeDocument/2006/relationships" xmlns:p="http://schemas.openxmlformats.org/presentationml/2006/main" showMasterSp="0" showMasterPhAnim="0">
   <p:cSld>
     <p:spTree>
       <p:nvGrpSpPr>
-        <p:cNvPr id="100" name="Shape 100"/>
+        <p:cNvPr id="1" name="Shape 100"/>
         <p:cNvGrpSpPr/>
         <p:nvPr/>
       </p:nvGrpSpPr>
@@ -916,9 +941,11 @@
       <p:sp>
         <p:nvSpPr>
           <p:cNvPr id="101" name="Google Shape;101;p3:notes"/>
-          <p:cNvSpPr txBox="1"/>
+          <p:cNvSpPr txBox="1">
+            <a:spLocks noGrp="1"/>
+          </p:cNvSpPr>
           <p:nvPr>
-            <p:ph idx="1" type="body"/>
+            <p:ph type="body" idx="1"/>
           </p:nvPr>
         </p:nvSpPr>
         <p:spPr>
@@ -931,12 +958,12 @@
           </a:prstGeom>
         </p:spPr>
         <p:txBody>
-          <a:bodyPr anchorCtr="0" anchor="t" bIns="91425" lIns="91425" spcFirstLastPara="1" rIns="91425" wrap="square" tIns="91425">
+          <a:bodyPr spcFirstLastPara="1" wrap="square" lIns="91425" tIns="91425" rIns="91425" bIns="91425" anchor="t" anchorCtr="0">
             <a:noAutofit/>
           </a:bodyPr>
           <a:lstStyle/>
           <a:p>
-            <a:pPr indent="0" lvl="0" marL="0" rtl="0" algn="l">
+            <a:pPr marL="0" lvl="0" indent="0" algn="l" rtl="0">
               <a:spcBef>
                 <a:spcPts val="0"/>
               </a:spcBef>
@@ -945,9 +972,6 @@
               </a:spcAft>
               <a:buNone/>
             </a:pPr>
-            <a:r>
-              <a:t/>
-            </a:r>
             <a:endParaRPr/>
           </a:p>
         </p:txBody>
@@ -955,20 +979,26 @@
       <p:sp>
         <p:nvSpPr>
           <p:cNvPr id="102" name="Google Shape;102;p3:notes"/>
-          <p:cNvSpPr/>
+          <p:cNvSpPr>
+            <a:spLocks noGrp="1" noRot="1" noChangeAspect="1"/>
+          </p:cNvSpPr>
           <p:nvPr>
-            <p:ph idx="2" type="sldImg"/>
+            <p:ph type="sldImg" idx="2"/>
           </p:nvPr>
         </p:nvSpPr>
         <p:spPr>
           <a:xfrm>
-            <a:off x="1143225" y="685800"/>
-            <a:ext cx="4572225" cy="3429000"/>
+            <a:off x="381000" y="685800"/>
+            <a:ext cx="6096000" cy="3429000"/>
           </a:xfrm>
           <a:custGeom>
-            <a:rect b="b" l="l" r="r" t="t"/>
+            <a:avLst/>
+            <a:gdLst/>
+            <a:ahLst/>
+            <a:cxnLst/>
+            <a:rect l="l" t="t" r="r" b="b"/>
             <a:pathLst>
-              <a:path extrusionOk="0" h="120000" w="120000">
+              <a:path w="120000" h="120000" extrusionOk="0">
                 <a:moveTo>
                   <a:pt x="0" y="0"/>
                 </a:moveTo>
@@ -996,11 +1026,11 @@
 </file>
 
 <file path=ppt/notesSlides/notesSlide4.xml><?xml version="1.0" encoding="utf-8"?>
-<p:notes xmlns:a="http://schemas.openxmlformats.org/drawingml/2006/main" xmlns:r="http://schemas.openxmlformats.org/officeDocument/2006/relationships" xmlns:mc="http://schemas.openxmlformats.org/markup-compatibility/2006" xmlns:mv="urn:schemas-microsoft-com:mac:vml" xmlns:p="http://schemas.openxmlformats.org/presentationml/2006/main" xmlns:c="http://schemas.openxmlformats.org/drawingml/2006/chart" xmlns:dgm="http://schemas.openxmlformats.org/drawingml/2006/diagram" xmlns:o="urn:schemas-microsoft-com:office:office" xmlns:v="urn:schemas-microsoft-com:vml" xmlns:pvml="urn:schemas-microsoft-com:office:powerpoint" xmlns:com="http://schemas.openxmlformats.org/drawingml/2006/compatibility" xmlns:p14="http://schemas.microsoft.com/office/powerpoint/2010/main" xmlns:p15="http://schemas.microsoft.com/office/powerpoint/2012/main" xmlns:ahyp="http://schemas.microsoft.com/office/drawing/2018/hyperlinkcolor" showMasterPhAnim="0" showMasterSp="0">
+<p:notes xmlns:a="http://schemas.openxmlformats.org/drawingml/2006/main" xmlns:r="http://schemas.openxmlformats.org/officeDocument/2006/relationships" xmlns:p="http://schemas.openxmlformats.org/presentationml/2006/main" showMasterSp="0" showMasterPhAnim="0">
   <p:cSld>
     <p:spTree>
       <p:nvGrpSpPr>
-        <p:cNvPr id="111" name="Shape 111"/>
+        <p:cNvPr id="1" name="Shape 117"/>
         <p:cNvGrpSpPr/>
         <p:nvPr/>
       </p:nvGrpSpPr>
@@ -1014,10 +1044,12 @@
       </p:grpSpPr>
       <p:sp>
         <p:nvSpPr>
-          <p:cNvPr id="112" name="Google Shape;112;g2d761c60ed7_1_0:notes"/>
-          <p:cNvSpPr txBox="1"/>
+          <p:cNvPr id="118" name="Google Shape;118;g2d761c60ed7_1_80:notes"/>
+          <p:cNvSpPr txBox="1">
+            <a:spLocks noGrp="1"/>
+          </p:cNvSpPr>
           <p:nvPr>
-            <p:ph idx="1" type="body"/>
+            <p:ph type="body" idx="1"/>
           </p:nvPr>
         </p:nvSpPr>
         <p:spPr>
@@ -1030,12 +1062,12 @@
           </a:prstGeom>
         </p:spPr>
         <p:txBody>
-          <a:bodyPr anchorCtr="0" anchor="t" bIns="91425" lIns="91425" spcFirstLastPara="1" rIns="91425" wrap="square" tIns="91425">
+          <a:bodyPr spcFirstLastPara="1" wrap="square" lIns="91425" tIns="91425" rIns="91425" bIns="91425" anchor="t" anchorCtr="0">
             <a:noAutofit/>
           </a:bodyPr>
           <a:lstStyle/>
           <a:p>
-            <a:pPr indent="0" lvl="0" marL="0" rtl="0" algn="l">
+            <a:pPr marL="0" lvl="0" indent="0" algn="l" rtl="0">
               <a:spcBef>
                 <a:spcPts val="0"/>
               </a:spcBef>
@@ -1044,30 +1076,33 @@
               </a:spcAft>
               <a:buNone/>
             </a:pPr>
-            <a:r>
-              <a:t/>
-            </a:r>
             <a:endParaRPr/>
           </a:p>
         </p:txBody>
       </p:sp>
       <p:sp>
         <p:nvSpPr>
-          <p:cNvPr id="113" name="Google Shape;113;g2d761c60ed7_1_0:notes"/>
-          <p:cNvSpPr/>
+          <p:cNvPr id="119" name="Google Shape;119;g2d761c60ed7_1_80:notes"/>
+          <p:cNvSpPr>
+            <a:spLocks noGrp="1" noRot="1" noChangeAspect="1"/>
+          </p:cNvSpPr>
           <p:nvPr>
-            <p:ph idx="2" type="sldImg"/>
+            <p:ph type="sldImg" idx="2"/>
           </p:nvPr>
         </p:nvSpPr>
         <p:spPr>
           <a:xfrm>
-            <a:off x="1143225" y="685800"/>
-            <a:ext cx="4572300" cy="3429000"/>
+            <a:off x="381000" y="685800"/>
+            <a:ext cx="6096000" cy="3429000"/>
           </a:xfrm>
           <a:custGeom>
-            <a:rect b="b" l="l" r="r" t="t"/>
+            <a:avLst/>
+            <a:gdLst/>
+            <a:ahLst/>
+            <a:cxnLst/>
+            <a:rect l="l" t="t" r="r" b="b"/>
             <a:pathLst>
-              <a:path extrusionOk="0" h="120000" w="120000">
+              <a:path w="120000" h="120000" extrusionOk="0">
                 <a:moveTo>
                   <a:pt x="0" y="0"/>
                 </a:moveTo>
@@ -1095,11 +1130,11 @@
 </file>
 
 <file path=ppt/notesSlides/notesSlide5.xml><?xml version="1.0" encoding="utf-8"?>
-<p:notes xmlns:a="http://schemas.openxmlformats.org/drawingml/2006/main" xmlns:r="http://schemas.openxmlformats.org/officeDocument/2006/relationships" xmlns:mc="http://schemas.openxmlformats.org/markup-compatibility/2006" xmlns:mv="urn:schemas-microsoft-com:mac:vml" xmlns:p="http://schemas.openxmlformats.org/presentationml/2006/main" xmlns:c="http://schemas.openxmlformats.org/drawingml/2006/chart" xmlns:dgm="http://schemas.openxmlformats.org/drawingml/2006/diagram" xmlns:o="urn:schemas-microsoft-com:office:office" xmlns:v="urn:schemas-microsoft-com:vml" xmlns:pvml="urn:schemas-microsoft-com:office:powerpoint" xmlns:com="http://schemas.openxmlformats.org/drawingml/2006/compatibility" xmlns:p14="http://schemas.microsoft.com/office/powerpoint/2010/main" xmlns:p15="http://schemas.microsoft.com/office/powerpoint/2012/main" xmlns:ahyp="http://schemas.microsoft.com/office/drawing/2018/hyperlinkcolor" showMasterPhAnim="0" showMasterSp="0">
+<p:notes xmlns:a="http://schemas.openxmlformats.org/drawingml/2006/main" xmlns:r="http://schemas.openxmlformats.org/officeDocument/2006/relationships" xmlns:p="http://schemas.openxmlformats.org/presentationml/2006/main" showMasterSp="0" showMasterPhAnim="0">
   <p:cSld>
     <p:spTree>
       <p:nvGrpSpPr>
-        <p:cNvPr id="117" name="Shape 117"/>
+        <p:cNvPr id="1" name="Shape 128"/>
         <p:cNvGrpSpPr/>
         <p:nvPr/>
       </p:nvGrpSpPr>
@@ -1113,10 +1148,12 @@
       </p:grpSpPr>
       <p:sp>
         <p:nvSpPr>
-          <p:cNvPr id="118" name="Google Shape;118;g2d761c60ed7_1_80:notes"/>
-          <p:cNvSpPr txBox="1"/>
+          <p:cNvPr id="129" name="Google Shape;129;p6:notes"/>
+          <p:cNvSpPr txBox="1">
+            <a:spLocks noGrp="1"/>
+          </p:cNvSpPr>
           <p:nvPr>
-            <p:ph idx="1" type="body"/>
+            <p:ph type="body" idx="1"/>
           </p:nvPr>
         </p:nvSpPr>
         <p:spPr>
@@ -1129,12 +1166,12 @@
           </a:prstGeom>
         </p:spPr>
         <p:txBody>
-          <a:bodyPr anchorCtr="0" anchor="t" bIns="91425" lIns="91425" spcFirstLastPara="1" rIns="91425" wrap="square" tIns="91425">
+          <a:bodyPr spcFirstLastPara="1" wrap="square" lIns="91425" tIns="91425" rIns="91425" bIns="91425" anchor="t" anchorCtr="0">
             <a:noAutofit/>
           </a:bodyPr>
           <a:lstStyle/>
           <a:p>
-            <a:pPr indent="0" lvl="0" marL="0" rtl="0" algn="l">
+            <a:pPr marL="0" lvl="0" indent="0" algn="l" rtl="0">
               <a:spcBef>
                 <a:spcPts val="0"/>
               </a:spcBef>
@@ -1143,30 +1180,33 @@
               </a:spcAft>
               <a:buNone/>
             </a:pPr>
-            <a:r>
-              <a:t/>
-            </a:r>
             <a:endParaRPr/>
           </a:p>
         </p:txBody>
       </p:sp>
       <p:sp>
         <p:nvSpPr>
-          <p:cNvPr id="119" name="Google Shape;119;g2d761c60ed7_1_80:notes"/>
-          <p:cNvSpPr/>
+          <p:cNvPr id="130" name="Google Shape;130;p6:notes"/>
+          <p:cNvSpPr>
+            <a:spLocks noGrp="1" noRot="1" noChangeAspect="1"/>
+          </p:cNvSpPr>
           <p:nvPr>
-            <p:ph idx="2" type="sldImg"/>
+            <p:ph type="sldImg" idx="2"/>
           </p:nvPr>
         </p:nvSpPr>
         <p:spPr>
           <a:xfrm>
-            <a:off x="1143225" y="685800"/>
-            <a:ext cx="4572300" cy="3429000"/>
+            <a:off x="381000" y="685800"/>
+            <a:ext cx="6096000" cy="3429000"/>
           </a:xfrm>
           <a:custGeom>
-            <a:rect b="b" l="l" r="r" t="t"/>
+            <a:avLst/>
+            <a:gdLst/>
+            <a:ahLst/>
+            <a:cxnLst/>
+            <a:rect l="l" t="t" r="r" b="b"/>
             <a:pathLst>
-              <a:path extrusionOk="0" h="120000" w="120000">
+              <a:path w="120000" h="120000" extrusionOk="0">
                 <a:moveTo>
                   <a:pt x="0" y="0"/>
                 </a:moveTo>
@@ -1194,110 +1234,11 @@
 </file>
 
 <file path=ppt/notesSlides/notesSlide6.xml><?xml version="1.0" encoding="utf-8"?>
-<p:notes xmlns:a="http://schemas.openxmlformats.org/drawingml/2006/main" xmlns:r="http://schemas.openxmlformats.org/officeDocument/2006/relationships" xmlns:mc="http://schemas.openxmlformats.org/markup-compatibility/2006" xmlns:mv="urn:schemas-microsoft-com:mac:vml" xmlns:p="http://schemas.openxmlformats.org/presentationml/2006/main" xmlns:c="http://schemas.openxmlformats.org/drawingml/2006/chart" xmlns:dgm="http://schemas.openxmlformats.org/drawingml/2006/diagram" xmlns:o="urn:schemas-microsoft-com:office:office" xmlns:v="urn:schemas-microsoft-com:vml" xmlns:pvml="urn:schemas-microsoft-com:office:powerpoint" xmlns:com="http://schemas.openxmlformats.org/drawingml/2006/compatibility" xmlns:p14="http://schemas.microsoft.com/office/powerpoint/2010/main" xmlns:p15="http://schemas.microsoft.com/office/powerpoint/2012/main" xmlns:ahyp="http://schemas.microsoft.com/office/drawing/2018/hyperlinkcolor" showMasterPhAnim="0" showMasterSp="0">
+<p:notes xmlns:a="http://schemas.openxmlformats.org/drawingml/2006/main" xmlns:r="http://schemas.openxmlformats.org/officeDocument/2006/relationships" xmlns:p="http://schemas.openxmlformats.org/presentationml/2006/main" showMasterSp="0" showMasterPhAnim="0">
   <p:cSld>
     <p:spTree>
       <p:nvGrpSpPr>
-        <p:cNvPr id="128" name="Shape 128"/>
-        <p:cNvGrpSpPr/>
-        <p:nvPr/>
-      </p:nvGrpSpPr>
-      <p:grpSpPr>
-        <a:xfrm>
-          <a:off x="0" y="0"/>
-          <a:ext cx="0" cy="0"/>
-          <a:chOff x="0" y="0"/>
-          <a:chExt cx="0" cy="0"/>
-        </a:xfrm>
-      </p:grpSpPr>
-      <p:sp>
-        <p:nvSpPr>
-          <p:cNvPr id="129" name="Google Shape;129;p6:notes"/>
-          <p:cNvSpPr txBox="1"/>
-          <p:nvPr>
-            <p:ph idx="1" type="body"/>
-          </p:nvPr>
-        </p:nvSpPr>
-        <p:spPr>
-          <a:xfrm>
-            <a:off x="685800" y="4343400"/>
-            <a:ext cx="5486400" cy="4114800"/>
-          </a:xfrm>
-          <a:prstGeom prst="rect">
-            <a:avLst/>
-          </a:prstGeom>
-        </p:spPr>
-        <p:txBody>
-          <a:bodyPr anchorCtr="0" anchor="t" bIns="91425" lIns="91425" spcFirstLastPara="1" rIns="91425" wrap="square" tIns="91425">
-            <a:noAutofit/>
-          </a:bodyPr>
-          <a:lstStyle/>
-          <a:p>
-            <a:pPr indent="0" lvl="0" marL="0" rtl="0" algn="l">
-              <a:spcBef>
-                <a:spcPts val="0"/>
-              </a:spcBef>
-              <a:spcAft>
-                <a:spcPts val="0"/>
-              </a:spcAft>
-              <a:buNone/>
-            </a:pPr>
-            <a:r>
-              <a:t/>
-            </a:r>
-            <a:endParaRPr/>
-          </a:p>
-        </p:txBody>
-      </p:sp>
-      <p:sp>
-        <p:nvSpPr>
-          <p:cNvPr id="130" name="Google Shape;130;p6:notes"/>
-          <p:cNvSpPr/>
-          <p:nvPr>
-            <p:ph idx="2" type="sldImg"/>
-          </p:nvPr>
-        </p:nvSpPr>
-        <p:spPr>
-          <a:xfrm>
-            <a:off x="1143225" y="685800"/>
-            <a:ext cx="4572225" cy="3429000"/>
-          </a:xfrm>
-          <a:custGeom>
-            <a:rect b="b" l="l" r="r" t="t"/>
-            <a:pathLst>
-              <a:path extrusionOk="0" h="120000" w="120000">
-                <a:moveTo>
-                  <a:pt x="0" y="0"/>
-                </a:moveTo>
-                <a:lnTo>
-                  <a:pt x="120000" y="0"/>
-                </a:lnTo>
-                <a:lnTo>
-                  <a:pt x="120000" y="120000"/>
-                </a:lnTo>
-                <a:lnTo>
-                  <a:pt x="0" y="120000"/>
-                </a:lnTo>
-                <a:close/>
-              </a:path>
-            </a:pathLst>
-          </a:custGeom>
-        </p:spPr>
-      </p:sp>
-    </p:spTree>
-  </p:cSld>
-  <p:clrMapOvr>
-    <a:masterClrMapping/>
-  </p:clrMapOvr>
-</p:notes>
-</file>
-
-<file path=ppt/notesSlides/notesSlide7.xml><?xml version="1.0" encoding="utf-8"?>
-<p:notes xmlns:a="http://schemas.openxmlformats.org/drawingml/2006/main" xmlns:r="http://schemas.openxmlformats.org/officeDocument/2006/relationships" xmlns:mc="http://schemas.openxmlformats.org/markup-compatibility/2006" xmlns:mv="urn:schemas-microsoft-com:mac:vml" xmlns:p="http://schemas.openxmlformats.org/presentationml/2006/main" xmlns:c="http://schemas.openxmlformats.org/drawingml/2006/chart" xmlns:dgm="http://schemas.openxmlformats.org/drawingml/2006/diagram" xmlns:o="urn:schemas-microsoft-com:office:office" xmlns:v="urn:schemas-microsoft-com:vml" xmlns:pvml="urn:schemas-microsoft-com:office:powerpoint" xmlns:com="http://schemas.openxmlformats.org/drawingml/2006/compatibility" xmlns:p14="http://schemas.microsoft.com/office/powerpoint/2010/main" xmlns:p15="http://schemas.microsoft.com/office/powerpoint/2012/main" xmlns:ahyp="http://schemas.microsoft.com/office/drawing/2018/hyperlinkcolor" showMasterPhAnim="0" showMasterSp="0">
-  <p:cSld>
-    <p:spTree>
-      <p:nvGrpSpPr>
-        <p:cNvPr id="137" name="Shape 137"/>
+        <p:cNvPr id="1" name="Shape 137"/>
         <p:cNvGrpSpPr/>
         <p:nvPr/>
       </p:nvGrpSpPr>
@@ -1312,20 +1253,26 @@
       <p:sp>
         <p:nvSpPr>
           <p:cNvPr id="138" name="Google Shape;138;g2d761c60ed7_0_6:notes"/>
-          <p:cNvSpPr/>
+          <p:cNvSpPr>
+            <a:spLocks noGrp="1" noRot="1" noChangeAspect="1"/>
+          </p:cNvSpPr>
           <p:nvPr>
-            <p:ph idx="2" type="sldImg"/>
+            <p:ph type="sldImg" idx="2"/>
           </p:nvPr>
         </p:nvSpPr>
         <p:spPr>
           <a:xfrm>
-            <a:off x="1143225" y="685800"/>
-            <a:ext cx="4572300" cy="3429000"/>
+            <a:off x="381000" y="685800"/>
+            <a:ext cx="6096000" cy="3429000"/>
           </a:xfrm>
           <a:custGeom>
-            <a:rect b="b" l="l" r="r" t="t"/>
+            <a:avLst/>
+            <a:gdLst/>
+            <a:ahLst/>
+            <a:cxnLst/>
+            <a:rect l="l" t="t" r="r" b="b"/>
             <a:pathLst>
-              <a:path extrusionOk="0" h="120000" w="120000">
+              <a:path w="120000" h="120000" extrusionOk="0">
                 <a:moveTo>
                   <a:pt x="0" y="0"/>
                 </a:moveTo>
@@ -1347,9 +1294,11 @@
       <p:sp>
         <p:nvSpPr>
           <p:cNvPr id="139" name="Google Shape;139;g2d761c60ed7_0_6:notes"/>
-          <p:cNvSpPr txBox="1"/>
+          <p:cNvSpPr txBox="1">
+            <a:spLocks noGrp="1"/>
+          </p:cNvSpPr>
           <p:nvPr>
-            <p:ph idx="1" type="body"/>
+            <p:ph type="body" idx="1"/>
           </p:nvPr>
         </p:nvSpPr>
         <p:spPr>
@@ -1362,12 +1311,12 @@
           </a:prstGeom>
         </p:spPr>
         <p:txBody>
-          <a:bodyPr anchorCtr="0" anchor="t" bIns="91425" lIns="91425" spcFirstLastPara="1" rIns="91425" wrap="square" tIns="91425">
+          <a:bodyPr spcFirstLastPara="1" wrap="square" lIns="91425" tIns="91425" rIns="91425" bIns="91425" anchor="t" anchorCtr="0">
             <a:noAutofit/>
           </a:bodyPr>
           <a:lstStyle/>
           <a:p>
-            <a:pPr indent="0" lvl="0" marL="0" rtl="0" algn="l">
+            <a:pPr marL="0" lvl="0" indent="0" algn="l" rtl="0">
               <a:spcBef>
                 <a:spcPts val="0"/>
               </a:spcBef>
@@ -1376,9 +1325,6 @@
               </a:spcAft>
               <a:buNone/>
             </a:pPr>
-            <a:r>
-              <a:t/>
-            </a:r>
             <a:endParaRPr/>
           </a:p>
         </p:txBody>
@@ -1391,12 +1337,12 @@
 </p:notes>
 </file>
 
-<file path=ppt/notesSlides/notesSlide8.xml><?xml version="1.0" encoding="utf-8"?>
-<p:notes xmlns:a="http://schemas.openxmlformats.org/drawingml/2006/main" xmlns:r="http://schemas.openxmlformats.org/officeDocument/2006/relationships" xmlns:mc="http://schemas.openxmlformats.org/markup-compatibility/2006" xmlns:mv="urn:schemas-microsoft-com:mac:vml" xmlns:p="http://schemas.openxmlformats.org/presentationml/2006/main" xmlns:c="http://schemas.openxmlformats.org/drawingml/2006/chart" xmlns:dgm="http://schemas.openxmlformats.org/drawingml/2006/diagram" xmlns:o="urn:schemas-microsoft-com:office:office" xmlns:v="urn:schemas-microsoft-com:vml" xmlns:pvml="urn:schemas-microsoft-com:office:powerpoint" xmlns:com="http://schemas.openxmlformats.org/drawingml/2006/compatibility" xmlns:p14="http://schemas.microsoft.com/office/powerpoint/2010/main" xmlns:p15="http://schemas.microsoft.com/office/powerpoint/2012/main" xmlns:ahyp="http://schemas.microsoft.com/office/drawing/2018/hyperlinkcolor" showMasterPhAnim="0" showMasterSp="0">
+<file path=ppt/notesSlides/notesSlide7.xml><?xml version="1.0" encoding="utf-8"?>
+<p:notes xmlns:a="http://schemas.openxmlformats.org/drawingml/2006/main" xmlns:r="http://schemas.openxmlformats.org/officeDocument/2006/relationships" xmlns:p="http://schemas.openxmlformats.org/presentationml/2006/main" showMasterSp="0" showMasterPhAnim="0">
   <p:cSld>
     <p:spTree>
       <p:nvGrpSpPr>
-        <p:cNvPr id="143" name="Shape 143"/>
+        <p:cNvPr id="1" name="Shape 143"/>
         <p:cNvGrpSpPr/>
         <p:nvPr/>
       </p:nvGrpSpPr>
@@ -1411,20 +1357,26 @@
       <p:sp>
         <p:nvSpPr>
           <p:cNvPr id="144" name="Google Shape;144;g2d761c60ed7_0_13:notes"/>
-          <p:cNvSpPr/>
+          <p:cNvSpPr>
+            <a:spLocks noGrp="1" noRot="1" noChangeAspect="1"/>
+          </p:cNvSpPr>
           <p:nvPr>
-            <p:ph idx="2" type="sldImg"/>
+            <p:ph type="sldImg" idx="2"/>
           </p:nvPr>
         </p:nvSpPr>
         <p:spPr>
           <a:xfrm>
-            <a:off x="1143225" y="685800"/>
-            <a:ext cx="4572300" cy="3429000"/>
+            <a:off x="381000" y="685800"/>
+            <a:ext cx="6096000" cy="3429000"/>
           </a:xfrm>
           <a:custGeom>
-            <a:rect b="b" l="l" r="r" t="t"/>
+            <a:avLst/>
+            <a:gdLst/>
+            <a:ahLst/>
+            <a:cxnLst/>
+            <a:rect l="l" t="t" r="r" b="b"/>
             <a:pathLst>
-              <a:path extrusionOk="0" h="120000" w="120000">
+              <a:path w="120000" h="120000" extrusionOk="0">
                 <a:moveTo>
                   <a:pt x="0" y="0"/>
                 </a:moveTo>
@@ -1446,9 +1398,11 @@
       <p:sp>
         <p:nvSpPr>
           <p:cNvPr id="145" name="Google Shape;145;g2d761c60ed7_0_13:notes"/>
-          <p:cNvSpPr txBox="1"/>
+          <p:cNvSpPr txBox="1">
+            <a:spLocks noGrp="1"/>
+          </p:cNvSpPr>
           <p:nvPr>
-            <p:ph idx="1" type="body"/>
+            <p:ph type="body" idx="1"/>
           </p:nvPr>
         </p:nvSpPr>
         <p:spPr>
@@ -1461,12 +1415,12 @@
           </a:prstGeom>
         </p:spPr>
         <p:txBody>
-          <a:bodyPr anchorCtr="0" anchor="t" bIns="91425" lIns="91425" spcFirstLastPara="1" rIns="91425" wrap="square" tIns="91425">
+          <a:bodyPr spcFirstLastPara="1" wrap="square" lIns="91425" tIns="91425" rIns="91425" bIns="91425" anchor="t" anchorCtr="0">
             <a:noAutofit/>
           </a:bodyPr>
           <a:lstStyle/>
           <a:p>
-            <a:pPr indent="0" lvl="0" marL="0" rtl="0" algn="l">
+            <a:pPr marL="0" lvl="0" indent="0" algn="l" rtl="0">
               <a:spcBef>
                 <a:spcPts val="0"/>
               </a:spcBef>
@@ -1475,9 +1429,6 @@
               </a:spcAft>
               <a:buNone/>
             </a:pPr>
-            <a:r>
-              <a:t/>
-            </a:r>
             <a:endParaRPr/>
           </a:p>
         </p:txBody>
@@ -1490,12 +1441,12 @@
 </p:notes>
 </file>
 
-<file path=ppt/notesSlides/notesSlide9.xml><?xml version="1.0" encoding="utf-8"?>
-<p:notes xmlns:a="http://schemas.openxmlformats.org/drawingml/2006/main" xmlns:r="http://schemas.openxmlformats.org/officeDocument/2006/relationships" xmlns:mc="http://schemas.openxmlformats.org/markup-compatibility/2006" xmlns:mv="urn:schemas-microsoft-com:mac:vml" xmlns:p="http://schemas.openxmlformats.org/presentationml/2006/main" xmlns:c="http://schemas.openxmlformats.org/drawingml/2006/chart" xmlns:dgm="http://schemas.openxmlformats.org/drawingml/2006/diagram" xmlns:o="urn:schemas-microsoft-com:office:office" xmlns:v="urn:schemas-microsoft-com:vml" xmlns:pvml="urn:schemas-microsoft-com:office:powerpoint" xmlns:com="http://schemas.openxmlformats.org/drawingml/2006/compatibility" xmlns:p14="http://schemas.microsoft.com/office/powerpoint/2010/main" xmlns:p15="http://schemas.microsoft.com/office/powerpoint/2012/main" xmlns:ahyp="http://schemas.microsoft.com/office/drawing/2018/hyperlinkcolor" showMasterPhAnim="0" showMasterSp="0">
+<file path=ppt/notesSlides/notesSlide8.xml><?xml version="1.0" encoding="utf-8"?>
+<p:notes xmlns:a="http://schemas.openxmlformats.org/drawingml/2006/main" xmlns:r="http://schemas.openxmlformats.org/officeDocument/2006/relationships" xmlns:p="http://schemas.openxmlformats.org/presentationml/2006/main" showMasterSp="0" showMasterPhAnim="0">
   <p:cSld>
     <p:spTree>
       <p:nvGrpSpPr>
-        <p:cNvPr id="150" name="Shape 150"/>
+        <p:cNvPr id="1" name="Shape 150"/>
         <p:cNvGrpSpPr/>
         <p:nvPr/>
       </p:nvGrpSpPr>
@@ -1510,9 +1461,11 @@
       <p:sp>
         <p:nvSpPr>
           <p:cNvPr id="151" name="Google Shape;151;p7:notes"/>
-          <p:cNvSpPr txBox="1"/>
+          <p:cNvSpPr txBox="1">
+            <a:spLocks noGrp="1"/>
+          </p:cNvSpPr>
           <p:nvPr>
-            <p:ph idx="1" type="body"/>
+            <p:ph type="body" idx="1"/>
           </p:nvPr>
         </p:nvSpPr>
         <p:spPr>
@@ -1525,12 +1478,12 @@
           </a:prstGeom>
         </p:spPr>
         <p:txBody>
-          <a:bodyPr anchorCtr="0" anchor="t" bIns="91425" lIns="91425" spcFirstLastPara="1" rIns="91425" wrap="square" tIns="91425">
+          <a:bodyPr spcFirstLastPara="1" wrap="square" lIns="91425" tIns="91425" rIns="91425" bIns="91425" anchor="t" anchorCtr="0">
             <a:noAutofit/>
           </a:bodyPr>
           <a:lstStyle/>
           <a:p>
-            <a:pPr indent="0" lvl="0" marL="0" rtl="0" algn="l">
+            <a:pPr marL="0" lvl="0" indent="0" algn="l" rtl="0">
               <a:spcBef>
                 <a:spcPts val="0"/>
               </a:spcBef>
@@ -1539,9 +1492,6 @@
               </a:spcAft>
               <a:buNone/>
             </a:pPr>
-            <a:r>
-              <a:t/>
-            </a:r>
             <a:endParaRPr/>
           </a:p>
         </p:txBody>
@@ -1549,9 +1499,11 @@
       <p:sp>
         <p:nvSpPr>
           <p:cNvPr id="152" name="Google Shape;152;p7:notes"/>
-          <p:cNvSpPr/>
+          <p:cNvSpPr>
+            <a:spLocks noGrp="1" noRot="1" noChangeAspect="1"/>
+          </p:cNvSpPr>
           <p:nvPr>
-            <p:ph idx="2" type="sldImg"/>
+            <p:ph type="sldImg" idx="2"/>
           </p:nvPr>
         </p:nvSpPr>
         <p:spPr>
@@ -1560,9 +1512,13 @@
             <a:ext cx="4572225" cy="3429000"/>
           </a:xfrm>
           <a:custGeom>
-            <a:rect b="b" l="l" r="r" t="t"/>
+            <a:avLst/>
+            <a:gdLst/>
+            <a:ahLst/>
+            <a:cxnLst/>
+            <a:rect l="l" t="t" r="r" b="b"/>
             <a:pathLst>
-              <a:path extrusionOk="0" h="120000" w="120000">
+              <a:path w="120000" h="120000" extrusionOk="0">
                 <a:moveTo>
                   <a:pt x="0" y="0"/>
                 </a:moveTo>
@@ -1590,11 +1546,11 @@
 </file>
 
 <file path=ppt/slideLayouts/slideLayout1.xml><?xml version="1.0" encoding="utf-8"?>
-<p:sldLayout xmlns:a="http://schemas.openxmlformats.org/drawingml/2006/main" xmlns:r="http://schemas.openxmlformats.org/officeDocument/2006/relationships" xmlns:mc="http://schemas.openxmlformats.org/markup-compatibility/2006" xmlns:mv="urn:schemas-microsoft-com:mac:vml" xmlns:p="http://schemas.openxmlformats.org/presentationml/2006/main" xmlns:c="http://schemas.openxmlformats.org/drawingml/2006/chart" xmlns:dgm="http://schemas.openxmlformats.org/drawingml/2006/diagram" xmlns:o="urn:schemas-microsoft-com:office:office" xmlns:v="urn:schemas-microsoft-com:vml" xmlns:pvml="urn:schemas-microsoft-com:office:powerpoint" xmlns:com="http://schemas.openxmlformats.org/drawingml/2006/compatibility" xmlns:p14="http://schemas.microsoft.com/office/powerpoint/2010/main" xmlns:p15="http://schemas.microsoft.com/office/powerpoint/2012/main" xmlns:ahyp="http://schemas.microsoft.com/office/drawing/2018/hyperlinkcolor" matchingName="Title and Content" type="obj">
+<p:sldLayout xmlns:a="http://schemas.openxmlformats.org/drawingml/2006/main" xmlns:r="http://schemas.openxmlformats.org/officeDocument/2006/relationships" xmlns:p="http://schemas.openxmlformats.org/presentationml/2006/main" matchingName="Title and Content" type="obj">
   <p:cSld name="OBJECT">
     <p:spTree>
       <p:nvGrpSpPr>
-        <p:cNvPr id="11" name="Shape 11"/>
+        <p:cNvPr id="1" name="Shape 11"/>
         <p:cNvGrpSpPr/>
         <p:nvPr/>
       </p:nvGrpSpPr>
@@ -1609,7 +1565,9 @@
       <p:sp>
         <p:nvSpPr>
           <p:cNvPr id="12" name="Google Shape;12;p2"/>
-          <p:cNvSpPr txBox="1"/>
+          <p:cNvSpPr txBox="1">
+            <a:spLocks noGrp="1"/>
+          </p:cNvSpPr>
           <p:nvPr>
             <p:ph type="title"/>
           </p:nvPr>
@@ -1628,7 +1586,7 @@
           </a:ln>
         </p:spPr>
         <p:txBody>
-          <a:bodyPr anchorCtr="0" anchor="ctr" bIns="45700" lIns="91425" spcFirstLastPara="1" rIns="91425" wrap="square" tIns="45700">
+          <a:bodyPr spcFirstLastPara="1" wrap="square" lIns="91425" tIns="45700" rIns="91425" bIns="45700" anchor="ctr" anchorCtr="0">
             <a:normAutofit/>
           </a:bodyPr>
           <a:lstStyle>
@@ -1738,15 +1696,19 @@
               <a:defRPr/>
             </a:lvl9pPr>
           </a:lstStyle>
-          <a:p/>
+          <a:p>
+            <a:endParaRPr/>
+          </a:p>
         </p:txBody>
       </p:sp>
       <p:sp>
         <p:nvSpPr>
           <p:cNvPr id="13" name="Google Shape;13;p2"/>
-          <p:cNvSpPr txBox="1"/>
+          <p:cNvSpPr txBox="1">
+            <a:spLocks noGrp="1"/>
+          </p:cNvSpPr>
           <p:nvPr>
-            <p:ph idx="1" type="body"/>
+            <p:ph type="body" idx="1"/>
           </p:nvPr>
         </p:nvSpPr>
         <p:spPr>
@@ -1763,11 +1725,11 @@
           </a:ln>
         </p:spPr>
         <p:txBody>
-          <a:bodyPr anchorCtr="0" anchor="t" bIns="45700" lIns="91425" spcFirstLastPara="1" rIns="91425" wrap="square" tIns="45700">
+          <a:bodyPr spcFirstLastPara="1" wrap="square" lIns="91425" tIns="45700" rIns="91425" bIns="45700" anchor="t" anchorCtr="0">
             <a:normAutofit/>
           </a:bodyPr>
           <a:lstStyle>
-            <a:lvl1pPr indent="-342900" lvl="0" marL="457200" algn="l">
+            <a:lvl1pPr marL="457200" lvl="0" indent="-342900" algn="l">
               <a:lnSpc>
                 <a:spcPct val="90000"/>
               </a:lnSpc>
@@ -1784,7 +1746,7 @@
               <a:buChar char="•"/>
               <a:defRPr/>
             </a:lvl1pPr>
-            <a:lvl2pPr indent="-342900" lvl="1" marL="914400" algn="l">
+            <a:lvl2pPr marL="914400" lvl="1" indent="-342900" algn="l">
               <a:lnSpc>
                 <a:spcPct val="90000"/>
               </a:lnSpc>
@@ -1801,7 +1763,7 @@
               <a:buChar char="•"/>
               <a:defRPr/>
             </a:lvl2pPr>
-            <a:lvl3pPr indent="-342900" lvl="2" marL="1371600" algn="l">
+            <a:lvl3pPr marL="1371600" lvl="2" indent="-342900" algn="l">
               <a:lnSpc>
                 <a:spcPct val="90000"/>
               </a:lnSpc>
@@ -1818,7 +1780,7 @@
               <a:buChar char="•"/>
               <a:defRPr/>
             </a:lvl3pPr>
-            <a:lvl4pPr indent="-342900" lvl="3" marL="1828800" algn="l">
+            <a:lvl4pPr marL="1828800" lvl="3" indent="-342900" algn="l">
               <a:lnSpc>
                 <a:spcPct val="90000"/>
               </a:lnSpc>
@@ -1835,7 +1797,7 @@
               <a:buChar char="•"/>
               <a:defRPr/>
             </a:lvl4pPr>
-            <a:lvl5pPr indent="-342900" lvl="4" marL="2286000" algn="l">
+            <a:lvl5pPr marL="2286000" lvl="4" indent="-342900" algn="l">
               <a:lnSpc>
                 <a:spcPct val="90000"/>
               </a:lnSpc>
@@ -1852,7 +1814,7 @@
               <a:buChar char="•"/>
               <a:defRPr/>
             </a:lvl5pPr>
-            <a:lvl6pPr indent="-342900" lvl="5" marL="2743200" algn="l">
+            <a:lvl6pPr marL="2743200" lvl="5" indent="-342900" algn="l">
               <a:lnSpc>
                 <a:spcPct val="90000"/>
               </a:lnSpc>
@@ -1869,7 +1831,7 @@
               <a:buChar char="•"/>
               <a:defRPr/>
             </a:lvl6pPr>
-            <a:lvl7pPr indent="-342900" lvl="6" marL="3200400" algn="l">
+            <a:lvl7pPr marL="3200400" lvl="6" indent="-342900" algn="l">
               <a:lnSpc>
                 <a:spcPct val="90000"/>
               </a:lnSpc>
@@ -1886,7 +1848,7 @@
               <a:buChar char="•"/>
               <a:defRPr/>
             </a:lvl7pPr>
-            <a:lvl8pPr indent="-342900" lvl="7" marL="3657600" algn="l">
+            <a:lvl8pPr marL="3657600" lvl="7" indent="-342900" algn="l">
               <a:lnSpc>
                 <a:spcPct val="90000"/>
               </a:lnSpc>
@@ -1903,7 +1865,7 @@
               <a:buChar char="•"/>
               <a:defRPr/>
             </a:lvl8pPr>
-            <a:lvl9pPr indent="-342900" lvl="8" marL="4114800" algn="l">
+            <a:lvl9pPr marL="4114800" lvl="8" indent="-342900" algn="l">
               <a:lnSpc>
                 <a:spcPct val="90000"/>
               </a:lnSpc>
@@ -1921,15 +1883,19 @@
               <a:defRPr/>
             </a:lvl9pPr>
           </a:lstStyle>
-          <a:p/>
+          <a:p>
+            <a:endParaRPr/>
+          </a:p>
         </p:txBody>
       </p:sp>
       <p:sp>
         <p:nvSpPr>
           <p:cNvPr id="14" name="Google Shape;14;p2"/>
-          <p:cNvSpPr txBox="1"/>
+          <p:cNvSpPr txBox="1">
+            <a:spLocks noGrp="1"/>
+          </p:cNvSpPr>
           <p:nvPr>
-            <p:ph idx="10" type="dt"/>
+            <p:ph type="dt" idx="10"/>
           </p:nvPr>
         </p:nvSpPr>
         <p:spPr>
@@ -1946,7 +1912,7 @@
           </a:ln>
         </p:spPr>
         <p:txBody>
-          <a:bodyPr anchorCtr="0" anchor="ctr" bIns="45700" lIns="91425" spcFirstLastPara="1" rIns="91425" wrap="square" tIns="45700">
+          <a:bodyPr spcFirstLastPara="1" wrap="square" lIns="91425" tIns="45700" rIns="91425" bIns="45700" anchor="ctr" anchorCtr="0">
             <a:noAutofit/>
           </a:bodyPr>
           <a:lstStyle>
@@ -2050,15 +2016,19 @@
               <a:defRPr/>
             </a:lvl9pPr>
           </a:lstStyle>
-          <a:p/>
+          <a:p>
+            <a:endParaRPr/>
+          </a:p>
         </p:txBody>
       </p:sp>
       <p:sp>
         <p:nvSpPr>
           <p:cNvPr id="15" name="Google Shape;15;p2"/>
-          <p:cNvSpPr txBox="1"/>
+          <p:cNvSpPr txBox="1">
+            <a:spLocks noGrp="1"/>
+          </p:cNvSpPr>
           <p:nvPr>
-            <p:ph idx="11" type="ftr"/>
+            <p:ph type="ftr" idx="11"/>
           </p:nvPr>
         </p:nvSpPr>
         <p:spPr>
@@ -2075,7 +2045,7 @@
           </a:ln>
         </p:spPr>
         <p:txBody>
-          <a:bodyPr anchorCtr="0" anchor="ctr" bIns="45700" lIns="91425" spcFirstLastPara="1" rIns="91425" wrap="square" tIns="45700">
+          <a:bodyPr spcFirstLastPara="1" wrap="square" lIns="91425" tIns="45700" rIns="91425" bIns="45700" anchor="ctr" anchorCtr="0">
             <a:noAutofit/>
           </a:bodyPr>
           <a:lstStyle>
@@ -2179,15 +2149,19 @@
               <a:defRPr/>
             </a:lvl9pPr>
           </a:lstStyle>
-          <a:p/>
+          <a:p>
+            <a:endParaRPr/>
+          </a:p>
         </p:txBody>
       </p:sp>
       <p:sp>
         <p:nvSpPr>
           <p:cNvPr id="16" name="Google Shape;16;p2"/>
-          <p:cNvSpPr txBox="1"/>
+          <p:cNvSpPr txBox="1">
+            <a:spLocks noGrp="1"/>
+          </p:cNvSpPr>
           <p:nvPr>
-            <p:ph idx="12" type="sldNum"/>
+            <p:ph type="sldNum" idx="12"/>
           </p:nvPr>
         </p:nvSpPr>
         <p:spPr>
@@ -2204,67 +2178,67 @@
           </a:ln>
         </p:spPr>
         <p:txBody>
-          <a:bodyPr anchorCtr="0" anchor="ctr" bIns="45700" lIns="91425" spcFirstLastPara="1" rIns="91425" wrap="square" tIns="45700">
+          <a:bodyPr spcFirstLastPara="1" wrap="square" lIns="91425" tIns="45700" rIns="91425" bIns="45700" anchor="ctr" anchorCtr="0">
             <a:noAutofit/>
           </a:bodyPr>
           <a:lstStyle>
-            <a:lvl1pPr indent="0" lvl="0" marL="0" algn="r">
+            <a:lvl1pPr marL="0" lvl="0" indent="0" algn="r">
               <a:spcBef>
                 <a:spcPts val="0"/>
               </a:spcBef>
               <a:buNone/>
               <a:defRPr/>
             </a:lvl1pPr>
-            <a:lvl2pPr indent="0" lvl="1" marL="0" algn="r">
+            <a:lvl2pPr marL="0" lvl="1" indent="0" algn="r">
               <a:spcBef>
                 <a:spcPts val="0"/>
               </a:spcBef>
               <a:buNone/>
               <a:defRPr/>
             </a:lvl2pPr>
-            <a:lvl3pPr indent="0" lvl="2" marL="0" algn="r">
+            <a:lvl3pPr marL="0" lvl="2" indent="0" algn="r">
               <a:spcBef>
                 <a:spcPts val="0"/>
               </a:spcBef>
               <a:buNone/>
               <a:defRPr/>
             </a:lvl3pPr>
-            <a:lvl4pPr indent="0" lvl="3" marL="0" algn="r">
+            <a:lvl4pPr marL="0" lvl="3" indent="0" algn="r">
               <a:spcBef>
                 <a:spcPts val="0"/>
               </a:spcBef>
               <a:buNone/>
               <a:defRPr/>
             </a:lvl4pPr>
-            <a:lvl5pPr indent="0" lvl="4" marL="0" algn="r">
+            <a:lvl5pPr marL="0" lvl="4" indent="0" algn="r">
               <a:spcBef>
                 <a:spcPts val="0"/>
               </a:spcBef>
               <a:buNone/>
               <a:defRPr/>
             </a:lvl5pPr>
-            <a:lvl6pPr indent="0" lvl="5" marL="0" algn="r">
+            <a:lvl6pPr marL="0" lvl="5" indent="0" algn="r">
               <a:spcBef>
                 <a:spcPts val="0"/>
               </a:spcBef>
               <a:buNone/>
               <a:defRPr/>
             </a:lvl6pPr>
-            <a:lvl7pPr indent="0" lvl="6" marL="0" algn="r">
+            <a:lvl7pPr marL="0" lvl="6" indent="0" algn="r">
               <a:spcBef>
                 <a:spcPts val="0"/>
               </a:spcBef>
               <a:buNone/>
               <a:defRPr/>
             </a:lvl7pPr>
-            <a:lvl8pPr indent="0" lvl="7" marL="0" algn="r">
+            <a:lvl8pPr marL="0" lvl="7" indent="0" algn="r">
               <a:spcBef>
                 <a:spcPts val="0"/>
               </a:spcBef>
               <a:buNone/>
               <a:defRPr/>
             </a:lvl8pPr>
-            <a:lvl9pPr indent="0" lvl="8" marL="0" algn="r">
+            <a:lvl9pPr marL="0" lvl="8" indent="0" algn="r">
               <a:spcBef>
                 <a:spcPts val="0"/>
               </a:spcBef>
@@ -2273,7 +2247,7 @@
             </a:lvl9pPr>
           </a:lstStyle>
           <a:p>
-            <a:pPr indent="0" lvl="0" marL="0" rtl="0" algn="r">
+            <a:pPr marL="0" lvl="0" indent="0" algn="r" rtl="0">
               <a:spcBef>
                 <a:spcPts val="0"/>
               </a:spcBef>
@@ -2299,11 +2273,11 @@
 </file>
 
 <file path=ppt/slideLayouts/slideLayout10.xml><?xml version="1.0" encoding="utf-8"?>
-<p:sldLayout xmlns:a="http://schemas.openxmlformats.org/drawingml/2006/main" xmlns:r="http://schemas.openxmlformats.org/officeDocument/2006/relationships" xmlns:mc="http://schemas.openxmlformats.org/markup-compatibility/2006" xmlns:mv="urn:schemas-microsoft-com:mac:vml" xmlns:p="http://schemas.openxmlformats.org/presentationml/2006/main" xmlns:c="http://schemas.openxmlformats.org/drawingml/2006/chart" xmlns:dgm="http://schemas.openxmlformats.org/drawingml/2006/diagram" xmlns:o="urn:schemas-microsoft-com:office:office" xmlns:v="urn:schemas-microsoft-com:vml" xmlns:pvml="urn:schemas-microsoft-com:office:powerpoint" xmlns:com="http://schemas.openxmlformats.org/drawingml/2006/compatibility" xmlns:p14="http://schemas.microsoft.com/office/powerpoint/2010/main" xmlns:p15="http://schemas.microsoft.com/office/powerpoint/2012/main" xmlns:ahyp="http://schemas.microsoft.com/office/drawing/2018/hyperlinkcolor" matchingName="Title and Vertical Text" type="vertTx">
+<p:sldLayout xmlns:a="http://schemas.openxmlformats.org/drawingml/2006/main" xmlns:r="http://schemas.openxmlformats.org/officeDocument/2006/relationships" xmlns:p="http://schemas.openxmlformats.org/presentationml/2006/main" matchingName="Title and Vertical Text" type="vertTx">
   <p:cSld name="VERTICAL_TEXT">
     <p:spTree>
       <p:nvGrpSpPr>
-        <p:cNvPr id="68" name="Shape 68"/>
+        <p:cNvPr id="1" name="Shape 68"/>
         <p:cNvGrpSpPr/>
         <p:nvPr/>
       </p:nvGrpSpPr>
@@ -2318,7 +2292,9 @@
       <p:sp>
         <p:nvSpPr>
           <p:cNvPr id="69" name="Google Shape;69;p11"/>
-          <p:cNvSpPr txBox="1"/>
+          <p:cNvSpPr txBox="1">
+            <a:spLocks noGrp="1"/>
+          </p:cNvSpPr>
           <p:nvPr>
             <p:ph type="title"/>
           </p:nvPr>
@@ -2337,7 +2313,7 @@
           </a:ln>
         </p:spPr>
         <p:txBody>
-          <a:bodyPr anchorCtr="0" anchor="ctr" bIns="45700" lIns="91425" spcFirstLastPara="1" rIns="91425" wrap="square" tIns="45700">
+          <a:bodyPr spcFirstLastPara="1" wrap="square" lIns="91425" tIns="45700" rIns="91425" bIns="45700" anchor="ctr" anchorCtr="0">
             <a:normAutofit/>
           </a:bodyPr>
           <a:lstStyle>
@@ -2447,15 +2423,19 @@
               <a:defRPr/>
             </a:lvl9pPr>
           </a:lstStyle>
-          <a:p/>
+          <a:p>
+            <a:endParaRPr/>
+          </a:p>
         </p:txBody>
       </p:sp>
       <p:sp>
         <p:nvSpPr>
           <p:cNvPr id="70" name="Google Shape;70;p11"/>
-          <p:cNvSpPr txBox="1"/>
+          <p:cNvSpPr txBox="1">
+            <a:spLocks noGrp="1"/>
+          </p:cNvSpPr>
           <p:nvPr>
-            <p:ph idx="1" type="body"/>
+            <p:ph type="body" idx="1"/>
           </p:nvPr>
         </p:nvSpPr>
         <p:spPr>
@@ -2472,11 +2452,11 @@
           </a:ln>
         </p:spPr>
         <p:txBody>
-          <a:bodyPr anchorCtr="0" anchor="t" bIns="45700" lIns="91425" spcFirstLastPara="1" rIns="91425" wrap="square" tIns="45700">
+          <a:bodyPr spcFirstLastPara="1" wrap="square" lIns="91425" tIns="45700" rIns="91425" bIns="45700" anchor="t" anchorCtr="0">
             <a:normAutofit/>
           </a:bodyPr>
           <a:lstStyle>
-            <a:lvl1pPr indent="-342900" lvl="0" marL="457200" algn="l">
+            <a:lvl1pPr marL="457200" lvl="0" indent="-342900" algn="l">
               <a:lnSpc>
                 <a:spcPct val="90000"/>
               </a:lnSpc>
@@ -2493,7 +2473,7 @@
               <a:buChar char="•"/>
               <a:defRPr/>
             </a:lvl1pPr>
-            <a:lvl2pPr indent="-342900" lvl="1" marL="914400" algn="l">
+            <a:lvl2pPr marL="914400" lvl="1" indent="-342900" algn="l">
               <a:lnSpc>
                 <a:spcPct val="90000"/>
               </a:lnSpc>
@@ -2510,7 +2490,7 @@
               <a:buChar char="•"/>
               <a:defRPr/>
             </a:lvl2pPr>
-            <a:lvl3pPr indent="-342900" lvl="2" marL="1371600" algn="l">
+            <a:lvl3pPr marL="1371600" lvl="2" indent="-342900" algn="l">
               <a:lnSpc>
                 <a:spcPct val="90000"/>
               </a:lnSpc>
@@ -2527,7 +2507,7 @@
               <a:buChar char="•"/>
               <a:defRPr/>
             </a:lvl3pPr>
-            <a:lvl4pPr indent="-342900" lvl="3" marL="1828800" algn="l">
+            <a:lvl4pPr marL="1828800" lvl="3" indent="-342900" algn="l">
               <a:lnSpc>
                 <a:spcPct val="90000"/>
               </a:lnSpc>
@@ -2544,7 +2524,7 @@
               <a:buChar char="•"/>
               <a:defRPr/>
             </a:lvl4pPr>
-            <a:lvl5pPr indent="-342900" lvl="4" marL="2286000" algn="l">
+            <a:lvl5pPr marL="2286000" lvl="4" indent="-342900" algn="l">
               <a:lnSpc>
                 <a:spcPct val="90000"/>
               </a:lnSpc>
@@ -2561,7 +2541,7 @@
               <a:buChar char="•"/>
               <a:defRPr/>
             </a:lvl5pPr>
-            <a:lvl6pPr indent="-342900" lvl="5" marL="2743200" algn="l">
+            <a:lvl6pPr marL="2743200" lvl="5" indent="-342900" algn="l">
               <a:lnSpc>
                 <a:spcPct val="90000"/>
               </a:lnSpc>
@@ -2578,7 +2558,7 @@
               <a:buChar char="•"/>
               <a:defRPr/>
             </a:lvl6pPr>
-            <a:lvl7pPr indent="-342900" lvl="6" marL="3200400" algn="l">
+            <a:lvl7pPr marL="3200400" lvl="6" indent="-342900" algn="l">
               <a:lnSpc>
                 <a:spcPct val="90000"/>
               </a:lnSpc>
@@ -2595,7 +2575,7 @@
               <a:buChar char="•"/>
               <a:defRPr/>
             </a:lvl7pPr>
-            <a:lvl8pPr indent="-342900" lvl="7" marL="3657600" algn="l">
+            <a:lvl8pPr marL="3657600" lvl="7" indent="-342900" algn="l">
               <a:lnSpc>
                 <a:spcPct val="90000"/>
               </a:lnSpc>
@@ -2612,7 +2592,7 @@
               <a:buChar char="•"/>
               <a:defRPr/>
             </a:lvl8pPr>
-            <a:lvl9pPr indent="-342900" lvl="8" marL="4114800" algn="l">
+            <a:lvl9pPr marL="4114800" lvl="8" indent="-342900" algn="l">
               <a:lnSpc>
                 <a:spcPct val="90000"/>
               </a:lnSpc>
@@ -2630,15 +2610,19 @@
               <a:defRPr/>
             </a:lvl9pPr>
           </a:lstStyle>
-          <a:p/>
+          <a:p>
+            <a:endParaRPr/>
+          </a:p>
         </p:txBody>
       </p:sp>
       <p:sp>
         <p:nvSpPr>
           <p:cNvPr id="71" name="Google Shape;71;p11"/>
-          <p:cNvSpPr txBox="1"/>
+          <p:cNvSpPr txBox="1">
+            <a:spLocks noGrp="1"/>
+          </p:cNvSpPr>
           <p:nvPr>
-            <p:ph idx="10" type="dt"/>
+            <p:ph type="dt" idx="10"/>
           </p:nvPr>
         </p:nvSpPr>
         <p:spPr>
@@ -2655,7 +2639,7 @@
           </a:ln>
         </p:spPr>
         <p:txBody>
-          <a:bodyPr anchorCtr="0" anchor="ctr" bIns="45700" lIns="91425" spcFirstLastPara="1" rIns="91425" wrap="square" tIns="45700">
+          <a:bodyPr spcFirstLastPara="1" wrap="square" lIns="91425" tIns="45700" rIns="91425" bIns="45700" anchor="ctr" anchorCtr="0">
             <a:noAutofit/>
           </a:bodyPr>
           <a:lstStyle>
@@ -2759,15 +2743,19 @@
               <a:defRPr/>
             </a:lvl9pPr>
           </a:lstStyle>
-          <a:p/>
+          <a:p>
+            <a:endParaRPr/>
+          </a:p>
         </p:txBody>
       </p:sp>
       <p:sp>
         <p:nvSpPr>
           <p:cNvPr id="72" name="Google Shape;72;p11"/>
-          <p:cNvSpPr txBox="1"/>
+          <p:cNvSpPr txBox="1">
+            <a:spLocks noGrp="1"/>
+          </p:cNvSpPr>
           <p:nvPr>
-            <p:ph idx="11" type="ftr"/>
+            <p:ph type="ftr" idx="11"/>
           </p:nvPr>
         </p:nvSpPr>
         <p:spPr>
@@ -2784,7 +2772,7 @@
           </a:ln>
         </p:spPr>
         <p:txBody>
-          <a:bodyPr anchorCtr="0" anchor="ctr" bIns="45700" lIns="91425" spcFirstLastPara="1" rIns="91425" wrap="square" tIns="45700">
+          <a:bodyPr spcFirstLastPara="1" wrap="square" lIns="91425" tIns="45700" rIns="91425" bIns="45700" anchor="ctr" anchorCtr="0">
             <a:noAutofit/>
           </a:bodyPr>
           <a:lstStyle>
@@ -2888,15 +2876,19 @@
               <a:defRPr/>
             </a:lvl9pPr>
           </a:lstStyle>
-          <a:p/>
+          <a:p>
+            <a:endParaRPr/>
+          </a:p>
         </p:txBody>
       </p:sp>
       <p:sp>
         <p:nvSpPr>
           <p:cNvPr id="73" name="Google Shape;73;p11"/>
-          <p:cNvSpPr txBox="1"/>
+          <p:cNvSpPr txBox="1">
+            <a:spLocks noGrp="1"/>
+          </p:cNvSpPr>
           <p:nvPr>
-            <p:ph idx="12" type="sldNum"/>
+            <p:ph type="sldNum" idx="12"/>
           </p:nvPr>
         </p:nvSpPr>
         <p:spPr>
@@ -2913,67 +2905,67 @@
           </a:ln>
         </p:spPr>
         <p:txBody>
-          <a:bodyPr anchorCtr="0" anchor="ctr" bIns="45700" lIns="91425" spcFirstLastPara="1" rIns="91425" wrap="square" tIns="45700">
+          <a:bodyPr spcFirstLastPara="1" wrap="square" lIns="91425" tIns="45700" rIns="91425" bIns="45700" anchor="ctr" anchorCtr="0">
             <a:noAutofit/>
           </a:bodyPr>
           <a:lstStyle>
-            <a:lvl1pPr indent="0" lvl="0" marL="0" algn="r">
+            <a:lvl1pPr marL="0" lvl="0" indent="0" algn="r">
               <a:spcBef>
                 <a:spcPts val="0"/>
               </a:spcBef>
               <a:buNone/>
               <a:defRPr/>
             </a:lvl1pPr>
-            <a:lvl2pPr indent="0" lvl="1" marL="0" algn="r">
+            <a:lvl2pPr marL="0" lvl="1" indent="0" algn="r">
               <a:spcBef>
                 <a:spcPts val="0"/>
               </a:spcBef>
               <a:buNone/>
               <a:defRPr/>
             </a:lvl2pPr>
-            <a:lvl3pPr indent="0" lvl="2" marL="0" algn="r">
+            <a:lvl3pPr marL="0" lvl="2" indent="0" algn="r">
               <a:spcBef>
                 <a:spcPts val="0"/>
               </a:spcBef>
               <a:buNone/>
               <a:defRPr/>
             </a:lvl3pPr>
-            <a:lvl4pPr indent="0" lvl="3" marL="0" algn="r">
+            <a:lvl4pPr marL="0" lvl="3" indent="0" algn="r">
               <a:spcBef>
                 <a:spcPts val="0"/>
               </a:spcBef>
               <a:buNone/>
               <a:defRPr/>
             </a:lvl4pPr>
-            <a:lvl5pPr indent="0" lvl="4" marL="0" algn="r">
+            <a:lvl5pPr marL="0" lvl="4" indent="0" algn="r">
               <a:spcBef>
                 <a:spcPts val="0"/>
               </a:spcBef>
               <a:buNone/>
               <a:defRPr/>
             </a:lvl5pPr>
-            <a:lvl6pPr indent="0" lvl="5" marL="0" algn="r">
+            <a:lvl6pPr marL="0" lvl="5" indent="0" algn="r">
               <a:spcBef>
                 <a:spcPts val="0"/>
               </a:spcBef>
               <a:buNone/>
               <a:defRPr/>
             </a:lvl6pPr>
-            <a:lvl7pPr indent="0" lvl="6" marL="0" algn="r">
+            <a:lvl7pPr marL="0" lvl="6" indent="0" algn="r">
               <a:spcBef>
                 <a:spcPts val="0"/>
               </a:spcBef>
               <a:buNone/>
               <a:defRPr/>
             </a:lvl7pPr>
-            <a:lvl8pPr indent="0" lvl="7" marL="0" algn="r">
+            <a:lvl8pPr marL="0" lvl="7" indent="0" algn="r">
               <a:spcBef>
                 <a:spcPts val="0"/>
               </a:spcBef>
               <a:buNone/>
               <a:defRPr/>
             </a:lvl8pPr>
-            <a:lvl9pPr indent="0" lvl="8" marL="0" algn="r">
+            <a:lvl9pPr marL="0" lvl="8" indent="0" algn="r">
               <a:spcBef>
                 <a:spcPts val="0"/>
               </a:spcBef>
@@ -2982,7 +2974,7 @@
             </a:lvl9pPr>
           </a:lstStyle>
           <a:p>
-            <a:pPr indent="0" lvl="0" marL="0" rtl="0" algn="r">
+            <a:pPr marL="0" lvl="0" indent="0" algn="r" rtl="0">
               <a:spcBef>
                 <a:spcPts val="0"/>
               </a:spcBef>
@@ -3008,11 +3000,11 @@
 </file>
 
 <file path=ppt/slideLayouts/slideLayout11.xml><?xml version="1.0" encoding="utf-8"?>
-<p:sldLayout xmlns:a="http://schemas.openxmlformats.org/drawingml/2006/main" xmlns:r="http://schemas.openxmlformats.org/officeDocument/2006/relationships" xmlns:mc="http://schemas.openxmlformats.org/markup-compatibility/2006" xmlns:mv="urn:schemas-microsoft-com:mac:vml" xmlns:p="http://schemas.openxmlformats.org/presentationml/2006/main" xmlns:c="http://schemas.openxmlformats.org/drawingml/2006/chart" xmlns:dgm="http://schemas.openxmlformats.org/drawingml/2006/diagram" xmlns:o="urn:schemas-microsoft-com:office:office" xmlns:v="urn:schemas-microsoft-com:vml" xmlns:pvml="urn:schemas-microsoft-com:office:powerpoint" xmlns:com="http://schemas.openxmlformats.org/drawingml/2006/compatibility" xmlns:p14="http://schemas.microsoft.com/office/powerpoint/2010/main" xmlns:p15="http://schemas.microsoft.com/office/powerpoint/2012/main" xmlns:ahyp="http://schemas.microsoft.com/office/drawing/2018/hyperlinkcolor" matchingName="Vertical Title and Text" type="vertTitleAndTx">
+<p:sldLayout xmlns:a="http://schemas.openxmlformats.org/drawingml/2006/main" xmlns:r="http://schemas.openxmlformats.org/officeDocument/2006/relationships" xmlns:p="http://schemas.openxmlformats.org/presentationml/2006/main" matchingName="Vertical Title and Text" type="vertTitleAndTx">
   <p:cSld name="VERTICAL_TITLE_AND_VERTICAL_TEXT">
     <p:spTree>
       <p:nvGrpSpPr>
-        <p:cNvPr id="74" name="Shape 74"/>
+        <p:cNvPr id="1" name="Shape 74"/>
         <p:cNvGrpSpPr/>
         <p:nvPr/>
       </p:nvGrpSpPr>
@@ -3027,7 +3019,9 @@
       <p:sp>
         <p:nvSpPr>
           <p:cNvPr id="75" name="Google Shape;75;p12"/>
-          <p:cNvSpPr txBox="1"/>
+          <p:cNvSpPr txBox="1">
+            <a:spLocks noGrp="1"/>
+          </p:cNvSpPr>
           <p:nvPr>
             <p:ph type="title"/>
           </p:nvPr>
@@ -3046,7 +3040,7 @@
           </a:ln>
         </p:spPr>
         <p:txBody>
-          <a:bodyPr anchorCtr="0" anchor="ctr" bIns="45700" lIns="91425" spcFirstLastPara="1" rIns="91425" wrap="square" tIns="45700">
+          <a:bodyPr spcFirstLastPara="1" wrap="square" lIns="91425" tIns="45700" rIns="91425" bIns="45700" anchor="ctr" anchorCtr="0">
             <a:normAutofit/>
           </a:bodyPr>
           <a:lstStyle>
@@ -3156,15 +3150,19 @@
               <a:defRPr/>
             </a:lvl9pPr>
           </a:lstStyle>
-          <a:p/>
+          <a:p>
+            <a:endParaRPr/>
+          </a:p>
         </p:txBody>
       </p:sp>
       <p:sp>
         <p:nvSpPr>
           <p:cNvPr id="76" name="Google Shape;76;p12"/>
-          <p:cNvSpPr txBox="1"/>
+          <p:cNvSpPr txBox="1">
+            <a:spLocks noGrp="1"/>
+          </p:cNvSpPr>
           <p:nvPr>
-            <p:ph idx="1" type="body"/>
+            <p:ph type="body" idx="1"/>
           </p:nvPr>
         </p:nvSpPr>
         <p:spPr>
@@ -3181,11 +3179,11 @@
           </a:ln>
         </p:spPr>
         <p:txBody>
-          <a:bodyPr anchorCtr="0" anchor="t" bIns="45700" lIns="91425" spcFirstLastPara="1" rIns="91425" wrap="square" tIns="45700">
+          <a:bodyPr spcFirstLastPara="1" wrap="square" lIns="91425" tIns="45700" rIns="91425" bIns="45700" anchor="t" anchorCtr="0">
             <a:normAutofit/>
           </a:bodyPr>
           <a:lstStyle>
-            <a:lvl1pPr indent="-342900" lvl="0" marL="457200" algn="l">
+            <a:lvl1pPr marL="457200" lvl="0" indent="-342900" algn="l">
               <a:lnSpc>
                 <a:spcPct val="90000"/>
               </a:lnSpc>
@@ -3202,7 +3200,7 @@
               <a:buChar char="•"/>
               <a:defRPr/>
             </a:lvl1pPr>
-            <a:lvl2pPr indent="-342900" lvl="1" marL="914400" algn="l">
+            <a:lvl2pPr marL="914400" lvl="1" indent="-342900" algn="l">
               <a:lnSpc>
                 <a:spcPct val="90000"/>
               </a:lnSpc>
@@ -3219,7 +3217,7 @@
               <a:buChar char="•"/>
               <a:defRPr/>
             </a:lvl2pPr>
-            <a:lvl3pPr indent="-342900" lvl="2" marL="1371600" algn="l">
+            <a:lvl3pPr marL="1371600" lvl="2" indent="-342900" algn="l">
               <a:lnSpc>
                 <a:spcPct val="90000"/>
               </a:lnSpc>
@@ -3236,7 +3234,7 @@
               <a:buChar char="•"/>
               <a:defRPr/>
             </a:lvl3pPr>
-            <a:lvl4pPr indent="-342900" lvl="3" marL="1828800" algn="l">
+            <a:lvl4pPr marL="1828800" lvl="3" indent="-342900" algn="l">
               <a:lnSpc>
                 <a:spcPct val="90000"/>
               </a:lnSpc>
@@ -3253,7 +3251,7 @@
               <a:buChar char="•"/>
               <a:defRPr/>
             </a:lvl4pPr>
-            <a:lvl5pPr indent="-342900" lvl="4" marL="2286000" algn="l">
+            <a:lvl5pPr marL="2286000" lvl="4" indent="-342900" algn="l">
               <a:lnSpc>
                 <a:spcPct val="90000"/>
               </a:lnSpc>
@@ -3270,7 +3268,7 @@
               <a:buChar char="•"/>
               <a:defRPr/>
             </a:lvl5pPr>
-            <a:lvl6pPr indent="-342900" lvl="5" marL="2743200" algn="l">
+            <a:lvl6pPr marL="2743200" lvl="5" indent="-342900" algn="l">
               <a:lnSpc>
                 <a:spcPct val="90000"/>
               </a:lnSpc>
@@ -3287,7 +3285,7 @@
               <a:buChar char="•"/>
               <a:defRPr/>
             </a:lvl6pPr>
-            <a:lvl7pPr indent="-342900" lvl="6" marL="3200400" algn="l">
+            <a:lvl7pPr marL="3200400" lvl="6" indent="-342900" algn="l">
               <a:lnSpc>
                 <a:spcPct val="90000"/>
               </a:lnSpc>
@@ -3304,7 +3302,7 @@
               <a:buChar char="•"/>
               <a:defRPr/>
             </a:lvl7pPr>
-            <a:lvl8pPr indent="-342900" lvl="7" marL="3657600" algn="l">
+            <a:lvl8pPr marL="3657600" lvl="7" indent="-342900" algn="l">
               <a:lnSpc>
                 <a:spcPct val="90000"/>
               </a:lnSpc>
@@ -3321,7 +3319,7 @@
               <a:buChar char="•"/>
               <a:defRPr/>
             </a:lvl8pPr>
-            <a:lvl9pPr indent="-342900" lvl="8" marL="4114800" algn="l">
+            <a:lvl9pPr marL="4114800" lvl="8" indent="-342900" algn="l">
               <a:lnSpc>
                 <a:spcPct val="90000"/>
               </a:lnSpc>
@@ -3339,15 +3337,19 @@
               <a:defRPr/>
             </a:lvl9pPr>
           </a:lstStyle>
-          <a:p/>
+          <a:p>
+            <a:endParaRPr/>
+          </a:p>
         </p:txBody>
       </p:sp>
       <p:sp>
         <p:nvSpPr>
           <p:cNvPr id="77" name="Google Shape;77;p12"/>
-          <p:cNvSpPr txBox="1"/>
+          <p:cNvSpPr txBox="1">
+            <a:spLocks noGrp="1"/>
+          </p:cNvSpPr>
           <p:nvPr>
-            <p:ph idx="10" type="dt"/>
+            <p:ph type="dt" idx="10"/>
           </p:nvPr>
         </p:nvSpPr>
         <p:spPr>
@@ -3364,7 +3366,7 @@
           </a:ln>
         </p:spPr>
         <p:txBody>
-          <a:bodyPr anchorCtr="0" anchor="ctr" bIns="45700" lIns="91425" spcFirstLastPara="1" rIns="91425" wrap="square" tIns="45700">
+          <a:bodyPr spcFirstLastPara="1" wrap="square" lIns="91425" tIns="45700" rIns="91425" bIns="45700" anchor="ctr" anchorCtr="0">
             <a:noAutofit/>
           </a:bodyPr>
           <a:lstStyle>
@@ -3468,15 +3470,19 @@
               <a:defRPr/>
             </a:lvl9pPr>
           </a:lstStyle>
-          <a:p/>
+          <a:p>
+            <a:endParaRPr/>
+          </a:p>
         </p:txBody>
       </p:sp>
       <p:sp>
         <p:nvSpPr>
           <p:cNvPr id="78" name="Google Shape;78;p12"/>
-          <p:cNvSpPr txBox="1"/>
+          <p:cNvSpPr txBox="1">
+            <a:spLocks noGrp="1"/>
+          </p:cNvSpPr>
           <p:nvPr>
-            <p:ph idx="11" type="ftr"/>
+            <p:ph type="ftr" idx="11"/>
           </p:nvPr>
         </p:nvSpPr>
         <p:spPr>
@@ -3493,7 +3499,7 @@
           </a:ln>
         </p:spPr>
         <p:txBody>
-          <a:bodyPr anchorCtr="0" anchor="ctr" bIns="45700" lIns="91425" spcFirstLastPara="1" rIns="91425" wrap="square" tIns="45700">
+          <a:bodyPr spcFirstLastPara="1" wrap="square" lIns="91425" tIns="45700" rIns="91425" bIns="45700" anchor="ctr" anchorCtr="0">
             <a:noAutofit/>
           </a:bodyPr>
           <a:lstStyle>
@@ -3597,15 +3603,19 @@
               <a:defRPr/>
             </a:lvl9pPr>
           </a:lstStyle>
-          <a:p/>
+          <a:p>
+            <a:endParaRPr/>
+          </a:p>
         </p:txBody>
       </p:sp>
       <p:sp>
         <p:nvSpPr>
           <p:cNvPr id="79" name="Google Shape;79;p12"/>
-          <p:cNvSpPr txBox="1"/>
+          <p:cNvSpPr txBox="1">
+            <a:spLocks noGrp="1"/>
+          </p:cNvSpPr>
           <p:nvPr>
-            <p:ph idx="12" type="sldNum"/>
+            <p:ph type="sldNum" idx="12"/>
           </p:nvPr>
         </p:nvSpPr>
         <p:spPr>
@@ -3622,67 +3632,67 @@
           </a:ln>
         </p:spPr>
         <p:txBody>
-          <a:bodyPr anchorCtr="0" anchor="ctr" bIns="45700" lIns="91425" spcFirstLastPara="1" rIns="91425" wrap="square" tIns="45700">
+          <a:bodyPr spcFirstLastPara="1" wrap="square" lIns="91425" tIns="45700" rIns="91425" bIns="45700" anchor="ctr" anchorCtr="0">
             <a:noAutofit/>
           </a:bodyPr>
           <a:lstStyle>
-            <a:lvl1pPr indent="0" lvl="0" marL="0" algn="r">
+            <a:lvl1pPr marL="0" lvl="0" indent="0" algn="r">
               <a:spcBef>
                 <a:spcPts val="0"/>
               </a:spcBef>
               <a:buNone/>
               <a:defRPr/>
             </a:lvl1pPr>
-            <a:lvl2pPr indent="0" lvl="1" marL="0" algn="r">
+            <a:lvl2pPr marL="0" lvl="1" indent="0" algn="r">
               <a:spcBef>
                 <a:spcPts val="0"/>
               </a:spcBef>
               <a:buNone/>
               <a:defRPr/>
             </a:lvl2pPr>
-            <a:lvl3pPr indent="0" lvl="2" marL="0" algn="r">
+            <a:lvl3pPr marL="0" lvl="2" indent="0" algn="r">
               <a:spcBef>
                 <a:spcPts val="0"/>
               </a:spcBef>
               <a:buNone/>
               <a:defRPr/>
             </a:lvl3pPr>
-            <a:lvl4pPr indent="0" lvl="3" marL="0" algn="r">
+            <a:lvl4pPr marL="0" lvl="3" indent="0" algn="r">
               <a:spcBef>
                 <a:spcPts val="0"/>
               </a:spcBef>
               <a:buNone/>
               <a:defRPr/>
             </a:lvl4pPr>
-            <a:lvl5pPr indent="0" lvl="4" marL="0" algn="r">
+            <a:lvl5pPr marL="0" lvl="4" indent="0" algn="r">
               <a:spcBef>
                 <a:spcPts val="0"/>
               </a:spcBef>
               <a:buNone/>
               <a:defRPr/>
             </a:lvl5pPr>
-            <a:lvl6pPr indent="0" lvl="5" marL="0" algn="r">
+            <a:lvl6pPr marL="0" lvl="5" indent="0" algn="r">
               <a:spcBef>
                 <a:spcPts val="0"/>
               </a:spcBef>
               <a:buNone/>
               <a:defRPr/>
             </a:lvl6pPr>
-            <a:lvl7pPr indent="0" lvl="6" marL="0" algn="r">
+            <a:lvl7pPr marL="0" lvl="6" indent="0" algn="r">
               <a:spcBef>
                 <a:spcPts val="0"/>
               </a:spcBef>
               <a:buNone/>
               <a:defRPr/>
             </a:lvl7pPr>
-            <a:lvl8pPr indent="0" lvl="7" marL="0" algn="r">
+            <a:lvl8pPr marL="0" lvl="7" indent="0" algn="r">
               <a:spcBef>
                 <a:spcPts val="0"/>
               </a:spcBef>
               <a:buNone/>
               <a:defRPr/>
             </a:lvl8pPr>
-            <a:lvl9pPr indent="0" lvl="8" marL="0" algn="r">
+            <a:lvl9pPr marL="0" lvl="8" indent="0" algn="r">
               <a:spcBef>
                 <a:spcPts val="0"/>
               </a:spcBef>
@@ -3691,7 +3701,7 @@
             </a:lvl9pPr>
           </a:lstStyle>
           <a:p>
-            <a:pPr indent="0" lvl="0" marL="0" rtl="0" algn="r">
+            <a:pPr marL="0" lvl="0" indent="0" algn="r" rtl="0">
               <a:spcBef>
                 <a:spcPts val="0"/>
               </a:spcBef>
@@ -3717,11 +3727,11 @@
 </file>
 
 <file path=ppt/slideLayouts/slideLayout2.xml><?xml version="1.0" encoding="utf-8"?>
-<p:sldLayout xmlns:a="http://schemas.openxmlformats.org/drawingml/2006/main" xmlns:r="http://schemas.openxmlformats.org/officeDocument/2006/relationships" xmlns:mc="http://schemas.openxmlformats.org/markup-compatibility/2006" xmlns:mv="urn:schemas-microsoft-com:mac:vml" xmlns:p="http://schemas.openxmlformats.org/presentationml/2006/main" xmlns:c="http://schemas.openxmlformats.org/drawingml/2006/chart" xmlns:dgm="http://schemas.openxmlformats.org/drawingml/2006/diagram" xmlns:o="urn:schemas-microsoft-com:office:office" xmlns:v="urn:schemas-microsoft-com:vml" xmlns:pvml="urn:schemas-microsoft-com:office:powerpoint" xmlns:com="http://schemas.openxmlformats.org/drawingml/2006/compatibility" xmlns:p14="http://schemas.microsoft.com/office/powerpoint/2010/main" xmlns:p15="http://schemas.microsoft.com/office/powerpoint/2012/main" xmlns:ahyp="http://schemas.microsoft.com/office/drawing/2018/hyperlinkcolor" matchingName="Title Slide" type="title">
+<p:sldLayout xmlns:a="http://schemas.openxmlformats.org/drawingml/2006/main" xmlns:r="http://schemas.openxmlformats.org/officeDocument/2006/relationships" xmlns:p="http://schemas.openxmlformats.org/presentationml/2006/main" matchingName="Title Slide" type="title">
   <p:cSld name="TITLE">
     <p:spTree>
       <p:nvGrpSpPr>
-        <p:cNvPr id="17" name="Shape 17"/>
+        <p:cNvPr id="1" name="Shape 17"/>
         <p:cNvGrpSpPr/>
         <p:nvPr/>
       </p:nvGrpSpPr>
@@ -3736,7 +3746,9 @@
       <p:sp>
         <p:nvSpPr>
           <p:cNvPr id="18" name="Google Shape;18;p3"/>
-          <p:cNvSpPr txBox="1"/>
+          <p:cNvSpPr txBox="1">
+            <a:spLocks noGrp="1"/>
+          </p:cNvSpPr>
           <p:nvPr>
             <p:ph type="ctrTitle"/>
           </p:nvPr>
@@ -3755,7 +3767,7 @@
           </a:ln>
         </p:spPr>
         <p:txBody>
-          <a:bodyPr anchorCtr="0" anchor="b" bIns="45700" lIns="91425" spcFirstLastPara="1" rIns="91425" wrap="square" tIns="45700">
+          <a:bodyPr spcFirstLastPara="1" wrap="square" lIns="91425" tIns="45700" rIns="91425" bIns="45700" anchor="b" anchorCtr="0">
             <a:normAutofit/>
           </a:bodyPr>
           <a:lstStyle>
@@ -3866,15 +3878,19 @@
               <a:defRPr/>
             </a:lvl9pPr>
           </a:lstStyle>
-          <a:p/>
+          <a:p>
+            <a:endParaRPr/>
+          </a:p>
         </p:txBody>
       </p:sp>
       <p:sp>
         <p:nvSpPr>
           <p:cNvPr id="19" name="Google Shape;19;p3"/>
-          <p:cNvSpPr txBox="1"/>
+          <p:cNvSpPr txBox="1">
+            <a:spLocks noGrp="1"/>
+          </p:cNvSpPr>
           <p:nvPr>
-            <p:ph idx="1" type="subTitle"/>
+            <p:ph type="subTitle" idx="1"/>
           </p:nvPr>
         </p:nvSpPr>
         <p:spPr>
@@ -3891,7 +3907,7 @@
           </a:ln>
         </p:spPr>
         <p:txBody>
-          <a:bodyPr anchorCtr="0" anchor="t" bIns="45700" lIns="91425" spcFirstLastPara="1" rIns="91425" wrap="square" tIns="45700">
+          <a:bodyPr spcFirstLastPara="1" wrap="square" lIns="91425" tIns="45700" rIns="91425" bIns="45700" anchor="t" anchorCtr="0">
             <a:normAutofit/>
           </a:bodyPr>
           <a:lstStyle>
@@ -4049,15 +4065,19 @@
               <a:defRPr sz="1600"/>
             </a:lvl9pPr>
           </a:lstStyle>
-          <a:p/>
+          <a:p>
+            <a:endParaRPr/>
+          </a:p>
         </p:txBody>
       </p:sp>
       <p:sp>
         <p:nvSpPr>
           <p:cNvPr id="20" name="Google Shape;20;p3"/>
-          <p:cNvSpPr txBox="1"/>
+          <p:cNvSpPr txBox="1">
+            <a:spLocks noGrp="1"/>
+          </p:cNvSpPr>
           <p:nvPr>
-            <p:ph idx="10" type="dt"/>
+            <p:ph type="dt" idx="10"/>
           </p:nvPr>
         </p:nvSpPr>
         <p:spPr>
@@ -4074,7 +4094,7 @@
           </a:ln>
         </p:spPr>
         <p:txBody>
-          <a:bodyPr anchorCtr="0" anchor="ctr" bIns="45700" lIns="91425" spcFirstLastPara="1" rIns="91425" wrap="square" tIns="45700">
+          <a:bodyPr spcFirstLastPara="1" wrap="square" lIns="91425" tIns="45700" rIns="91425" bIns="45700" anchor="ctr" anchorCtr="0">
             <a:noAutofit/>
           </a:bodyPr>
           <a:lstStyle>
@@ -4178,15 +4198,19 @@
               <a:defRPr/>
             </a:lvl9pPr>
           </a:lstStyle>
-          <a:p/>
+          <a:p>
+            <a:endParaRPr/>
+          </a:p>
         </p:txBody>
       </p:sp>
       <p:sp>
         <p:nvSpPr>
           <p:cNvPr id="21" name="Google Shape;21;p3"/>
-          <p:cNvSpPr txBox="1"/>
+          <p:cNvSpPr txBox="1">
+            <a:spLocks noGrp="1"/>
+          </p:cNvSpPr>
           <p:nvPr>
-            <p:ph idx="11" type="ftr"/>
+            <p:ph type="ftr" idx="11"/>
           </p:nvPr>
         </p:nvSpPr>
         <p:spPr>
@@ -4203,7 +4227,7 @@
           </a:ln>
         </p:spPr>
         <p:txBody>
-          <a:bodyPr anchorCtr="0" anchor="ctr" bIns="45700" lIns="91425" spcFirstLastPara="1" rIns="91425" wrap="square" tIns="45700">
+          <a:bodyPr spcFirstLastPara="1" wrap="square" lIns="91425" tIns="45700" rIns="91425" bIns="45700" anchor="ctr" anchorCtr="0">
             <a:noAutofit/>
           </a:bodyPr>
           <a:lstStyle>
@@ -4307,15 +4331,19 @@
               <a:defRPr/>
             </a:lvl9pPr>
           </a:lstStyle>
-          <a:p/>
+          <a:p>
+            <a:endParaRPr/>
+          </a:p>
         </p:txBody>
       </p:sp>
       <p:sp>
         <p:nvSpPr>
           <p:cNvPr id="22" name="Google Shape;22;p3"/>
-          <p:cNvSpPr txBox="1"/>
+          <p:cNvSpPr txBox="1">
+            <a:spLocks noGrp="1"/>
+          </p:cNvSpPr>
           <p:nvPr>
-            <p:ph idx="12" type="sldNum"/>
+            <p:ph type="sldNum" idx="12"/>
           </p:nvPr>
         </p:nvSpPr>
         <p:spPr>
@@ -4332,67 +4360,67 @@
           </a:ln>
         </p:spPr>
         <p:txBody>
-          <a:bodyPr anchorCtr="0" anchor="ctr" bIns="45700" lIns="91425" spcFirstLastPara="1" rIns="91425" wrap="square" tIns="45700">
+          <a:bodyPr spcFirstLastPara="1" wrap="square" lIns="91425" tIns="45700" rIns="91425" bIns="45700" anchor="ctr" anchorCtr="0">
             <a:noAutofit/>
           </a:bodyPr>
           <a:lstStyle>
-            <a:lvl1pPr indent="0" lvl="0" marL="0" algn="r">
+            <a:lvl1pPr marL="0" lvl="0" indent="0" algn="r">
               <a:spcBef>
                 <a:spcPts val="0"/>
               </a:spcBef>
               <a:buNone/>
               <a:defRPr/>
             </a:lvl1pPr>
-            <a:lvl2pPr indent="0" lvl="1" marL="0" algn="r">
+            <a:lvl2pPr marL="0" lvl="1" indent="0" algn="r">
               <a:spcBef>
                 <a:spcPts val="0"/>
               </a:spcBef>
               <a:buNone/>
               <a:defRPr/>
             </a:lvl2pPr>
-            <a:lvl3pPr indent="0" lvl="2" marL="0" algn="r">
+            <a:lvl3pPr marL="0" lvl="2" indent="0" algn="r">
               <a:spcBef>
                 <a:spcPts val="0"/>
               </a:spcBef>
               <a:buNone/>
               <a:defRPr/>
             </a:lvl3pPr>
-            <a:lvl4pPr indent="0" lvl="3" marL="0" algn="r">
+            <a:lvl4pPr marL="0" lvl="3" indent="0" algn="r">
               <a:spcBef>
                 <a:spcPts val="0"/>
               </a:spcBef>
               <a:buNone/>
               <a:defRPr/>
             </a:lvl4pPr>
-            <a:lvl5pPr indent="0" lvl="4" marL="0" algn="r">
+            <a:lvl5pPr marL="0" lvl="4" indent="0" algn="r">
               <a:spcBef>
                 <a:spcPts val="0"/>
               </a:spcBef>
               <a:buNone/>
               <a:defRPr/>
             </a:lvl5pPr>
-            <a:lvl6pPr indent="0" lvl="5" marL="0" algn="r">
+            <a:lvl6pPr marL="0" lvl="5" indent="0" algn="r">
               <a:spcBef>
                 <a:spcPts val="0"/>
               </a:spcBef>
               <a:buNone/>
               <a:defRPr/>
             </a:lvl6pPr>
-            <a:lvl7pPr indent="0" lvl="6" marL="0" algn="r">
+            <a:lvl7pPr marL="0" lvl="6" indent="0" algn="r">
               <a:spcBef>
                 <a:spcPts val="0"/>
               </a:spcBef>
               <a:buNone/>
               <a:defRPr/>
             </a:lvl7pPr>
-            <a:lvl8pPr indent="0" lvl="7" marL="0" algn="r">
+            <a:lvl8pPr marL="0" lvl="7" indent="0" algn="r">
               <a:spcBef>
                 <a:spcPts val="0"/>
               </a:spcBef>
               <a:buNone/>
               <a:defRPr/>
             </a:lvl8pPr>
-            <a:lvl9pPr indent="0" lvl="8" marL="0" algn="r">
+            <a:lvl9pPr marL="0" lvl="8" indent="0" algn="r">
               <a:spcBef>
                 <a:spcPts val="0"/>
               </a:spcBef>
@@ -4401,7 +4429,7 @@
             </a:lvl9pPr>
           </a:lstStyle>
           <a:p>
-            <a:pPr indent="0" lvl="0" marL="0" rtl="0" algn="r">
+            <a:pPr marL="0" lvl="0" indent="0" algn="r" rtl="0">
               <a:spcBef>
                 <a:spcPts val="0"/>
               </a:spcBef>
@@ -4427,11 +4455,11 @@
 </file>
 
 <file path=ppt/slideLayouts/slideLayout3.xml><?xml version="1.0" encoding="utf-8"?>
-<p:sldLayout xmlns:a="http://schemas.openxmlformats.org/drawingml/2006/main" xmlns:r="http://schemas.openxmlformats.org/officeDocument/2006/relationships" xmlns:mc="http://schemas.openxmlformats.org/markup-compatibility/2006" xmlns:mv="urn:schemas-microsoft-com:mac:vml" xmlns:p="http://schemas.openxmlformats.org/presentationml/2006/main" xmlns:c="http://schemas.openxmlformats.org/drawingml/2006/chart" xmlns:dgm="http://schemas.openxmlformats.org/drawingml/2006/diagram" xmlns:o="urn:schemas-microsoft-com:office:office" xmlns:v="urn:schemas-microsoft-com:vml" xmlns:pvml="urn:schemas-microsoft-com:office:powerpoint" xmlns:com="http://schemas.openxmlformats.org/drawingml/2006/compatibility" xmlns:p14="http://schemas.microsoft.com/office/powerpoint/2010/main" xmlns:p15="http://schemas.microsoft.com/office/powerpoint/2012/main" xmlns:ahyp="http://schemas.microsoft.com/office/drawing/2018/hyperlinkcolor" matchingName="Section Header" type="secHead">
+<p:sldLayout xmlns:a="http://schemas.openxmlformats.org/drawingml/2006/main" xmlns:r="http://schemas.openxmlformats.org/officeDocument/2006/relationships" xmlns:p="http://schemas.openxmlformats.org/presentationml/2006/main" matchingName="Section Header" type="secHead">
   <p:cSld name="SECTION_HEADER">
     <p:spTree>
       <p:nvGrpSpPr>
-        <p:cNvPr id="23" name="Shape 23"/>
+        <p:cNvPr id="1" name="Shape 23"/>
         <p:cNvGrpSpPr/>
         <p:nvPr/>
       </p:nvGrpSpPr>
@@ -4446,7 +4474,9 @@
       <p:sp>
         <p:nvSpPr>
           <p:cNvPr id="24" name="Google Shape;24;p4"/>
-          <p:cNvSpPr txBox="1"/>
+          <p:cNvSpPr txBox="1">
+            <a:spLocks noGrp="1"/>
+          </p:cNvSpPr>
           <p:nvPr>
             <p:ph type="title"/>
           </p:nvPr>
@@ -4465,7 +4495,7 @@
           </a:ln>
         </p:spPr>
         <p:txBody>
-          <a:bodyPr anchorCtr="0" anchor="b" bIns="45700" lIns="91425" spcFirstLastPara="1" rIns="91425" wrap="square" tIns="45700">
+          <a:bodyPr spcFirstLastPara="1" wrap="square" lIns="91425" tIns="45700" rIns="91425" bIns="45700" anchor="b" anchorCtr="0">
             <a:normAutofit/>
           </a:bodyPr>
           <a:lstStyle>
@@ -4576,15 +4606,19 @@
               <a:defRPr/>
             </a:lvl9pPr>
           </a:lstStyle>
-          <a:p/>
+          <a:p>
+            <a:endParaRPr/>
+          </a:p>
         </p:txBody>
       </p:sp>
       <p:sp>
         <p:nvSpPr>
           <p:cNvPr id="25" name="Google Shape;25;p4"/>
-          <p:cNvSpPr txBox="1"/>
+          <p:cNvSpPr txBox="1">
+            <a:spLocks noGrp="1"/>
+          </p:cNvSpPr>
           <p:nvPr>
-            <p:ph idx="1" type="body"/>
+            <p:ph type="body" idx="1"/>
           </p:nvPr>
         </p:nvSpPr>
         <p:spPr>
@@ -4601,11 +4635,11 @@
           </a:ln>
         </p:spPr>
         <p:txBody>
-          <a:bodyPr anchorCtr="0" anchor="t" bIns="45700" lIns="91425" spcFirstLastPara="1" rIns="91425" wrap="square" tIns="45700">
+          <a:bodyPr spcFirstLastPara="1" wrap="square" lIns="91425" tIns="45700" rIns="91425" bIns="45700" anchor="t" anchorCtr="0">
             <a:normAutofit/>
           </a:bodyPr>
           <a:lstStyle>
-            <a:lvl1pPr indent="-228600" lvl="0" marL="457200" algn="l">
+            <a:lvl1pPr marL="457200" lvl="0" indent="-228600" algn="l">
               <a:lnSpc>
                 <a:spcPct val="90000"/>
               </a:lnSpc>
@@ -4626,7 +4660,7 @@
                 </a:solidFill>
               </a:defRPr>
             </a:lvl1pPr>
-            <a:lvl2pPr indent="-228600" lvl="1" marL="914400" algn="l">
+            <a:lvl2pPr marL="914400" lvl="1" indent="-228600" algn="l">
               <a:lnSpc>
                 <a:spcPct val="90000"/>
               </a:lnSpc>
@@ -4647,7 +4681,7 @@
                 </a:solidFill>
               </a:defRPr>
             </a:lvl2pPr>
-            <a:lvl3pPr indent="-228600" lvl="2" marL="1371600" algn="l">
+            <a:lvl3pPr marL="1371600" lvl="2" indent="-228600" algn="l">
               <a:lnSpc>
                 <a:spcPct val="90000"/>
               </a:lnSpc>
@@ -4668,7 +4702,7 @@
                 </a:solidFill>
               </a:defRPr>
             </a:lvl3pPr>
-            <a:lvl4pPr indent="-228600" lvl="3" marL="1828800" algn="l">
+            <a:lvl4pPr marL="1828800" lvl="3" indent="-228600" algn="l">
               <a:lnSpc>
                 <a:spcPct val="90000"/>
               </a:lnSpc>
@@ -4689,7 +4723,7 @@
                 </a:solidFill>
               </a:defRPr>
             </a:lvl4pPr>
-            <a:lvl5pPr indent="-228600" lvl="4" marL="2286000" algn="l">
+            <a:lvl5pPr marL="2286000" lvl="4" indent="-228600" algn="l">
               <a:lnSpc>
                 <a:spcPct val="90000"/>
               </a:lnSpc>
@@ -4710,7 +4744,7 @@
                 </a:solidFill>
               </a:defRPr>
             </a:lvl5pPr>
-            <a:lvl6pPr indent="-228600" lvl="5" marL="2743200" algn="l">
+            <a:lvl6pPr marL="2743200" lvl="5" indent="-228600" algn="l">
               <a:lnSpc>
                 <a:spcPct val="90000"/>
               </a:lnSpc>
@@ -4731,7 +4765,7 @@
                 </a:solidFill>
               </a:defRPr>
             </a:lvl6pPr>
-            <a:lvl7pPr indent="-228600" lvl="6" marL="3200400" algn="l">
+            <a:lvl7pPr marL="3200400" lvl="6" indent="-228600" algn="l">
               <a:lnSpc>
                 <a:spcPct val="90000"/>
               </a:lnSpc>
@@ -4752,7 +4786,7 @@
                 </a:solidFill>
               </a:defRPr>
             </a:lvl7pPr>
-            <a:lvl8pPr indent="-228600" lvl="7" marL="3657600" algn="l">
+            <a:lvl8pPr marL="3657600" lvl="7" indent="-228600" algn="l">
               <a:lnSpc>
                 <a:spcPct val="90000"/>
               </a:lnSpc>
@@ -4773,7 +4807,7 @@
                 </a:solidFill>
               </a:defRPr>
             </a:lvl8pPr>
-            <a:lvl9pPr indent="-228600" lvl="8" marL="4114800" algn="l">
+            <a:lvl9pPr marL="4114800" lvl="8" indent="-228600" algn="l">
               <a:lnSpc>
                 <a:spcPct val="90000"/>
               </a:lnSpc>
@@ -4795,15 +4829,19 @@
               </a:defRPr>
             </a:lvl9pPr>
           </a:lstStyle>
-          <a:p/>
+          <a:p>
+            <a:endParaRPr/>
+          </a:p>
         </p:txBody>
       </p:sp>
       <p:sp>
         <p:nvSpPr>
           <p:cNvPr id="26" name="Google Shape;26;p4"/>
-          <p:cNvSpPr txBox="1"/>
+          <p:cNvSpPr txBox="1">
+            <a:spLocks noGrp="1"/>
+          </p:cNvSpPr>
           <p:nvPr>
-            <p:ph idx="10" type="dt"/>
+            <p:ph type="dt" idx="10"/>
           </p:nvPr>
         </p:nvSpPr>
         <p:spPr>
@@ -4820,7 +4858,7 @@
           </a:ln>
         </p:spPr>
         <p:txBody>
-          <a:bodyPr anchorCtr="0" anchor="ctr" bIns="45700" lIns="91425" spcFirstLastPara="1" rIns="91425" wrap="square" tIns="45700">
+          <a:bodyPr spcFirstLastPara="1" wrap="square" lIns="91425" tIns="45700" rIns="91425" bIns="45700" anchor="ctr" anchorCtr="0">
             <a:noAutofit/>
           </a:bodyPr>
           <a:lstStyle>
@@ -4924,15 +4962,19 @@
               <a:defRPr/>
             </a:lvl9pPr>
           </a:lstStyle>
-          <a:p/>
+          <a:p>
+            <a:endParaRPr/>
+          </a:p>
         </p:txBody>
       </p:sp>
       <p:sp>
         <p:nvSpPr>
           <p:cNvPr id="27" name="Google Shape;27;p4"/>
-          <p:cNvSpPr txBox="1"/>
+          <p:cNvSpPr txBox="1">
+            <a:spLocks noGrp="1"/>
+          </p:cNvSpPr>
           <p:nvPr>
-            <p:ph idx="11" type="ftr"/>
+            <p:ph type="ftr" idx="11"/>
           </p:nvPr>
         </p:nvSpPr>
         <p:spPr>
@@ -4949,7 +4991,7 @@
           </a:ln>
         </p:spPr>
         <p:txBody>
-          <a:bodyPr anchorCtr="0" anchor="ctr" bIns="45700" lIns="91425" spcFirstLastPara="1" rIns="91425" wrap="square" tIns="45700">
+          <a:bodyPr spcFirstLastPara="1" wrap="square" lIns="91425" tIns="45700" rIns="91425" bIns="45700" anchor="ctr" anchorCtr="0">
             <a:noAutofit/>
           </a:bodyPr>
           <a:lstStyle>
@@ -5053,15 +5095,19 @@
               <a:defRPr/>
             </a:lvl9pPr>
           </a:lstStyle>
-          <a:p/>
+          <a:p>
+            <a:endParaRPr/>
+          </a:p>
         </p:txBody>
       </p:sp>
       <p:sp>
         <p:nvSpPr>
           <p:cNvPr id="28" name="Google Shape;28;p4"/>
-          <p:cNvSpPr txBox="1"/>
+          <p:cNvSpPr txBox="1">
+            <a:spLocks noGrp="1"/>
+          </p:cNvSpPr>
           <p:nvPr>
-            <p:ph idx="12" type="sldNum"/>
+            <p:ph type="sldNum" idx="12"/>
           </p:nvPr>
         </p:nvSpPr>
         <p:spPr>
@@ -5078,67 +5124,67 @@
           </a:ln>
         </p:spPr>
         <p:txBody>
-          <a:bodyPr anchorCtr="0" anchor="ctr" bIns="45700" lIns="91425" spcFirstLastPara="1" rIns="91425" wrap="square" tIns="45700">
+          <a:bodyPr spcFirstLastPara="1" wrap="square" lIns="91425" tIns="45700" rIns="91425" bIns="45700" anchor="ctr" anchorCtr="0">
             <a:noAutofit/>
           </a:bodyPr>
           <a:lstStyle>
-            <a:lvl1pPr indent="0" lvl="0" marL="0" algn="r">
+            <a:lvl1pPr marL="0" lvl="0" indent="0" algn="r">
               <a:spcBef>
                 <a:spcPts val="0"/>
               </a:spcBef>
               <a:buNone/>
               <a:defRPr/>
             </a:lvl1pPr>
-            <a:lvl2pPr indent="0" lvl="1" marL="0" algn="r">
+            <a:lvl2pPr marL="0" lvl="1" indent="0" algn="r">
               <a:spcBef>
                 <a:spcPts val="0"/>
               </a:spcBef>
               <a:buNone/>
               <a:defRPr/>
             </a:lvl2pPr>
-            <a:lvl3pPr indent="0" lvl="2" marL="0" algn="r">
+            <a:lvl3pPr marL="0" lvl="2" indent="0" algn="r">
               <a:spcBef>
                 <a:spcPts val="0"/>
               </a:spcBef>
               <a:buNone/>
               <a:defRPr/>
             </a:lvl3pPr>
-            <a:lvl4pPr indent="0" lvl="3" marL="0" algn="r">
+            <a:lvl4pPr marL="0" lvl="3" indent="0" algn="r">
               <a:spcBef>
                 <a:spcPts val="0"/>
               </a:spcBef>
               <a:buNone/>
               <a:defRPr/>
             </a:lvl4pPr>
-            <a:lvl5pPr indent="0" lvl="4" marL="0" algn="r">
+            <a:lvl5pPr marL="0" lvl="4" indent="0" algn="r">
               <a:spcBef>
                 <a:spcPts val="0"/>
               </a:spcBef>
               <a:buNone/>
               <a:defRPr/>
             </a:lvl5pPr>
-            <a:lvl6pPr indent="0" lvl="5" marL="0" algn="r">
+            <a:lvl6pPr marL="0" lvl="5" indent="0" algn="r">
               <a:spcBef>
                 <a:spcPts val="0"/>
               </a:spcBef>
               <a:buNone/>
               <a:defRPr/>
             </a:lvl6pPr>
-            <a:lvl7pPr indent="0" lvl="6" marL="0" algn="r">
+            <a:lvl7pPr marL="0" lvl="6" indent="0" algn="r">
               <a:spcBef>
                 <a:spcPts val="0"/>
               </a:spcBef>
               <a:buNone/>
               <a:defRPr/>
             </a:lvl7pPr>
-            <a:lvl8pPr indent="0" lvl="7" marL="0" algn="r">
+            <a:lvl8pPr marL="0" lvl="7" indent="0" algn="r">
               <a:spcBef>
                 <a:spcPts val="0"/>
               </a:spcBef>
               <a:buNone/>
               <a:defRPr/>
             </a:lvl8pPr>
-            <a:lvl9pPr indent="0" lvl="8" marL="0" algn="r">
+            <a:lvl9pPr marL="0" lvl="8" indent="0" algn="r">
               <a:spcBef>
                 <a:spcPts val="0"/>
               </a:spcBef>
@@ -5147,7 +5193,7 @@
             </a:lvl9pPr>
           </a:lstStyle>
           <a:p>
-            <a:pPr indent="0" lvl="0" marL="0" rtl="0" algn="r">
+            <a:pPr marL="0" lvl="0" indent="0" algn="r" rtl="0">
               <a:spcBef>
                 <a:spcPts val="0"/>
               </a:spcBef>
@@ -5173,11 +5219,11 @@
 </file>
 
 <file path=ppt/slideLayouts/slideLayout4.xml><?xml version="1.0" encoding="utf-8"?>
-<p:sldLayout xmlns:a="http://schemas.openxmlformats.org/drawingml/2006/main" xmlns:r="http://schemas.openxmlformats.org/officeDocument/2006/relationships" xmlns:mc="http://schemas.openxmlformats.org/markup-compatibility/2006" xmlns:mv="urn:schemas-microsoft-com:mac:vml" xmlns:p="http://schemas.openxmlformats.org/presentationml/2006/main" xmlns:c="http://schemas.openxmlformats.org/drawingml/2006/chart" xmlns:dgm="http://schemas.openxmlformats.org/drawingml/2006/diagram" xmlns:o="urn:schemas-microsoft-com:office:office" xmlns:v="urn:schemas-microsoft-com:vml" xmlns:pvml="urn:schemas-microsoft-com:office:powerpoint" xmlns:com="http://schemas.openxmlformats.org/drawingml/2006/compatibility" xmlns:p14="http://schemas.microsoft.com/office/powerpoint/2010/main" xmlns:p15="http://schemas.microsoft.com/office/powerpoint/2012/main" xmlns:ahyp="http://schemas.microsoft.com/office/drawing/2018/hyperlinkcolor" matchingName="Two Content" type="twoObj">
+<p:sldLayout xmlns:a="http://schemas.openxmlformats.org/drawingml/2006/main" xmlns:r="http://schemas.openxmlformats.org/officeDocument/2006/relationships" xmlns:p="http://schemas.openxmlformats.org/presentationml/2006/main" matchingName="Two Content" type="twoObj">
   <p:cSld name="TWO_OBJECTS">
     <p:spTree>
       <p:nvGrpSpPr>
-        <p:cNvPr id="29" name="Shape 29"/>
+        <p:cNvPr id="1" name="Shape 29"/>
         <p:cNvGrpSpPr/>
         <p:nvPr/>
       </p:nvGrpSpPr>
@@ -5192,7 +5238,9 @@
       <p:sp>
         <p:nvSpPr>
           <p:cNvPr id="30" name="Google Shape;30;p5"/>
-          <p:cNvSpPr txBox="1"/>
+          <p:cNvSpPr txBox="1">
+            <a:spLocks noGrp="1"/>
+          </p:cNvSpPr>
           <p:nvPr>
             <p:ph type="title"/>
           </p:nvPr>
@@ -5211,7 +5259,7 @@
           </a:ln>
         </p:spPr>
         <p:txBody>
-          <a:bodyPr anchorCtr="0" anchor="ctr" bIns="45700" lIns="91425" spcFirstLastPara="1" rIns="91425" wrap="square" tIns="45700">
+          <a:bodyPr spcFirstLastPara="1" wrap="square" lIns="91425" tIns="45700" rIns="91425" bIns="45700" anchor="ctr" anchorCtr="0">
             <a:normAutofit/>
           </a:bodyPr>
           <a:lstStyle>
@@ -5321,15 +5369,19 @@
               <a:defRPr/>
             </a:lvl9pPr>
           </a:lstStyle>
-          <a:p/>
+          <a:p>
+            <a:endParaRPr/>
+          </a:p>
         </p:txBody>
       </p:sp>
       <p:sp>
         <p:nvSpPr>
           <p:cNvPr id="31" name="Google Shape;31;p5"/>
-          <p:cNvSpPr txBox="1"/>
+          <p:cNvSpPr txBox="1">
+            <a:spLocks noGrp="1"/>
+          </p:cNvSpPr>
           <p:nvPr>
-            <p:ph idx="1" type="body"/>
+            <p:ph type="body" idx="1"/>
           </p:nvPr>
         </p:nvSpPr>
         <p:spPr>
@@ -5346,11 +5398,11 @@
           </a:ln>
         </p:spPr>
         <p:txBody>
-          <a:bodyPr anchorCtr="0" anchor="t" bIns="45700" lIns="91425" spcFirstLastPara="1" rIns="91425" wrap="square" tIns="45700">
+          <a:bodyPr spcFirstLastPara="1" wrap="square" lIns="91425" tIns="45700" rIns="91425" bIns="45700" anchor="t" anchorCtr="0">
             <a:normAutofit/>
           </a:bodyPr>
           <a:lstStyle>
-            <a:lvl1pPr indent="-342900" lvl="0" marL="457200" algn="l">
+            <a:lvl1pPr marL="457200" lvl="0" indent="-342900" algn="l">
               <a:lnSpc>
                 <a:spcPct val="90000"/>
               </a:lnSpc>
@@ -5367,7 +5419,7 @@
               <a:buChar char="•"/>
               <a:defRPr/>
             </a:lvl1pPr>
-            <a:lvl2pPr indent="-342900" lvl="1" marL="914400" algn="l">
+            <a:lvl2pPr marL="914400" lvl="1" indent="-342900" algn="l">
               <a:lnSpc>
                 <a:spcPct val="90000"/>
               </a:lnSpc>
@@ -5384,7 +5436,7 @@
               <a:buChar char="•"/>
               <a:defRPr/>
             </a:lvl2pPr>
-            <a:lvl3pPr indent="-342900" lvl="2" marL="1371600" algn="l">
+            <a:lvl3pPr marL="1371600" lvl="2" indent="-342900" algn="l">
               <a:lnSpc>
                 <a:spcPct val="90000"/>
               </a:lnSpc>
@@ -5401,7 +5453,7 @@
               <a:buChar char="•"/>
               <a:defRPr/>
             </a:lvl3pPr>
-            <a:lvl4pPr indent="-342900" lvl="3" marL="1828800" algn="l">
+            <a:lvl4pPr marL="1828800" lvl="3" indent="-342900" algn="l">
               <a:lnSpc>
                 <a:spcPct val="90000"/>
               </a:lnSpc>
@@ -5418,7 +5470,7 @@
               <a:buChar char="•"/>
               <a:defRPr/>
             </a:lvl4pPr>
-            <a:lvl5pPr indent="-342900" lvl="4" marL="2286000" algn="l">
+            <a:lvl5pPr marL="2286000" lvl="4" indent="-342900" algn="l">
               <a:lnSpc>
                 <a:spcPct val="90000"/>
               </a:lnSpc>
@@ -5435,7 +5487,7 @@
               <a:buChar char="•"/>
               <a:defRPr/>
             </a:lvl5pPr>
-            <a:lvl6pPr indent="-342900" lvl="5" marL="2743200" algn="l">
+            <a:lvl6pPr marL="2743200" lvl="5" indent="-342900" algn="l">
               <a:lnSpc>
                 <a:spcPct val="90000"/>
               </a:lnSpc>
@@ -5452,7 +5504,7 @@
               <a:buChar char="•"/>
               <a:defRPr/>
             </a:lvl6pPr>
-            <a:lvl7pPr indent="-342900" lvl="6" marL="3200400" algn="l">
+            <a:lvl7pPr marL="3200400" lvl="6" indent="-342900" algn="l">
               <a:lnSpc>
                 <a:spcPct val="90000"/>
               </a:lnSpc>
@@ -5469,7 +5521,7 @@
               <a:buChar char="•"/>
               <a:defRPr/>
             </a:lvl7pPr>
-            <a:lvl8pPr indent="-342900" lvl="7" marL="3657600" algn="l">
+            <a:lvl8pPr marL="3657600" lvl="7" indent="-342900" algn="l">
               <a:lnSpc>
                 <a:spcPct val="90000"/>
               </a:lnSpc>
@@ -5486,7 +5538,7 @@
               <a:buChar char="•"/>
               <a:defRPr/>
             </a:lvl8pPr>
-            <a:lvl9pPr indent="-342900" lvl="8" marL="4114800" algn="l">
+            <a:lvl9pPr marL="4114800" lvl="8" indent="-342900" algn="l">
               <a:lnSpc>
                 <a:spcPct val="90000"/>
               </a:lnSpc>
@@ -5504,15 +5556,19 @@
               <a:defRPr/>
             </a:lvl9pPr>
           </a:lstStyle>
-          <a:p/>
+          <a:p>
+            <a:endParaRPr/>
+          </a:p>
         </p:txBody>
       </p:sp>
       <p:sp>
         <p:nvSpPr>
           <p:cNvPr id="32" name="Google Shape;32;p5"/>
-          <p:cNvSpPr txBox="1"/>
+          <p:cNvSpPr txBox="1">
+            <a:spLocks noGrp="1"/>
+          </p:cNvSpPr>
           <p:nvPr>
-            <p:ph idx="2" type="body"/>
+            <p:ph type="body" idx="2"/>
           </p:nvPr>
         </p:nvSpPr>
         <p:spPr>
@@ -5529,11 +5585,11 @@
           </a:ln>
         </p:spPr>
         <p:txBody>
-          <a:bodyPr anchorCtr="0" anchor="t" bIns="45700" lIns="91425" spcFirstLastPara="1" rIns="91425" wrap="square" tIns="45700">
+          <a:bodyPr spcFirstLastPara="1" wrap="square" lIns="91425" tIns="45700" rIns="91425" bIns="45700" anchor="t" anchorCtr="0">
             <a:normAutofit/>
           </a:bodyPr>
           <a:lstStyle>
-            <a:lvl1pPr indent="-342900" lvl="0" marL="457200" algn="l">
+            <a:lvl1pPr marL="457200" lvl="0" indent="-342900" algn="l">
               <a:lnSpc>
                 <a:spcPct val="90000"/>
               </a:lnSpc>
@@ -5550,7 +5606,7 @@
               <a:buChar char="•"/>
               <a:defRPr/>
             </a:lvl1pPr>
-            <a:lvl2pPr indent="-342900" lvl="1" marL="914400" algn="l">
+            <a:lvl2pPr marL="914400" lvl="1" indent="-342900" algn="l">
               <a:lnSpc>
                 <a:spcPct val="90000"/>
               </a:lnSpc>
@@ -5567,7 +5623,7 @@
               <a:buChar char="•"/>
               <a:defRPr/>
             </a:lvl2pPr>
-            <a:lvl3pPr indent="-342900" lvl="2" marL="1371600" algn="l">
+            <a:lvl3pPr marL="1371600" lvl="2" indent="-342900" algn="l">
               <a:lnSpc>
                 <a:spcPct val="90000"/>
               </a:lnSpc>
@@ -5584,7 +5640,7 @@
               <a:buChar char="•"/>
               <a:defRPr/>
             </a:lvl3pPr>
-            <a:lvl4pPr indent="-342900" lvl="3" marL="1828800" algn="l">
+            <a:lvl4pPr marL="1828800" lvl="3" indent="-342900" algn="l">
               <a:lnSpc>
                 <a:spcPct val="90000"/>
               </a:lnSpc>
@@ -5601,7 +5657,7 @@
               <a:buChar char="•"/>
               <a:defRPr/>
             </a:lvl4pPr>
-            <a:lvl5pPr indent="-342900" lvl="4" marL="2286000" algn="l">
+            <a:lvl5pPr marL="2286000" lvl="4" indent="-342900" algn="l">
               <a:lnSpc>
                 <a:spcPct val="90000"/>
               </a:lnSpc>
@@ -5618,7 +5674,7 @@
               <a:buChar char="•"/>
               <a:defRPr/>
             </a:lvl5pPr>
-            <a:lvl6pPr indent="-342900" lvl="5" marL="2743200" algn="l">
+            <a:lvl6pPr marL="2743200" lvl="5" indent="-342900" algn="l">
               <a:lnSpc>
                 <a:spcPct val="90000"/>
               </a:lnSpc>
@@ -5635,7 +5691,7 @@
               <a:buChar char="•"/>
               <a:defRPr/>
             </a:lvl6pPr>
-            <a:lvl7pPr indent="-342900" lvl="6" marL="3200400" algn="l">
+            <a:lvl7pPr marL="3200400" lvl="6" indent="-342900" algn="l">
               <a:lnSpc>
                 <a:spcPct val="90000"/>
               </a:lnSpc>
@@ -5652,7 +5708,7 @@
               <a:buChar char="•"/>
               <a:defRPr/>
             </a:lvl7pPr>
-            <a:lvl8pPr indent="-342900" lvl="7" marL="3657600" algn="l">
+            <a:lvl8pPr marL="3657600" lvl="7" indent="-342900" algn="l">
               <a:lnSpc>
                 <a:spcPct val="90000"/>
               </a:lnSpc>
@@ -5669,7 +5725,7 @@
               <a:buChar char="•"/>
               <a:defRPr/>
             </a:lvl8pPr>
-            <a:lvl9pPr indent="-342900" lvl="8" marL="4114800" algn="l">
+            <a:lvl9pPr marL="4114800" lvl="8" indent="-342900" algn="l">
               <a:lnSpc>
                 <a:spcPct val="90000"/>
               </a:lnSpc>
@@ -5687,15 +5743,19 @@
               <a:defRPr/>
             </a:lvl9pPr>
           </a:lstStyle>
-          <a:p/>
+          <a:p>
+            <a:endParaRPr/>
+          </a:p>
         </p:txBody>
       </p:sp>
       <p:sp>
         <p:nvSpPr>
           <p:cNvPr id="33" name="Google Shape;33;p5"/>
-          <p:cNvSpPr txBox="1"/>
+          <p:cNvSpPr txBox="1">
+            <a:spLocks noGrp="1"/>
+          </p:cNvSpPr>
           <p:nvPr>
-            <p:ph idx="10" type="dt"/>
+            <p:ph type="dt" idx="10"/>
           </p:nvPr>
         </p:nvSpPr>
         <p:spPr>
@@ -5712,7 +5772,7 @@
           </a:ln>
         </p:spPr>
         <p:txBody>
-          <a:bodyPr anchorCtr="0" anchor="ctr" bIns="45700" lIns="91425" spcFirstLastPara="1" rIns="91425" wrap="square" tIns="45700">
+          <a:bodyPr spcFirstLastPara="1" wrap="square" lIns="91425" tIns="45700" rIns="91425" bIns="45700" anchor="ctr" anchorCtr="0">
             <a:noAutofit/>
           </a:bodyPr>
           <a:lstStyle>
@@ -5816,15 +5876,19 @@
               <a:defRPr/>
             </a:lvl9pPr>
           </a:lstStyle>
-          <a:p/>
+          <a:p>
+            <a:endParaRPr/>
+          </a:p>
         </p:txBody>
       </p:sp>
       <p:sp>
         <p:nvSpPr>
           <p:cNvPr id="34" name="Google Shape;34;p5"/>
-          <p:cNvSpPr txBox="1"/>
+          <p:cNvSpPr txBox="1">
+            <a:spLocks noGrp="1"/>
+          </p:cNvSpPr>
           <p:nvPr>
-            <p:ph idx="11" type="ftr"/>
+            <p:ph type="ftr" idx="11"/>
           </p:nvPr>
         </p:nvSpPr>
         <p:spPr>
@@ -5841,7 +5905,7 @@
           </a:ln>
         </p:spPr>
         <p:txBody>
-          <a:bodyPr anchorCtr="0" anchor="ctr" bIns="45700" lIns="91425" spcFirstLastPara="1" rIns="91425" wrap="square" tIns="45700">
+          <a:bodyPr spcFirstLastPara="1" wrap="square" lIns="91425" tIns="45700" rIns="91425" bIns="45700" anchor="ctr" anchorCtr="0">
             <a:noAutofit/>
           </a:bodyPr>
           <a:lstStyle>
@@ -5945,15 +6009,19 @@
               <a:defRPr/>
             </a:lvl9pPr>
           </a:lstStyle>
-          <a:p/>
+          <a:p>
+            <a:endParaRPr/>
+          </a:p>
         </p:txBody>
       </p:sp>
       <p:sp>
         <p:nvSpPr>
           <p:cNvPr id="35" name="Google Shape;35;p5"/>
-          <p:cNvSpPr txBox="1"/>
+          <p:cNvSpPr txBox="1">
+            <a:spLocks noGrp="1"/>
+          </p:cNvSpPr>
           <p:nvPr>
-            <p:ph idx="12" type="sldNum"/>
+            <p:ph type="sldNum" idx="12"/>
           </p:nvPr>
         </p:nvSpPr>
         <p:spPr>
@@ -5970,67 +6038,67 @@
           </a:ln>
         </p:spPr>
         <p:txBody>
-          <a:bodyPr anchorCtr="0" anchor="ctr" bIns="45700" lIns="91425" spcFirstLastPara="1" rIns="91425" wrap="square" tIns="45700">
+          <a:bodyPr spcFirstLastPara="1" wrap="square" lIns="91425" tIns="45700" rIns="91425" bIns="45700" anchor="ctr" anchorCtr="0">
             <a:noAutofit/>
           </a:bodyPr>
           <a:lstStyle>
-            <a:lvl1pPr indent="0" lvl="0" marL="0" algn="r">
+            <a:lvl1pPr marL="0" lvl="0" indent="0" algn="r">
               <a:spcBef>
                 <a:spcPts val="0"/>
               </a:spcBef>
               <a:buNone/>
               <a:defRPr/>
             </a:lvl1pPr>
-            <a:lvl2pPr indent="0" lvl="1" marL="0" algn="r">
+            <a:lvl2pPr marL="0" lvl="1" indent="0" algn="r">
               <a:spcBef>
                 <a:spcPts val="0"/>
               </a:spcBef>
               <a:buNone/>
               <a:defRPr/>
             </a:lvl2pPr>
-            <a:lvl3pPr indent="0" lvl="2" marL="0" algn="r">
+            <a:lvl3pPr marL="0" lvl="2" indent="0" algn="r">
               <a:spcBef>
                 <a:spcPts val="0"/>
               </a:spcBef>
               <a:buNone/>
               <a:defRPr/>
             </a:lvl3pPr>
-            <a:lvl4pPr indent="0" lvl="3" marL="0" algn="r">
+            <a:lvl4pPr marL="0" lvl="3" indent="0" algn="r">
               <a:spcBef>
                 <a:spcPts val="0"/>
               </a:spcBef>
               <a:buNone/>
               <a:defRPr/>
             </a:lvl4pPr>
-            <a:lvl5pPr indent="0" lvl="4" marL="0" algn="r">
+            <a:lvl5pPr marL="0" lvl="4" indent="0" algn="r">
               <a:spcBef>
                 <a:spcPts val="0"/>
               </a:spcBef>
               <a:buNone/>
               <a:defRPr/>
             </a:lvl5pPr>
-            <a:lvl6pPr indent="0" lvl="5" marL="0" algn="r">
+            <a:lvl6pPr marL="0" lvl="5" indent="0" algn="r">
               <a:spcBef>
                 <a:spcPts val="0"/>
               </a:spcBef>
               <a:buNone/>
               <a:defRPr/>
             </a:lvl6pPr>
-            <a:lvl7pPr indent="0" lvl="6" marL="0" algn="r">
+            <a:lvl7pPr marL="0" lvl="6" indent="0" algn="r">
               <a:spcBef>
                 <a:spcPts val="0"/>
               </a:spcBef>
               <a:buNone/>
               <a:defRPr/>
             </a:lvl7pPr>
-            <a:lvl8pPr indent="0" lvl="7" marL="0" algn="r">
+            <a:lvl8pPr marL="0" lvl="7" indent="0" algn="r">
               <a:spcBef>
                 <a:spcPts val="0"/>
               </a:spcBef>
               <a:buNone/>
               <a:defRPr/>
             </a:lvl8pPr>
-            <a:lvl9pPr indent="0" lvl="8" marL="0" algn="r">
+            <a:lvl9pPr marL="0" lvl="8" indent="0" algn="r">
               <a:spcBef>
                 <a:spcPts val="0"/>
               </a:spcBef>
@@ -6039,7 +6107,7 @@
             </a:lvl9pPr>
           </a:lstStyle>
           <a:p>
-            <a:pPr indent="0" lvl="0" marL="0" rtl="0" algn="r">
+            <a:pPr marL="0" lvl="0" indent="0" algn="r" rtl="0">
               <a:spcBef>
                 <a:spcPts val="0"/>
               </a:spcBef>
@@ -6065,11 +6133,11 @@
 </file>
 
 <file path=ppt/slideLayouts/slideLayout5.xml><?xml version="1.0" encoding="utf-8"?>
-<p:sldLayout xmlns:a="http://schemas.openxmlformats.org/drawingml/2006/main" xmlns:r="http://schemas.openxmlformats.org/officeDocument/2006/relationships" xmlns:mc="http://schemas.openxmlformats.org/markup-compatibility/2006" xmlns:mv="urn:schemas-microsoft-com:mac:vml" xmlns:p="http://schemas.openxmlformats.org/presentationml/2006/main" xmlns:c="http://schemas.openxmlformats.org/drawingml/2006/chart" xmlns:dgm="http://schemas.openxmlformats.org/drawingml/2006/diagram" xmlns:o="urn:schemas-microsoft-com:office:office" xmlns:v="urn:schemas-microsoft-com:vml" xmlns:pvml="urn:schemas-microsoft-com:office:powerpoint" xmlns:com="http://schemas.openxmlformats.org/drawingml/2006/compatibility" xmlns:p14="http://schemas.microsoft.com/office/powerpoint/2010/main" xmlns:p15="http://schemas.microsoft.com/office/powerpoint/2012/main" xmlns:ahyp="http://schemas.microsoft.com/office/drawing/2018/hyperlinkcolor" matchingName="Comparison" type="twoTxTwoObj">
+<p:sldLayout xmlns:a="http://schemas.openxmlformats.org/drawingml/2006/main" xmlns:r="http://schemas.openxmlformats.org/officeDocument/2006/relationships" xmlns:p="http://schemas.openxmlformats.org/presentationml/2006/main" matchingName="Comparison" type="twoTxTwoObj">
   <p:cSld name="TWO_OBJECTS_WITH_TEXT">
     <p:spTree>
       <p:nvGrpSpPr>
-        <p:cNvPr id="36" name="Shape 36"/>
+        <p:cNvPr id="1" name="Shape 36"/>
         <p:cNvGrpSpPr/>
         <p:nvPr/>
       </p:nvGrpSpPr>
@@ -6084,7 +6152,9 @@
       <p:sp>
         <p:nvSpPr>
           <p:cNvPr id="37" name="Google Shape;37;p6"/>
-          <p:cNvSpPr txBox="1"/>
+          <p:cNvSpPr txBox="1">
+            <a:spLocks noGrp="1"/>
+          </p:cNvSpPr>
           <p:nvPr>
             <p:ph type="title"/>
           </p:nvPr>
@@ -6103,7 +6173,7 @@
           </a:ln>
         </p:spPr>
         <p:txBody>
-          <a:bodyPr anchorCtr="0" anchor="ctr" bIns="45700" lIns="91425" spcFirstLastPara="1" rIns="91425" wrap="square" tIns="45700">
+          <a:bodyPr spcFirstLastPara="1" wrap="square" lIns="91425" tIns="45700" rIns="91425" bIns="45700" anchor="ctr" anchorCtr="0">
             <a:normAutofit/>
           </a:bodyPr>
           <a:lstStyle>
@@ -6213,15 +6283,19 @@
               <a:defRPr/>
             </a:lvl9pPr>
           </a:lstStyle>
-          <a:p/>
+          <a:p>
+            <a:endParaRPr/>
+          </a:p>
         </p:txBody>
       </p:sp>
       <p:sp>
         <p:nvSpPr>
           <p:cNvPr id="38" name="Google Shape;38;p6"/>
-          <p:cNvSpPr txBox="1"/>
+          <p:cNvSpPr txBox="1">
+            <a:spLocks noGrp="1"/>
+          </p:cNvSpPr>
           <p:nvPr>
-            <p:ph idx="1" type="body"/>
+            <p:ph type="body" idx="1"/>
           </p:nvPr>
         </p:nvSpPr>
         <p:spPr>
@@ -6238,11 +6312,11 @@
           </a:ln>
         </p:spPr>
         <p:txBody>
-          <a:bodyPr anchorCtr="0" anchor="b" bIns="45700" lIns="91425" spcFirstLastPara="1" rIns="91425" wrap="square" tIns="45700">
+          <a:bodyPr spcFirstLastPara="1" wrap="square" lIns="91425" tIns="45700" rIns="91425" bIns="45700" anchor="b" anchorCtr="0">
             <a:normAutofit/>
           </a:bodyPr>
           <a:lstStyle>
-            <a:lvl1pPr indent="-228600" lvl="0" marL="457200" algn="l">
+            <a:lvl1pPr marL="457200" lvl="0" indent="-228600" algn="l">
               <a:lnSpc>
                 <a:spcPct val="90000"/>
               </a:lnSpc>
@@ -6257,9 +6331,9 @@
               </a:buClr>
               <a:buSzPts val="2400"/>
               <a:buNone/>
-              <a:defRPr b="1" sz="2400"/>
+              <a:defRPr sz="2400" b="1"/>
             </a:lvl1pPr>
-            <a:lvl2pPr indent="-228600" lvl="1" marL="914400" algn="l">
+            <a:lvl2pPr marL="914400" lvl="1" indent="-228600" algn="l">
               <a:lnSpc>
                 <a:spcPct val="90000"/>
               </a:lnSpc>
@@ -6274,9 +6348,9 @@
               </a:buClr>
               <a:buSzPts val="2000"/>
               <a:buNone/>
-              <a:defRPr b="1" sz="2000"/>
+              <a:defRPr sz="2000" b="1"/>
             </a:lvl2pPr>
-            <a:lvl3pPr indent="-228600" lvl="2" marL="1371600" algn="l">
+            <a:lvl3pPr marL="1371600" lvl="2" indent="-228600" algn="l">
               <a:lnSpc>
                 <a:spcPct val="90000"/>
               </a:lnSpc>
@@ -6291,9 +6365,9 @@
               </a:buClr>
               <a:buSzPts val="1800"/>
               <a:buNone/>
-              <a:defRPr b="1" sz="1800"/>
+              <a:defRPr sz="1800" b="1"/>
             </a:lvl3pPr>
-            <a:lvl4pPr indent="-228600" lvl="3" marL="1828800" algn="l">
+            <a:lvl4pPr marL="1828800" lvl="3" indent="-228600" algn="l">
               <a:lnSpc>
                 <a:spcPct val="90000"/>
               </a:lnSpc>
@@ -6308,9 +6382,9 @@
               </a:buClr>
               <a:buSzPts val="1600"/>
               <a:buNone/>
-              <a:defRPr b="1" sz="1600"/>
+              <a:defRPr sz="1600" b="1"/>
             </a:lvl4pPr>
-            <a:lvl5pPr indent="-228600" lvl="4" marL="2286000" algn="l">
+            <a:lvl5pPr marL="2286000" lvl="4" indent="-228600" algn="l">
               <a:lnSpc>
                 <a:spcPct val="90000"/>
               </a:lnSpc>
@@ -6325,9 +6399,9 @@
               </a:buClr>
               <a:buSzPts val="1600"/>
               <a:buNone/>
-              <a:defRPr b="1" sz="1600"/>
+              <a:defRPr sz="1600" b="1"/>
             </a:lvl5pPr>
-            <a:lvl6pPr indent="-228600" lvl="5" marL="2743200" algn="l">
+            <a:lvl6pPr marL="2743200" lvl="5" indent="-228600" algn="l">
               <a:lnSpc>
                 <a:spcPct val="90000"/>
               </a:lnSpc>
@@ -6342,9 +6416,9 @@
               </a:buClr>
               <a:buSzPts val="1600"/>
               <a:buNone/>
-              <a:defRPr b="1" sz="1600"/>
+              <a:defRPr sz="1600" b="1"/>
             </a:lvl6pPr>
-            <a:lvl7pPr indent="-228600" lvl="6" marL="3200400" algn="l">
+            <a:lvl7pPr marL="3200400" lvl="6" indent="-228600" algn="l">
               <a:lnSpc>
                 <a:spcPct val="90000"/>
               </a:lnSpc>
@@ -6359,9 +6433,9 @@
               </a:buClr>
               <a:buSzPts val="1600"/>
               <a:buNone/>
-              <a:defRPr b="1" sz="1600"/>
+              <a:defRPr sz="1600" b="1"/>
             </a:lvl7pPr>
-            <a:lvl8pPr indent="-228600" lvl="7" marL="3657600" algn="l">
+            <a:lvl8pPr marL="3657600" lvl="7" indent="-228600" algn="l">
               <a:lnSpc>
                 <a:spcPct val="90000"/>
               </a:lnSpc>
@@ -6376,9 +6450,9 @@
               </a:buClr>
               <a:buSzPts val="1600"/>
               <a:buNone/>
-              <a:defRPr b="1" sz="1600"/>
+              <a:defRPr sz="1600" b="1"/>
             </a:lvl8pPr>
-            <a:lvl9pPr indent="-228600" lvl="8" marL="4114800" algn="l">
+            <a:lvl9pPr marL="4114800" lvl="8" indent="-228600" algn="l">
               <a:lnSpc>
                 <a:spcPct val="90000"/>
               </a:lnSpc>
@@ -6393,18 +6467,22 @@
               </a:buClr>
               <a:buSzPts val="1600"/>
               <a:buNone/>
-              <a:defRPr b="1" sz="1600"/>
+              <a:defRPr sz="1600" b="1"/>
             </a:lvl9pPr>
           </a:lstStyle>
-          <a:p/>
+          <a:p>
+            <a:endParaRPr/>
+          </a:p>
         </p:txBody>
       </p:sp>
       <p:sp>
         <p:nvSpPr>
           <p:cNvPr id="39" name="Google Shape;39;p6"/>
-          <p:cNvSpPr txBox="1"/>
+          <p:cNvSpPr txBox="1">
+            <a:spLocks noGrp="1"/>
+          </p:cNvSpPr>
           <p:nvPr>
-            <p:ph idx="2" type="body"/>
+            <p:ph type="body" idx="2"/>
           </p:nvPr>
         </p:nvSpPr>
         <p:spPr>
@@ -6421,11 +6499,11 @@
           </a:ln>
         </p:spPr>
         <p:txBody>
-          <a:bodyPr anchorCtr="0" anchor="t" bIns="45700" lIns="91425" spcFirstLastPara="1" rIns="91425" wrap="square" tIns="45700">
+          <a:bodyPr spcFirstLastPara="1" wrap="square" lIns="91425" tIns="45700" rIns="91425" bIns="45700" anchor="t" anchorCtr="0">
             <a:normAutofit/>
           </a:bodyPr>
           <a:lstStyle>
-            <a:lvl1pPr indent="-342900" lvl="0" marL="457200" algn="l">
+            <a:lvl1pPr marL="457200" lvl="0" indent="-342900" algn="l">
               <a:lnSpc>
                 <a:spcPct val="90000"/>
               </a:lnSpc>
@@ -6442,7 +6520,7 @@
               <a:buChar char="•"/>
               <a:defRPr/>
             </a:lvl1pPr>
-            <a:lvl2pPr indent="-342900" lvl="1" marL="914400" algn="l">
+            <a:lvl2pPr marL="914400" lvl="1" indent="-342900" algn="l">
               <a:lnSpc>
                 <a:spcPct val="90000"/>
               </a:lnSpc>
@@ -6459,7 +6537,7 @@
               <a:buChar char="•"/>
               <a:defRPr/>
             </a:lvl2pPr>
-            <a:lvl3pPr indent="-342900" lvl="2" marL="1371600" algn="l">
+            <a:lvl3pPr marL="1371600" lvl="2" indent="-342900" algn="l">
               <a:lnSpc>
                 <a:spcPct val="90000"/>
               </a:lnSpc>
@@ -6476,7 +6554,7 @@
               <a:buChar char="•"/>
               <a:defRPr/>
             </a:lvl3pPr>
-            <a:lvl4pPr indent="-342900" lvl="3" marL="1828800" algn="l">
+            <a:lvl4pPr marL="1828800" lvl="3" indent="-342900" algn="l">
               <a:lnSpc>
                 <a:spcPct val="90000"/>
               </a:lnSpc>
@@ -6493,7 +6571,7 @@
               <a:buChar char="•"/>
               <a:defRPr/>
             </a:lvl4pPr>
-            <a:lvl5pPr indent="-342900" lvl="4" marL="2286000" algn="l">
+            <a:lvl5pPr marL="2286000" lvl="4" indent="-342900" algn="l">
               <a:lnSpc>
                 <a:spcPct val="90000"/>
               </a:lnSpc>
@@ -6510,7 +6588,7 @@
               <a:buChar char="•"/>
               <a:defRPr/>
             </a:lvl5pPr>
-            <a:lvl6pPr indent="-342900" lvl="5" marL="2743200" algn="l">
+            <a:lvl6pPr marL="2743200" lvl="5" indent="-342900" algn="l">
               <a:lnSpc>
                 <a:spcPct val="90000"/>
               </a:lnSpc>
@@ -6527,7 +6605,7 @@
               <a:buChar char="•"/>
               <a:defRPr/>
             </a:lvl6pPr>
-            <a:lvl7pPr indent="-342900" lvl="6" marL="3200400" algn="l">
+            <a:lvl7pPr marL="3200400" lvl="6" indent="-342900" algn="l">
               <a:lnSpc>
                 <a:spcPct val="90000"/>
               </a:lnSpc>
@@ -6544,7 +6622,7 @@
               <a:buChar char="•"/>
               <a:defRPr/>
             </a:lvl7pPr>
-            <a:lvl8pPr indent="-342900" lvl="7" marL="3657600" algn="l">
+            <a:lvl8pPr marL="3657600" lvl="7" indent="-342900" algn="l">
               <a:lnSpc>
                 <a:spcPct val="90000"/>
               </a:lnSpc>
@@ -6561,7 +6639,7 @@
               <a:buChar char="•"/>
               <a:defRPr/>
             </a:lvl8pPr>
-            <a:lvl9pPr indent="-342900" lvl="8" marL="4114800" algn="l">
+            <a:lvl9pPr marL="4114800" lvl="8" indent="-342900" algn="l">
               <a:lnSpc>
                 <a:spcPct val="90000"/>
               </a:lnSpc>
@@ -6579,15 +6657,19 @@
               <a:defRPr/>
             </a:lvl9pPr>
           </a:lstStyle>
-          <a:p/>
+          <a:p>
+            <a:endParaRPr/>
+          </a:p>
         </p:txBody>
       </p:sp>
       <p:sp>
         <p:nvSpPr>
           <p:cNvPr id="40" name="Google Shape;40;p6"/>
-          <p:cNvSpPr txBox="1"/>
+          <p:cNvSpPr txBox="1">
+            <a:spLocks noGrp="1"/>
+          </p:cNvSpPr>
           <p:nvPr>
-            <p:ph idx="3" type="body"/>
+            <p:ph type="body" idx="3"/>
           </p:nvPr>
         </p:nvSpPr>
         <p:spPr>
@@ -6604,11 +6686,11 @@
           </a:ln>
         </p:spPr>
         <p:txBody>
-          <a:bodyPr anchorCtr="0" anchor="b" bIns="45700" lIns="91425" spcFirstLastPara="1" rIns="91425" wrap="square" tIns="45700">
+          <a:bodyPr spcFirstLastPara="1" wrap="square" lIns="91425" tIns="45700" rIns="91425" bIns="45700" anchor="b" anchorCtr="0">
             <a:normAutofit/>
           </a:bodyPr>
           <a:lstStyle>
-            <a:lvl1pPr indent="-228600" lvl="0" marL="457200" algn="l">
+            <a:lvl1pPr marL="457200" lvl="0" indent="-228600" algn="l">
               <a:lnSpc>
                 <a:spcPct val="90000"/>
               </a:lnSpc>
@@ -6623,9 +6705,9 @@
               </a:buClr>
               <a:buSzPts val="2400"/>
               <a:buNone/>
-              <a:defRPr b="1" sz="2400"/>
+              <a:defRPr sz="2400" b="1"/>
             </a:lvl1pPr>
-            <a:lvl2pPr indent="-228600" lvl="1" marL="914400" algn="l">
+            <a:lvl2pPr marL="914400" lvl="1" indent="-228600" algn="l">
               <a:lnSpc>
                 <a:spcPct val="90000"/>
               </a:lnSpc>
@@ -6640,9 +6722,9 @@
               </a:buClr>
               <a:buSzPts val="2000"/>
               <a:buNone/>
-              <a:defRPr b="1" sz="2000"/>
+              <a:defRPr sz="2000" b="1"/>
             </a:lvl2pPr>
-            <a:lvl3pPr indent="-228600" lvl="2" marL="1371600" algn="l">
+            <a:lvl3pPr marL="1371600" lvl="2" indent="-228600" algn="l">
               <a:lnSpc>
                 <a:spcPct val="90000"/>
               </a:lnSpc>
@@ -6657,9 +6739,9 @@
               </a:buClr>
               <a:buSzPts val="1800"/>
               <a:buNone/>
-              <a:defRPr b="1" sz="1800"/>
+              <a:defRPr sz="1800" b="1"/>
             </a:lvl3pPr>
-            <a:lvl4pPr indent="-228600" lvl="3" marL="1828800" algn="l">
+            <a:lvl4pPr marL="1828800" lvl="3" indent="-228600" algn="l">
               <a:lnSpc>
                 <a:spcPct val="90000"/>
               </a:lnSpc>
@@ -6674,9 +6756,9 @@
               </a:buClr>
               <a:buSzPts val="1600"/>
               <a:buNone/>
-              <a:defRPr b="1" sz="1600"/>
+              <a:defRPr sz="1600" b="1"/>
             </a:lvl4pPr>
-            <a:lvl5pPr indent="-228600" lvl="4" marL="2286000" algn="l">
+            <a:lvl5pPr marL="2286000" lvl="4" indent="-228600" algn="l">
               <a:lnSpc>
                 <a:spcPct val="90000"/>
               </a:lnSpc>
@@ -6691,9 +6773,9 @@
               </a:buClr>
               <a:buSzPts val="1600"/>
               <a:buNone/>
-              <a:defRPr b="1" sz="1600"/>
+              <a:defRPr sz="1600" b="1"/>
             </a:lvl5pPr>
-            <a:lvl6pPr indent="-228600" lvl="5" marL="2743200" algn="l">
+            <a:lvl6pPr marL="2743200" lvl="5" indent="-228600" algn="l">
               <a:lnSpc>
                 <a:spcPct val="90000"/>
               </a:lnSpc>
@@ -6708,9 +6790,9 @@
               </a:buClr>
               <a:buSzPts val="1600"/>
               <a:buNone/>
-              <a:defRPr b="1" sz="1600"/>
+              <a:defRPr sz="1600" b="1"/>
             </a:lvl6pPr>
-            <a:lvl7pPr indent="-228600" lvl="6" marL="3200400" algn="l">
+            <a:lvl7pPr marL="3200400" lvl="6" indent="-228600" algn="l">
               <a:lnSpc>
                 <a:spcPct val="90000"/>
               </a:lnSpc>
@@ -6725,9 +6807,9 @@
               </a:buClr>
               <a:buSzPts val="1600"/>
               <a:buNone/>
-              <a:defRPr b="1" sz="1600"/>
+              <a:defRPr sz="1600" b="1"/>
             </a:lvl7pPr>
-            <a:lvl8pPr indent="-228600" lvl="7" marL="3657600" algn="l">
+            <a:lvl8pPr marL="3657600" lvl="7" indent="-228600" algn="l">
               <a:lnSpc>
                 <a:spcPct val="90000"/>
               </a:lnSpc>
@@ -6742,9 +6824,9 @@
               </a:buClr>
               <a:buSzPts val="1600"/>
               <a:buNone/>
-              <a:defRPr b="1" sz="1600"/>
+              <a:defRPr sz="1600" b="1"/>
             </a:lvl8pPr>
-            <a:lvl9pPr indent="-228600" lvl="8" marL="4114800" algn="l">
+            <a:lvl9pPr marL="4114800" lvl="8" indent="-228600" algn="l">
               <a:lnSpc>
                 <a:spcPct val="90000"/>
               </a:lnSpc>
@@ -6759,18 +6841,22 @@
               </a:buClr>
               <a:buSzPts val="1600"/>
               <a:buNone/>
-              <a:defRPr b="1" sz="1600"/>
+              <a:defRPr sz="1600" b="1"/>
             </a:lvl9pPr>
           </a:lstStyle>
-          <a:p/>
+          <a:p>
+            <a:endParaRPr/>
+          </a:p>
         </p:txBody>
       </p:sp>
       <p:sp>
         <p:nvSpPr>
           <p:cNvPr id="41" name="Google Shape;41;p6"/>
-          <p:cNvSpPr txBox="1"/>
+          <p:cNvSpPr txBox="1">
+            <a:spLocks noGrp="1"/>
+          </p:cNvSpPr>
           <p:nvPr>
-            <p:ph idx="4" type="body"/>
+            <p:ph type="body" idx="4"/>
           </p:nvPr>
         </p:nvSpPr>
         <p:spPr>
@@ -6787,11 +6873,11 @@
           </a:ln>
         </p:spPr>
         <p:txBody>
-          <a:bodyPr anchorCtr="0" anchor="t" bIns="45700" lIns="91425" spcFirstLastPara="1" rIns="91425" wrap="square" tIns="45700">
+          <a:bodyPr spcFirstLastPara="1" wrap="square" lIns="91425" tIns="45700" rIns="91425" bIns="45700" anchor="t" anchorCtr="0">
             <a:normAutofit/>
           </a:bodyPr>
           <a:lstStyle>
-            <a:lvl1pPr indent="-342900" lvl="0" marL="457200" algn="l">
+            <a:lvl1pPr marL="457200" lvl="0" indent="-342900" algn="l">
               <a:lnSpc>
                 <a:spcPct val="90000"/>
               </a:lnSpc>
@@ -6808,7 +6894,7 @@
               <a:buChar char="•"/>
               <a:defRPr/>
             </a:lvl1pPr>
-            <a:lvl2pPr indent="-342900" lvl="1" marL="914400" algn="l">
+            <a:lvl2pPr marL="914400" lvl="1" indent="-342900" algn="l">
               <a:lnSpc>
                 <a:spcPct val="90000"/>
               </a:lnSpc>
@@ -6825,7 +6911,7 @@
               <a:buChar char="•"/>
               <a:defRPr/>
             </a:lvl2pPr>
-            <a:lvl3pPr indent="-342900" lvl="2" marL="1371600" algn="l">
+            <a:lvl3pPr marL="1371600" lvl="2" indent="-342900" algn="l">
               <a:lnSpc>
                 <a:spcPct val="90000"/>
               </a:lnSpc>
@@ -6842,7 +6928,7 @@
               <a:buChar char="•"/>
               <a:defRPr/>
             </a:lvl3pPr>
-            <a:lvl4pPr indent="-342900" lvl="3" marL="1828800" algn="l">
+            <a:lvl4pPr marL="1828800" lvl="3" indent="-342900" algn="l">
               <a:lnSpc>
                 <a:spcPct val="90000"/>
               </a:lnSpc>
@@ -6859,7 +6945,7 @@
               <a:buChar char="•"/>
               <a:defRPr/>
             </a:lvl4pPr>
-            <a:lvl5pPr indent="-342900" lvl="4" marL="2286000" algn="l">
+            <a:lvl5pPr marL="2286000" lvl="4" indent="-342900" algn="l">
               <a:lnSpc>
                 <a:spcPct val="90000"/>
               </a:lnSpc>
@@ -6876,7 +6962,7 @@
               <a:buChar char="•"/>
               <a:defRPr/>
             </a:lvl5pPr>
-            <a:lvl6pPr indent="-342900" lvl="5" marL="2743200" algn="l">
+            <a:lvl6pPr marL="2743200" lvl="5" indent="-342900" algn="l">
               <a:lnSpc>
                 <a:spcPct val="90000"/>
               </a:lnSpc>
@@ -6893,7 +6979,7 @@
               <a:buChar char="•"/>
               <a:defRPr/>
             </a:lvl6pPr>
-            <a:lvl7pPr indent="-342900" lvl="6" marL="3200400" algn="l">
+            <a:lvl7pPr marL="3200400" lvl="6" indent="-342900" algn="l">
               <a:lnSpc>
                 <a:spcPct val="90000"/>
               </a:lnSpc>
@@ -6910,7 +6996,7 @@
               <a:buChar char="•"/>
               <a:defRPr/>
             </a:lvl7pPr>
-            <a:lvl8pPr indent="-342900" lvl="7" marL="3657600" algn="l">
+            <a:lvl8pPr marL="3657600" lvl="7" indent="-342900" algn="l">
               <a:lnSpc>
                 <a:spcPct val="90000"/>
               </a:lnSpc>
@@ -6927,7 +7013,7 @@
               <a:buChar char="•"/>
               <a:defRPr/>
             </a:lvl8pPr>
-            <a:lvl9pPr indent="-342900" lvl="8" marL="4114800" algn="l">
+            <a:lvl9pPr marL="4114800" lvl="8" indent="-342900" algn="l">
               <a:lnSpc>
                 <a:spcPct val="90000"/>
               </a:lnSpc>
@@ -6945,15 +7031,19 @@
               <a:defRPr/>
             </a:lvl9pPr>
           </a:lstStyle>
-          <a:p/>
+          <a:p>
+            <a:endParaRPr/>
+          </a:p>
         </p:txBody>
       </p:sp>
       <p:sp>
         <p:nvSpPr>
           <p:cNvPr id="42" name="Google Shape;42;p6"/>
-          <p:cNvSpPr txBox="1"/>
+          <p:cNvSpPr txBox="1">
+            <a:spLocks noGrp="1"/>
+          </p:cNvSpPr>
           <p:nvPr>
-            <p:ph idx="10" type="dt"/>
+            <p:ph type="dt" idx="10"/>
           </p:nvPr>
         </p:nvSpPr>
         <p:spPr>
@@ -6970,7 +7060,7 @@
           </a:ln>
         </p:spPr>
         <p:txBody>
-          <a:bodyPr anchorCtr="0" anchor="ctr" bIns="45700" lIns="91425" spcFirstLastPara="1" rIns="91425" wrap="square" tIns="45700">
+          <a:bodyPr spcFirstLastPara="1" wrap="square" lIns="91425" tIns="45700" rIns="91425" bIns="45700" anchor="ctr" anchorCtr="0">
             <a:noAutofit/>
           </a:bodyPr>
           <a:lstStyle>
@@ -7074,15 +7164,19 @@
               <a:defRPr/>
             </a:lvl9pPr>
           </a:lstStyle>
-          <a:p/>
+          <a:p>
+            <a:endParaRPr/>
+          </a:p>
         </p:txBody>
       </p:sp>
       <p:sp>
         <p:nvSpPr>
           <p:cNvPr id="43" name="Google Shape;43;p6"/>
-          <p:cNvSpPr txBox="1"/>
+          <p:cNvSpPr txBox="1">
+            <a:spLocks noGrp="1"/>
+          </p:cNvSpPr>
           <p:nvPr>
-            <p:ph idx="11" type="ftr"/>
+            <p:ph type="ftr" idx="11"/>
           </p:nvPr>
         </p:nvSpPr>
         <p:spPr>
@@ -7099,7 +7193,7 @@
           </a:ln>
         </p:spPr>
         <p:txBody>
-          <a:bodyPr anchorCtr="0" anchor="ctr" bIns="45700" lIns="91425" spcFirstLastPara="1" rIns="91425" wrap="square" tIns="45700">
+          <a:bodyPr spcFirstLastPara="1" wrap="square" lIns="91425" tIns="45700" rIns="91425" bIns="45700" anchor="ctr" anchorCtr="0">
             <a:noAutofit/>
           </a:bodyPr>
           <a:lstStyle>
@@ -7203,15 +7297,19 @@
               <a:defRPr/>
             </a:lvl9pPr>
           </a:lstStyle>
-          <a:p/>
+          <a:p>
+            <a:endParaRPr/>
+          </a:p>
         </p:txBody>
       </p:sp>
       <p:sp>
         <p:nvSpPr>
           <p:cNvPr id="44" name="Google Shape;44;p6"/>
-          <p:cNvSpPr txBox="1"/>
+          <p:cNvSpPr txBox="1">
+            <a:spLocks noGrp="1"/>
+          </p:cNvSpPr>
           <p:nvPr>
-            <p:ph idx="12" type="sldNum"/>
+            <p:ph type="sldNum" idx="12"/>
           </p:nvPr>
         </p:nvSpPr>
         <p:spPr>
@@ -7228,67 +7326,67 @@
           </a:ln>
         </p:spPr>
         <p:txBody>
-          <a:bodyPr anchorCtr="0" anchor="ctr" bIns="45700" lIns="91425" spcFirstLastPara="1" rIns="91425" wrap="square" tIns="45700">
+          <a:bodyPr spcFirstLastPara="1" wrap="square" lIns="91425" tIns="45700" rIns="91425" bIns="45700" anchor="ctr" anchorCtr="0">
             <a:noAutofit/>
           </a:bodyPr>
           <a:lstStyle>
-            <a:lvl1pPr indent="0" lvl="0" marL="0" algn="r">
+            <a:lvl1pPr marL="0" lvl="0" indent="0" algn="r">
               <a:spcBef>
                 <a:spcPts val="0"/>
               </a:spcBef>
               <a:buNone/>
               <a:defRPr/>
             </a:lvl1pPr>
-            <a:lvl2pPr indent="0" lvl="1" marL="0" algn="r">
+            <a:lvl2pPr marL="0" lvl="1" indent="0" algn="r">
               <a:spcBef>
                 <a:spcPts val="0"/>
               </a:spcBef>
               <a:buNone/>
               <a:defRPr/>
             </a:lvl2pPr>
-            <a:lvl3pPr indent="0" lvl="2" marL="0" algn="r">
+            <a:lvl3pPr marL="0" lvl="2" indent="0" algn="r">
               <a:spcBef>
                 <a:spcPts val="0"/>
               </a:spcBef>
               <a:buNone/>
               <a:defRPr/>
             </a:lvl3pPr>
-            <a:lvl4pPr indent="0" lvl="3" marL="0" algn="r">
+            <a:lvl4pPr marL="0" lvl="3" indent="0" algn="r">
               <a:spcBef>
                 <a:spcPts val="0"/>
               </a:spcBef>
               <a:buNone/>
               <a:defRPr/>
             </a:lvl4pPr>
-            <a:lvl5pPr indent="0" lvl="4" marL="0" algn="r">
+            <a:lvl5pPr marL="0" lvl="4" indent="0" algn="r">
               <a:spcBef>
                 <a:spcPts val="0"/>
               </a:spcBef>
               <a:buNone/>
               <a:defRPr/>
             </a:lvl5pPr>
-            <a:lvl6pPr indent="0" lvl="5" marL="0" algn="r">
+            <a:lvl6pPr marL="0" lvl="5" indent="0" algn="r">
               <a:spcBef>
                 <a:spcPts val="0"/>
               </a:spcBef>
               <a:buNone/>
               <a:defRPr/>
             </a:lvl6pPr>
-            <a:lvl7pPr indent="0" lvl="6" marL="0" algn="r">
+            <a:lvl7pPr marL="0" lvl="6" indent="0" algn="r">
               <a:spcBef>
                 <a:spcPts val="0"/>
               </a:spcBef>
               <a:buNone/>
               <a:defRPr/>
             </a:lvl7pPr>
-            <a:lvl8pPr indent="0" lvl="7" marL="0" algn="r">
+            <a:lvl8pPr marL="0" lvl="7" indent="0" algn="r">
               <a:spcBef>
                 <a:spcPts val="0"/>
               </a:spcBef>
               <a:buNone/>
               <a:defRPr/>
             </a:lvl8pPr>
-            <a:lvl9pPr indent="0" lvl="8" marL="0" algn="r">
+            <a:lvl9pPr marL="0" lvl="8" indent="0" algn="r">
               <a:spcBef>
                 <a:spcPts val="0"/>
               </a:spcBef>
@@ -7297,7 +7395,7 @@
             </a:lvl9pPr>
           </a:lstStyle>
           <a:p>
-            <a:pPr indent="0" lvl="0" marL="0" rtl="0" algn="r">
+            <a:pPr marL="0" lvl="0" indent="0" algn="r" rtl="0">
               <a:spcBef>
                 <a:spcPts val="0"/>
               </a:spcBef>
@@ -7323,11 +7421,11 @@
 </file>
 
 <file path=ppt/slideLayouts/slideLayout6.xml><?xml version="1.0" encoding="utf-8"?>
-<p:sldLayout xmlns:a="http://schemas.openxmlformats.org/drawingml/2006/main" xmlns:r="http://schemas.openxmlformats.org/officeDocument/2006/relationships" xmlns:mc="http://schemas.openxmlformats.org/markup-compatibility/2006" xmlns:mv="urn:schemas-microsoft-com:mac:vml" xmlns:p="http://schemas.openxmlformats.org/presentationml/2006/main" xmlns:c="http://schemas.openxmlformats.org/drawingml/2006/chart" xmlns:dgm="http://schemas.openxmlformats.org/drawingml/2006/diagram" xmlns:o="urn:schemas-microsoft-com:office:office" xmlns:v="urn:schemas-microsoft-com:vml" xmlns:pvml="urn:schemas-microsoft-com:office:powerpoint" xmlns:com="http://schemas.openxmlformats.org/drawingml/2006/compatibility" xmlns:p14="http://schemas.microsoft.com/office/powerpoint/2010/main" xmlns:p15="http://schemas.microsoft.com/office/powerpoint/2012/main" xmlns:ahyp="http://schemas.microsoft.com/office/drawing/2018/hyperlinkcolor" matchingName="Title Only" type="titleOnly">
+<p:sldLayout xmlns:a="http://schemas.openxmlformats.org/drawingml/2006/main" xmlns:r="http://schemas.openxmlformats.org/officeDocument/2006/relationships" xmlns:p="http://schemas.openxmlformats.org/presentationml/2006/main" matchingName="Title Only" type="titleOnly">
   <p:cSld name="TITLE_ONLY">
     <p:spTree>
       <p:nvGrpSpPr>
-        <p:cNvPr id="45" name="Shape 45"/>
+        <p:cNvPr id="1" name="Shape 45"/>
         <p:cNvGrpSpPr/>
         <p:nvPr/>
       </p:nvGrpSpPr>
@@ -7342,7 +7440,9 @@
       <p:sp>
         <p:nvSpPr>
           <p:cNvPr id="46" name="Google Shape;46;p7"/>
-          <p:cNvSpPr txBox="1"/>
+          <p:cNvSpPr txBox="1">
+            <a:spLocks noGrp="1"/>
+          </p:cNvSpPr>
           <p:nvPr>
             <p:ph type="title"/>
           </p:nvPr>
@@ -7361,7 +7461,7 @@
           </a:ln>
         </p:spPr>
         <p:txBody>
-          <a:bodyPr anchorCtr="0" anchor="ctr" bIns="45700" lIns="91425" spcFirstLastPara="1" rIns="91425" wrap="square" tIns="45700">
+          <a:bodyPr spcFirstLastPara="1" wrap="square" lIns="91425" tIns="45700" rIns="91425" bIns="45700" anchor="ctr" anchorCtr="0">
             <a:normAutofit/>
           </a:bodyPr>
           <a:lstStyle>
@@ -7471,15 +7571,19 @@
               <a:defRPr/>
             </a:lvl9pPr>
           </a:lstStyle>
-          <a:p/>
+          <a:p>
+            <a:endParaRPr/>
+          </a:p>
         </p:txBody>
       </p:sp>
       <p:sp>
         <p:nvSpPr>
           <p:cNvPr id="47" name="Google Shape;47;p7"/>
-          <p:cNvSpPr txBox="1"/>
+          <p:cNvSpPr txBox="1">
+            <a:spLocks noGrp="1"/>
+          </p:cNvSpPr>
           <p:nvPr>
-            <p:ph idx="10" type="dt"/>
+            <p:ph type="dt" idx="10"/>
           </p:nvPr>
         </p:nvSpPr>
         <p:spPr>
@@ -7496,7 +7600,7 @@
           </a:ln>
         </p:spPr>
         <p:txBody>
-          <a:bodyPr anchorCtr="0" anchor="ctr" bIns="45700" lIns="91425" spcFirstLastPara="1" rIns="91425" wrap="square" tIns="45700">
+          <a:bodyPr spcFirstLastPara="1" wrap="square" lIns="91425" tIns="45700" rIns="91425" bIns="45700" anchor="ctr" anchorCtr="0">
             <a:noAutofit/>
           </a:bodyPr>
           <a:lstStyle>
@@ -7600,15 +7704,19 @@
               <a:defRPr/>
             </a:lvl9pPr>
           </a:lstStyle>
-          <a:p/>
+          <a:p>
+            <a:endParaRPr/>
+          </a:p>
         </p:txBody>
       </p:sp>
       <p:sp>
         <p:nvSpPr>
           <p:cNvPr id="48" name="Google Shape;48;p7"/>
-          <p:cNvSpPr txBox="1"/>
+          <p:cNvSpPr txBox="1">
+            <a:spLocks noGrp="1"/>
+          </p:cNvSpPr>
           <p:nvPr>
-            <p:ph idx="11" type="ftr"/>
+            <p:ph type="ftr" idx="11"/>
           </p:nvPr>
         </p:nvSpPr>
         <p:spPr>
@@ -7625,7 +7733,7 @@
           </a:ln>
         </p:spPr>
         <p:txBody>
-          <a:bodyPr anchorCtr="0" anchor="ctr" bIns="45700" lIns="91425" spcFirstLastPara="1" rIns="91425" wrap="square" tIns="45700">
+          <a:bodyPr spcFirstLastPara="1" wrap="square" lIns="91425" tIns="45700" rIns="91425" bIns="45700" anchor="ctr" anchorCtr="0">
             <a:noAutofit/>
           </a:bodyPr>
           <a:lstStyle>
@@ -7729,15 +7837,19 @@
               <a:defRPr/>
             </a:lvl9pPr>
           </a:lstStyle>
-          <a:p/>
+          <a:p>
+            <a:endParaRPr/>
+          </a:p>
         </p:txBody>
       </p:sp>
       <p:sp>
         <p:nvSpPr>
           <p:cNvPr id="49" name="Google Shape;49;p7"/>
-          <p:cNvSpPr txBox="1"/>
+          <p:cNvSpPr txBox="1">
+            <a:spLocks noGrp="1"/>
+          </p:cNvSpPr>
           <p:nvPr>
-            <p:ph idx="12" type="sldNum"/>
+            <p:ph type="sldNum" idx="12"/>
           </p:nvPr>
         </p:nvSpPr>
         <p:spPr>
@@ -7754,67 +7866,67 @@
           </a:ln>
         </p:spPr>
         <p:txBody>
-          <a:bodyPr anchorCtr="0" anchor="ctr" bIns="45700" lIns="91425" spcFirstLastPara="1" rIns="91425" wrap="square" tIns="45700">
+          <a:bodyPr spcFirstLastPara="1" wrap="square" lIns="91425" tIns="45700" rIns="91425" bIns="45700" anchor="ctr" anchorCtr="0">
             <a:noAutofit/>
           </a:bodyPr>
           <a:lstStyle>
-            <a:lvl1pPr indent="0" lvl="0" marL="0" algn="r">
+            <a:lvl1pPr marL="0" lvl="0" indent="0" algn="r">
               <a:spcBef>
                 <a:spcPts val="0"/>
               </a:spcBef>
               <a:buNone/>
               <a:defRPr/>
             </a:lvl1pPr>
-            <a:lvl2pPr indent="0" lvl="1" marL="0" algn="r">
+            <a:lvl2pPr marL="0" lvl="1" indent="0" algn="r">
               <a:spcBef>
                 <a:spcPts val="0"/>
               </a:spcBef>
               <a:buNone/>
               <a:defRPr/>
             </a:lvl2pPr>
-            <a:lvl3pPr indent="0" lvl="2" marL="0" algn="r">
+            <a:lvl3pPr marL="0" lvl="2" indent="0" algn="r">
               <a:spcBef>
                 <a:spcPts val="0"/>
               </a:spcBef>
               <a:buNone/>
               <a:defRPr/>
             </a:lvl3pPr>
-            <a:lvl4pPr indent="0" lvl="3" marL="0" algn="r">
+            <a:lvl4pPr marL="0" lvl="3" indent="0" algn="r">
               <a:spcBef>
                 <a:spcPts val="0"/>
               </a:spcBef>
               <a:buNone/>
               <a:defRPr/>
             </a:lvl4pPr>
-            <a:lvl5pPr indent="0" lvl="4" marL="0" algn="r">
+            <a:lvl5pPr marL="0" lvl="4" indent="0" algn="r">
               <a:spcBef>
                 <a:spcPts val="0"/>
               </a:spcBef>
               <a:buNone/>
               <a:defRPr/>
             </a:lvl5pPr>
-            <a:lvl6pPr indent="0" lvl="5" marL="0" algn="r">
+            <a:lvl6pPr marL="0" lvl="5" indent="0" algn="r">
               <a:spcBef>
                 <a:spcPts val="0"/>
               </a:spcBef>
               <a:buNone/>
               <a:defRPr/>
             </a:lvl6pPr>
-            <a:lvl7pPr indent="0" lvl="6" marL="0" algn="r">
+            <a:lvl7pPr marL="0" lvl="6" indent="0" algn="r">
               <a:spcBef>
                 <a:spcPts val="0"/>
               </a:spcBef>
               <a:buNone/>
               <a:defRPr/>
             </a:lvl7pPr>
-            <a:lvl8pPr indent="0" lvl="7" marL="0" algn="r">
+            <a:lvl8pPr marL="0" lvl="7" indent="0" algn="r">
               <a:spcBef>
                 <a:spcPts val="0"/>
               </a:spcBef>
               <a:buNone/>
               <a:defRPr/>
             </a:lvl8pPr>
-            <a:lvl9pPr indent="0" lvl="8" marL="0" algn="r">
+            <a:lvl9pPr marL="0" lvl="8" indent="0" algn="r">
               <a:spcBef>
                 <a:spcPts val="0"/>
               </a:spcBef>
@@ -7823,7 +7935,7 @@
             </a:lvl9pPr>
           </a:lstStyle>
           <a:p>
-            <a:pPr indent="0" lvl="0" marL="0" rtl="0" algn="r">
+            <a:pPr marL="0" lvl="0" indent="0" algn="r" rtl="0">
               <a:spcBef>
                 <a:spcPts val="0"/>
               </a:spcBef>
@@ -7849,11 +7961,11 @@
 </file>
 
 <file path=ppt/slideLayouts/slideLayout7.xml><?xml version="1.0" encoding="utf-8"?>
-<p:sldLayout xmlns:a="http://schemas.openxmlformats.org/drawingml/2006/main" xmlns:r="http://schemas.openxmlformats.org/officeDocument/2006/relationships" xmlns:mc="http://schemas.openxmlformats.org/markup-compatibility/2006" xmlns:mv="urn:schemas-microsoft-com:mac:vml" xmlns:p="http://schemas.openxmlformats.org/presentationml/2006/main" xmlns:c="http://schemas.openxmlformats.org/drawingml/2006/chart" xmlns:dgm="http://schemas.openxmlformats.org/drawingml/2006/diagram" xmlns:o="urn:schemas-microsoft-com:office:office" xmlns:v="urn:schemas-microsoft-com:vml" xmlns:pvml="urn:schemas-microsoft-com:office:powerpoint" xmlns:com="http://schemas.openxmlformats.org/drawingml/2006/compatibility" xmlns:p14="http://schemas.microsoft.com/office/powerpoint/2010/main" xmlns:p15="http://schemas.microsoft.com/office/powerpoint/2012/main" xmlns:ahyp="http://schemas.microsoft.com/office/drawing/2018/hyperlinkcolor" matchingName="Blank" type="blank">
+<p:sldLayout xmlns:a="http://schemas.openxmlformats.org/drawingml/2006/main" xmlns:r="http://schemas.openxmlformats.org/officeDocument/2006/relationships" xmlns:p="http://schemas.openxmlformats.org/presentationml/2006/main" matchingName="Blank" type="blank">
   <p:cSld name="BLANK">
     <p:spTree>
       <p:nvGrpSpPr>
-        <p:cNvPr id="50" name="Shape 50"/>
+        <p:cNvPr id="1" name="Shape 50"/>
         <p:cNvGrpSpPr/>
         <p:nvPr/>
       </p:nvGrpSpPr>
@@ -7868,9 +7980,11 @@
       <p:sp>
         <p:nvSpPr>
           <p:cNvPr id="51" name="Google Shape;51;p8"/>
-          <p:cNvSpPr txBox="1"/>
+          <p:cNvSpPr txBox="1">
+            <a:spLocks noGrp="1"/>
+          </p:cNvSpPr>
           <p:nvPr>
-            <p:ph idx="10" type="dt"/>
+            <p:ph type="dt" idx="10"/>
           </p:nvPr>
         </p:nvSpPr>
         <p:spPr>
@@ -7887,7 +8001,7 @@
           </a:ln>
         </p:spPr>
         <p:txBody>
-          <a:bodyPr anchorCtr="0" anchor="ctr" bIns="45700" lIns="91425" spcFirstLastPara="1" rIns="91425" wrap="square" tIns="45700">
+          <a:bodyPr spcFirstLastPara="1" wrap="square" lIns="91425" tIns="45700" rIns="91425" bIns="45700" anchor="ctr" anchorCtr="0">
             <a:noAutofit/>
           </a:bodyPr>
           <a:lstStyle>
@@ -7991,15 +8105,19 @@
               <a:defRPr/>
             </a:lvl9pPr>
           </a:lstStyle>
-          <a:p/>
+          <a:p>
+            <a:endParaRPr/>
+          </a:p>
         </p:txBody>
       </p:sp>
       <p:sp>
         <p:nvSpPr>
           <p:cNvPr id="52" name="Google Shape;52;p8"/>
-          <p:cNvSpPr txBox="1"/>
+          <p:cNvSpPr txBox="1">
+            <a:spLocks noGrp="1"/>
+          </p:cNvSpPr>
           <p:nvPr>
-            <p:ph idx="11" type="ftr"/>
+            <p:ph type="ftr" idx="11"/>
           </p:nvPr>
         </p:nvSpPr>
         <p:spPr>
@@ -8016,7 +8134,7 @@
           </a:ln>
         </p:spPr>
         <p:txBody>
-          <a:bodyPr anchorCtr="0" anchor="ctr" bIns="45700" lIns="91425" spcFirstLastPara="1" rIns="91425" wrap="square" tIns="45700">
+          <a:bodyPr spcFirstLastPara="1" wrap="square" lIns="91425" tIns="45700" rIns="91425" bIns="45700" anchor="ctr" anchorCtr="0">
             <a:noAutofit/>
           </a:bodyPr>
           <a:lstStyle>
@@ -8120,15 +8238,19 @@
               <a:defRPr/>
             </a:lvl9pPr>
           </a:lstStyle>
-          <a:p/>
+          <a:p>
+            <a:endParaRPr/>
+          </a:p>
         </p:txBody>
       </p:sp>
       <p:sp>
         <p:nvSpPr>
           <p:cNvPr id="53" name="Google Shape;53;p8"/>
-          <p:cNvSpPr txBox="1"/>
+          <p:cNvSpPr txBox="1">
+            <a:spLocks noGrp="1"/>
+          </p:cNvSpPr>
           <p:nvPr>
-            <p:ph idx="12" type="sldNum"/>
+            <p:ph type="sldNum" idx="12"/>
           </p:nvPr>
         </p:nvSpPr>
         <p:spPr>
@@ -8145,67 +8267,67 @@
           </a:ln>
         </p:spPr>
         <p:txBody>
-          <a:bodyPr anchorCtr="0" anchor="ctr" bIns="45700" lIns="91425" spcFirstLastPara="1" rIns="91425" wrap="square" tIns="45700">
+          <a:bodyPr spcFirstLastPara="1" wrap="square" lIns="91425" tIns="45700" rIns="91425" bIns="45700" anchor="ctr" anchorCtr="0">
             <a:noAutofit/>
           </a:bodyPr>
           <a:lstStyle>
-            <a:lvl1pPr indent="0" lvl="0" marL="0" algn="r">
+            <a:lvl1pPr marL="0" lvl="0" indent="0" algn="r">
               <a:spcBef>
                 <a:spcPts val="0"/>
               </a:spcBef>
               <a:buNone/>
               <a:defRPr/>
             </a:lvl1pPr>
-            <a:lvl2pPr indent="0" lvl="1" marL="0" algn="r">
+            <a:lvl2pPr marL="0" lvl="1" indent="0" algn="r">
               <a:spcBef>
                 <a:spcPts val="0"/>
               </a:spcBef>
               <a:buNone/>
               <a:defRPr/>
             </a:lvl2pPr>
-            <a:lvl3pPr indent="0" lvl="2" marL="0" algn="r">
+            <a:lvl3pPr marL="0" lvl="2" indent="0" algn="r">
               <a:spcBef>
                 <a:spcPts val="0"/>
               </a:spcBef>
               <a:buNone/>
               <a:defRPr/>
             </a:lvl3pPr>
-            <a:lvl4pPr indent="0" lvl="3" marL="0" algn="r">
+            <a:lvl4pPr marL="0" lvl="3" indent="0" algn="r">
               <a:spcBef>
                 <a:spcPts val="0"/>
               </a:spcBef>
               <a:buNone/>
               <a:defRPr/>
             </a:lvl4pPr>
-            <a:lvl5pPr indent="0" lvl="4" marL="0" algn="r">
+            <a:lvl5pPr marL="0" lvl="4" indent="0" algn="r">
               <a:spcBef>
                 <a:spcPts val="0"/>
               </a:spcBef>
               <a:buNone/>
               <a:defRPr/>
             </a:lvl5pPr>
-            <a:lvl6pPr indent="0" lvl="5" marL="0" algn="r">
+            <a:lvl6pPr marL="0" lvl="5" indent="0" algn="r">
               <a:spcBef>
                 <a:spcPts val="0"/>
               </a:spcBef>
               <a:buNone/>
               <a:defRPr/>
             </a:lvl6pPr>
-            <a:lvl7pPr indent="0" lvl="6" marL="0" algn="r">
+            <a:lvl7pPr marL="0" lvl="6" indent="0" algn="r">
               <a:spcBef>
                 <a:spcPts val="0"/>
               </a:spcBef>
               <a:buNone/>
               <a:defRPr/>
             </a:lvl7pPr>
-            <a:lvl8pPr indent="0" lvl="7" marL="0" algn="r">
+            <a:lvl8pPr marL="0" lvl="7" indent="0" algn="r">
               <a:spcBef>
                 <a:spcPts val="0"/>
               </a:spcBef>
               <a:buNone/>
               <a:defRPr/>
             </a:lvl8pPr>
-            <a:lvl9pPr indent="0" lvl="8" marL="0" algn="r">
+            <a:lvl9pPr marL="0" lvl="8" indent="0" algn="r">
               <a:spcBef>
                 <a:spcPts val="0"/>
               </a:spcBef>
@@ -8214,7 +8336,7 @@
             </a:lvl9pPr>
           </a:lstStyle>
           <a:p>
-            <a:pPr indent="0" lvl="0" marL="0" rtl="0" algn="r">
+            <a:pPr marL="0" lvl="0" indent="0" algn="r" rtl="0">
               <a:spcBef>
                 <a:spcPts val="0"/>
               </a:spcBef>
@@ -8240,11 +8362,11 @@
 </file>
 
 <file path=ppt/slideLayouts/slideLayout8.xml><?xml version="1.0" encoding="utf-8"?>
-<p:sldLayout xmlns:a="http://schemas.openxmlformats.org/drawingml/2006/main" xmlns:r="http://schemas.openxmlformats.org/officeDocument/2006/relationships" xmlns:mc="http://schemas.openxmlformats.org/markup-compatibility/2006" xmlns:mv="urn:schemas-microsoft-com:mac:vml" xmlns:p="http://schemas.openxmlformats.org/presentationml/2006/main" xmlns:c="http://schemas.openxmlformats.org/drawingml/2006/chart" xmlns:dgm="http://schemas.openxmlformats.org/drawingml/2006/diagram" xmlns:o="urn:schemas-microsoft-com:office:office" xmlns:v="urn:schemas-microsoft-com:vml" xmlns:pvml="urn:schemas-microsoft-com:office:powerpoint" xmlns:com="http://schemas.openxmlformats.org/drawingml/2006/compatibility" xmlns:p14="http://schemas.microsoft.com/office/powerpoint/2010/main" xmlns:p15="http://schemas.microsoft.com/office/powerpoint/2012/main" xmlns:ahyp="http://schemas.microsoft.com/office/drawing/2018/hyperlinkcolor" matchingName="Content with Caption" type="objTx">
+<p:sldLayout xmlns:a="http://schemas.openxmlformats.org/drawingml/2006/main" xmlns:r="http://schemas.openxmlformats.org/officeDocument/2006/relationships" xmlns:p="http://schemas.openxmlformats.org/presentationml/2006/main" matchingName="Content with Caption" type="objTx">
   <p:cSld name="OBJECT_WITH_CAPTION_TEXT">
     <p:spTree>
       <p:nvGrpSpPr>
-        <p:cNvPr id="54" name="Shape 54"/>
+        <p:cNvPr id="1" name="Shape 54"/>
         <p:cNvGrpSpPr/>
         <p:nvPr/>
       </p:nvGrpSpPr>
@@ -8259,7 +8381,9 @@
       <p:sp>
         <p:nvSpPr>
           <p:cNvPr id="55" name="Google Shape;55;p9"/>
-          <p:cNvSpPr txBox="1"/>
+          <p:cNvSpPr txBox="1">
+            <a:spLocks noGrp="1"/>
+          </p:cNvSpPr>
           <p:nvPr>
             <p:ph type="title"/>
           </p:nvPr>
@@ -8278,7 +8402,7 @@
           </a:ln>
         </p:spPr>
         <p:txBody>
-          <a:bodyPr anchorCtr="0" anchor="b" bIns="45700" lIns="91425" spcFirstLastPara="1" rIns="91425" wrap="square" tIns="45700">
+          <a:bodyPr spcFirstLastPara="1" wrap="square" lIns="91425" tIns="45700" rIns="91425" bIns="45700" anchor="b" anchorCtr="0">
             <a:normAutofit/>
           </a:bodyPr>
           <a:lstStyle>
@@ -8389,15 +8513,19 @@
               <a:defRPr/>
             </a:lvl9pPr>
           </a:lstStyle>
-          <a:p/>
+          <a:p>
+            <a:endParaRPr/>
+          </a:p>
         </p:txBody>
       </p:sp>
       <p:sp>
         <p:nvSpPr>
           <p:cNvPr id="56" name="Google Shape;56;p9"/>
-          <p:cNvSpPr txBox="1"/>
+          <p:cNvSpPr txBox="1">
+            <a:spLocks noGrp="1"/>
+          </p:cNvSpPr>
           <p:nvPr>
-            <p:ph idx="1" type="body"/>
+            <p:ph type="body" idx="1"/>
           </p:nvPr>
         </p:nvSpPr>
         <p:spPr>
@@ -8414,11 +8542,11 @@
           </a:ln>
         </p:spPr>
         <p:txBody>
-          <a:bodyPr anchorCtr="0" anchor="t" bIns="45700" lIns="91425" spcFirstLastPara="1" rIns="91425" wrap="square" tIns="45700">
+          <a:bodyPr spcFirstLastPara="1" wrap="square" lIns="91425" tIns="45700" rIns="91425" bIns="45700" anchor="t" anchorCtr="0">
             <a:normAutofit/>
           </a:bodyPr>
           <a:lstStyle>
-            <a:lvl1pPr indent="-431800" lvl="0" marL="457200" algn="l">
+            <a:lvl1pPr marL="457200" lvl="0" indent="-431800" algn="l">
               <a:lnSpc>
                 <a:spcPct val="90000"/>
               </a:lnSpc>
@@ -8435,7 +8563,7 @@
               <a:buChar char="•"/>
               <a:defRPr sz="3200"/>
             </a:lvl1pPr>
-            <a:lvl2pPr indent="-406400" lvl="1" marL="914400" algn="l">
+            <a:lvl2pPr marL="914400" lvl="1" indent="-406400" algn="l">
               <a:lnSpc>
                 <a:spcPct val="90000"/>
               </a:lnSpc>
@@ -8452,7 +8580,7 @@
               <a:buChar char="•"/>
               <a:defRPr sz="2800"/>
             </a:lvl2pPr>
-            <a:lvl3pPr indent="-381000" lvl="2" marL="1371600" algn="l">
+            <a:lvl3pPr marL="1371600" lvl="2" indent="-381000" algn="l">
               <a:lnSpc>
                 <a:spcPct val="90000"/>
               </a:lnSpc>
@@ -8469,7 +8597,7 @@
               <a:buChar char="•"/>
               <a:defRPr sz="2400"/>
             </a:lvl3pPr>
-            <a:lvl4pPr indent="-355600" lvl="3" marL="1828800" algn="l">
+            <a:lvl4pPr marL="1828800" lvl="3" indent="-355600" algn="l">
               <a:lnSpc>
                 <a:spcPct val="90000"/>
               </a:lnSpc>
@@ -8486,7 +8614,7 @@
               <a:buChar char="•"/>
               <a:defRPr sz="2000"/>
             </a:lvl4pPr>
-            <a:lvl5pPr indent="-355600" lvl="4" marL="2286000" algn="l">
+            <a:lvl5pPr marL="2286000" lvl="4" indent="-355600" algn="l">
               <a:lnSpc>
                 <a:spcPct val="90000"/>
               </a:lnSpc>
@@ -8503,7 +8631,7 @@
               <a:buChar char="•"/>
               <a:defRPr sz="2000"/>
             </a:lvl5pPr>
-            <a:lvl6pPr indent="-355600" lvl="5" marL="2743200" algn="l">
+            <a:lvl6pPr marL="2743200" lvl="5" indent="-355600" algn="l">
               <a:lnSpc>
                 <a:spcPct val="90000"/>
               </a:lnSpc>
@@ -8520,7 +8648,7 @@
               <a:buChar char="•"/>
               <a:defRPr sz="2000"/>
             </a:lvl6pPr>
-            <a:lvl7pPr indent="-355600" lvl="6" marL="3200400" algn="l">
+            <a:lvl7pPr marL="3200400" lvl="6" indent="-355600" algn="l">
               <a:lnSpc>
                 <a:spcPct val="90000"/>
               </a:lnSpc>
@@ -8537,7 +8665,7 @@
               <a:buChar char="•"/>
               <a:defRPr sz="2000"/>
             </a:lvl7pPr>
-            <a:lvl8pPr indent="-355600" lvl="7" marL="3657600" algn="l">
+            <a:lvl8pPr marL="3657600" lvl="7" indent="-355600" algn="l">
               <a:lnSpc>
                 <a:spcPct val="90000"/>
               </a:lnSpc>
@@ -8554,7 +8682,7 @@
               <a:buChar char="•"/>
               <a:defRPr sz="2000"/>
             </a:lvl8pPr>
-            <a:lvl9pPr indent="-355600" lvl="8" marL="4114800" algn="l">
+            <a:lvl9pPr marL="4114800" lvl="8" indent="-355600" algn="l">
               <a:lnSpc>
                 <a:spcPct val="90000"/>
               </a:lnSpc>
@@ -8572,15 +8700,19 @@
               <a:defRPr sz="2000"/>
             </a:lvl9pPr>
           </a:lstStyle>
-          <a:p/>
+          <a:p>
+            <a:endParaRPr/>
+          </a:p>
         </p:txBody>
       </p:sp>
       <p:sp>
         <p:nvSpPr>
           <p:cNvPr id="57" name="Google Shape;57;p9"/>
-          <p:cNvSpPr txBox="1"/>
+          <p:cNvSpPr txBox="1">
+            <a:spLocks noGrp="1"/>
+          </p:cNvSpPr>
           <p:nvPr>
-            <p:ph idx="2" type="body"/>
+            <p:ph type="body" idx="2"/>
           </p:nvPr>
         </p:nvSpPr>
         <p:spPr>
@@ -8597,11 +8729,11 @@
           </a:ln>
         </p:spPr>
         <p:txBody>
-          <a:bodyPr anchorCtr="0" anchor="t" bIns="45700" lIns="91425" spcFirstLastPara="1" rIns="91425" wrap="square" tIns="45700">
+          <a:bodyPr spcFirstLastPara="1" wrap="square" lIns="91425" tIns="45700" rIns="91425" bIns="45700" anchor="t" anchorCtr="0">
             <a:normAutofit/>
           </a:bodyPr>
           <a:lstStyle>
-            <a:lvl1pPr indent="-228600" lvl="0" marL="457200" algn="l">
+            <a:lvl1pPr marL="457200" lvl="0" indent="-228600" algn="l">
               <a:lnSpc>
                 <a:spcPct val="90000"/>
               </a:lnSpc>
@@ -8618,7 +8750,7 @@
               <a:buNone/>
               <a:defRPr sz="1600"/>
             </a:lvl1pPr>
-            <a:lvl2pPr indent="-228600" lvl="1" marL="914400" algn="l">
+            <a:lvl2pPr marL="914400" lvl="1" indent="-228600" algn="l">
               <a:lnSpc>
                 <a:spcPct val="90000"/>
               </a:lnSpc>
@@ -8635,7 +8767,7 @@
               <a:buNone/>
               <a:defRPr sz="1400"/>
             </a:lvl2pPr>
-            <a:lvl3pPr indent="-228600" lvl="2" marL="1371600" algn="l">
+            <a:lvl3pPr marL="1371600" lvl="2" indent="-228600" algn="l">
               <a:lnSpc>
                 <a:spcPct val="90000"/>
               </a:lnSpc>
@@ -8652,7 +8784,7 @@
               <a:buNone/>
               <a:defRPr sz="1200"/>
             </a:lvl3pPr>
-            <a:lvl4pPr indent="-228600" lvl="3" marL="1828800" algn="l">
+            <a:lvl4pPr marL="1828800" lvl="3" indent="-228600" algn="l">
               <a:lnSpc>
                 <a:spcPct val="90000"/>
               </a:lnSpc>
@@ -8669,7 +8801,7 @@
               <a:buNone/>
               <a:defRPr sz="1000"/>
             </a:lvl4pPr>
-            <a:lvl5pPr indent="-228600" lvl="4" marL="2286000" algn="l">
+            <a:lvl5pPr marL="2286000" lvl="4" indent="-228600" algn="l">
               <a:lnSpc>
                 <a:spcPct val="90000"/>
               </a:lnSpc>
@@ -8686,7 +8818,7 @@
               <a:buNone/>
               <a:defRPr sz="1000"/>
             </a:lvl5pPr>
-            <a:lvl6pPr indent="-228600" lvl="5" marL="2743200" algn="l">
+            <a:lvl6pPr marL="2743200" lvl="5" indent="-228600" algn="l">
               <a:lnSpc>
                 <a:spcPct val="90000"/>
               </a:lnSpc>
@@ -8703,7 +8835,7 @@
               <a:buNone/>
               <a:defRPr sz="1000"/>
             </a:lvl6pPr>
-            <a:lvl7pPr indent="-228600" lvl="6" marL="3200400" algn="l">
+            <a:lvl7pPr marL="3200400" lvl="6" indent="-228600" algn="l">
               <a:lnSpc>
                 <a:spcPct val="90000"/>
               </a:lnSpc>
@@ -8720,7 +8852,7 @@
               <a:buNone/>
               <a:defRPr sz="1000"/>
             </a:lvl7pPr>
-            <a:lvl8pPr indent="-228600" lvl="7" marL="3657600" algn="l">
+            <a:lvl8pPr marL="3657600" lvl="7" indent="-228600" algn="l">
               <a:lnSpc>
                 <a:spcPct val="90000"/>
               </a:lnSpc>
@@ -8737,7 +8869,7 @@
               <a:buNone/>
               <a:defRPr sz="1000"/>
             </a:lvl8pPr>
-            <a:lvl9pPr indent="-228600" lvl="8" marL="4114800" algn="l">
+            <a:lvl9pPr marL="4114800" lvl="8" indent="-228600" algn="l">
               <a:lnSpc>
                 <a:spcPct val="90000"/>
               </a:lnSpc>
@@ -8755,15 +8887,19 @@
               <a:defRPr sz="1000"/>
             </a:lvl9pPr>
           </a:lstStyle>
-          <a:p/>
+          <a:p>
+            <a:endParaRPr/>
+          </a:p>
         </p:txBody>
       </p:sp>
       <p:sp>
         <p:nvSpPr>
           <p:cNvPr id="58" name="Google Shape;58;p9"/>
-          <p:cNvSpPr txBox="1"/>
+          <p:cNvSpPr txBox="1">
+            <a:spLocks noGrp="1"/>
+          </p:cNvSpPr>
           <p:nvPr>
-            <p:ph idx="10" type="dt"/>
+            <p:ph type="dt" idx="10"/>
           </p:nvPr>
         </p:nvSpPr>
         <p:spPr>
@@ -8780,7 +8916,7 @@
           </a:ln>
         </p:spPr>
         <p:txBody>
-          <a:bodyPr anchorCtr="0" anchor="ctr" bIns="45700" lIns="91425" spcFirstLastPara="1" rIns="91425" wrap="square" tIns="45700">
+          <a:bodyPr spcFirstLastPara="1" wrap="square" lIns="91425" tIns="45700" rIns="91425" bIns="45700" anchor="ctr" anchorCtr="0">
             <a:noAutofit/>
           </a:bodyPr>
           <a:lstStyle>
@@ -8884,15 +9020,19 @@
               <a:defRPr/>
             </a:lvl9pPr>
           </a:lstStyle>
-          <a:p/>
+          <a:p>
+            <a:endParaRPr/>
+          </a:p>
         </p:txBody>
       </p:sp>
       <p:sp>
         <p:nvSpPr>
           <p:cNvPr id="59" name="Google Shape;59;p9"/>
-          <p:cNvSpPr txBox="1"/>
+          <p:cNvSpPr txBox="1">
+            <a:spLocks noGrp="1"/>
+          </p:cNvSpPr>
           <p:nvPr>
-            <p:ph idx="11" type="ftr"/>
+            <p:ph type="ftr" idx="11"/>
           </p:nvPr>
         </p:nvSpPr>
         <p:spPr>
@@ -8909,7 +9049,7 @@
           </a:ln>
         </p:spPr>
         <p:txBody>
-          <a:bodyPr anchorCtr="0" anchor="ctr" bIns="45700" lIns="91425" spcFirstLastPara="1" rIns="91425" wrap="square" tIns="45700">
+          <a:bodyPr spcFirstLastPara="1" wrap="square" lIns="91425" tIns="45700" rIns="91425" bIns="45700" anchor="ctr" anchorCtr="0">
             <a:noAutofit/>
           </a:bodyPr>
           <a:lstStyle>
@@ -9013,15 +9153,19 @@
               <a:defRPr/>
             </a:lvl9pPr>
           </a:lstStyle>
-          <a:p/>
+          <a:p>
+            <a:endParaRPr/>
+          </a:p>
         </p:txBody>
       </p:sp>
       <p:sp>
         <p:nvSpPr>
           <p:cNvPr id="60" name="Google Shape;60;p9"/>
-          <p:cNvSpPr txBox="1"/>
+          <p:cNvSpPr txBox="1">
+            <a:spLocks noGrp="1"/>
+          </p:cNvSpPr>
           <p:nvPr>
-            <p:ph idx="12" type="sldNum"/>
+            <p:ph type="sldNum" idx="12"/>
           </p:nvPr>
         </p:nvSpPr>
         <p:spPr>
@@ -9038,67 +9182,67 @@
           </a:ln>
         </p:spPr>
         <p:txBody>
-          <a:bodyPr anchorCtr="0" anchor="ctr" bIns="45700" lIns="91425" spcFirstLastPara="1" rIns="91425" wrap="square" tIns="45700">
+          <a:bodyPr spcFirstLastPara="1" wrap="square" lIns="91425" tIns="45700" rIns="91425" bIns="45700" anchor="ctr" anchorCtr="0">
             <a:noAutofit/>
           </a:bodyPr>
           <a:lstStyle>
-            <a:lvl1pPr indent="0" lvl="0" marL="0" algn="r">
+            <a:lvl1pPr marL="0" lvl="0" indent="0" algn="r">
               <a:spcBef>
                 <a:spcPts val="0"/>
               </a:spcBef>
               <a:buNone/>
               <a:defRPr/>
             </a:lvl1pPr>
-            <a:lvl2pPr indent="0" lvl="1" marL="0" algn="r">
+            <a:lvl2pPr marL="0" lvl="1" indent="0" algn="r">
               <a:spcBef>
                 <a:spcPts val="0"/>
               </a:spcBef>
               <a:buNone/>
               <a:defRPr/>
             </a:lvl2pPr>
-            <a:lvl3pPr indent="0" lvl="2" marL="0" algn="r">
+            <a:lvl3pPr marL="0" lvl="2" indent="0" algn="r">
               <a:spcBef>
                 <a:spcPts val="0"/>
               </a:spcBef>
               <a:buNone/>
               <a:defRPr/>
             </a:lvl3pPr>
-            <a:lvl4pPr indent="0" lvl="3" marL="0" algn="r">
+            <a:lvl4pPr marL="0" lvl="3" indent="0" algn="r">
               <a:spcBef>
                 <a:spcPts val="0"/>
               </a:spcBef>
               <a:buNone/>
               <a:defRPr/>
             </a:lvl4pPr>
-            <a:lvl5pPr indent="0" lvl="4" marL="0" algn="r">
+            <a:lvl5pPr marL="0" lvl="4" indent="0" algn="r">
               <a:spcBef>
                 <a:spcPts val="0"/>
               </a:spcBef>
               <a:buNone/>
               <a:defRPr/>
             </a:lvl5pPr>
-            <a:lvl6pPr indent="0" lvl="5" marL="0" algn="r">
+            <a:lvl6pPr marL="0" lvl="5" indent="0" algn="r">
               <a:spcBef>
                 <a:spcPts val="0"/>
               </a:spcBef>
               <a:buNone/>
               <a:defRPr/>
             </a:lvl6pPr>
-            <a:lvl7pPr indent="0" lvl="6" marL="0" algn="r">
+            <a:lvl7pPr marL="0" lvl="6" indent="0" algn="r">
               <a:spcBef>
                 <a:spcPts val="0"/>
               </a:spcBef>
               <a:buNone/>
               <a:defRPr/>
             </a:lvl7pPr>
-            <a:lvl8pPr indent="0" lvl="7" marL="0" algn="r">
+            <a:lvl8pPr marL="0" lvl="7" indent="0" algn="r">
               <a:spcBef>
                 <a:spcPts val="0"/>
               </a:spcBef>
               <a:buNone/>
               <a:defRPr/>
             </a:lvl8pPr>
-            <a:lvl9pPr indent="0" lvl="8" marL="0" algn="r">
+            <a:lvl9pPr marL="0" lvl="8" indent="0" algn="r">
               <a:spcBef>
                 <a:spcPts val="0"/>
               </a:spcBef>
@@ -9107,7 +9251,7 @@
             </a:lvl9pPr>
           </a:lstStyle>
           <a:p>
-            <a:pPr indent="0" lvl="0" marL="0" rtl="0" algn="r">
+            <a:pPr marL="0" lvl="0" indent="0" algn="r" rtl="0">
               <a:spcBef>
                 <a:spcPts val="0"/>
               </a:spcBef>
@@ -9133,11 +9277,11 @@
 </file>
 
 <file path=ppt/slideLayouts/slideLayout9.xml><?xml version="1.0" encoding="utf-8"?>
-<p:sldLayout xmlns:a="http://schemas.openxmlformats.org/drawingml/2006/main" xmlns:r="http://schemas.openxmlformats.org/officeDocument/2006/relationships" xmlns:mc="http://schemas.openxmlformats.org/markup-compatibility/2006" xmlns:mv="urn:schemas-microsoft-com:mac:vml" xmlns:p="http://schemas.openxmlformats.org/presentationml/2006/main" xmlns:c="http://schemas.openxmlformats.org/drawingml/2006/chart" xmlns:dgm="http://schemas.openxmlformats.org/drawingml/2006/diagram" xmlns:o="urn:schemas-microsoft-com:office:office" xmlns:v="urn:schemas-microsoft-com:vml" xmlns:pvml="urn:schemas-microsoft-com:office:powerpoint" xmlns:com="http://schemas.openxmlformats.org/drawingml/2006/compatibility" xmlns:p14="http://schemas.microsoft.com/office/powerpoint/2010/main" xmlns:p15="http://schemas.microsoft.com/office/powerpoint/2012/main" xmlns:ahyp="http://schemas.microsoft.com/office/drawing/2018/hyperlinkcolor" matchingName="Picture with Caption" type="picTx">
+<p:sldLayout xmlns:a="http://schemas.openxmlformats.org/drawingml/2006/main" xmlns:r="http://schemas.openxmlformats.org/officeDocument/2006/relationships" xmlns:p="http://schemas.openxmlformats.org/presentationml/2006/main" matchingName="Picture with Caption" type="picTx">
   <p:cSld name="PICTURE_WITH_CAPTION_TEXT">
     <p:spTree>
       <p:nvGrpSpPr>
-        <p:cNvPr id="61" name="Shape 61"/>
+        <p:cNvPr id="1" name="Shape 61"/>
         <p:cNvGrpSpPr/>
         <p:nvPr/>
       </p:nvGrpSpPr>
@@ -9152,7 +9296,9 @@
       <p:sp>
         <p:nvSpPr>
           <p:cNvPr id="62" name="Google Shape;62;p10"/>
-          <p:cNvSpPr txBox="1"/>
+          <p:cNvSpPr txBox="1">
+            <a:spLocks noGrp="1"/>
+          </p:cNvSpPr>
           <p:nvPr>
             <p:ph type="title"/>
           </p:nvPr>
@@ -9171,7 +9317,7 @@
           </a:ln>
         </p:spPr>
         <p:txBody>
-          <a:bodyPr anchorCtr="0" anchor="b" bIns="45700" lIns="91425" spcFirstLastPara="1" rIns="91425" wrap="square" tIns="45700">
+          <a:bodyPr spcFirstLastPara="1" wrap="square" lIns="91425" tIns="45700" rIns="91425" bIns="45700" anchor="b" anchorCtr="0">
             <a:normAutofit/>
           </a:bodyPr>
           <a:lstStyle>
@@ -9282,15 +9428,19 @@
               <a:defRPr/>
             </a:lvl9pPr>
           </a:lstStyle>
-          <a:p/>
+          <a:p>
+            <a:endParaRPr/>
+          </a:p>
         </p:txBody>
       </p:sp>
       <p:sp>
         <p:nvSpPr>
           <p:cNvPr id="63" name="Google Shape;63;p10"/>
-          <p:cNvSpPr/>
+          <p:cNvSpPr>
+            <a:spLocks noGrp="1"/>
+          </p:cNvSpPr>
           <p:nvPr>
-            <p:ph idx="2" type="pic"/>
+            <p:ph type="pic" idx="2"/>
           </p:nvPr>
         </p:nvSpPr>
         <p:spPr>
@@ -9310,9 +9460,11 @@
       <p:sp>
         <p:nvSpPr>
           <p:cNvPr id="64" name="Google Shape;64;p10"/>
-          <p:cNvSpPr txBox="1"/>
+          <p:cNvSpPr txBox="1">
+            <a:spLocks noGrp="1"/>
+          </p:cNvSpPr>
           <p:nvPr>
-            <p:ph idx="1" type="body"/>
+            <p:ph type="body" idx="1"/>
           </p:nvPr>
         </p:nvSpPr>
         <p:spPr>
@@ -9329,11 +9481,11 @@
           </a:ln>
         </p:spPr>
         <p:txBody>
-          <a:bodyPr anchorCtr="0" anchor="t" bIns="45700" lIns="91425" spcFirstLastPara="1" rIns="91425" wrap="square" tIns="45700">
+          <a:bodyPr spcFirstLastPara="1" wrap="square" lIns="91425" tIns="45700" rIns="91425" bIns="45700" anchor="t" anchorCtr="0">
             <a:normAutofit/>
           </a:bodyPr>
           <a:lstStyle>
-            <a:lvl1pPr indent="-228600" lvl="0" marL="457200" algn="l">
+            <a:lvl1pPr marL="457200" lvl="0" indent="-228600" algn="l">
               <a:lnSpc>
                 <a:spcPct val="90000"/>
               </a:lnSpc>
@@ -9350,7 +9502,7 @@
               <a:buNone/>
               <a:defRPr sz="1600"/>
             </a:lvl1pPr>
-            <a:lvl2pPr indent="-228600" lvl="1" marL="914400" algn="l">
+            <a:lvl2pPr marL="914400" lvl="1" indent="-228600" algn="l">
               <a:lnSpc>
                 <a:spcPct val="90000"/>
               </a:lnSpc>
@@ -9367,7 +9519,7 @@
               <a:buNone/>
               <a:defRPr sz="1400"/>
             </a:lvl2pPr>
-            <a:lvl3pPr indent="-228600" lvl="2" marL="1371600" algn="l">
+            <a:lvl3pPr marL="1371600" lvl="2" indent="-228600" algn="l">
               <a:lnSpc>
                 <a:spcPct val="90000"/>
               </a:lnSpc>
@@ -9384,7 +9536,7 @@
               <a:buNone/>
               <a:defRPr sz="1200"/>
             </a:lvl3pPr>
-            <a:lvl4pPr indent="-228600" lvl="3" marL="1828800" algn="l">
+            <a:lvl4pPr marL="1828800" lvl="3" indent="-228600" algn="l">
               <a:lnSpc>
                 <a:spcPct val="90000"/>
               </a:lnSpc>
@@ -9401,7 +9553,7 @@
               <a:buNone/>
               <a:defRPr sz="1000"/>
             </a:lvl4pPr>
-            <a:lvl5pPr indent="-228600" lvl="4" marL="2286000" algn="l">
+            <a:lvl5pPr marL="2286000" lvl="4" indent="-228600" algn="l">
               <a:lnSpc>
                 <a:spcPct val="90000"/>
               </a:lnSpc>
@@ -9418,7 +9570,7 @@
               <a:buNone/>
               <a:defRPr sz="1000"/>
             </a:lvl5pPr>
-            <a:lvl6pPr indent="-228600" lvl="5" marL="2743200" algn="l">
+            <a:lvl6pPr marL="2743200" lvl="5" indent="-228600" algn="l">
               <a:lnSpc>
                 <a:spcPct val="90000"/>
               </a:lnSpc>
@@ -9435,7 +9587,7 @@
               <a:buNone/>
               <a:defRPr sz="1000"/>
             </a:lvl6pPr>
-            <a:lvl7pPr indent="-228600" lvl="6" marL="3200400" algn="l">
+            <a:lvl7pPr marL="3200400" lvl="6" indent="-228600" algn="l">
               <a:lnSpc>
                 <a:spcPct val="90000"/>
               </a:lnSpc>
@@ -9452,7 +9604,7 @@
               <a:buNone/>
               <a:defRPr sz="1000"/>
             </a:lvl7pPr>
-            <a:lvl8pPr indent="-228600" lvl="7" marL="3657600" algn="l">
+            <a:lvl8pPr marL="3657600" lvl="7" indent="-228600" algn="l">
               <a:lnSpc>
                 <a:spcPct val="90000"/>
               </a:lnSpc>
@@ -9469,7 +9621,7 @@
               <a:buNone/>
               <a:defRPr sz="1000"/>
             </a:lvl8pPr>
-            <a:lvl9pPr indent="-228600" lvl="8" marL="4114800" algn="l">
+            <a:lvl9pPr marL="4114800" lvl="8" indent="-228600" algn="l">
               <a:lnSpc>
                 <a:spcPct val="90000"/>
               </a:lnSpc>
@@ -9487,15 +9639,19 @@
               <a:defRPr sz="1000"/>
             </a:lvl9pPr>
           </a:lstStyle>
-          <a:p/>
+          <a:p>
+            <a:endParaRPr/>
+          </a:p>
         </p:txBody>
       </p:sp>
       <p:sp>
         <p:nvSpPr>
           <p:cNvPr id="65" name="Google Shape;65;p10"/>
-          <p:cNvSpPr txBox="1"/>
+          <p:cNvSpPr txBox="1">
+            <a:spLocks noGrp="1"/>
+          </p:cNvSpPr>
           <p:nvPr>
-            <p:ph idx="10" type="dt"/>
+            <p:ph type="dt" idx="10"/>
           </p:nvPr>
         </p:nvSpPr>
         <p:spPr>
@@ -9512,7 +9668,7 @@
           </a:ln>
         </p:spPr>
         <p:txBody>
-          <a:bodyPr anchorCtr="0" anchor="ctr" bIns="45700" lIns="91425" spcFirstLastPara="1" rIns="91425" wrap="square" tIns="45700">
+          <a:bodyPr spcFirstLastPara="1" wrap="square" lIns="91425" tIns="45700" rIns="91425" bIns="45700" anchor="ctr" anchorCtr="0">
             <a:noAutofit/>
           </a:bodyPr>
           <a:lstStyle>
@@ -9616,15 +9772,19 @@
               <a:defRPr/>
             </a:lvl9pPr>
           </a:lstStyle>
-          <a:p/>
+          <a:p>
+            <a:endParaRPr/>
+          </a:p>
         </p:txBody>
       </p:sp>
       <p:sp>
         <p:nvSpPr>
           <p:cNvPr id="66" name="Google Shape;66;p10"/>
-          <p:cNvSpPr txBox="1"/>
+          <p:cNvSpPr txBox="1">
+            <a:spLocks noGrp="1"/>
+          </p:cNvSpPr>
           <p:nvPr>
-            <p:ph idx="11" type="ftr"/>
+            <p:ph type="ftr" idx="11"/>
           </p:nvPr>
         </p:nvSpPr>
         <p:spPr>
@@ -9641,7 +9801,7 @@
           </a:ln>
         </p:spPr>
         <p:txBody>
-          <a:bodyPr anchorCtr="0" anchor="ctr" bIns="45700" lIns="91425" spcFirstLastPara="1" rIns="91425" wrap="square" tIns="45700">
+          <a:bodyPr spcFirstLastPara="1" wrap="square" lIns="91425" tIns="45700" rIns="91425" bIns="45700" anchor="ctr" anchorCtr="0">
             <a:noAutofit/>
           </a:bodyPr>
           <a:lstStyle>
@@ -9745,15 +9905,19 @@
               <a:defRPr/>
             </a:lvl9pPr>
           </a:lstStyle>
-          <a:p/>
+          <a:p>
+            <a:endParaRPr/>
+          </a:p>
         </p:txBody>
       </p:sp>
       <p:sp>
         <p:nvSpPr>
           <p:cNvPr id="67" name="Google Shape;67;p10"/>
-          <p:cNvSpPr txBox="1"/>
+          <p:cNvSpPr txBox="1">
+            <a:spLocks noGrp="1"/>
+          </p:cNvSpPr>
           <p:nvPr>
-            <p:ph idx="12" type="sldNum"/>
+            <p:ph type="sldNum" idx="12"/>
           </p:nvPr>
         </p:nvSpPr>
         <p:spPr>
@@ -9770,67 +9934,67 @@
           </a:ln>
         </p:spPr>
         <p:txBody>
-          <a:bodyPr anchorCtr="0" anchor="ctr" bIns="45700" lIns="91425" spcFirstLastPara="1" rIns="91425" wrap="square" tIns="45700">
+          <a:bodyPr spcFirstLastPara="1" wrap="square" lIns="91425" tIns="45700" rIns="91425" bIns="45700" anchor="ctr" anchorCtr="0">
             <a:noAutofit/>
           </a:bodyPr>
           <a:lstStyle>
-            <a:lvl1pPr indent="0" lvl="0" marL="0" algn="r">
+            <a:lvl1pPr marL="0" lvl="0" indent="0" algn="r">
               <a:spcBef>
                 <a:spcPts val="0"/>
               </a:spcBef>
               <a:buNone/>
               <a:defRPr/>
             </a:lvl1pPr>
-            <a:lvl2pPr indent="0" lvl="1" marL="0" algn="r">
+            <a:lvl2pPr marL="0" lvl="1" indent="0" algn="r">
               <a:spcBef>
                 <a:spcPts val="0"/>
               </a:spcBef>
               <a:buNone/>
               <a:defRPr/>
             </a:lvl2pPr>
-            <a:lvl3pPr indent="0" lvl="2" marL="0" algn="r">
+            <a:lvl3pPr marL="0" lvl="2" indent="0" algn="r">
               <a:spcBef>
                 <a:spcPts val="0"/>
               </a:spcBef>
               <a:buNone/>
               <a:defRPr/>
             </a:lvl3pPr>
-            <a:lvl4pPr indent="0" lvl="3" marL="0" algn="r">
+            <a:lvl4pPr marL="0" lvl="3" indent="0" algn="r">
               <a:spcBef>
                 <a:spcPts val="0"/>
               </a:spcBef>
               <a:buNone/>
               <a:defRPr/>
             </a:lvl4pPr>
-            <a:lvl5pPr indent="0" lvl="4" marL="0" algn="r">
+            <a:lvl5pPr marL="0" lvl="4" indent="0" algn="r">
               <a:spcBef>
                 <a:spcPts val="0"/>
               </a:spcBef>
               <a:buNone/>
               <a:defRPr/>
             </a:lvl5pPr>
-            <a:lvl6pPr indent="0" lvl="5" marL="0" algn="r">
+            <a:lvl6pPr marL="0" lvl="5" indent="0" algn="r">
               <a:spcBef>
                 <a:spcPts val="0"/>
               </a:spcBef>
               <a:buNone/>
               <a:defRPr/>
             </a:lvl6pPr>
-            <a:lvl7pPr indent="0" lvl="6" marL="0" algn="r">
+            <a:lvl7pPr marL="0" lvl="6" indent="0" algn="r">
               <a:spcBef>
                 <a:spcPts val="0"/>
               </a:spcBef>
               <a:buNone/>
               <a:defRPr/>
             </a:lvl7pPr>
-            <a:lvl8pPr indent="0" lvl="7" marL="0" algn="r">
+            <a:lvl8pPr marL="0" lvl="7" indent="0" algn="r">
               <a:spcBef>
                 <a:spcPts val="0"/>
               </a:spcBef>
               <a:buNone/>
               <a:defRPr/>
             </a:lvl8pPr>
-            <a:lvl9pPr indent="0" lvl="8" marL="0" algn="r">
+            <a:lvl9pPr marL="0" lvl="8" indent="0" algn="r">
               <a:spcBef>
                 <a:spcPts val="0"/>
               </a:spcBef>
@@ -9839,7 +10003,7 @@
             </a:lvl9pPr>
           </a:lstStyle>
           <a:p>
-            <a:pPr indent="0" lvl="0" marL="0" rtl="0" algn="r">
+            <a:pPr marL="0" lvl="0" indent="0" algn="r" rtl="0">
               <a:spcBef>
                 <a:spcPts val="0"/>
               </a:spcBef>
@@ -9865,18 +10029,19 @@
 </file>
 
 <file path=ppt/slideMasters/slideMaster1.xml><?xml version="1.0" encoding="utf-8"?>
-<p:sldMaster xmlns:a="http://schemas.openxmlformats.org/drawingml/2006/main" xmlns:r="http://schemas.openxmlformats.org/officeDocument/2006/relationships" xmlns:mc="http://schemas.openxmlformats.org/markup-compatibility/2006" xmlns:mv="urn:schemas-microsoft-com:mac:vml" xmlns:p="http://schemas.openxmlformats.org/presentationml/2006/main" xmlns:c="http://schemas.openxmlformats.org/drawingml/2006/chart" xmlns:dgm="http://schemas.openxmlformats.org/drawingml/2006/diagram" xmlns:o="urn:schemas-microsoft-com:office:office" xmlns:v="urn:schemas-microsoft-com:vml" xmlns:pvml="urn:schemas-microsoft-com:office:powerpoint" xmlns:com="http://schemas.openxmlformats.org/drawingml/2006/compatibility" xmlns:p14="http://schemas.microsoft.com/office/powerpoint/2010/main" xmlns:p15="http://schemas.microsoft.com/office/powerpoint/2012/main" xmlns:ahyp="http://schemas.microsoft.com/office/drawing/2018/hyperlinkcolor">
+<p:sldMaster xmlns:a="http://schemas.openxmlformats.org/drawingml/2006/main" xmlns:r="http://schemas.openxmlformats.org/officeDocument/2006/relationships" xmlns:p="http://schemas.openxmlformats.org/presentationml/2006/main">
   <p:cSld>
     <p:bg>
       <p:bgPr>
         <a:solidFill>
           <a:schemeClr val="lt1"/>
         </a:solidFill>
+        <a:effectLst/>
       </p:bgPr>
     </p:bg>
     <p:spTree>
       <p:nvGrpSpPr>
-        <p:cNvPr id="5" name="Shape 5"/>
+        <p:cNvPr id="1" name="Shape 5"/>
         <p:cNvGrpSpPr/>
         <p:nvPr/>
       </p:nvGrpSpPr>
@@ -9891,7 +10056,9 @@
       <p:sp>
         <p:nvSpPr>
           <p:cNvPr id="6" name="Google Shape;6;p1"/>
-          <p:cNvSpPr txBox="1"/>
+          <p:cNvSpPr txBox="1">
+            <a:spLocks noGrp="1"/>
+          </p:cNvSpPr>
           <p:nvPr>
             <p:ph type="title"/>
           </p:nvPr>
@@ -9910,11 +10077,11 @@
           </a:ln>
         </p:spPr>
         <p:txBody>
-          <a:bodyPr anchorCtr="0" anchor="ctr" bIns="45700" lIns="91425" spcFirstLastPara="1" rIns="91425" wrap="square" tIns="45700">
+          <a:bodyPr spcFirstLastPara="1" wrap="square" lIns="91425" tIns="45700" rIns="91425" bIns="45700" anchor="ctr" anchorCtr="0">
             <a:normAutofit/>
           </a:bodyPr>
           <a:lstStyle>
-            <a:lvl1pPr lvl="0" marR="0" rtl="0" algn="l">
+            <a:lvl1pPr marR="0" lvl="0" algn="l" rtl="0">
               <a:lnSpc>
                 <a:spcPct val="90000"/>
               </a:lnSpc>
@@ -9930,7 +10097,7 @@
               <a:buSzPts val="4400"/>
               <a:buFont typeface="Calibri"/>
               <a:buNone/>
-              <a:defRPr b="0" i="0" sz="4400" u="none" cap="none" strike="noStrike">
+              <a:defRPr sz="4400" b="0" i="0" u="none" strike="noStrike" cap="none">
                 <a:solidFill>
                   <a:schemeClr val="dk1"/>
                 </a:solidFill>
@@ -10029,15 +10196,19 @@
               <a:defRPr sz="1800"/>
             </a:lvl9pPr>
           </a:lstStyle>
-          <a:p/>
+          <a:p>
+            <a:endParaRPr/>
+          </a:p>
         </p:txBody>
       </p:sp>
       <p:sp>
         <p:nvSpPr>
           <p:cNvPr id="7" name="Google Shape;7;p1"/>
-          <p:cNvSpPr txBox="1"/>
+          <p:cNvSpPr txBox="1">
+            <a:spLocks noGrp="1"/>
+          </p:cNvSpPr>
           <p:nvPr>
-            <p:ph idx="1" type="body"/>
+            <p:ph type="body" idx="1"/>
           </p:nvPr>
         </p:nvSpPr>
         <p:spPr>
@@ -10054,11 +10225,11 @@
           </a:ln>
         </p:spPr>
         <p:txBody>
-          <a:bodyPr anchorCtr="0" anchor="t" bIns="45700" lIns="91425" spcFirstLastPara="1" rIns="91425" wrap="square" tIns="45700">
+          <a:bodyPr spcFirstLastPara="1" wrap="square" lIns="91425" tIns="45700" rIns="91425" bIns="45700" anchor="t" anchorCtr="0">
             <a:normAutofit/>
           </a:bodyPr>
           <a:lstStyle>
-            <a:lvl1pPr indent="-406400" lvl="0" marL="457200" marR="0" rtl="0" algn="l">
+            <a:lvl1pPr marL="457200" marR="0" lvl="0" indent="-406400" algn="l" rtl="0">
               <a:lnSpc>
                 <a:spcPct val="90000"/>
               </a:lnSpc>
@@ -10074,7 +10245,7 @@
               <a:buSzPts val="2800"/>
               <a:buFont typeface="Arial"/>
               <a:buChar char="•"/>
-              <a:defRPr b="0" i="0" sz="2800" u="none" cap="none" strike="noStrike">
+              <a:defRPr sz="2800" b="0" i="0" u="none" strike="noStrike" cap="none">
                 <a:solidFill>
                   <a:schemeClr val="dk1"/>
                 </a:solidFill>
@@ -10084,7 +10255,7 @@
                 <a:sym typeface="Calibri"/>
               </a:defRPr>
             </a:lvl1pPr>
-            <a:lvl2pPr indent="-381000" lvl="1" marL="914400" marR="0" rtl="0" algn="l">
+            <a:lvl2pPr marL="914400" marR="0" lvl="1" indent="-381000" algn="l" rtl="0">
               <a:lnSpc>
                 <a:spcPct val="90000"/>
               </a:lnSpc>
@@ -10100,7 +10271,7 @@
               <a:buSzPts val="2400"/>
               <a:buFont typeface="Arial"/>
               <a:buChar char="•"/>
-              <a:defRPr b="0" i="0" sz="2400" u="none" cap="none" strike="noStrike">
+              <a:defRPr sz="2400" b="0" i="0" u="none" strike="noStrike" cap="none">
                 <a:solidFill>
                   <a:schemeClr val="dk1"/>
                 </a:solidFill>
@@ -10110,7 +10281,7 @@
                 <a:sym typeface="Calibri"/>
               </a:defRPr>
             </a:lvl2pPr>
-            <a:lvl3pPr indent="-355600" lvl="2" marL="1371600" marR="0" rtl="0" algn="l">
+            <a:lvl3pPr marL="1371600" marR="0" lvl="2" indent="-355600" algn="l" rtl="0">
               <a:lnSpc>
                 <a:spcPct val="90000"/>
               </a:lnSpc>
@@ -10126,7 +10297,7 @@
               <a:buSzPts val="2000"/>
               <a:buFont typeface="Arial"/>
               <a:buChar char="•"/>
-              <a:defRPr b="0" i="0" sz="2000" u="none" cap="none" strike="noStrike">
+              <a:defRPr sz="2000" b="0" i="0" u="none" strike="noStrike" cap="none">
                 <a:solidFill>
                   <a:schemeClr val="dk1"/>
                 </a:solidFill>
@@ -10136,7 +10307,7 @@
                 <a:sym typeface="Calibri"/>
               </a:defRPr>
             </a:lvl3pPr>
-            <a:lvl4pPr indent="-342900" lvl="3" marL="1828800" marR="0" rtl="0" algn="l">
+            <a:lvl4pPr marL="1828800" marR="0" lvl="3" indent="-342900" algn="l" rtl="0">
               <a:lnSpc>
                 <a:spcPct val="90000"/>
               </a:lnSpc>
@@ -10152,7 +10323,7 @@
               <a:buSzPts val="1800"/>
               <a:buFont typeface="Arial"/>
               <a:buChar char="•"/>
-              <a:defRPr b="0" i="0" sz="1800" u="none" cap="none" strike="noStrike">
+              <a:defRPr sz="1800" b="0" i="0" u="none" strike="noStrike" cap="none">
                 <a:solidFill>
                   <a:schemeClr val="dk1"/>
                 </a:solidFill>
@@ -10162,7 +10333,7 @@
                 <a:sym typeface="Calibri"/>
               </a:defRPr>
             </a:lvl4pPr>
-            <a:lvl5pPr indent="-342900" lvl="4" marL="2286000" marR="0" rtl="0" algn="l">
+            <a:lvl5pPr marL="2286000" marR="0" lvl="4" indent="-342900" algn="l" rtl="0">
               <a:lnSpc>
                 <a:spcPct val="90000"/>
               </a:lnSpc>
@@ -10178,7 +10349,7 @@
               <a:buSzPts val="1800"/>
               <a:buFont typeface="Arial"/>
               <a:buChar char="•"/>
-              <a:defRPr b="0" i="0" sz="1800" u="none" cap="none" strike="noStrike">
+              <a:defRPr sz="1800" b="0" i="0" u="none" strike="noStrike" cap="none">
                 <a:solidFill>
                   <a:schemeClr val="dk1"/>
                 </a:solidFill>
@@ -10188,7 +10359,7 @@
                 <a:sym typeface="Calibri"/>
               </a:defRPr>
             </a:lvl5pPr>
-            <a:lvl6pPr indent="-342900" lvl="5" marL="2743200" marR="0" rtl="0" algn="l">
+            <a:lvl6pPr marL="2743200" marR="0" lvl="5" indent="-342900" algn="l" rtl="0">
               <a:lnSpc>
                 <a:spcPct val="90000"/>
               </a:lnSpc>
@@ -10204,7 +10375,7 @@
               <a:buSzPts val="1800"/>
               <a:buFont typeface="Arial"/>
               <a:buChar char="•"/>
-              <a:defRPr b="0" i="0" sz="1800" u="none" cap="none" strike="noStrike">
+              <a:defRPr sz="1800" b="0" i="0" u="none" strike="noStrike" cap="none">
                 <a:solidFill>
                   <a:schemeClr val="dk1"/>
                 </a:solidFill>
@@ -10214,7 +10385,7 @@
                 <a:sym typeface="Calibri"/>
               </a:defRPr>
             </a:lvl6pPr>
-            <a:lvl7pPr indent="-342900" lvl="6" marL="3200400" marR="0" rtl="0" algn="l">
+            <a:lvl7pPr marL="3200400" marR="0" lvl="6" indent="-342900" algn="l" rtl="0">
               <a:lnSpc>
                 <a:spcPct val="90000"/>
               </a:lnSpc>
@@ -10230,7 +10401,7 @@
               <a:buSzPts val="1800"/>
               <a:buFont typeface="Arial"/>
               <a:buChar char="•"/>
-              <a:defRPr b="0" i="0" sz="1800" u="none" cap="none" strike="noStrike">
+              <a:defRPr sz="1800" b="0" i="0" u="none" strike="noStrike" cap="none">
                 <a:solidFill>
                   <a:schemeClr val="dk1"/>
                 </a:solidFill>
@@ -10240,7 +10411,7 @@
                 <a:sym typeface="Calibri"/>
               </a:defRPr>
             </a:lvl7pPr>
-            <a:lvl8pPr indent="-342900" lvl="7" marL="3657600" marR="0" rtl="0" algn="l">
+            <a:lvl8pPr marL="3657600" marR="0" lvl="7" indent="-342900" algn="l" rtl="0">
               <a:lnSpc>
                 <a:spcPct val="90000"/>
               </a:lnSpc>
@@ -10256,7 +10427,7 @@
               <a:buSzPts val="1800"/>
               <a:buFont typeface="Arial"/>
               <a:buChar char="•"/>
-              <a:defRPr b="0" i="0" sz="1800" u="none" cap="none" strike="noStrike">
+              <a:defRPr sz="1800" b="0" i="0" u="none" strike="noStrike" cap="none">
                 <a:solidFill>
                   <a:schemeClr val="dk1"/>
                 </a:solidFill>
@@ -10266,7 +10437,7 @@
                 <a:sym typeface="Calibri"/>
               </a:defRPr>
             </a:lvl8pPr>
-            <a:lvl9pPr indent="-342900" lvl="8" marL="4114800" marR="0" rtl="0" algn="l">
+            <a:lvl9pPr marL="4114800" marR="0" lvl="8" indent="-342900" algn="l" rtl="0">
               <a:lnSpc>
                 <a:spcPct val="90000"/>
               </a:lnSpc>
@@ -10282,7 +10453,7 @@
               <a:buSzPts val="1800"/>
               <a:buFont typeface="Arial"/>
               <a:buChar char="•"/>
-              <a:defRPr b="0" i="0" sz="1800" u="none" cap="none" strike="noStrike">
+              <a:defRPr sz="1800" b="0" i="0" u="none" strike="noStrike" cap="none">
                 <a:solidFill>
                   <a:schemeClr val="dk1"/>
                 </a:solidFill>
@@ -10293,15 +10464,19 @@
               </a:defRPr>
             </a:lvl9pPr>
           </a:lstStyle>
-          <a:p/>
+          <a:p>
+            <a:endParaRPr/>
+          </a:p>
         </p:txBody>
       </p:sp>
       <p:sp>
         <p:nvSpPr>
           <p:cNvPr id="8" name="Google Shape;8;p1"/>
-          <p:cNvSpPr txBox="1"/>
+          <p:cNvSpPr txBox="1">
+            <a:spLocks noGrp="1"/>
+          </p:cNvSpPr>
           <p:nvPr>
-            <p:ph idx="10" type="dt"/>
+            <p:ph type="dt" idx="10"/>
           </p:nvPr>
         </p:nvSpPr>
         <p:spPr>
@@ -10318,20 +10493,20 @@
           </a:ln>
         </p:spPr>
         <p:txBody>
-          <a:bodyPr anchorCtr="0" anchor="ctr" bIns="45700" lIns="91425" spcFirstLastPara="1" rIns="91425" wrap="square" tIns="45700">
+          <a:bodyPr spcFirstLastPara="1" wrap="square" lIns="91425" tIns="45700" rIns="91425" bIns="45700" anchor="ctr" anchorCtr="0">
             <a:noAutofit/>
           </a:bodyPr>
           <a:lstStyle>
-            <a:lvl1pPr lvl="0" marR="0" rtl="0" algn="l">
-              <a:spcBef>
-                <a:spcPts val="0"/>
-              </a:spcBef>
-              <a:spcAft>
-                <a:spcPts val="0"/>
-              </a:spcAft>
-              <a:buSzPts val="1400"/>
-              <a:buNone/>
-              <a:defRPr b="0" i="0" sz="1200" u="none" cap="none" strike="noStrike">
+            <a:lvl1pPr marR="0" lvl="0" algn="l" rtl="0">
+              <a:spcBef>
+                <a:spcPts val="0"/>
+              </a:spcBef>
+              <a:spcAft>
+                <a:spcPts val="0"/>
+              </a:spcAft>
+              <a:buSzPts val="1400"/>
+              <a:buNone/>
+              <a:defRPr sz="1200" b="0" i="0" u="none" strike="noStrike" cap="none">
                 <a:solidFill>
                   <a:srgbClr val="888888"/>
                 </a:solidFill>
@@ -10341,16 +10516,16 @@
                 <a:sym typeface="Calibri"/>
               </a:defRPr>
             </a:lvl1pPr>
-            <a:lvl2pPr lvl="1" marR="0" rtl="0" algn="l">
-              <a:spcBef>
-                <a:spcPts val="0"/>
-              </a:spcBef>
-              <a:spcAft>
-                <a:spcPts val="0"/>
-              </a:spcAft>
-              <a:buSzPts val="1400"/>
-              <a:buNone/>
-              <a:defRPr b="0" i="0" sz="1800" u="none" cap="none" strike="noStrike">
+            <a:lvl2pPr marR="0" lvl="1" algn="l" rtl="0">
+              <a:spcBef>
+                <a:spcPts val="0"/>
+              </a:spcBef>
+              <a:spcAft>
+                <a:spcPts val="0"/>
+              </a:spcAft>
+              <a:buSzPts val="1400"/>
+              <a:buNone/>
+              <a:defRPr sz="1800" b="0" i="0" u="none" strike="noStrike" cap="none">
                 <a:solidFill>
                   <a:schemeClr val="dk1"/>
                 </a:solidFill>
@@ -10360,16 +10535,16 @@
                 <a:sym typeface="Calibri"/>
               </a:defRPr>
             </a:lvl2pPr>
-            <a:lvl3pPr lvl="2" marR="0" rtl="0" algn="l">
-              <a:spcBef>
-                <a:spcPts val="0"/>
-              </a:spcBef>
-              <a:spcAft>
-                <a:spcPts val="0"/>
-              </a:spcAft>
-              <a:buSzPts val="1400"/>
-              <a:buNone/>
-              <a:defRPr b="0" i="0" sz="1800" u="none" cap="none" strike="noStrike">
+            <a:lvl3pPr marR="0" lvl="2" algn="l" rtl="0">
+              <a:spcBef>
+                <a:spcPts val="0"/>
+              </a:spcBef>
+              <a:spcAft>
+                <a:spcPts val="0"/>
+              </a:spcAft>
+              <a:buSzPts val="1400"/>
+              <a:buNone/>
+              <a:defRPr sz="1800" b="0" i="0" u="none" strike="noStrike" cap="none">
                 <a:solidFill>
                   <a:schemeClr val="dk1"/>
                 </a:solidFill>
@@ -10379,16 +10554,16 @@
                 <a:sym typeface="Calibri"/>
               </a:defRPr>
             </a:lvl3pPr>
-            <a:lvl4pPr lvl="3" marR="0" rtl="0" algn="l">
-              <a:spcBef>
-                <a:spcPts val="0"/>
-              </a:spcBef>
-              <a:spcAft>
-                <a:spcPts val="0"/>
-              </a:spcAft>
-              <a:buSzPts val="1400"/>
-              <a:buNone/>
-              <a:defRPr b="0" i="0" sz="1800" u="none" cap="none" strike="noStrike">
+            <a:lvl4pPr marR="0" lvl="3" algn="l" rtl="0">
+              <a:spcBef>
+                <a:spcPts val="0"/>
+              </a:spcBef>
+              <a:spcAft>
+                <a:spcPts val="0"/>
+              </a:spcAft>
+              <a:buSzPts val="1400"/>
+              <a:buNone/>
+              <a:defRPr sz="1800" b="0" i="0" u="none" strike="noStrike" cap="none">
                 <a:solidFill>
                   <a:schemeClr val="dk1"/>
                 </a:solidFill>
@@ -10398,16 +10573,16 @@
                 <a:sym typeface="Calibri"/>
               </a:defRPr>
             </a:lvl4pPr>
-            <a:lvl5pPr lvl="4" marR="0" rtl="0" algn="l">
-              <a:spcBef>
-                <a:spcPts val="0"/>
-              </a:spcBef>
-              <a:spcAft>
-                <a:spcPts val="0"/>
-              </a:spcAft>
-              <a:buSzPts val="1400"/>
-              <a:buNone/>
-              <a:defRPr b="0" i="0" sz="1800" u="none" cap="none" strike="noStrike">
+            <a:lvl5pPr marR="0" lvl="4" algn="l" rtl="0">
+              <a:spcBef>
+                <a:spcPts val="0"/>
+              </a:spcBef>
+              <a:spcAft>
+                <a:spcPts val="0"/>
+              </a:spcAft>
+              <a:buSzPts val="1400"/>
+              <a:buNone/>
+              <a:defRPr sz="1800" b="0" i="0" u="none" strike="noStrike" cap="none">
                 <a:solidFill>
                   <a:schemeClr val="dk1"/>
                 </a:solidFill>
@@ -10417,16 +10592,16 @@
                 <a:sym typeface="Calibri"/>
               </a:defRPr>
             </a:lvl5pPr>
-            <a:lvl6pPr lvl="5" marR="0" rtl="0" algn="l">
-              <a:spcBef>
-                <a:spcPts val="0"/>
-              </a:spcBef>
-              <a:spcAft>
-                <a:spcPts val="0"/>
-              </a:spcAft>
-              <a:buSzPts val="1400"/>
-              <a:buNone/>
-              <a:defRPr b="0" i="0" sz="1800" u="none" cap="none" strike="noStrike">
+            <a:lvl6pPr marR="0" lvl="5" algn="l" rtl="0">
+              <a:spcBef>
+                <a:spcPts val="0"/>
+              </a:spcBef>
+              <a:spcAft>
+                <a:spcPts val="0"/>
+              </a:spcAft>
+              <a:buSzPts val="1400"/>
+              <a:buNone/>
+              <a:defRPr sz="1800" b="0" i="0" u="none" strike="noStrike" cap="none">
                 <a:solidFill>
                   <a:schemeClr val="dk1"/>
                 </a:solidFill>
@@ -10436,16 +10611,16 @@
                 <a:sym typeface="Calibri"/>
               </a:defRPr>
             </a:lvl6pPr>
-            <a:lvl7pPr lvl="6" marR="0" rtl="0" algn="l">
-              <a:spcBef>
-                <a:spcPts val="0"/>
-              </a:spcBef>
-              <a:spcAft>
-                <a:spcPts val="0"/>
-              </a:spcAft>
-              <a:buSzPts val="1400"/>
-              <a:buNone/>
-              <a:defRPr b="0" i="0" sz="1800" u="none" cap="none" strike="noStrike">
+            <a:lvl7pPr marR="0" lvl="6" algn="l" rtl="0">
+              <a:spcBef>
+                <a:spcPts val="0"/>
+              </a:spcBef>
+              <a:spcAft>
+                <a:spcPts val="0"/>
+              </a:spcAft>
+              <a:buSzPts val="1400"/>
+              <a:buNone/>
+              <a:defRPr sz="1800" b="0" i="0" u="none" strike="noStrike" cap="none">
                 <a:solidFill>
                   <a:schemeClr val="dk1"/>
                 </a:solidFill>
@@ -10455,16 +10630,16 @@
                 <a:sym typeface="Calibri"/>
               </a:defRPr>
             </a:lvl7pPr>
-            <a:lvl8pPr lvl="7" marR="0" rtl="0" algn="l">
-              <a:spcBef>
-                <a:spcPts val="0"/>
-              </a:spcBef>
-              <a:spcAft>
-                <a:spcPts val="0"/>
-              </a:spcAft>
-              <a:buSzPts val="1400"/>
-              <a:buNone/>
-              <a:defRPr b="0" i="0" sz="1800" u="none" cap="none" strike="noStrike">
+            <a:lvl8pPr marR="0" lvl="7" algn="l" rtl="0">
+              <a:spcBef>
+                <a:spcPts val="0"/>
+              </a:spcBef>
+              <a:spcAft>
+                <a:spcPts val="0"/>
+              </a:spcAft>
+              <a:buSzPts val="1400"/>
+              <a:buNone/>
+              <a:defRPr sz="1800" b="0" i="0" u="none" strike="noStrike" cap="none">
                 <a:solidFill>
                   <a:schemeClr val="dk1"/>
                 </a:solidFill>
@@ -10474,16 +10649,16 @@
                 <a:sym typeface="Calibri"/>
               </a:defRPr>
             </a:lvl8pPr>
-            <a:lvl9pPr lvl="8" marR="0" rtl="0" algn="l">
-              <a:spcBef>
-                <a:spcPts val="0"/>
-              </a:spcBef>
-              <a:spcAft>
-                <a:spcPts val="0"/>
-              </a:spcAft>
-              <a:buSzPts val="1400"/>
-              <a:buNone/>
-              <a:defRPr b="0" i="0" sz="1800" u="none" cap="none" strike="noStrike">
+            <a:lvl9pPr marR="0" lvl="8" algn="l" rtl="0">
+              <a:spcBef>
+                <a:spcPts val="0"/>
+              </a:spcBef>
+              <a:spcAft>
+                <a:spcPts val="0"/>
+              </a:spcAft>
+              <a:buSzPts val="1400"/>
+              <a:buNone/>
+              <a:defRPr sz="1800" b="0" i="0" u="none" strike="noStrike" cap="none">
                 <a:solidFill>
                   <a:schemeClr val="dk1"/>
                 </a:solidFill>
@@ -10494,15 +10669,19 @@
               </a:defRPr>
             </a:lvl9pPr>
           </a:lstStyle>
-          <a:p/>
+          <a:p>
+            <a:endParaRPr/>
+          </a:p>
         </p:txBody>
       </p:sp>
       <p:sp>
         <p:nvSpPr>
           <p:cNvPr id="9" name="Google Shape;9;p1"/>
-          <p:cNvSpPr txBox="1"/>
+          <p:cNvSpPr txBox="1">
+            <a:spLocks noGrp="1"/>
+          </p:cNvSpPr>
           <p:nvPr>
-            <p:ph idx="11" type="ftr"/>
+            <p:ph type="ftr" idx="11"/>
           </p:nvPr>
         </p:nvSpPr>
         <p:spPr>
@@ -10519,20 +10698,20 @@
           </a:ln>
         </p:spPr>
         <p:txBody>
-          <a:bodyPr anchorCtr="0" anchor="ctr" bIns="45700" lIns="91425" spcFirstLastPara="1" rIns="91425" wrap="square" tIns="45700">
+          <a:bodyPr spcFirstLastPara="1" wrap="square" lIns="91425" tIns="45700" rIns="91425" bIns="45700" anchor="ctr" anchorCtr="0">
             <a:noAutofit/>
           </a:bodyPr>
           <a:lstStyle>
-            <a:lvl1pPr lvl="0" marR="0" rtl="0" algn="ctr">
-              <a:spcBef>
-                <a:spcPts val="0"/>
-              </a:spcBef>
-              <a:spcAft>
-                <a:spcPts val="0"/>
-              </a:spcAft>
-              <a:buSzPts val="1400"/>
-              <a:buNone/>
-              <a:defRPr b="0" i="0" sz="1200" u="none" cap="none" strike="noStrike">
+            <a:lvl1pPr marR="0" lvl="0" algn="ctr" rtl="0">
+              <a:spcBef>
+                <a:spcPts val="0"/>
+              </a:spcBef>
+              <a:spcAft>
+                <a:spcPts val="0"/>
+              </a:spcAft>
+              <a:buSzPts val="1400"/>
+              <a:buNone/>
+              <a:defRPr sz="1200" b="0" i="0" u="none" strike="noStrike" cap="none">
                 <a:solidFill>
                   <a:srgbClr val="888888"/>
                 </a:solidFill>
@@ -10542,16 +10721,16 @@
                 <a:sym typeface="Calibri"/>
               </a:defRPr>
             </a:lvl1pPr>
-            <a:lvl2pPr lvl="1" marR="0" rtl="0" algn="l">
-              <a:spcBef>
-                <a:spcPts val="0"/>
-              </a:spcBef>
-              <a:spcAft>
-                <a:spcPts val="0"/>
-              </a:spcAft>
-              <a:buSzPts val="1400"/>
-              <a:buNone/>
-              <a:defRPr b="0" i="0" sz="1800" u="none" cap="none" strike="noStrike">
+            <a:lvl2pPr marR="0" lvl="1" algn="l" rtl="0">
+              <a:spcBef>
+                <a:spcPts val="0"/>
+              </a:spcBef>
+              <a:spcAft>
+                <a:spcPts val="0"/>
+              </a:spcAft>
+              <a:buSzPts val="1400"/>
+              <a:buNone/>
+              <a:defRPr sz="1800" b="0" i="0" u="none" strike="noStrike" cap="none">
                 <a:solidFill>
                   <a:schemeClr val="dk1"/>
                 </a:solidFill>
@@ -10561,16 +10740,16 @@
                 <a:sym typeface="Calibri"/>
               </a:defRPr>
             </a:lvl2pPr>
-            <a:lvl3pPr lvl="2" marR="0" rtl="0" algn="l">
-              <a:spcBef>
-                <a:spcPts val="0"/>
-              </a:spcBef>
-              <a:spcAft>
-                <a:spcPts val="0"/>
-              </a:spcAft>
-              <a:buSzPts val="1400"/>
-              <a:buNone/>
-              <a:defRPr b="0" i="0" sz="1800" u="none" cap="none" strike="noStrike">
+            <a:lvl3pPr marR="0" lvl="2" algn="l" rtl="0">
+              <a:spcBef>
+                <a:spcPts val="0"/>
+              </a:spcBef>
+              <a:spcAft>
+                <a:spcPts val="0"/>
+              </a:spcAft>
+              <a:buSzPts val="1400"/>
+              <a:buNone/>
+              <a:defRPr sz="1800" b="0" i="0" u="none" strike="noStrike" cap="none">
                 <a:solidFill>
                   <a:schemeClr val="dk1"/>
                 </a:solidFill>
@@ -10580,16 +10759,16 @@
                 <a:sym typeface="Calibri"/>
               </a:defRPr>
             </a:lvl3pPr>
-            <a:lvl4pPr lvl="3" marR="0" rtl="0" algn="l">
-              <a:spcBef>
-                <a:spcPts val="0"/>
-              </a:spcBef>
-              <a:spcAft>
-                <a:spcPts val="0"/>
-              </a:spcAft>
-              <a:buSzPts val="1400"/>
-              <a:buNone/>
-              <a:defRPr b="0" i="0" sz="1800" u="none" cap="none" strike="noStrike">
+            <a:lvl4pPr marR="0" lvl="3" algn="l" rtl="0">
+              <a:spcBef>
+                <a:spcPts val="0"/>
+              </a:spcBef>
+              <a:spcAft>
+                <a:spcPts val="0"/>
+              </a:spcAft>
+              <a:buSzPts val="1400"/>
+              <a:buNone/>
+              <a:defRPr sz="1800" b="0" i="0" u="none" strike="noStrike" cap="none">
                 <a:solidFill>
                   <a:schemeClr val="dk1"/>
                 </a:solidFill>
@@ -10599,16 +10778,16 @@
                 <a:sym typeface="Calibri"/>
               </a:defRPr>
             </a:lvl4pPr>
-            <a:lvl5pPr lvl="4" marR="0" rtl="0" algn="l">
-              <a:spcBef>
-                <a:spcPts val="0"/>
-              </a:spcBef>
-              <a:spcAft>
-                <a:spcPts val="0"/>
-              </a:spcAft>
-              <a:buSzPts val="1400"/>
-              <a:buNone/>
-              <a:defRPr b="0" i="0" sz="1800" u="none" cap="none" strike="noStrike">
+            <a:lvl5pPr marR="0" lvl="4" algn="l" rtl="0">
+              <a:spcBef>
+                <a:spcPts val="0"/>
+              </a:spcBef>
+              <a:spcAft>
+                <a:spcPts val="0"/>
+              </a:spcAft>
+              <a:buSzPts val="1400"/>
+              <a:buNone/>
+              <a:defRPr sz="1800" b="0" i="0" u="none" strike="noStrike" cap="none">
                 <a:solidFill>
                   <a:schemeClr val="dk1"/>
                 </a:solidFill>
@@ -10618,16 +10797,16 @@
                 <a:sym typeface="Calibri"/>
               </a:defRPr>
             </a:lvl5pPr>
-            <a:lvl6pPr lvl="5" marR="0" rtl="0" algn="l">
-              <a:spcBef>
-                <a:spcPts val="0"/>
-              </a:spcBef>
-              <a:spcAft>
-                <a:spcPts val="0"/>
-              </a:spcAft>
-              <a:buSzPts val="1400"/>
-              <a:buNone/>
-              <a:defRPr b="0" i="0" sz="1800" u="none" cap="none" strike="noStrike">
+            <a:lvl6pPr marR="0" lvl="5" algn="l" rtl="0">
+              <a:spcBef>
+                <a:spcPts val="0"/>
+              </a:spcBef>
+              <a:spcAft>
+                <a:spcPts val="0"/>
+              </a:spcAft>
+              <a:buSzPts val="1400"/>
+              <a:buNone/>
+              <a:defRPr sz="1800" b="0" i="0" u="none" strike="noStrike" cap="none">
                 <a:solidFill>
                   <a:schemeClr val="dk1"/>
                 </a:solidFill>
@@ -10637,16 +10816,16 @@
                 <a:sym typeface="Calibri"/>
               </a:defRPr>
             </a:lvl6pPr>
-            <a:lvl7pPr lvl="6" marR="0" rtl="0" algn="l">
-              <a:spcBef>
-                <a:spcPts val="0"/>
-              </a:spcBef>
-              <a:spcAft>
-                <a:spcPts val="0"/>
-              </a:spcAft>
-              <a:buSzPts val="1400"/>
-              <a:buNone/>
-              <a:defRPr b="0" i="0" sz="1800" u="none" cap="none" strike="noStrike">
+            <a:lvl7pPr marR="0" lvl="6" algn="l" rtl="0">
+              <a:spcBef>
+                <a:spcPts val="0"/>
+              </a:spcBef>
+              <a:spcAft>
+                <a:spcPts val="0"/>
+              </a:spcAft>
+              <a:buSzPts val="1400"/>
+              <a:buNone/>
+              <a:defRPr sz="1800" b="0" i="0" u="none" strike="noStrike" cap="none">
                 <a:solidFill>
                   <a:schemeClr val="dk1"/>
                 </a:solidFill>
@@ -10656,16 +10835,16 @@
                 <a:sym typeface="Calibri"/>
               </a:defRPr>
             </a:lvl7pPr>
-            <a:lvl8pPr lvl="7" marR="0" rtl="0" algn="l">
-              <a:spcBef>
-                <a:spcPts val="0"/>
-              </a:spcBef>
-              <a:spcAft>
-                <a:spcPts val="0"/>
-              </a:spcAft>
-              <a:buSzPts val="1400"/>
-              <a:buNone/>
-              <a:defRPr b="0" i="0" sz="1800" u="none" cap="none" strike="noStrike">
+            <a:lvl8pPr marR="0" lvl="7" algn="l" rtl="0">
+              <a:spcBef>
+                <a:spcPts val="0"/>
+              </a:spcBef>
+              <a:spcAft>
+                <a:spcPts val="0"/>
+              </a:spcAft>
+              <a:buSzPts val="1400"/>
+              <a:buNone/>
+              <a:defRPr sz="1800" b="0" i="0" u="none" strike="noStrike" cap="none">
                 <a:solidFill>
                   <a:schemeClr val="dk1"/>
                 </a:solidFill>
@@ -10675,16 +10854,16 @@
                 <a:sym typeface="Calibri"/>
               </a:defRPr>
             </a:lvl8pPr>
-            <a:lvl9pPr lvl="8" marR="0" rtl="0" algn="l">
-              <a:spcBef>
-                <a:spcPts val="0"/>
-              </a:spcBef>
-              <a:spcAft>
-                <a:spcPts val="0"/>
-              </a:spcAft>
-              <a:buSzPts val="1400"/>
-              <a:buNone/>
-              <a:defRPr b="0" i="0" sz="1800" u="none" cap="none" strike="noStrike">
+            <a:lvl9pPr marR="0" lvl="8" algn="l" rtl="0">
+              <a:spcBef>
+                <a:spcPts val="0"/>
+              </a:spcBef>
+              <a:spcAft>
+                <a:spcPts val="0"/>
+              </a:spcAft>
+              <a:buSzPts val="1400"/>
+              <a:buNone/>
+              <a:defRPr sz="1800" b="0" i="0" u="none" strike="noStrike" cap="none">
                 <a:solidFill>
                   <a:schemeClr val="dk1"/>
                 </a:solidFill>
@@ -10695,15 +10874,19 @@
               </a:defRPr>
             </a:lvl9pPr>
           </a:lstStyle>
-          <a:p/>
+          <a:p>
+            <a:endParaRPr/>
+          </a:p>
         </p:txBody>
       </p:sp>
       <p:sp>
         <p:nvSpPr>
           <p:cNvPr id="10" name="Google Shape;10;p1"/>
-          <p:cNvSpPr txBox="1"/>
+          <p:cNvSpPr txBox="1">
+            <a:spLocks noGrp="1"/>
+          </p:cNvSpPr>
           <p:nvPr>
-            <p:ph idx="12" type="sldNum"/>
+            <p:ph type="sldNum" idx="12"/>
           </p:nvPr>
         </p:nvSpPr>
         <p:spPr>
@@ -10720,16 +10903,16 @@
           </a:ln>
         </p:spPr>
         <p:txBody>
-          <a:bodyPr anchorCtr="0" anchor="ctr" bIns="45700" lIns="91425" spcFirstLastPara="1" rIns="91425" wrap="square" tIns="45700">
+          <a:bodyPr spcFirstLastPara="1" wrap="square" lIns="91425" tIns="45700" rIns="91425" bIns="45700" anchor="ctr" anchorCtr="0">
             <a:noAutofit/>
           </a:bodyPr>
           <a:lstStyle>
-            <a:lvl1pPr indent="0" lvl="0" marL="0" marR="0" rtl="0" algn="r">
-              <a:spcBef>
-                <a:spcPts val="0"/>
-              </a:spcBef>
-              <a:buNone/>
-              <a:defRPr b="0" i="0" sz="1200" u="none" cap="none" strike="noStrike">
+            <a:lvl1pPr marL="0" marR="0" lvl="0" indent="0" algn="r" rtl="0">
+              <a:spcBef>
+                <a:spcPts val="0"/>
+              </a:spcBef>
+              <a:buNone/>
+              <a:defRPr sz="1200" b="0" i="0" u="none" strike="noStrike" cap="none">
                 <a:solidFill>
                   <a:srgbClr val="888888"/>
                 </a:solidFill>
@@ -10739,12 +10922,12 @@
                 <a:sym typeface="Calibri"/>
               </a:defRPr>
             </a:lvl1pPr>
-            <a:lvl2pPr indent="0" lvl="1" marL="0" marR="0" rtl="0" algn="r">
-              <a:spcBef>
-                <a:spcPts val="0"/>
-              </a:spcBef>
-              <a:buNone/>
-              <a:defRPr b="0" i="0" sz="1200" u="none" cap="none" strike="noStrike">
+            <a:lvl2pPr marL="0" marR="0" lvl="1" indent="0" algn="r" rtl="0">
+              <a:spcBef>
+                <a:spcPts val="0"/>
+              </a:spcBef>
+              <a:buNone/>
+              <a:defRPr sz="1200" b="0" i="0" u="none" strike="noStrike" cap="none">
                 <a:solidFill>
                   <a:srgbClr val="888888"/>
                 </a:solidFill>
@@ -10754,12 +10937,12 @@
                 <a:sym typeface="Calibri"/>
               </a:defRPr>
             </a:lvl2pPr>
-            <a:lvl3pPr indent="0" lvl="2" marL="0" marR="0" rtl="0" algn="r">
-              <a:spcBef>
-                <a:spcPts val="0"/>
-              </a:spcBef>
-              <a:buNone/>
-              <a:defRPr b="0" i="0" sz="1200" u="none" cap="none" strike="noStrike">
+            <a:lvl3pPr marL="0" marR="0" lvl="2" indent="0" algn="r" rtl="0">
+              <a:spcBef>
+                <a:spcPts val="0"/>
+              </a:spcBef>
+              <a:buNone/>
+              <a:defRPr sz="1200" b="0" i="0" u="none" strike="noStrike" cap="none">
                 <a:solidFill>
                   <a:srgbClr val="888888"/>
                 </a:solidFill>
@@ -10769,12 +10952,12 @@
                 <a:sym typeface="Calibri"/>
               </a:defRPr>
             </a:lvl3pPr>
-            <a:lvl4pPr indent="0" lvl="3" marL="0" marR="0" rtl="0" algn="r">
-              <a:spcBef>
-                <a:spcPts val="0"/>
-              </a:spcBef>
-              <a:buNone/>
-              <a:defRPr b="0" i="0" sz="1200" u="none" cap="none" strike="noStrike">
+            <a:lvl4pPr marL="0" marR="0" lvl="3" indent="0" algn="r" rtl="0">
+              <a:spcBef>
+                <a:spcPts val="0"/>
+              </a:spcBef>
+              <a:buNone/>
+              <a:defRPr sz="1200" b="0" i="0" u="none" strike="noStrike" cap="none">
                 <a:solidFill>
                   <a:srgbClr val="888888"/>
                 </a:solidFill>
@@ -10784,12 +10967,12 @@
                 <a:sym typeface="Calibri"/>
               </a:defRPr>
             </a:lvl4pPr>
-            <a:lvl5pPr indent="0" lvl="4" marL="0" marR="0" rtl="0" algn="r">
-              <a:spcBef>
-                <a:spcPts val="0"/>
-              </a:spcBef>
-              <a:buNone/>
-              <a:defRPr b="0" i="0" sz="1200" u="none" cap="none" strike="noStrike">
+            <a:lvl5pPr marL="0" marR="0" lvl="4" indent="0" algn="r" rtl="0">
+              <a:spcBef>
+                <a:spcPts val="0"/>
+              </a:spcBef>
+              <a:buNone/>
+              <a:defRPr sz="1200" b="0" i="0" u="none" strike="noStrike" cap="none">
                 <a:solidFill>
                   <a:srgbClr val="888888"/>
                 </a:solidFill>
@@ -10799,12 +10982,12 @@
                 <a:sym typeface="Calibri"/>
               </a:defRPr>
             </a:lvl5pPr>
-            <a:lvl6pPr indent="0" lvl="5" marL="0" marR="0" rtl="0" algn="r">
-              <a:spcBef>
-                <a:spcPts val="0"/>
-              </a:spcBef>
-              <a:buNone/>
-              <a:defRPr b="0" i="0" sz="1200" u="none" cap="none" strike="noStrike">
+            <a:lvl6pPr marL="0" marR="0" lvl="5" indent="0" algn="r" rtl="0">
+              <a:spcBef>
+                <a:spcPts val="0"/>
+              </a:spcBef>
+              <a:buNone/>
+              <a:defRPr sz="1200" b="0" i="0" u="none" strike="noStrike" cap="none">
                 <a:solidFill>
                   <a:srgbClr val="888888"/>
                 </a:solidFill>
@@ -10814,12 +10997,12 @@
                 <a:sym typeface="Calibri"/>
               </a:defRPr>
             </a:lvl6pPr>
-            <a:lvl7pPr indent="0" lvl="6" marL="0" marR="0" rtl="0" algn="r">
-              <a:spcBef>
-                <a:spcPts val="0"/>
-              </a:spcBef>
-              <a:buNone/>
-              <a:defRPr b="0" i="0" sz="1200" u="none" cap="none" strike="noStrike">
+            <a:lvl7pPr marL="0" marR="0" lvl="6" indent="0" algn="r" rtl="0">
+              <a:spcBef>
+                <a:spcPts val="0"/>
+              </a:spcBef>
+              <a:buNone/>
+              <a:defRPr sz="1200" b="0" i="0" u="none" strike="noStrike" cap="none">
                 <a:solidFill>
                   <a:srgbClr val="888888"/>
                 </a:solidFill>
@@ -10829,12 +11012,12 @@
                 <a:sym typeface="Calibri"/>
               </a:defRPr>
             </a:lvl7pPr>
-            <a:lvl8pPr indent="0" lvl="7" marL="0" marR="0" rtl="0" algn="r">
-              <a:spcBef>
-                <a:spcPts val="0"/>
-              </a:spcBef>
-              <a:buNone/>
-              <a:defRPr b="0" i="0" sz="1200" u="none" cap="none" strike="noStrike">
+            <a:lvl8pPr marL="0" marR="0" lvl="7" indent="0" algn="r" rtl="0">
+              <a:spcBef>
+                <a:spcPts val="0"/>
+              </a:spcBef>
+              <a:buNone/>
+              <a:defRPr sz="1200" b="0" i="0" u="none" strike="noStrike" cap="none">
                 <a:solidFill>
                   <a:srgbClr val="888888"/>
                 </a:solidFill>
@@ -10844,12 +11027,12 @@
                 <a:sym typeface="Calibri"/>
               </a:defRPr>
             </a:lvl8pPr>
-            <a:lvl9pPr indent="0" lvl="8" marL="0" marR="0" rtl="0" algn="r">
-              <a:spcBef>
-                <a:spcPts val="0"/>
-              </a:spcBef>
-              <a:buNone/>
-              <a:defRPr b="0" i="0" sz="1200" u="none" cap="none" strike="noStrike">
+            <a:lvl9pPr marL="0" marR="0" lvl="8" indent="0" algn="r" rtl="0">
+              <a:spcBef>
+                <a:spcPts val="0"/>
+              </a:spcBef>
+              <a:buNone/>
+              <a:defRPr sz="1200" b="0" i="0" u="none" strike="noStrike" cap="none">
                 <a:solidFill>
                   <a:srgbClr val="888888"/>
                 </a:solidFill>
@@ -10861,7 +11044,7 @@
             </a:lvl9pPr>
           </a:lstStyle>
           <a:p>
-            <a:pPr indent="0" lvl="0" marL="0" rtl="0" algn="r">
+            <a:pPr marL="0" lvl="0" indent="0" algn="r" rtl="0">
               <a:spcBef>
                 <a:spcPts val="0"/>
               </a:spcBef>
@@ -10880,7 +11063,7 @@
       </p:sp>
     </p:spTree>
   </p:cSld>
-  <p:clrMap accent1="accent1" accent2="accent2" accent3="accent3" accent4="accent4" accent5="accent5" accent6="accent6" bg1="lt1" bg2="dk2" tx1="dk1" tx2="lt2" folHlink="folHlink" hlink="hlink"/>
+  <p:clrMap bg1="lt1" tx1="dk1" bg2="dk2" tx2="lt2" accent1="accent1" accent2="accent2" accent3="accent3" accent4="accent4" accent5="accent5" accent6="accent6" hlink="hlink" folHlink="folHlink"/>
   <p:sldLayoutIdLst>
     <p:sldLayoutId id="2147483648" r:id="rId1"/>
     <p:sldLayoutId id="2147483649" r:id="rId2"/>
@@ -10894,10 +11077,10 @@
     <p:sldLayoutId id="2147483657" r:id="rId10"/>
     <p:sldLayoutId id="2147483658" r:id="rId11"/>
   </p:sldLayoutIdLst>
-  <p:hf dt="0" ftr="0" hdr="0" sldNum="0"/>
+  <p:hf sldNum="0" hdr="0" ftr="0" dt="0"/>
   <p:txStyles>
     <p:titleStyle>
-      <a:defPPr lvl="0" marR="0" rtl="0" algn="l">
+      <a:defPPr marR="0" lvl="0" algn="l" rtl="0">
         <a:lnSpc>
           <a:spcPct val="100000"/>
         </a:lnSpc>
@@ -10908,7 +11091,7 @@
           <a:spcPts val="0"/>
         </a:spcAft>
       </a:defPPr>
-      <a:lvl1pPr lvl="0" marR="0" rtl="0" algn="l">
+      <a:lvl1pPr marR="0" lvl="0" algn="l" rtl="0">
         <a:lnSpc>
           <a:spcPct val="100000"/>
         </a:lnSpc>
@@ -10922,7 +11105,7 @@
           <a:srgbClr val="000000"/>
         </a:buClr>
         <a:buFont typeface="Arial"/>
-        <a:defRPr b="0" i="0" sz="1400" u="none" cap="none" strike="noStrike">
+        <a:defRPr sz="1400" b="0" i="0" u="none" strike="noStrike" cap="none">
           <a:solidFill>
             <a:srgbClr val="000000"/>
           </a:solidFill>
@@ -10932,7 +11115,7 @@
           <a:sym typeface="Arial"/>
         </a:defRPr>
       </a:lvl1pPr>
-      <a:lvl2pPr lvl="1" marR="0" rtl="0" algn="l">
+      <a:lvl2pPr marR="0" lvl="1" algn="l" rtl="0">
         <a:lnSpc>
           <a:spcPct val="100000"/>
         </a:lnSpc>
@@ -10946,7 +11129,7 @@
           <a:srgbClr val="000000"/>
         </a:buClr>
         <a:buFont typeface="Arial"/>
-        <a:defRPr b="0" i="0" sz="1400" u="none" cap="none" strike="noStrike">
+        <a:defRPr sz="1400" b="0" i="0" u="none" strike="noStrike" cap="none">
           <a:solidFill>
             <a:srgbClr val="000000"/>
           </a:solidFill>
@@ -10956,7 +11139,7 @@
           <a:sym typeface="Arial"/>
         </a:defRPr>
       </a:lvl2pPr>
-      <a:lvl3pPr lvl="2" marR="0" rtl="0" algn="l">
+      <a:lvl3pPr marR="0" lvl="2" algn="l" rtl="0">
         <a:lnSpc>
           <a:spcPct val="100000"/>
         </a:lnSpc>
@@ -10970,7 +11153,7 @@
           <a:srgbClr val="000000"/>
         </a:buClr>
         <a:buFont typeface="Arial"/>
-        <a:defRPr b="0" i="0" sz="1400" u="none" cap="none" strike="noStrike">
+        <a:defRPr sz="1400" b="0" i="0" u="none" strike="noStrike" cap="none">
           <a:solidFill>
             <a:srgbClr val="000000"/>
           </a:solidFill>
@@ -10980,7 +11163,7 @@
           <a:sym typeface="Arial"/>
         </a:defRPr>
       </a:lvl3pPr>
-      <a:lvl4pPr lvl="3" marR="0" rtl="0" algn="l">
+      <a:lvl4pPr marR="0" lvl="3" algn="l" rtl="0">
         <a:lnSpc>
           <a:spcPct val="100000"/>
         </a:lnSpc>
@@ -10994,7 +11177,7 @@
           <a:srgbClr val="000000"/>
         </a:buClr>
         <a:buFont typeface="Arial"/>
-        <a:defRPr b="0" i="0" sz="1400" u="none" cap="none" strike="noStrike">
+        <a:defRPr sz="1400" b="0" i="0" u="none" strike="noStrike" cap="none">
           <a:solidFill>
             <a:srgbClr val="000000"/>
           </a:solidFill>
@@ -11004,7 +11187,7 @@
           <a:sym typeface="Arial"/>
         </a:defRPr>
       </a:lvl4pPr>
-      <a:lvl5pPr lvl="4" marR="0" rtl="0" algn="l">
+      <a:lvl5pPr marR="0" lvl="4" algn="l" rtl="0">
         <a:lnSpc>
           <a:spcPct val="100000"/>
         </a:lnSpc>
@@ -11018,7 +11201,7 @@
           <a:srgbClr val="000000"/>
         </a:buClr>
         <a:buFont typeface="Arial"/>
-        <a:defRPr b="0" i="0" sz="1400" u="none" cap="none" strike="noStrike">
+        <a:defRPr sz="1400" b="0" i="0" u="none" strike="noStrike" cap="none">
           <a:solidFill>
             <a:srgbClr val="000000"/>
           </a:solidFill>
@@ -11028,7 +11211,7 @@
           <a:sym typeface="Arial"/>
         </a:defRPr>
       </a:lvl5pPr>
-      <a:lvl6pPr lvl="5" marR="0" rtl="0" algn="l">
+      <a:lvl6pPr marR="0" lvl="5" algn="l" rtl="0">
         <a:lnSpc>
           <a:spcPct val="100000"/>
         </a:lnSpc>
@@ -11042,7 +11225,7 @@
           <a:srgbClr val="000000"/>
         </a:buClr>
         <a:buFont typeface="Arial"/>
-        <a:defRPr b="0" i="0" sz="1400" u="none" cap="none" strike="noStrike">
+        <a:defRPr sz="1400" b="0" i="0" u="none" strike="noStrike" cap="none">
           <a:solidFill>
             <a:srgbClr val="000000"/>
           </a:solidFill>
@@ -11052,7 +11235,7 @@
           <a:sym typeface="Arial"/>
         </a:defRPr>
       </a:lvl6pPr>
-      <a:lvl7pPr lvl="6" marR="0" rtl="0" algn="l">
+      <a:lvl7pPr marR="0" lvl="6" algn="l" rtl="0">
         <a:lnSpc>
           <a:spcPct val="100000"/>
         </a:lnSpc>
@@ -11066,7 +11249,7 @@
           <a:srgbClr val="000000"/>
         </a:buClr>
         <a:buFont typeface="Arial"/>
-        <a:defRPr b="0" i="0" sz="1400" u="none" cap="none" strike="noStrike">
+        <a:defRPr sz="1400" b="0" i="0" u="none" strike="noStrike" cap="none">
           <a:solidFill>
             <a:srgbClr val="000000"/>
           </a:solidFill>
@@ -11076,7 +11259,7 @@
           <a:sym typeface="Arial"/>
         </a:defRPr>
       </a:lvl7pPr>
-      <a:lvl8pPr lvl="7" marR="0" rtl="0" algn="l">
+      <a:lvl8pPr marR="0" lvl="7" algn="l" rtl="0">
         <a:lnSpc>
           <a:spcPct val="100000"/>
         </a:lnSpc>
@@ -11090,7 +11273,7 @@
           <a:srgbClr val="000000"/>
         </a:buClr>
         <a:buFont typeface="Arial"/>
-        <a:defRPr b="0" i="0" sz="1400" u="none" cap="none" strike="noStrike">
+        <a:defRPr sz="1400" b="0" i="0" u="none" strike="noStrike" cap="none">
           <a:solidFill>
             <a:srgbClr val="000000"/>
           </a:solidFill>
@@ -11100,7 +11283,7 @@
           <a:sym typeface="Arial"/>
         </a:defRPr>
       </a:lvl8pPr>
-      <a:lvl9pPr lvl="8" marR="0" rtl="0" algn="l">
+      <a:lvl9pPr marR="0" lvl="8" algn="l" rtl="0">
         <a:lnSpc>
           <a:spcPct val="100000"/>
         </a:lnSpc>
@@ -11114,7 +11297,7 @@
           <a:srgbClr val="000000"/>
         </a:buClr>
         <a:buFont typeface="Arial"/>
-        <a:defRPr b="0" i="0" sz="1400" u="none" cap="none" strike="noStrike">
+        <a:defRPr sz="1400" b="0" i="0" u="none" strike="noStrike" cap="none">
           <a:solidFill>
             <a:srgbClr val="000000"/>
           </a:solidFill>
@@ -11126,7 +11309,7 @@
       </a:lvl9pPr>
     </p:titleStyle>
     <p:bodyStyle>
-      <a:defPPr lvl="0" marR="0" rtl="0" algn="l">
+      <a:defPPr marR="0" lvl="0" algn="l" rtl="0">
         <a:lnSpc>
           <a:spcPct val="100000"/>
         </a:lnSpc>
@@ -11137,7 +11320,7 @@
           <a:spcPts val="0"/>
         </a:spcAft>
       </a:defPPr>
-      <a:lvl1pPr lvl="0" marR="0" rtl="0" algn="l">
+      <a:lvl1pPr marR="0" lvl="0" algn="l" rtl="0">
         <a:lnSpc>
           <a:spcPct val="100000"/>
         </a:lnSpc>
@@ -11151,7 +11334,7 @@
           <a:srgbClr val="000000"/>
         </a:buClr>
         <a:buFont typeface="Arial"/>
-        <a:defRPr b="0" i="0" sz="1400" u="none" cap="none" strike="noStrike">
+        <a:defRPr sz="1400" b="0" i="0" u="none" strike="noStrike" cap="none">
           <a:solidFill>
             <a:srgbClr val="000000"/>
           </a:solidFill>
@@ -11161,7 +11344,7 @@
           <a:sym typeface="Arial"/>
         </a:defRPr>
       </a:lvl1pPr>
-      <a:lvl2pPr lvl="1" marR="0" rtl="0" algn="l">
+      <a:lvl2pPr marR="0" lvl="1" algn="l" rtl="0">
         <a:lnSpc>
           <a:spcPct val="100000"/>
         </a:lnSpc>
@@ -11175,7 +11358,7 @@
           <a:srgbClr val="000000"/>
         </a:buClr>
         <a:buFont typeface="Arial"/>
-        <a:defRPr b="0" i="0" sz="1400" u="none" cap="none" strike="noStrike">
+        <a:defRPr sz="1400" b="0" i="0" u="none" strike="noStrike" cap="none">
           <a:solidFill>
             <a:srgbClr val="000000"/>
           </a:solidFill>
@@ -11185,7 +11368,7 @@
           <a:sym typeface="Arial"/>
         </a:defRPr>
       </a:lvl2pPr>
-      <a:lvl3pPr lvl="2" marR="0" rtl="0" algn="l">
+      <a:lvl3pPr marR="0" lvl="2" algn="l" rtl="0">
         <a:lnSpc>
           <a:spcPct val="100000"/>
         </a:lnSpc>
@@ -11199,7 +11382,7 @@
           <a:srgbClr val="000000"/>
         </a:buClr>
         <a:buFont typeface="Arial"/>
-        <a:defRPr b="0" i="0" sz="1400" u="none" cap="none" strike="noStrike">
+        <a:defRPr sz="1400" b="0" i="0" u="none" strike="noStrike" cap="none">
           <a:solidFill>
             <a:srgbClr val="000000"/>
           </a:solidFill>
@@ -11209,7 +11392,7 @@
           <a:sym typeface="Arial"/>
         </a:defRPr>
       </a:lvl3pPr>
-      <a:lvl4pPr lvl="3" marR="0" rtl="0" algn="l">
+      <a:lvl4pPr marR="0" lvl="3" algn="l" rtl="0">
         <a:lnSpc>
           <a:spcPct val="100000"/>
         </a:lnSpc>
@@ -11223,7 +11406,7 @@
           <a:srgbClr val="000000"/>
         </a:buClr>
         <a:buFont typeface="Arial"/>
-        <a:defRPr b="0" i="0" sz="1400" u="none" cap="none" strike="noStrike">
+        <a:defRPr sz="1400" b="0" i="0" u="none" strike="noStrike" cap="none">
           <a:solidFill>
             <a:srgbClr val="000000"/>
           </a:solidFill>
@@ -11233,7 +11416,7 @@
           <a:sym typeface="Arial"/>
         </a:defRPr>
       </a:lvl4pPr>
-      <a:lvl5pPr lvl="4" marR="0" rtl="0" algn="l">
+      <a:lvl5pPr marR="0" lvl="4" algn="l" rtl="0">
         <a:lnSpc>
           <a:spcPct val="100000"/>
         </a:lnSpc>
@@ -11247,7 +11430,7 @@
           <a:srgbClr val="000000"/>
         </a:buClr>
         <a:buFont typeface="Arial"/>
-        <a:defRPr b="0" i="0" sz="1400" u="none" cap="none" strike="noStrike">
+        <a:defRPr sz="1400" b="0" i="0" u="none" strike="noStrike" cap="none">
           <a:solidFill>
             <a:srgbClr val="000000"/>
           </a:solidFill>
@@ -11257,7 +11440,7 @@
           <a:sym typeface="Arial"/>
         </a:defRPr>
       </a:lvl5pPr>
-      <a:lvl6pPr lvl="5" marR="0" rtl="0" algn="l">
+      <a:lvl6pPr marR="0" lvl="5" algn="l" rtl="0">
         <a:lnSpc>
           <a:spcPct val="100000"/>
         </a:lnSpc>
@@ -11271,7 +11454,7 @@
           <a:srgbClr val="000000"/>
         </a:buClr>
         <a:buFont typeface="Arial"/>
-        <a:defRPr b="0" i="0" sz="1400" u="none" cap="none" strike="noStrike">
+        <a:defRPr sz="1400" b="0" i="0" u="none" strike="noStrike" cap="none">
           <a:solidFill>
             <a:srgbClr val="000000"/>
           </a:solidFill>
@@ -11281,7 +11464,7 @@
           <a:sym typeface="Arial"/>
         </a:defRPr>
       </a:lvl6pPr>
-      <a:lvl7pPr lvl="6" marR="0" rtl="0" algn="l">
+      <a:lvl7pPr marR="0" lvl="6" algn="l" rtl="0">
         <a:lnSpc>
           <a:spcPct val="100000"/>
         </a:lnSpc>
@@ -11295,7 +11478,7 @@
           <a:srgbClr val="000000"/>
         </a:buClr>
         <a:buFont typeface="Arial"/>
-        <a:defRPr b="0" i="0" sz="1400" u="none" cap="none" strike="noStrike">
+        <a:defRPr sz="1400" b="0" i="0" u="none" strike="noStrike" cap="none">
           <a:solidFill>
             <a:srgbClr val="000000"/>
           </a:solidFill>
@@ -11305,7 +11488,7 @@
           <a:sym typeface="Arial"/>
         </a:defRPr>
       </a:lvl7pPr>
-      <a:lvl8pPr lvl="7" marR="0" rtl="0" algn="l">
+      <a:lvl8pPr marR="0" lvl="7" algn="l" rtl="0">
         <a:lnSpc>
           <a:spcPct val="100000"/>
         </a:lnSpc>
@@ -11319,7 +11502,7 @@
           <a:srgbClr val="000000"/>
         </a:buClr>
         <a:buFont typeface="Arial"/>
-        <a:defRPr b="0" i="0" sz="1400" u="none" cap="none" strike="noStrike">
+        <a:defRPr sz="1400" b="0" i="0" u="none" strike="noStrike" cap="none">
           <a:solidFill>
             <a:srgbClr val="000000"/>
           </a:solidFill>
@@ -11329,7 +11512,7 @@
           <a:sym typeface="Arial"/>
         </a:defRPr>
       </a:lvl8pPr>
-      <a:lvl9pPr lvl="8" marR="0" rtl="0" algn="l">
+      <a:lvl9pPr marR="0" lvl="8" algn="l" rtl="0">
         <a:lnSpc>
           <a:spcPct val="100000"/>
         </a:lnSpc>
@@ -11343,7 +11526,7 @@
           <a:srgbClr val="000000"/>
         </a:buClr>
         <a:buFont typeface="Arial"/>
-        <a:defRPr b="0" i="0" sz="1400" u="none" cap="none" strike="noStrike">
+        <a:defRPr sz="1400" b="0" i="0" u="none" strike="noStrike" cap="none">
           <a:solidFill>
             <a:srgbClr val="000000"/>
           </a:solidFill>
@@ -11355,7 +11538,7 @@
       </a:lvl9pPr>
     </p:bodyStyle>
     <p:otherStyle>
-      <a:defPPr lvl="0" marR="0" rtl="0" algn="l">
+      <a:defPPr marR="0" lvl="0" algn="l" rtl="0">
         <a:lnSpc>
           <a:spcPct val="100000"/>
         </a:lnSpc>
@@ -11366,7 +11549,7 @@
           <a:spcPts val="0"/>
         </a:spcAft>
       </a:defPPr>
-      <a:lvl1pPr lvl="0" marR="0" rtl="0" algn="l">
+      <a:lvl1pPr marR="0" lvl="0" algn="l" rtl="0">
         <a:lnSpc>
           <a:spcPct val="100000"/>
         </a:lnSpc>
@@ -11380,7 +11563,7 @@
           <a:srgbClr val="000000"/>
         </a:buClr>
         <a:buFont typeface="Arial"/>
-        <a:defRPr b="0" i="0" sz="1400" u="none" cap="none" strike="noStrike">
+        <a:defRPr sz="1400" b="0" i="0" u="none" strike="noStrike" cap="none">
           <a:solidFill>
             <a:srgbClr val="000000"/>
           </a:solidFill>
@@ -11390,7 +11573,7 @@
           <a:sym typeface="Arial"/>
         </a:defRPr>
       </a:lvl1pPr>
-      <a:lvl2pPr lvl="1" marR="0" rtl="0" algn="l">
+      <a:lvl2pPr marR="0" lvl="1" algn="l" rtl="0">
         <a:lnSpc>
           <a:spcPct val="100000"/>
         </a:lnSpc>
@@ -11404,7 +11587,7 @@
           <a:srgbClr val="000000"/>
         </a:buClr>
         <a:buFont typeface="Arial"/>
-        <a:defRPr b="0" i="0" sz="1400" u="none" cap="none" strike="noStrike">
+        <a:defRPr sz="1400" b="0" i="0" u="none" strike="noStrike" cap="none">
           <a:solidFill>
             <a:srgbClr val="000000"/>
           </a:solidFill>
@@ -11414,7 +11597,7 @@
           <a:sym typeface="Arial"/>
         </a:defRPr>
       </a:lvl2pPr>
-      <a:lvl3pPr lvl="2" marR="0" rtl="0" algn="l">
+      <a:lvl3pPr marR="0" lvl="2" algn="l" rtl="0">
         <a:lnSpc>
           <a:spcPct val="100000"/>
         </a:lnSpc>
@@ -11428,7 +11611,7 @@
           <a:srgbClr val="000000"/>
         </a:buClr>
         <a:buFont typeface="Arial"/>
-        <a:defRPr b="0" i="0" sz="1400" u="none" cap="none" strike="noStrike">
+        <a:defRPr sz="1400" b="0" i="0" u="none" strike="noStrike" cap="none">
           <a:solidFill>
             <a:srgbClr val="000000"/>
           </a:solidFill>
@@ -11438,7 +11621,7 @@
           <a:sym typeface="Arial"/>
         </a:defRPr>
       </a:lvl3pPr>
-      <a:lvl4pPr lvl="3" marR="0" rtl="0" algn="l">
+      <a:lvl4pPr marR="0" lvl="3" algn="l" rtl="0">
         <a:lnSpc>
           <a:spcPct val="100000"/>
         </a:lnSpc>
@@ -11452,7 +11635,7 @@
           <a:srgbClr val="000000"/>
         </a:buClr>
         <a:buFont typeface="Arial"/>
-        <a:defRPr b="0" i="0" sz="1400" u="none" cap="none" strike="noStrike">
+        <a:defRPr sz="1400" b="0" i="0" u="none" strike="noStrike" cap="none">
           <a:solidFill>
             <a:srgbClr val="000000"/>
           </a:solidFill>
@@ -11462,7 +11645,7 @@
           <a:sym typeface="Arial"/>
         </a:defRPr>
       </a:lvl4pPr>
-      <a:lvl5pPr lvl="4" marR="0" rtl="0" algn="l">
+      <a:lvl5pPr marR="0" lvl="4" algn="l" rtl="0">
         <a:lnSpc>
           <a:spcPct val="100000"/>
         </a:lnSpc>
@@ -11476,7 +11659,7 @@
           <a:srgbClr val="000000"/>
         </a:buClr>
         <a:buFont typeface="Arial"/>
-        <a:defRPr b="0" i="0" sz="1400" u="none" cap="none" strike="noStrike">
+        <a:defRPr sz="1400" b="0" i="0" u="none" strike="noStrike" cap="none">
           <a:solidFill>
             <a:srgbClr val="000000"/>
           </a:solidFill>
@@ -11486,7 +11669,7 @@
           <a:sym typeface="Arial"/>
         </a:defRPr>
       </a:lvl5pPr>
-      <a:lvl6pPr lvl="5" marR="0" rtl="0" algn="l">
+      <a:lvl6pPr marR="0" lvl="5" algn="l" rtl="0">
         <a:lnSpc>
           <a:spcPct val="100000"/>
         </a:lnSpc>
@@ -11500,7 +11683,7 @@
           <a:srgbClr val="000000"/>
         </a:buClr>
         <a:buFont typeface="Arial"/>
-        <a:defRPr b="0" i="0" sz="1400" u="none" cap="none" strike="noStrike">
+        <a:defRPr sz="1400" b="0" i="0" u="none" strike="noStrike" cap="none">
           <a:solidFill>
             <a:srgbClr val="000000"/>
           </a:solidFill>
@@ -11510,7 +11693,7 @@
           <a:sym typeface="Arial"/>
         </a:defRPr>
       </a:lvl6pPr>
-      <a:lvl7pPr lvl="6" marR="0" rtl="0" algn="l">
+      <a:lvl7pPr marR="0" lvl="6" algn="l" rtl="0">
         <a:lnSpc>
           <a:spcPct val="100000"/>
         </a:lnSpc>
@@ -11524,7 +11707,7 @@
           <a:srgbClr val="000000"/>
         </a:buClr>
         <a:buFont typeface="Arial"/>
-        <a:defRPr b="0" i="0" sz="1400" u="none" cap="none" strike="noStrike">
+        <a:defRPr sz="1400" b="0" i="0" u="none" strike="noStrike" cap="none">
           <a:solidFill>
             <a:srgbClr val="000000"/>
           </a:solidFill>
@@ -11534,7 +11717,7 @@
           <a:sym typeface="Arial"/>
         </a:defRPr>
       </a:lvl7pPr>
-      <a:lvl8pPr lvl="7" marR="0" rtl="0" algn="l">
+      <a:lvl8pPr marR="0" lvl="7" algn="l" rtl="0">
         <a:lnSpc>
           <a:spcPct val="100000"/>
         </a:lnSpc>
@@ -11548,7 +11731,7 @@
           <a:srgbClr val="000000"/>
         </a:buClr>
         <a:buFont typeface="Arial"/>
-        <a:defRPr b="0" i="0" sz="1400" u="none" cap="none" strike="noStrike">
+        <a:defRPr sz="1400" b="0" i="0" u="none" strike="noStrike" cap="none">
           <a:solidFill>
             <a:srgbClr val="000000"/>
           </a:solidFill>
@@ -11558,7 +11741,7 @@
           <a:sym typeface="Arial"/>
         </a:defRPr>
       </a:lvl8pPr>
-      <a:lvl9pPr lvl="8" marR="0" rtl="0" algn="l">
+      <a:lvl9pPr marR="0" lvl="8" algn="l" rtl="0">
         <a:lnSpc>
           <a:spcPct val="100000"/>
         </a:lnSpc>
@@ -11572,7 +11755,7 @@
           <a:srgbClr val="000000"/>
         </a:buClr>
         <a:buFont typeface="Arial"/>
-        <a:defRPr b="0" i="0" sz="1400" u="none" cap="none" strike="noStrike">
+        <a:defRPr sz="1400" b="0" i="0" u="none" strike="noStrike" cap="none">
           <a:solidFill>
             <a:srgbClr val="000000"/>
           </a:solidFill>
@@ -11588,11 +11771,11 @@
 </file>
 
 <file path=ppt/slides/slide1.xml><?xml version="1.0" encoding="utf-8"?>
-<p:sld xmlns:a="http://schemas.openxmlformats.org/drawingml/2006/main" xmlns:r="http://schemas.openxmlformats.org/officeDocument/2006/relationships" xmlns:mc="http://schemas.openxmlformats.org/markup-compatibility/2006" xmlns:mv="urn:schemas-microsoft-com:mac:vml" xmlns:p="http://schemas.openxmlformats.org/presentationml/2006/main" xmlns:c="http://schemas.openxmlformats.org/drawingml/2006/chart" xmlns:dgm="http://schemas.openxmlformats.org/drawingml/2006/diagram" xmlns:o="urn:schemas-microsoft-com:office:office" xmlns:v="urn:schemas-microsoft-com:vml" xmlns:pvml="urn:schemas-microsoft-com:office:powerpoint" xmlns:com="http://schemas.openxmlformats.org/drawingml/2006/compatibility" xmlns:p14="http://schemas.microsoft.com/office/powerpoint/2010/main" xmlns:p15="http://schemas.microsoft.com/office/powerpoint/2012/main" xmlns:ahyp="http://schemas.microsoft.com/office/drawing/2018/hyperlinkcolor">
+<p:sld xmlns:a="http://schemas.openxmlformats.org/drawingml/2006/main" xmlns:r="http://schemas.openxmlformats.org/officeDocument/2006/relationships" xmlns:p="http://schemas.openxmlformats.org/presentationml/2006/main">
   <p:cSld>
     <p:spTree>
       <p:nvGrpSpPr>
-        <p:cNvPr id="83" name="Shape 83"/>
+        <p:cNvPr id="1" name="Shape 83"/>
         <p:cNvGrpSpPr/>
         <p:nvPr/>
       </p:nvGrpSpPr>
@@ -11624,12 +11807,12 @@
           </a:ln>
         </p:spPr>
         <p:txBody>
-          <a:bodyPr anchorCtr="0" anchor="t" bIns="45700" lIns="91425" spcFirstLastPara="1" rIns="91425" wrap="square" tIns="45700">
+          <a:bodyPr spcFirstLastPara="1" wrap="square" lIns="91425" tIns="45700" rIns="91425" bIns="45700" anchor="t" anchorCtr="0">
             <a:spAutoFit/>
           </a:bodyPr>
           <a:lstStyle/>
           <a:p>
-            <a:pPr indent="0" lvl="0" marL="0" marR="0" rtl="0" algn="ctr">
+            <a:pPr marL="0" marR="0" lvl="0" indent="0" algn="ctr" rtl="0">
               <a:spcBef>
                 <a:spcPts val="0"/>
               </a:spcBef>
@@ -11639,7 +11822,7 @@
               <a:buNone/>
             </a:pPr>
             <a:r>
-              <a:rPr b="0" i="0" lang="en-US" sz="2800" u="none" cap="none" strike="noStrike">
+              <a:rPr lang="en-US" sz="2800" b="0" i="0" u="none" strike="noStrike" cap="none">
                 <a:solidFill>
                   <a:srgbClr val="525252"/>
                 </a:solidFill>
@@ -11674,12 +11857,12 @@
           </a:ln>
         </p:spPr>
         <p:txBody>
-          <a:bodyPr anchorCtr="0" anchor="t" bIns="45700" lIns="91425" spcFirstLastPara="1" rIns="91425" wrap="square" tIns="45700">
+          <a:bodyPr spcFirstLastPara="1" wrap="square" lIns="91425" tIns="45700" rIns="91425" bIns="45700" anchor="t" anchorCtr="0">
             <a:spAutoFit/>
           </a:bodyPr>
           <a:lstStyle/>
           <a:p>
-            <a:pPr indent="0" lvl="0" marL="0" marR="0" rtl="0" algn="l">
+            <a:pPr marL="0" marR="0" lvl="0" indent="0" algn="l" rtl="0">
               <a:spcBef>
                 <a:spcPts val="0"/>
               </a:spcBef>
@@ -11689,7 +11872,7 @@
               <a:buNone/>
             </a:pPr>
             <a:r>
-              <a:rPr b="1" i="0" lang="en-US" sz="1800" u="none" cap="none" strike="noStrike">
+              <a:rPr lang="en-US" sz="1800" b="1" i="0" u="none" strike="noStrike" cap="none">
                 <a:solidFill>
                   <a:schemeClr val="accent2"/>
                 </a:solidFill>
@@ -11723,26 +11906,26 @@
               <a:alphaModFix/>
             </a:blip>
             <a:stretch>
-              <a:fillRect b="0" l="0" r="0" t="0"/>
+              <a:fillRect/>
             </a:stretch>
           </a:blipFill>
-          <a:ln cap="flat" cmpd="sng" w="12700">
+          <a:ln w="12700" cap="flat" cmpd="sng">
             <a:solidFill>
               <a:srgbClr val="0C0C0C"/>
             </a:solidFill>
             <a:prstDash val="solid"/>
             <a:miter lim="800000"/>
-            <a:headEnd len="sm" w="sm" type="none"/>
-            <a:tailEnd len="sm" w="sm" type="none"/>
+            <a:headEnd type="none" w="sm" len="sm"/>
+            <a:tailEnd type="none" w="sm" len="sm"/>
           </a:ln>
         </p:spPr>
         <p:txBody>
-          <a:bodyPr anchorCtr="0" anchor="ctr" bIns="45700" lIns="91425" spcFirstLastPara="1" rIns="91425" wrap="square" tIns="45700">
+          <a:bodyPr spcFirstLastPara="1" wrap="square" lIns="91425" tIns="45700" rIns="91425" bIns="45700" anchor="ctr" anchorCtr="0">
             <a:noAutofit/>
           </a:bodyPr>
           <a:lstStyle/>
           <a:p>
-            <a:pPr indent="0" lvl="0" marL="0" marR="0" rtl="0" algn="ctr">
+            <a:pPr marL="0" marR="0" lvl="0" indent="0" algn="ctr" rtl="0">
               <a:spcBef>
                 <a:spcPts val="0"/>
               </a:spcBef>
@@ -11751,9 +11934,6 @@
               </a:spcAft>
               <a:buNone/>
             </a:pPr>
-            <a:r>
-              <a:t/>
-            </a:r>
             <a:endParaRPr sz="1800">
               <a:solidFill>
                 <a:schemeClr val="lt1"/>
@@ -11785,26 +11965,26 @@
               <a:alphaModFix/>
             </a:blip>
             <a:stretch>
-              <a:fillRect b="0" l="0" r="0" t="0"/>
+              <a:fillRect/>
             </a:stretch>
           </a:blipFill>
-          <a:ln cap="flat" cmpd="sng" w="12700">
+          <a:ln w="12700" cap="flat" cmpd="sng">
             <a:solidFill>
               <a:srgbClr val="0C0C0C"/>
             </a:solidFill>
             <a:prstDash val="solid"/>
             <a:miter lim="800000"/>
-            <a:headEnd len="sm" w="sm" type="none"/>
-            <a:tailEnd len="sm" w="sm" type="none"/>
+            <a:headEnd type="none" w="sm" len="sm"/>
+            <a:tailEnd type="none" w="sm" len="sm"/>
           </a:ln>
         </p:spPr>
         <p:txBody>
-          <a:bodyPr anchorCtr="0" anchor="ctr" bIns="45700" lIns="91425" spcFirstLastPara="1" rIns="91425" wrap="square" tIns="45700">
+          <a:bodyPr spcFirstLastPara="1" wrap="square" lIns="91425" tIns="45700" rIns="91425" bIns="45700" anchor="ctr" anchorCtr="0">
             <a:noAutofit/>
           </a:bodyPr>
           <a:lstStyle/>
           <a:p>
-            <a:pPr indent="0" lvl="0" marL="0" marR="0" rtl="0" algn="ctr">
+            <a:pPr marL="0" marR="0" lvl="0" indent="0" algn="ctr" rtl="0">
               <a:spcBef>
                 <a:spcPts val="0"/>
               </a:spcBef>
@@ -11813,9 +11993,6 @@
               </a:spcAft>
               <a:buNone/>
             </a:pPr>
-            <a:r>
-              <a:t/>
-            </a:r>
             <a:endParaRPr sz="1800">
               <a:solidFill>
                 <a:schemeClr val="lt1"/>
@@ -11847,26 +12024,26 @@
               <a:alphaModFix/>
             </a:blip>
             <a:stretch>
-              <a:fillRect b="0" l="0" r="0" t="0"/>
+              <a:fillRect/>
             </a:stretch>
           </a:blipFill>
-          <a:ln cap="flat" cmpd="sng" w="12700">
+          <a:ln w="12700" cap="flat" cmpd="sng">
             <a:solidFill>
               <a:srgbClr val="0C0C0C"/>
             </a:solidFill>
             <a:prstDash val="solid"/>
             <a:miter lim="800000"/>
-            <a:headEnd len="sm" w="sm" type="none"/>
-            <a:tailEnd len="sm" w="sm" type="none"/>
+            <a:headEnd type="none" w="sm" len="sm"/>
+            <a:tailEnd type="none" w="sm" len="sm"/>
           </a:ln>
         </p:spPr>
         <p:txBody>
-          <a:bodyPr anchorCtr="0" anchor="ctr" bIns="45700" lIns="91425" spcFirstLastPara="1" rIns="91425" wrap="square" tIns="45700">
+          <a:bodyPr spcFirstLastPara="1" wrap="square" lIns="91425" tIns="45700" rIns="91425" bIns="45700" anchor="ctr" anchorCtr="0">
             <a:noAutofit/>
           </a:bodyPr>
           <a:lstStyle/>
           <a:p>
-            <a:pPr indent="0" lvl="0" marL="0" marR="0" rtl="0" algn="ctr">
+            <a:pPr marL="0" marR="0" lvl="0" indent="0" algn="ctr" rtl="0">
               <a:spcBef>
                 <a:spcPts val="0"/>
               </a:spcBef>
@@ -11875,9 +12052,6 @@
               </a:spcAft>
               <a:buNone/>
             </a:pPr>
-            <a:r>
-              <a:t/>
-            </a:r>
             <a:endParaRPr sz="1800">
               <a:solidFill>
                 <a:schemeClr val="lt1"/>
@@ -11909,26 +12083,26 @@
               <a:alphaModFix/>
             </a:blip>
             <a:stretch>
-              <a:fillRect b="0" l="0" r="0" t="0"/>
+              <a:fillRect/>
             </a:stretch>
           </a:blipFill>
-          <a:ln cap="flat" cmpd="sng" w="12700">
+          <a:ln w="12700" cap="flat" cmpd="sng">
             <a:solidFill>
               <a:srgbClr val="0C0C0C"/>
             </a:solidFill>
             <a:prstDash val="solid"/>
             <a:miter lim="800000"/>
-            <a:headEnd len="sm" w="sm" type="none"/>
-            <a:tailEnd len="sm" w="sm" type="none"/>
+            <a:headEnd type="none" w="sm" len="sm"/>
+            <a:tailEnd type="none" w="sm" len="sm"/>
           </a:ln>
         </p:spPr>
         <p:txBody>
-          <a:bodyPr anchorCtr="0" anchor="ctr" bIns="45700" lIns="91425" spcFirstLastPara="1" rIns="91425" wrap="square" tIns="45700">
+          <a:bodyPr spcFirstLastPara="1" wrap="square" lIns="91425" tIns="45700" rIns="91425" bIns="45700" anchor="ctr" anchorCtr="0">
             <a:noAutofit/>
           </a:bodyPr>
           <a:lstStyle/>
           <a:p>
-            <a:pPr indent="0" lvl="0" marL="0" marR="0" rtl="0" algn="ctr">
+            <a:pPr marL="0" marR="0" lvl="0" indent="0" algn="ctr" rtl="0">
               <a:spcBef>
                 <a:spcPts val="0"/>
               </a:spcBef>
@@ -11937,9 +12111,6 @@
               </a:spcAft>
               <a:buNone/>
             </a:pPr>
-            <a:r>
-              <a:t/>
-            </a:r>
             <a:endParaRPr sz="1800">
               <a:solidFill>
                 <a:schemeClr val="lt1"/>
@@ -11972,12 +12143,12 @@
           </a:ln>
         </p:spPr>
         <p:txBody>
-          <a:bodyPr anchorCtr="0" anchor="t" bIns="45700" lIns="91425" spcFirstLastPara="1" rIns="91425" wrap="square" tIns="45700">
+          <a:bodyPr spcFirstLastPara="1" wrap="square" lIns="91425" tIns="45700" rIns="91425" bIns="45700" anchor="t" anchorCtr="0">
             <a:spAutoFit/>
           </a:bodyPr>
           <a:lstStyle/>
           <a:p>
-            <a:pPr indent="0" lvl="0" marL="0" marR="0" rtl="0" algn="l">
+            <a:pPr marL="0" marR="0" lvl="0" indent="0" algn="l" rtl="0">
               <a:spcBef>
                 <a:spcPts val="0"/>
               </a:spcBef>
@@ -11987,7 +12158,7 @@
               <a:buNone/>
             </a:pPr>
             <a:r>
-              <a:rPr b="1" lang="en-US" sz="1800">
+              <a:rPr lang="en-US" sz="1800" b="1">
                 <a:solidFill>
                   <a:schemeClr val="dk1"/>
                 </a:solidFill>
@@ -12022,12 +12193,12 @@
           </a:ln>
         </p:spPr>
         <p:txBody>
-          <a:bodyPr anchorCtr="0" anchor="t" bIns="45700" lIns="91425" spcFirstLastPara="1" rIns="91425" wrap="square" tIns="45700">
+          <a:bodyPr spcFirstLastPara="1" wrap="square" lIns="91425" tIns="45700" rIns="91425" bIns="45700" anchor="t" anchorCtr="0">
             <a:spAutoFit/>
           </a:bodyPr>
           <a:lstStyle/>
           <a:p>
-            <a:pPr indent="0" lvl="0" marL="0" marR="0" rtl="0" algn="l">
+            <a:pPr marL="0" marR="0" lvl="0" indent="0" algn="l" rtl="0">
               <a:spcBef>
                 <a:spcPts val="0"/>
               </a:spcBef>
@@ -12037,7 +12208,7 @@
               <a:buNone/>
             </a:pPr>
             <a:r>
-              <a:rPr b="1" lang="en-US" sz="1800">
+              <a:rPr lang="en-US" sz="1800" b="1">
                 <a:solidFill>
                   <a:schemeClr val="dk1"/>
                 </a:solidFill>
@@ -12048,7 +12219,7 @@
               </a:rPr>
               <a:t>Ahmad Iyrot</a:t>
             </a:r>
-            <a:endParaRPr b="1" sz="1800">
+            <a:endParaRPr sz="1800" b="1">
               <a:solidFill>
                 <a:schemeClr val="dk1"/>
               </a:solidFill>
@@ -12080,12 +12251,12 @@
           </a:ln>
         </p:spPr>
         <p:txBody>
-          <a:bodyPr anchorCtr="0" anchor="t" bIns="45700" lIns="91425" spcFirstLastPara="1" rIns="91425" wrap="square" tIns="45700">
+          <a:bodyPr spcFirstLastPara="1" wrap="square" lIns="91425" tIns="45700" rIns="91425" bIns="45700" anchor="t" anchorCtr="0">
             <a:spAutoFit/>
           </a:bodyPr>
           <a:lstStyle/>
           <a:p>
-            <a:pPr indent="0" lvl="0" marL="0" marR="0" rtl="0" algn="l">
+            <a:pPr marL="0" marR="0" lvl="0" indent="0" algn="l" rtl="0">
               <a:spcBef>
                 <a:spcPts val="0"/>
               </a:spcBef>
@@ -12095,7 +12266,7 @@
               <a:buNone/>
             </a:pPr>
             <a:r>
-              <a:rPr b="1" i="0" lang="en-US" sz="1800">
+              <a:rPr lang="en-US" sz="1800" b="1" i="0">
                 <a:solidFill>
                   <a:srgbClr val="080809"/>
                 </a:solidFill>
@@ -12107,7 +12278,7 @@
               <a:t>Abood </a:t>
             </a:r>
             <a:r>
-              <a:rPr b="1" lang="en-US" sz="1800">
+              <a:rPr lang="en-US" sz="1800" b="1">
                 <a:solidFill>
                   <a:srgbClr val="080809"/>
                 </a:solidFill>
@@ -12119,7 +12290,7 @@
               <a:t>J</a:t>
             </a:r>
             <a:r>
-              <a:rPr b="1" i="0" lang="en-US" sz="1800">
+              <a:rPr lang="en-US" sz="1800" b="1" i="0">
                 <a:solidFill>
                   <a:srgbClr val="080809"/>
                 </a:solidFill>
@@ -12130,7 +12301,7 @@
               </a:rPr>
               <a:t>br</a:t>
             </a:r>
-            <a:endParaRPr b="1" i="0" sz="1800">
+            <a:endParaRPr sz="1800" b="1" i="0">
               <a:solidFill>
                 <a:srgbClr val="080809"/>
               </a:solidFill>
@@ -12162,12 +12333,12 @@
           </a:ln>
         </p:spPr>
         <p:txBody>
-          <a:bodyPr anchorCtr="0" anchor="t" bIns="45700" lIns="91425" spcFirstLastPara="1" rIns="91425" wrap="square" tIns="45700">
+          <a:bodyPr spcFirstLastPara="1" wrap="square" lIns="91425" tIns="45700" rIns="91425" bIns="45700" anchor="t" anchorCtr="0">
             <a:spAutoFit/>
           </a:bodyPr>
           <a:lstStyle/>
           <a:p>
-            <a:pPr indent="0" lvl="0" marL="0" marR="0" rtl="0" algn="l">
+            <a:pPr marL="0" marR="0" lvl="0" indent="0" algn="l" rtl="0">
               <a:spcBef>
                 <a:spcPts val="0"/>
               </a:spcBef>
@@ -12177,7 +12348,7 @@
               <a:buNone/>
             </a:pPr>
             <a:r>
-              <a:rPr b="1" i="0" lang="en-US" sz="1800">
+              <a:rPr lang="en-US" sz="1800" b="1" i="0">
                 <a:solidFill>
                   <a:srgbClr val="080809"/>
                 </a:solidFill>
@@ -12201,11 +12372,11 @@
 </file>
 
 <file path=ppt/slides/slide2.xml><?xml version="1.0" encoding="utf-8"?>
-<p:sld xmlns:a="http://schemas.openxmlformats.org/drawingml/2006/main" xmlns:r="http://schemas.openxmlformats.org/officeDocument/2006/relationships" xmlns:mc="http://schemas.openxmlformats.org/markup-compatibility/2006" xmlns:mv="urn:schemas-microsoft-com:mac:vml" xmlns:p="http://schemas.openxmlformats.org/presentationml/2006/main" xmlns:c="http://schemas.openxmlformats.org/drawingml/2006/chart" xmlns:dgm="http://schemas.openxmlformats.org/drawingml/2006/diagram" xmlns:o="urn:schemas-microsoft-com:office:office" xmlns:v="urn:schemas-microsoft-com:vml" xmlns:pvml="urn:schemas-microsoft-com:office:powerpoint" xmlns:com="http://schemas.openxmlformats.org/drawingml/2006/compatibility" xmlns:p14="http://schemas.microsoft.com/office/powerpoint/2010/main" xmlns:p15="http://schemas.microsoft.com/office/powerpoint/2012/main" xmlns:ahyp="http://schemas.microsoft.com/office/drawing/2018/hyperlinkcolor">
+<p:sld xmlns:a="http://schemas.openxmlformats.org/drawingml/2006/main" xmlns:r="http://schemas.openxmlformats.org/officeDocument/2006/relationships" xmlns:p="http://schemas.openxmlformats.org/presentationml/2006/main">
   <p:cSld>
     <p:spTree>
       <p:nvGrpSpPr>
-        <p:cNvPr id="97" name="Shape 97"/>
+        <p:cNvPr id="1" name="Shape 97"/>
         <p:cNvGrpSpPr/>
         <p:nvPr/>
       </p:nvGrpSpPr>
@@ -12237,12 +12408,12 @@
           </a:ln>
         </p:spPr>
         <p:txBody>
-          <a:bodyPr anchorCtr="0" anchor="t" bIns="45700" lIns="91425" spcFirstLastPara="1" rIns="91425" wrap="square" tIns="45700">
+          <a:bodyPr spcFirstLastPara="1" wrap="square" lIns="91425" tIns="45700" rIns="91425" bIns="45700" anchor="t" anchorCtr="0">
             <a:spAutoFit/>
           </a:bodyPr>
           <a:lstStyle/>
           <a:p>
-            <a:pPr indent="0" lvl="0" marL="0" marR="0" rtl="0" algn="l">
+            <a:pPr marL="0" marR="0" lvl="0" indent="0" algn="l" rtl="0">
               <a:spcBef>
                 <a:spcPts val="0"/>
               </a:spcBef>
@@ -12252,7 +12423,7 @@
               <a:buNone/>
             </a:pPr>
             <a:r>
-              <a:rPr b="1" lang="en-US" sz="3600" u="sng">
+              <a:rPr lang="en-US" sz="3600" b="1" u="sng" dirty="0">
                 <a:solidFill>
                   <a:srgbClr val="BF9000"/>
                 </a:solidFill>
@@ -12263,10 +12434,10 @@
               </a:rPr>
               <a:t>Project</a:t>
             </a:r>
-            <a:endParaRPr/>
+            <a:endParaRPr dirty="0"/>
           </a:p>
           <a:p>
-            <a:pPr indent="0" lvl="0" marL="0" marR="0" rtl="0" algn="l">
+            <a:pPr marL="0" marR="0" lvl="0" indent="0" algn="l" rtl="0">
               <a:spcBef>
                 <a:spcPts val="0"/>
               </a:spcBef>
@@ -12276,7 +12447,7 @@
               <a:buNone/>
             </a:pPr>
             <a:r>
-              <a:rPr b="1" lang="en-US" sz="3600" u="sng">
+              <a:rPr lang="en-US" sz="3600" b="1" u="sng" dirty="0">
                 <a:solidFill>
                   <a:srgbClr val="BF9000"/>
                 </a:solidFill>
@@ -12287,7 +12458,7 @@
               </a:rPr>
               <a:t>Description </a:t>
             </a:r>
-            <a:endParaRPr/>
+            <a:endParaRPr dirty="0"/>
           </a:p>
         </p:txBody>
       </p:sp>
@@ -12299,8 +12470,8 @@
         </p:nvSpPr>
         <p:spPr>
           <a:xfrm>
-            <a:off x="722768" y="1898631"/>
-            <a:ext cx="10746463" cy="830997"/>
+            <a:off x="353086" y="2317686"/>
+            <a:ext cx="6601485" cy="1511929"/>
           </a:xfrm>
           <a:prstGeom prst="rect">
             <a:avLst/>
@@ -12311,12 +12482,12 @@
           </a:ln>
         </p:spPr>
         <p:txBody>
-          <a:bodyPr anchorCtr="0" anchor="ctr" bIns="45700" lIns="91425" spcFirstLastPara="1" rIns="91425" wrap="square" tIns="45700">
+          <a:bodyPr spcFirstLastPara="1" wrap="square" lIns="91425" tIns="45700" rIns="91425" bIns="45700" anchor="ctr" anchorCtr="0">
             <a:noAutofit/>
           </a:bodyPr>
           <a:lstStyle/>
           <a:p>
-            <a:pPr indent="0" lvl="0" marL="0" marR="0" rtl="0" algn="l">
+            <a:pPr marL="0" marR="0" lvl="0" indent="0" algn="l" rtl="0">
               <a:lnSpc>
                 <a:spcPct val="100000"/>
               </a:lnSpc>
@@ -12334,7 +12505,7 @@
               <a:buNone/>
             </a:pPr>
             <a:r>
-              <a:rPr b="0" i="0" lang="en-US" sz="2400">
+              <a:rPr lang="en-US" sz="2400" b="0" i="0" dirty="0">
                 <a:solidFill>
                   <a:schemeClr val="dk1"/>
                 </a:solidFill>
@@ -12345,7 +12516,7 @@
               </a:rPr>
               <a:t>The Tweet Analysis Pipeline is designed to process live Twitter streams for sentiment analysis, trending hashtag identification, and data visualization.</a:t>
             </a:r>
-            <a:endParaRPr b="0" i="0" sz="2400" u="none" cap="none" strike="noStrike">
+            <a:endParaRPr sz="2400" b="0" i="0" u="none" strike="noStrike" cap="none" dirty="0">
               <a:solidFill>
                 <a:schemeClr val="dk1"/>
               </a:solidFill>
@@ -12357,6 +12528,36 @@
           </a:p>
         </p:txBody>
       </p:sp>
+      <p:pic>
+        <p:nvPicPr>
+          <p:cNvPr id="3" name="Picture 2">
+            <a:extLst>
+              <a:ext uri="{FF2B5EF4-FFF2-40B4-BE49-F238E27FC236}">
+                <a16:creationId xmlns:a16="http://schemas.microsoft.com/office/drawing/2014/main" id="{57724331-B90B-154E-7DB1-BE97EAE79813}"/>
+              </a:ext>
+            </a:extLst>
+          </p:cNvPr>
+          <p:cNvPicPr>
+            <a:picLocks noChangeAspect="1"/>
+          </p:cNvPicPr>
+          <p:nvPr/>
+        </p:nvPicPr>
+        <p:blipFill>
+          <a:blip r:embed="rId3"/>
+          <a:stretch>
+            <a:fillRect/>
+          </a:stretch>
+        </p:blipFill>
+        <p:spPr>
+          <a:xfrm>
+            <a:off x="6822541" y="3073650"/>
+            <a:ext cx="4123099" cy="4123099"/>
+          </a:xfrm>
+          <a:prstGeom prst="rect">
+            <a:avLst/>
+          </a:prstGeom>
+        </p:spPr>
+      </p:pic>
     </p:spTree>
   </p:cSld>
   <p:clrMapOvr>
@@ -12366,11 +12567,11 @@
 </file>
 
 <file path=ppt/slides/slide3.xml><?xml version="1.0" encoding="utf-8"?>
-<p:sld xmlns:a="http://schemas.openxmlformats.org/drawingml/2006/main" xmlns:r="http://schemas.openxmlformats.org/officeDocument/2006/relationships" xmlns:mc="http://schemas.openxmlformats.org/markup-compatibility/2006" xmlns:mv="urn:schemas-microsoft-com:mac:vml" xmlns:p="http://schemas.openxmlformats.org/presentationml/2006/main" xmlns:c="http://schemas.openxmlformats.org/drawingml/2006/chart" xmlns:dgm="http://schemas.openxmlformats.org/drawingml/2006/diagram" xmlns:o="urn:schemas-microsoft-com:office:office" xmlns:v="urn:schemas-microsoft-com:vml" xmlns:pvml="urn:schemas-microsoft-com:office:powerpoint" xmlns:com="http://schemas.openxmlformats.org/drawingml/2006/compatibility" xmlns:p14="http://schemas.microsoft.com/office/powerpoint/2010/main" xmlns:p15="http://schemas.microsoft.com/office/powerpoint/2012/main" xmlns:ahyp="http://schemas.microsoft.com/office/drawing/2018/hyperlinkcolor">
+<p:sld xmlns:a="http://schemas.openxmlformats.org/drawingml/2006/main" xmlns:r="http://schemas.openxmlformats.org/officeDocument/2006/relationships" xmlns:p="http://schemas.openxmlformats.org/presentationml/2006/main">
   <p:cSld>
     <p:spTree>
       <p:nvGrpSpPr>
-        <p:cNvPr id="103" name="Shape 103"/>
+        <p:cNvPr id="1" name="Shape 103"/>
         <p:cNvGrpSpPr/>
         <p:nvPr/>
       </p:nvGrpSpPr>
@@ -12402,12 +12603,12 @@
           </a:ln>
         </p:spPr>
         <p:txBody>
-          <a:bodyPr anchorCtr="0" anchor="t" bIns="45700" lIns="91425" spcFirstLastPara="1" rIns="91425" wrap="square" tIns="45700">
+          <a:bodyPr spcFirstLastPara="1" wrap="square" lIns="91425" tIns="45700" rIns="91425" bIns="45700" anchor="t" anchorCtr="0">
             <a:spAutoFit/>
           </a:bodyPr>
           <a:lstStyle/>
           <a:p>
-            <a:pPr indent="0" lvl="0" marL="0" marR="0" rtl="0" algn="l">
+            <a:pPr marL="0" marR="0" lvl="0" indent="0" algn="l" rtl="0">
               <a:spcBef>
                 <a:spcPts val="0"/>
               </a:spcBef>
@@ -12417,7 +12618,7 @@
               <a:buNone/>
             </a:pPr>
             <a:r>
-              <a:rPr b="1" lang="en-US" sz="3200" u="sng">
+              <a:rPr lang="en-US" sz="3200" b="1" u="sng">
                 <a:solidFill>
                   <a:schemeClr val="dk1"/>
                 </a:solidFill>
@@ -12439,7 +12640,7 @@
             </a:endParaRPr>
           </a:p>
           <a:p>
-            <a:pPr indent="0" lvl="0" marL="0" marR="0" rtl="0" algn="l">
+            <a:pPr marL="0" marR="0" lvl="0" indent="0" algn="l" rtl="0">
               <a:spcBef>
                 <a:spcPts val="0"/>
               </a:spcBef>
@@ -12448,9 +12649,6 @@
               </a:spcAft>
               <a:buNone/>
             </a:pPr>
-            <a:r>
-              <a:t/>
-            </a:r>
             <a:endParaRPr sz="3200" u="sng">
               <a:solidFill>
                 <a:schemeClr val="dk1"/>
@@ -12483,12 +12681,12 @@
           </a:ln>
         </p:spPr>
         <p:txBody>
-          <a:bodyPr anchorCtr="0" anchor="t" bIns="45700" lIns="91425" spcFirstLastPara="1" rIns="91425" wrap="square" tIns="45700">
+          <a:bodyPr spcFirstLastPara="1" wrap="square" lIns="91425" tIns="45700" rIns="91425" bIns="45700" anchor="t" anchorCtr="0">
             <a:spAutoFit/>
           </a:bodyPr>
           <a:lstStyle/>
           <a:p>
-            <a:pPr indent="0" lvl="0" marL="0" marR="0" rtl="0" algn="l">
+            <a:pPr marL="0" marR="0" lvl="0" indent="0" algn="l" rtl="0">
               <a:spcBef>
                 <a:spcPts val="0"/>
               </a:spcBef>
@@ -12498,7 +12696,7 @@
               <a:buNone/>
             </a:pPr>
             <a:r>
-              <a:rPr b="1" lang="en-US" sz="2800" u="sng">
+              <a:rPr lang="en-US" sz="2800" b="1" u="sng">
                 <a:solidFill>
                   <a:srgbClr val="BF9000"/>
                 </a:solidFill>
@@ -12533,12 +12731,12 @@
           </a:ln>
         </p:spPr>
         <p:txBody>
-          <a:bodyPr anchorCtr="0" anchor="t" bIns="45700" lIns="91425" spcFirstLastPara="1" rIns="91425" wrap="square" tIns="45700">
+          <a:bodyPr spcFirstLastPara="1" wrap="square" lIns="91425" tIns="45700" rIns="91425" bIns="45700" anchor="t" anchorCtr="0">
             <a:spAutoFit/>
           </a:bodyPr>
           <a:lstStyle/>
           <a:p>
-            <a:pPr indent="0" lvl="0" marL="0" marR="0" rtl="0" algn="l">
+            <a:pPr marL="0" marR="0" lvl="0" indent="0" algn="l" rtl="0">
               <a:spcBef>
                 <a:spcPts val="0"/>
               </a:spcBef>
@@ -12548,7 +12746,7 @@
               <a:buNone/>
             </a:pPr>
             <a:r>
-              <a:rPr b="1" lang="en-US" sz="1800">
+              <a:rPr lang="en-US" sz="1800" b="1">
                 <a:solidFill>
                   <a:schemeClr val="dk1"/>
                 </a:solidFill>
@@ -12571,8 +12769,8 @@
         </p:nvSpPr>
         <p:spPr>
           <a:xfrm>
-            <a:off x="615636" y="3611589"/>
-            <a:ext cx="2687370" cy="523220"/>
+            <a:off x="615635" y="3611589"/>
+            <a:ext cx="2788467" cy="523220"/>
           </a:xfrm>
           <a:prstGeom prst="rect">
             <a:avLst/>
@@ -12583,12 +12781,12 @@
           </a:ln>
         </p:spPr>
         <p:txBody>
-          <a:bodyPr anchorCtr="0" anchor="t" bIns="45700" lIns="91425" spcFirstLastPara="1" rIns="91425" wrap="square" tIns="45700">
+          <a:bodyPr spcFirstLastPara="1" wrap="square" lIns="91425" tIns="45700" rIns="91425" bIns="45700" anchor="t" anchorCtr="0">
             <a:spAutoFit/>
           </a:bodyPr>
           <a:lstStyle/>
           <a:p>
-            <a:pPr indent="0" lvl="0" marL="0" marR="0" rtl="0" algn="l">
+            <a:pPr marL="0" marR="0" lvl="0" indent="0" algn="l" rtl="0">
               <a:spcBef>
                 <a:spcPts val="0"/>
               </a:spcBef>
@@ -12598,7 +12796,7 @@
               <a:buNone/>
             </a:pPr>
             <a:r>
-              <a:rPr b="1" lang="en-US" sz="2800" u="sng">
+              <a:rPr lang="en-US" sz="2800" b="1" u="sng" dirty="0">
                 <a:solidFill>
                   <a:srgbClr val="BF9000"/>
                 </a:solidFill>
@@ -12609,7 +12807,7 @@
               </a:rPr>
               <a:t>Target Audience:</a:t>
             </a:r>
-            <a:endParaRPr sz="2800" u="sng">
+            <a:endParaRPr sz="2800" u="sng" dirty="0">
               <a:solidFill>
                 <a:srgbClr val="BF9000"/>
               </a:solidFill>
@@ -12641,12 +12839,12 @@
           </a:ln>
         </p:spPr>
         <p:txBody>
-          <a:bodyPr anchorCtr="0" anchor="t" bIns="45700" lIns="91425" spcFirstLastPara="1" rIns="91425" wrap="square" tIns="45700">
+          <a:bodyPr spcFirstLastPara="1" wrap="square" lIns="91425" tIns="45700" rIns="91425" bIns="45700" anchor="t" anchorCtr="0">
             <a:spAutoFit/>
           </a:bodyPr>
           <a:lstStyle/>
           <a:p>
-            <a:pPr indent="-285750" lvl="0" marL="285750" marR="0" rtl="0" algn="l">
+            <a:pPr marL="285750" marR="0" lvl="0" indent="-285750" algn="l" rtl="0">
               <a:spcBef>
                 <a:spcPts val="0"/>
               </a:spcBef>
@@ -12661,7 +12859,7 @@
               <a:buChar char="⮚"/>
             </a:pPr>
             <a:r>
-              <a:rPr b="1" lang="en-US" sz="1800">
+              <a:rPr lang="en-US" sz="1800" b="1">
                 <a:solidFill>
                   <a:schemeClr val="dk1"/>
                 </a:solidFill>
@@ -12687,7 +12885,7 @@
             <a:endParaRPr/>
           </a:p>
           <a:p>
-            <a:pPr indent="-171450" lvl="0" marL="285750" marR="0" rtl="0" algn="l">
+            <a:pPr marL="285750" marR="0" lvl="0" indent="-171450" algn="l" rtl="0">
               <a:spcBef>
                 <a:spcPts val="0"/>
               </a:spcBef>
@@ -12701,9 +12899,6 @@
               <a:buFont typeface="Noto Sans Symbols"/>
               <a:buNone/>
             </a:pPr>
-            <a:r>
-              <a:t/>
-            </a:r>
             <a:endParaRPr sz="1800">
               <a:solidFill>
                 <a:schemeClr val="dk1"/>
@@ -12715,7 +12910,7 @@
             </a:endParaRPr>
           </a:p>
           <a:p>
-            <a:pPr indent="-285750" lvl="0" marL="285750" marR="0" rtl="0" algn="l">
+            <a:pPr marL="285750" marR="0" lvl="0" indent="-285750" algn="l" rtl="0">
               <a:spcBef>
                 <a:spcPts val="0"/>
               </a:spcBef>
@@ -12730,7 +12925,7 @@
               <a:buChar char="⮚"/>
             </a:pPr>
             <a:r>
-              <a:rPr b="1" lang="en-US" sz="1800">
+              <a:rPr lang="en-US" sz="1800" b="1">
                 <a:solidFill>
                   <a:schemeClr val="dk1"/>
                 </a:solidFill>
@@ -12756,7 +12951,7 @@
             <a:endParaRPr/>
           </a:p>
           <a:p>
-            <a:pPr indent="-171450" lvl="0" marL="285750" marR="0" rtl="0" algn="l">
+            <a:pPr marL="285750" marR="0" lvl="0" indent="-171450" algn="l" rtl="0">
               <a:spcBef>
                 <a:spcPts val="0"/>
               </a:spcBef>
@@ -12770,9 +12965,6 @@
               <a:buFont typeface="Noto Sans Symbols"/>
               <a:buNone/>
             </a:pPr>
-            <a:r>
-              <a:t/>
-            </a:r>
             <a:endParaRPr sz="1800">
               <a:solidFill>
                 <a:schemeClr val="dk1"/>
@@ -12784,7 +12976,7 @@
             </a:endParaRPr>
           </a:p>
           <a:p>
-            <a:pPr indent="-285750" lvl="0" marL="285750" marR="0" rtl="0" algn="l">
+            <a:pPr marL="285750" marR="0" lvl="0" indent="-285750" algn="l" rtl="0">
               <a:spcBef>
                 <a:spcPts val="0"/>
               </a:spcBef>
@@ -12799,7 +12991,7 @@
               <a:buChar char="⮚"/>
             </a:pPr>
             <a:r>
-              <a:rPr b="1" lang="en-US" sz="1800">
+              <a:rPr lang="en-US" sz="1800" b="1">
                 <a:solidFill>
                   <a:schemeClr val="dk1"/>
                 </a:solidFill>
@@ -12825,7 +13017,7 @@
             <a:endParaRPr/>
           </a:p>
           <a:p>
-            <a:pPr indent="0" lvl="0" marL="0" marR="0" rtl="0" algn="l">
+            <a:pPr marL="0" marR="0" lvl="0" indent="0" algn="l" rtl="0">
               <a:spcBef>
                 <a:spcPts val="0"/>
               </a:spcBef>
@@ -12834,9 +13026,6 @@
               </a:spcAft>
               <a:buNone/>
             </a:pPr>
-            <a:r>
-              <a:t/>
-            </a:r>
             <a:endParaRPr sz="1800">
               <a:solidFill>
                 <a:schemeClr val="dk1"/>
@@ -12859,7 +13048,7 @@
           <a:blip r:embed="rId3">
             <a:alphaModFix/>
           </a:blip>
-          <a:srcRect b="0" l="0" r="0" t="0"/>
+          <a:srcRect/>
           <a:stretch/>
         </p:blipFill>
         <p:spPr>
@@ -12886,7 +13075,7 @@
           <a:blip r:embed="rId4">
             <a:alphaModFix/>
           </a:blip>
-          <a:srcRect b="0" l="0" r="0" t="0"/>
+          <a:srcRect/>
           <a:stretch/>
         </p:blipFill>
         <p:spPr>
@@ -12912,113 +13101,11 @@
 </file>
 
 <file path=ppt/slides/slide4.xml><?xml version="1.0" encoding="utf-8"?>
-<p:sld xmlns:a="http://schemas.openxmlformats.org/drawingml/2006/main" xmlns:r="http://schemas.openxmlformats.org/officeDocument/2006/relationships" xmlns:mc="http://schemas.openxmlformats.org/markup-compatibility/2006" xmlns:mv="urn:schemas-microsoft-com:mac:vml" xmlns:p="http://schemas.openxmlformats.org/presentationml/2006/main" xmlns:c="http://schemas.openxmlformats.org/drawingml/2006/chart" xmlns:dgm="http://schemas.openxmlformats.org/drawingml/2006/diagram" xmlns:o="urn:schemas-microsoft-com:office:office" xmlns:v="urn:schemas-microsoft-com:vml" xmlns:pvml="urn:schemas-microsoft-com:office:powerpoint" xmlns:com="http://schemas.openxmlformats.org/drawingml/2006/compatibility" xmlns:p14="http://schemas.microsoft.com/office/powerpoint/2010/main" xmlns:p15="http://schemas.microsoft.com/office/powerpoint/2012/main" xmlns:ahyp="http://schemas.microsoft.com/office/drawing/2018/hyperlinkcolor">
+<p:sld xmlns:a="http://schemas.openxmlformats.org/drawingml/2006/main" xmlns:r="http://schemas.openxmlformats.org/officeDocument/2006/relationships" xmlns:p="http://schemas.openxmlformats.org/presentationml/2006/main">
   <p:cSld>
     <p:spTree>
       <p:nvGrpSpPr>
-        <p:cNvPr id="114" name="Shape 114"/>
-        <p:cNvGrpSpPr/>
-        <p:nvPr/>
-      </p:nvGrpSpPr>
-      <p:grpSpPr>
-        <a:xfrm>
-          <a:off x="0" y="0"/>
-          <a:ext cx="0" cy="0"/>
-          <a:chOff x="0" y="0"/>
-          <a:chExt cx="0" cy="0"/>
-        </a:xfrm>
-      </p:grpSpPr>
-      <p:pic>
-        <p:nvPicPr>
-          <p:cNvPr descr="Apache Kafka: what is it, why is it needed and how to use it" id="115" name="Google Shape;115;p16"/>
-          <p:cNvPicPr preferRelativeResize="0"/>
-          <p:nvPr/>
-        </p:nvPicPr>
-        <p:blipFill rotWithShape="1">
-          <a:blip r:embed="rId3">
-            <a:alphaModFix/>
-          </a:blip>
-          <a:srcRect b="0" l="0" r="0" t="0"/>
-          <a:stretch/>
-        </p:blipFill>
-        <p:spPr>
-          <a:xfrm>
-            <a:off x="1634290" y="830997"/>
-            <a:ext cx="8197771" cy="5771369"/>
-          </a:xfrm>
-          <a:prstGeom prst="rect">
-            <a:avLst/>
-          </a:prstGeom>
-          <a:noFill/>
-          <a:ln>
-            <a:noFill/>
-          </a:ln>
-        </p:spPr>
-      </p:pic>
-      <p:sp>
-        <p:nvSpPr>
-          <p:cNvPr id="116" name="Google Shape;116;p16"/>
-          <p:cNvSpPr txBox="1"/>
-          <p:nvPr/>
-        </p:nvSpPr>
-        <p:spPr>
-          <a:xfrm>
-            <a:off x="3913430" y="0"/>
-            <a:ext cx="3639600" cy="831000"/>
-          </a:xfrm>
-          <a:prstGeom prst="rect">
-            <a:avLst/>
-          </a:prstGeom>
-          <a:noFill/>
-          <a:ln>
-            <a:noFill/>
-          </a:ln>
-        </p:spPr>
-        <p:txBody>
-          <a:bodyPr anchorCtr="0" anchor="t" bIns="45700" lIns="91425" spcFirstLastPara="1" rIns="91425" wrap="square" tIns="45700">
-            <a:spAutoFit/>
-          </a:bodyPr>
-          <a:lstStyle/>
-          <a:p>
-            <a:pPr indent="0" lvl="0" marL="0" marR="0" rtl="0" algn="l">
-              <a:spcBef>
-                <a:spcPts val="0"/>
-              </a:spcBef>
-              <a:spcAft>
-                <a:spcPts val="0"/>
-              </a:spcAft>
-              <a:buNone/>
-            </a:pPr>
-            <a:r>
-              <a:rPr b="1" lang="en-US" sz="4800" u="sng">
-                <a:solidFill>
-                  <a:srgbClr val="BF9000"/>
-                </a:solidFill>
-                <a:latin typeface="Calibri"/>
-                <a:ea typeface="Calibri"/>
-                <a:cs typeface="Calibri"/>
-                <a:sym typeface="Calibri"/>
-              </a:rPr>
-              <a:t>Apache Kafka</a:t>
-            </a:r>
-            <a:endParaRPr/>
-          </a:p>
-        </p:txBody>
-      </p:sp>
-    </p:spTree>
-  </p:cSld>
-  <p:clrMapOvr>
-    <a:masterClrMapping/>
-  </p:clrMapOvr>
-</p:sld>
-</file>
-
-<file path=ppt/slides/slide5.xml><?xml version="1.0" encoding="utf-8"?>
-<p:sld xmlns:a="http://schemas.openxmlformats.org/drawingml/2006/main" xmlns:r="http://schemas.openxmlformats.org/officeDocument/2006/relationships" xmlns:mc="http://schemas.openxmlformats.org/markup-compatibility/2006" xmlns:mv="urn:schemas-microsoft-com:mac:vml" xmlns:p="http://schemas.openxmlformats.org/presentationml/2006/main" xmlns:c="http://schemas.openxmlformats.org/drawingml/2006/chart" xmlns:dgm="http://schemas.openxmlformats.org/drawingml/2006/diagram" xmlns:o="urn:schemas-microsoft-com:office:office" xmlns:v="urn:schemas-microsoft-com:vml" xmlns:pvml="urn:schemas-microsoft-com:office:powerpoint" xmlns:com="http://schemas.openxmlformats.org/drawingml/2006/compatibility" xmlns:p14="http://schemas.microsoft.com/office/powerpoint/2010/main" xmlns:p15="http://schemas.microsoft.com/office/powerpoint/2012/main" xmlns:ahyp="http://schemas.microsoft.com/office/drawing/2018/hyperlinkcolor">
-  <p:cSld>
-    <p:spTree>
-      <p:nvGrpSpPr>
-        <p:cNvPr id="120" name="Shape 120"/>
+        <p:cNvPr id="1" name="Shape 120"/>
         <p:cNvGrpSpPr/>
         <p:nvPr/>
       </p:nvGrpSpPr>
@@ -13033,7 +13120,9 @@
       <p:sp>
         <p:nvSpPr>
           <p:cNvPr id="121" name="Google Shape;121;p17"/>
-          <p:cNvSpPr txBox="1"/>
+          <p:cNvSpPr txBox="1">
+            <a:spLocks noGrp="1"/>
+          </p:cNvSpPr>
           <p:nvPr>
             <p:ph type="title"/>
           </p:nvPr>
@@ -13052,12 +13141,12 @@
           </a:ln>
         </p:spPr>
         <p:txBody>
-          <a:bodyPr anchorCtr="0" anchor="ctr" bIns="45700" lIns="91425" spcFirstLastPara="1" rIns="91425" wrap="square" tIns="45700">
+          <a:bodyPr spcFirstLastPara="1" wrap="square" lIns="91425" tIns="45700" rIns="91425" bIns="45700" anchor="ctr" anchorCtr="0">
             <a:normAutofit fontScale="90000"/>
           </a:bodyPr>
           <a:lstStyle/>
           <a:p>
-            <a:pPr indent="0" lvl="0" marL="0" rtl="0" algn="l">
+            <a:pPr marL="0" lvl="0" indent="0" algn="l" rtl="0">
               <a:lnSpc>
                 <a:spcPct val="90000"/>
               </a:lnSpc>
@@ -13075,7 +13164,7 @@
               <a:buNone/>
             </a:pPr>
             <a:r>
-              <a:rPr b="1" lang="en-US" u="sng">
+              <a:rPr lang="en-US" b="1" u="sng">
                 <a:solidFill>
                   <a:srgbClr val="BF9000"/>
                 </a:solidFill>
@@ -13099,7 +13188,7 @@
           <a:blip r:embed="rId3">
             <a:alphaModFix/>
           </a:blip>
-          <a:srcRect b="0" l="0" r="0" t="0"/>
+          <a:srcRect/>
           <a:stretch/>
         </p:blipFill>
         <p:spPr>
@@ -13118,7 +13207,7 @@
       </p:pic>
       <p:pic>
         <p:nvPicPr>
-          <p:cNvPr descr="Hashtag Extractor Copy Paste - Apps on Google Play" id="123" name="Google Shape;123;p17"/>
+          <p:cNvPr id="123" name="Google Shape;123;p17" descr="Hashtag Extractor Copy Paste - Apps on Google Play"/>
           <p:cNvPicPr preferRelativeResize="0"/>
           <p:nvPr/>
         </p:nvPicPr>
@@ -13126,40 +13215,13 @@
           <a:blip r:embed="rId4">
             <a:alphaModFix/>
           </a:blip>
-          <a:srcRect b="0" l="0" r="0" t="0"/>
+          <a:srcRect/>
           <a:stretch/>
         </p:blipFill>
         <p:spPr>
           <a:xfrm>
             <a:off x="4768934" y="2081000"/>
             <a:ext cx="2491165" cy="2491165"/>
-          </a:xfrm>
-          <a:prstGeom prst="rect">
-            <a:avLst/>
-          </a:prstGeom>
-          <a:noFill/>
-          <a:ln>
-            <a:noFill/>
-          </a:ln>
-        </p:spPr>
-      </p:pic>
-      <p:pic>
-        <p:nvPicPr>
-          <p:cNvPr descr="Searchability - Free ui icons" id="124" name="Google Shape;124;p17"/>
-          <p:cNvPicPr preferRelativeResize="0"/>
-          <p:nvPr/>
-        </p:nvPicPr>
-        <p:blipFill rotWithShape="1">
-          <a:blip r:embed="rId5">
-            <a:alphaModFix/>
-          </a:blip>
-          <a:srcRect b="0" l="0" r="0" t="0"/>
-          <a:stretch/>
-        </p:blipFill>
-        <p:spPr>
-          <a:xfrm>
-            <a:off x="1160111" y="2081000"/>
-            <a:ext cx="2199217" cy="2199217"/>
           </a:xfrm>
           <a:prstGeom prst="rect">
             <a:avLst/>
@@ -13178,8 +13240,8 @@
         </p:nvSpPr>
         <p:spPr>
           <a:xfrm>
-            <a:off x="1160111" y="4695152"/>
-            <a:ext cx="2199300" cy="523200"/>
+            <a:off x="1259785" y="4572165"/>
+            <a:ext cx="1830739" cy="523180"/>
           </a:xfrm>
           <a:prstGeom prst="rect">
             <a:avLst/>
@@ -13190,12 +13252,12 @@
           </a:ln>
         </p:spPr>
         <p:txBody>
-          <a:bodyPr anchorCtr="0" anchor="t" bIns="45700" lIns="91425" spcFirstLastPara="1" rIns="91425" wrap="square" tIns="45700">
+          <a:bodyPr spcFirstLastPara="1" wrap="square" lIns="91425" tIns="45700" rIns="91425" bIns="45700" anchor="t" anchorCtr="0">
             <a:spAutoFit/>
           </a:bodyPr>
           <a:lstStyle/>
           <a:p>
-            <a:pPr indent="0" lvl="0" marL="0" marR="0" rtl="0" algn="l">
+            <a:pPr marL="0" marR="0" lvl="0" indent="0" algn="l" rtl="0">
               <a:spcBef>
                 <a:spcPts val="0"/>
               </a:spcBef>
@@ -13205,7 +13267,7 @@
               <a:buNone/>
             </a:pPr>
             <a:r>
-              <a:rPr b="1" lang="en-US" sz="2800">
+              <a:rPr lang="en-US" sz="2800" b="1" dirty="0">
                 <a:solidFill>
                   <a:schemeClr val="dk1"/>
                 </a:solidFill>
@@ -13214,9 +13276,9 @@
                 <a:cs typeface="Calibri"/>
                 <a:sym typeface="Calibri"/>
               </a:rPr>
-              <a:t>Searchability</a:t>
+              <a:t>Processing</a:t>
             </a:r>
-            <a:endParaRPr sz="2800">
+            <a:endParaRPr sz="2800" dirty="0">
               <a:solidFill>
                 <a:schemeClr val="dk1"/>
               </a:solidFill>
@@ -13248,12 +13310,12 @@
           </a:ln>
         </p:spPr>
         <p:txBody>
-          <a:bodyPr anchorCtr="0" anchor="t" bIns="45700" lIns="91425" spcFirstLastPara="1" rIns="91425" wrap="square" tIns="45700">
+          <a:bodyPr spcFirstLastPara="1" wrap="square" lIns="91425" tIns="45700" rIns="91425" bIns="45700" anchor="t" anchorCtr="0">
             <a:spAutoFit/>
           </a:bodyPr>
           <a:lstStyle/>
           <a:p>
-            <a:pPr indent="0" lvl="0" marL="0" marR="0" rtl="0" algn="l">
+            <a:pPr marL="0" marR="0" lvl="0" indent="0" algn="l" rtl="0">
               <a:spcBef>
                 <a:spcPts val="0"/>
               </a:spcBef>
@@ -13263,7 +13325,7 @@
               <a:buNone/>
             </a:pPr>
             <a:r>
-              <a:rPr b="1" lang="en-US" sz="2800">
+              <a:rPr lang="en-US" sz="2800" b="1">
                 <a:solidFill>
                   <a:schemeClr val="dk1"/>
                 </a:solidFill>
@@ -13306,12 +13368,12 @@
           </a:ln>
         </p:spPr>
         <p:txBody>
-          <a:bodyPr anchorCtr="0" anchor="t" bIns="45700" lIns="91425" spcFirstLastPara="1" rIns="91425" wrap="square" tIns="45700">
+          <a:bodyPr spcFirstLastPara="1" wrap="square" lIns="91425" tIns="45700" rIns="91425" bIns="45700" anchor="t" anchorCtr="0">
             <a:spAutoFit/>
           </a:bodyPr>
           <a:lstStyle/>
           <a:p>
-            <a:pPr indent="0" lvl="0" marL="0" marR="0" rtl="0" algn="l">
+            <a:pPr marL="0" marR="0" lvl="0" indent="0" algn="l" rtl="0">
               <a:spcBef>
                 <a:spcPts val="0"/>
               </a:spcBef>
@@ -13321,7 +13383,7 @@
               <a:buNone/>
             </a:pPr>
             <a:r>
-              <a:rPr b="1" lang="en-US" sz="2800">
+              <a:rPr lang="en-US" sz="2800" b="1">
                 <a:solidFill>
                   <a:schemeClr val="dk1"/>
                 </a:solidFill>
@@ -13343,7 +13405,7 @@
             </a:endParaRPr>
           </a:p>
           <a:p>
-            <a:pPr indent="0" lvl="0" marL="0" marR="0" rtl="0" algn="l">
+            <a:pPr marL="0" marR="0" lvl="0" indent="0" algn="l" rtl="0">
               <a:spcBef>
                 <a:spcPts val="0"/>
               </a:spcBef>
@@ -13352,9 +13414,6 @@
               </a:spcAft>
               <a:buNone/>
             </a:pPr>
-            <a:r>
-              <a:t/>
-            </a:r>
             <a:endParaRPr sz="2800">
               <a:solidFill>
                 <a:schemeClr val="dk1"/>
@@ -13367,6 +13426,53 @@
           </a:p>
         </p:txBody>
       </p:sp>
+      <p:pic>
+        <p:nvPicPr>
+          <p:cNvPr id="1026" name="Picture 2" descr="Processing - Free ui icons">
+            <a:extLst>
+              <a:ext uri="{FF2B5EF4-FFF2-40B4-BE49-F238E27FC236}">
+                <a16:creationId xmlns:a16="http://schemas.microsoft.com/office/drawing/2014/main" id="{14276D6A-5A98-636B-6011-39ACEB6EE129}"/>
+              </a:ext>
+            </a:extLst>
+          </p:cNvPr>
+          <p:cNvPicPr>
+            <a:picLocks noChangeAspect="1" noChangeArrowheads="1"/>
+          </p:cNvPicPr>
+          <p:nvPr/>
+        </p:nvPicPr>
+        <p:blipFill>
+          <a:blip r:embed="rId5">
+            <a:extLst>
+              <a:ext uri="{28A0092B-C50C-407E-A947-70E740481C1C}">
+                <a14:useLocalDpi xmlns:a14="http://schemas.microsoft.com/office/drawing/2010/main" val="0"/>
+              </a:ext>
+            </a:extLst>
+          </a:blip>
+          <a:srcRect/>
+          <a:stretch>
+            <a:fillRect/>
+          </a:stretch>
+        </p:blipFill>
+        <p:spPr bwMode="auto">
+          <a:xfrm>
+            <a:off x="1023505" y="2124373"/>
+            <a:ext cx="2404418" cy="2404418"/>
+          </a:xfrm>
+          <a:prstGeom prst="rect">
+            <a:avLst/>
+          </a:prstGeom>
+          <a:noFill/>
+          <a:extLst>
+            <a:ext uri="{909E8E84-426E-40DD-AFC4-6F175D3DCCD1}">
+              <a14:hiddenFill xmlns:a14="http://schemas.microsoft.com/office/drawing/2010/main">
+                <a:solidFill>
+                  <a:srgbClr val="FFFFFF"/>
+                </a:solidFill>
+              </a14:hiddenFill>
+            </a:ext>
+          </a:extLst>
+        </p:spPr>
+      </p:pic>
     </p:spTree>
   </p:cSld>
   <p:clrMapOvr>
@@ -13375,12 +13481,12 @@
 </p:sld>
 </file>
 
-<file path=ppt/slides/slide6.xml><?xml version="1.0" encoding="utf-8"?>
-<p:sld xmlns:a="http://schemas.openxmlformats.org/drawingml/2006/main" xmlns:r="http://schemas.openxmlformats.org/officeDocument/2006/relationships" xmlns:mc="http://schemas.openxmlformats.org/markup-compatibility/2006" xmlns:mv="urn:schemas-microsoft-com:mac:vml" xmlns:p="http://schemas.openxmlformats.org/presentationml/2006/main" xmlns:c="http://schemas.openxmlformats.org/drawingml/2006/chart" xmlns:dgm="http://schemas.openxmlformats.org/drawingml/2006/diagram" xmlns:o="urn:schemas-microsoft-com:office:office" xmlns:v="urn:schemas-microsoft-com:vml" xmlns:pvml="urn:schemas-microsoft-com:office:powerpoint" xmlns:com="http://schemas.openxmlformats.org/drawingml/2006/compatibility" xmlns:p14="http://schemas.microsoft.com/office/powerpoint/2010/main" xmlns:p15="http://schemas.microsoft.com/office/powerpoint/2012/main" xmlns:ahyp="http://schemas.microsoft.com/office/drawing/2018/hyperlinkcolor">
+<file path=ppt/slides/slide5.xml><?xml version="1.0" encoding="utf-8"?>
+<p:sld xmlns:a="http://schemas.openxmlformats.org/drawingml/2006/main" xmlns:r="http://schemas.openxmlformats.org/officeDocument/2006/relationships" xmlns:p="http://schemas.openxmlformats.org/presentationml/2006/main">
   <p:cSld>
     <p:spTree>
       <p:nvGrpSpPr>
-        <p:cNvPr id="131" name="Shape 131"/>
+        <p:cNvPr id="1" name="Shape 131"/>
         <p:cNvGrpSpPr/>
         <p:nvPr/>
       </p:nvGrpSpPr>
@@ -13395,7 +13501,9 @@
       <p:sp>
         <p:nvSpPr>
           <p:cNvPr id="132" name="Google Shape;132;p18"/>
-          <p:cNvSpPr txBox="1"/>
+          <p:cNvSpPr txBox="1">
+            <a:spLocks noGrp="1"/>
+          </p:cNvSpPr>
           <p:nvPr>
             <p:ph type="title"/>
           </p:nvPr>
@@ -13414,12 +13522,12 @@
           </a:ln>
         </p:spPr>
         <p:txBody>
-          <a:bodyPr anchorCtr="0" anchor="ctr" bIns="45700" lIns="91425" spcFirstLastPara="1" rIns="91425" wrap="square" tIns="45700">
-            <a:normAutofit/>
+          <a:bodyPr spcFirstLastPara="1" wrap="square" lIns="91425" tIns="45700" rIns="91425" bIns="45700" anchor="ctr" anchorCtr="0">
+            <a:normAutofit fontScale="90000"/>
           </a:bodyPr>
           <a:lstStyle/>
           <a:p>
-            <a:pPr indent="0" lvl="0" marL="0" rtl="0" algn="l">
+            <a:pPr marL="0" lvl="0" indent="0" algn="l" rtl="0">
               <a:lnSpc>
                 <a:spcPct val="90000"/>
               </a:lnSpc>
@@ -13437,7 +13545,7 @@
               <a:buNone/>
             </a:pPr>
             <a:r>
-              <a:rPr b="1" lang="en-US" u="sng">
+              <a:rPr lang="en-US" b="1" u="sng">
                 <a:solidFill>
                   <a:srgbClr val="BF9000"/>
                 </a:solidFill>
@@ -13479,12 +13587,12 @@
           </a:ln>
         </p:spPr>
         <p:txBody>
-          <a:bodyPr anchorCtr="0" anchor="t" bIns="45700" lIns="91425" spcFirstLastPara="1" rIns="91425" wrap="square" tIns="45700">
+          <a:bodyPr spcFirstLastPara="1" wrap="square" lIns="91425" tIns="45700" rIns="91425" bIns="45700" anchor="t" anchorCtr="0">
             <a:spAutoFit/>
           </a:bodyPr>
           <a:lstStyle/>
           <a:p>
-            <a:pPr indent="0" lvl="0" marL="0" marR="0" rtl="0" algn="l">
+            <a:pPr marL="0" marR="0" lvl="0" indent="0" algn="l" rtl="0">
               <a:spcBef>
                 <a:spcPts val="0"/>
               </a:spcBef>
@@ -13494,7 +13602,7 @@
               <a:buNone/>
             </a:pPr>
             <a:r>
-              <a:rPr b="1" lang="en-US" sz="1800">
+              <a:rPr lang="en-US" sz="1800" b="1" dirty="0">
                 <a:solidFill>
                   <a:schemeClr val="dk1"/>
                 </a:solidFill>
@@ -13505,7 +13613,7 @@
               </a:rPr>
               <a:t>Key Considerations for Storage:</a:t>
             </a:r>
-            <a:endParaRPr sz="1800">
+            <a:endParaRPr sz="1800" dirty="0">
               <a:solidFill>
                 <a:schemeClr val="dk1"/>
               </a:solidFill>
@@ -13516,7 +13624,7 @@
             </a:endParaRPr>
           </a:p>
           <a:p>
-            <a:pPr indent="-285750" lvl="0" marL="285750" marR="0" rtl="0" algn="l">
+            <a:pPr marL="285750" marR="0" lvl="0" indent="-285750" algn="l" rtl="0">
               <a:spcBef>
                 <a:spcPts val="0"/>
               </a:spcBef>
@@ -13531,7 +13639,7 @@
               <a:buChar char="▪"/>
             </a:pPr>
             <a:r>
-              <a:rPr b="1" lang="en-US" sz="1800">
+              <a:rPr lang="en-US" sz="1800" b="1" dirty="0">
                 <a:solidFill>
                   <a:schemeClr val="dk1"/>
                 </a:solidFill>
@@ -13543,7 +13651,7 @@
               <a:t>Scalability</a:t>
             </a:r>
             <a:r>
-              <a:rPr lang="en-US" sz="1800">
+              <a:rPr lang="en-US" sz="1800" dirty="0">
                 <a:solidFill>
                   <a:schemeClr val="dk1"/>
                 </a:solidFill>
@@ -13554,10 +13662,10 @@
               </a:rPr>
               <a:t>: The storage system must handle high-velocity Twitter data efficiently.</a:t>
             </a:r>
-            <a:endParaRPr/>
+            <a:endParaRPr dirty="0"/>
           </a:p>
           <a:p>
-            <a:pPr indent="-285750" lvl="0" marL="285750" marR="0" rtl="0" algn="l">
+            <a:pPr marL="285750" marR="0" lvl="0" indent="-285750" algn="l" rtl="0">
               <a:spcBef>
                 <a:spcPts val="0"/>
               </a:spcBef>
@@ -13572,7 +13680,7 @@
               <a:buChar char="▪"/>
             </a:pPr>
             <a:r>
-              <a:rPr b="1" lang="en-US" sz="1800">
+              <a:rPr lang="en-US" sz="1800" b="1" dirty="0">
                 <a:solidFill>
                   <a:schemeClr val="dk1"/>
                 </a:solidFill>
@@ -13584,7 +13692,7 @@
               <a:t>Real-Time Access</a:t>
             </a:r>
             <a:r>
-              <a:rPr lang="en-US" sz="1800">
+              <a:rPr lang="en-US" sz="1800" dirty="0">
                 <a:solidFill>
                   <a:schemeClr val="dk1"/>
                 </a:solidFill>
@@ -13595,10 +13703,10 @@
               </a:rPr>
               <a:t>: Supports near-instantaneous querying for analytics and visualization.</a:t>
             </a:r>
-            <a:endParaRPr/>
+            <a:endParaRPr dirty="0"/>
           </a:p>
           <a:p>
-            <a:pPr indent="-285750" lvl="0" marL="285750" marR="0" rtl="0" algn="l">
+            <a:pPr marL="285750" marR="0" lvl="0" indent="-285750" algn="l" rtl="0">
               <a:spcBef>
                 <a:spcPts val="0"/>
               </a:spcBef>
@@ -13613,7 +13721,7 @@
               <a:buChar char="▪"/>
             </a:pPr>
             <a:r>
-              <a:rPr b="1" lang="en-US" sz="1800">
+              <a:rPr lang="en-US" sz="1800" b="1" dirty="0">
                 <a:solidFill>
                   <a:schemeClr val="dk1"/>
                 </a:solidFill>
@@ -13625,7 +13733,7 @@
               <a:t>Reliability</a:t>
             </a:r>
             <a:r>
-              <a:rPr lang="en-US" sz="1800">
+              <a:rPr lang="en-US" sz="1800" dirty="0">
                 <a:solidFill>
                   <a:schemeClr val="dk1"/>
                 </a:solidFill>
@@ -13636,10 +13744,10 @@
               </a:rPr>
               <a:t>: Ensures no data loss during ingestion and processing.</a:t>
             </a:r>
-            <a:endParaRPr/>
+            <a:endParaRPr dirty="0"/>
           </a:p>
           <a:p>
-            <a:pPr indent="-171450" lvl="0" marL="285750" marR="0" rtl="0" algn="l">
+            <a:pPr marL="285750" marR="0" lvl="0" indent="-171450" algn="l" rtl="0">
               <a:spcBef>
                 <a:spcPts val="0"/>
               </a:spcBef>
@@ -13653,10 +13761,7 @@
               <a:buFont typeface="Noto Sans Symbols"/>
               <a:buNone/>
             </a:pPr>
-            <a:r>
-              <a:t/>
-            </a:r>
-            <a:endParaRPr sz="1800">
+            <a:endParaRPr sz="1800" dirty="0">
               <a:solidFill>
                 <a:schemeClr val="dk1"/>
               </a:solidFill>
@@ -13667,7 +13772,7 @@
             </a:endParaRPr>
           </a:p>
           <a:p>
-            <a:pPr indent="0" lvl="0" marL="0" marR="0" rtl="0" algn="l">
+            <a:pPr marL="0" marR="0" lvl="0" indent="0" algn="l" rtl="0">
               <a:spcBef>
                 <a:spcPts val="0"/>
               </a:spcBef>
@@ -13681,10 +13786,7 @@
               <a:buFont typeface="Arial"/>
               <a:buNone/>
             </a:pPr>
-            <a:r>
-              <a:t/>
-            </a:r>
-            <a:endParaRPr sz="1800">
+            <a:endParaRPr sz="1800" dirty="0">
               <a:solidFill>
                 <a:schemeClr val="dk1"/>
               </a:solidFill>
@@ -13695,7 +13797,7 @@
             </a:endParaRPr>
           </a:p>
           <a:p>
-            <a:pPr indent="0" lvl="0" marL="0" marR="0" rtl="0" algn="l">
+            <a:pPr marL="0" marR="0" lvl="0" indent="0" algn="l" rtl="0">
               <a:spcBef>
                 <a:spcPts val="0"/>
               </a:spcBef>
@@ -13705,7 +13807,7 @@
               <a:buNone/>
             </a:pPr>
             <a:r>
-              <a:rPr b="1" lang="en-US" sz="1800">
+              <a:rPr lang="en-US" sz="1800" b="1" dirty="0">
                 <a:solidFill>
                   <a:schemeClr val="dk1"/>
                 </a:solidFill>
@@ -13716,7 +13818,7 @@
               </a:rPr>
               <a:t>Storage Solutions:</a:t>
             </a:r>
-            <a:endParaRPr sz="1800">
+            <a:endParaRPr sz="1800" dirty="0">
               <a:solidFill>
                 <a:schemeClr val="dk1"/>
               </a:solidFill>
@@ -13727,7 +13829,7 @@
             </a:endParaRPr>
           </a:p>
           <a:p>
-            <a:pPr indent="-285750" lvl="0" marL="285750" marR="0" rtl="0" algn="l">
+            <a:pPr marL="285750" marR="0" lvl="0" indent="-285750" algn="l" rtl="0">
               <a:spcBef>
                 <a:spcPts val="0"/>
               </a:spcBef>
@@ -13742,7 +13844,7 @@
               <a:buChar char="▪"/>
             </a:pPr>
             <a:r>
-              <a:rPr b="1" lang="en-US" sz="1800">
+              <a:rPr lang="en-US" sz="1800" b="1" dirty="0">
                 <a:solidFill>
                   <a:schemeClr val="dk1"/>
                 </a:solidFill>
@@ -13754,7 +13856,7 @@
               <a:t>Apache Kafka</a:t>
             </a:r>
             <a:r>
-              <a:rPr lang="en-US" sz="1800">
+              <a:rPr lang="en-US" sz="1800" dirty="0">
                 <a:solidFill>
                   <a:schemeClr val="dk1"/>
                 </a:solidFill>
@@ -13765,10 +13867,10 @@
               </a:rPr>
               <a:t>: Acts as a distributed message broker, buffering real-time data streams.</a:t>
             </a:r>
-            <a:endParaRPr/>
+            <a:endParaRPr dirty="0"/>
           </a:p>
           <a:p>
-            <a:pPr indent="-285750" lvl="0" marL="285750" marR="0" rtl="0" algn="l">
+            <a:pPr marL="285750" marR="0" lvl="0" indent="-285750" algn="l" rtl="0">
               <a:spcBef>
                 <a:spcPts val="0"/>
               </a:spcBef>
@@ -13783,7 +13885,7 @@
               <a:buChar char="▪"/>
             </a:pPr>
             <a:r>
-              <a:rPr b="1" lang="en-US" sz="1800">
+              <a:rPr lang="en-US" sz="1800" b="1" dirty="0">
                 <a:solidFill>
                   <a:schemeClr val="dk1"/>
                 </a:solidFill>
@@ -13795,7 +13897,7 @@
               <a:t>Elasticsearch</a:t>
             </a:r>
             <a:r>
-              <a:rPr lang="en-US" sz="1800">
+              <a:rPr lang="en-US" sz="1800" dirty="0">
                 <a:solidFill>
                   <a:schemeClr val="dk1"/>
                 </a:solidFill>
@@ -13806,7 +13908,7 @@
               </a:rPr>
               <a:t>: Indexes and stores data for fast search and analytics.</a:t>
             </a:r>
-            <a:endParaRPr sz="1800">
+            <a:endParaRPr sz="1800" dirty="0">
               <a:solidFill>
                 <a:schemeClr val="dk1"/>
               </a:solidFill>
@@ -13817,7 +13919,7 @@
             </a:endParaRPr>
           </a:p>
           <a:p>
-            <a:pPr indent="0" lvl="0" marL="0" marR="0" rtl="0" algn="l">
+            <a:pPr marL="0" marR="0" lvl="0" indent="0" algn="l" rtl="0">
               <a:spcBef>
                 <a:spcPts val="0"/>
               </a:spcBef>
@@ -13831,10 +13933,7 @@
               <a:buFont typeface="Arial"/>
               <a:buNone/>
             </a:pPr>
-            <a:r>
-              <a:t/>
-            </a:r>
-            <a:endParaRPr sz="1800">
+            <a:endParaRPr sz="1800" dirty="0">
               <a:solidFill>
                 <a:schemeClr val="dk1"/>
               </a:solidFill>
@@ -13845,7 +13944,7 @@
             </a:endParaRPr>
           </a:p>
           <a:p>
-            <a:pPr indent="0" lvl="0" marL="0" marR="0" rtl="0" algn="l">
+            <a:pPr marL="0" marR="0" lvl="0" indent="0" algn="l" rtl="0">
               <a:spcBef>
                 <a:spcPts val="0"/>
               </a:spcBef>
@@ -13859,10 +13958,7 @@
               <a:buFont typeface="Arial"/>
               <a:buNone/>
             </a:pPr>
-            <a:r>
-              <a:t/>
-            </a:r>
-            <a:endParaRPr sz="1800">
+            <a:endParaRPr sz="1800" dirty="0">
               <a:solidFill>
                 <a:schemeClr val="dk1"/>
               </a:solidFill>
@@ -13873,7 +13969,7 @@
             </a:endParaRPr>
           </a:p>
           <a:p>
-            <a:pPr indent="0" lvl="0" marL="0" marR="0" rtl="0" algn="l">
+            <a:pPr marL="0" marR="0" lvl="0" indent="0" algn="l" rtl="0">
               <a:spcBef>
                 <a:spcPts val="0"/>
               </a:spcBef>
@@ -13883,7 +13979,7 @@
               <a:buNone/>
             </a:pPr>
             <a:r>
-              <a:rPr b="1" lang="en-US" sz="1800">
+              <a:rPr lang="en-US" sz="1800" b="1" dirty="0">
                 <a:solidFill>
                   <a:schemeClr val="dk1"/>
                 </a:solidFill>
@@ -13895,7 +13991,7 @@
               <a:t>Why It Matters:</a:t>
             </a:r>
             <a:r>
-              <a:rPr lang="en-US" sz="1800">
+              <a:rPr lang="en-US" sz="1800" dirty="0">
                 <a:solidFill>
                   <a:schemeClr val="dk1"/>
                 </a:solidFill>
@@ -13904,9 +14000,9 @@
                 <a:cs typeface="Calibri"/>
                 <a:sym typeface="Calibri"/>
               </a:rPr>
-              <a:t> Proper storage ensures the pipeline’s ability to scale, process, and retrieve meaningful insights efficiently.  Elastic search is the slide</a:t>
+              <a:t> Proper storage ensures the pipeline’s ability to scale, process, and retrieve meaningful insights efficiently.</a:t>
             </a:r>
-            <a:endParaRPr/>
+            <a:endParaRPr dirty="0"/>
           </a:p>
         </p:txBody>
       </p:sp>
@@ -13920,7 +14016,7 @@
           <a:blip r:embed="rId3">
             <a:alphaModFix/>
           </a:blip>
-          <a:srcRect b="0" l="0" r="0" t="0"/>
+          <a:srcRect/>
           <a:stretch/>
         </p:blipFill>
         <p:spPr>
@@ -13947,7 +14043,7 @@
           <a:blip r:embed="rId4">
             <a:alphaModFix/>
           </a:blip>
-          <a:srcRect b="0" l="0" r="0" t="0"/>
+          <a:srcRect/>
           <a:stretch/>
         </p:blipFill>
         <p:spPr>
@@ -13974,7 +14070,7 @@
           <a:blip r:embed="rId5">
             <a:alphaModFix/>
           </a:blip>
-          <a:srcRect b="0" l="0" r="0" t="0"/>
+          <a:srcRect/>
           <a:stretch/>
         </p:blipFill>
         <p:spPr>
@@ -13999,12 +14095,12 @@
 </p:sld>
 </file>
 
-<file path=ppt/slides/slide7.xml><?xml version="1.0" encoding="utf-8"?>
-<p:sld xmlns:a="http://schemas.openxmlformats.org/drawingml/2006/main" xmlns:r="http://schemas.openxmlformats.org/officeDocument/2006/relationships" xmlns:mc="http://schemas.openxmlformats.org/markup-compatibility/2006" xmlns:mv="urn:schemas-microsoft-com:mac:vml" xmlns:p="http://schemas.openxmlformats.org/presentationml/2006/main" xmlns:c="http://schemas.openxmlformats.org/drawingml/2006/chart" xmlns:dgm="http://schemas.openxmlformats.org/drawingml/2006/diagram" xmlns:o="urn:schemas-microsoft-com:office:office" xmlns:v="urn:schemas-microsoft-com:vml" xmlns:pvml="urn:schemas-microsoft-com:office:powerpoint" xmlns:com="http://schemas.openxmlformats.org/drawingml/2006/compatibility" xmlns:p14="http://schemas.microsoft.com/office/powerpoint/2010/main" xmlns:p15="http://schemas.microsoft.com/office/powerpoint/2012/main" xmlns:ahyp="http://schemas.microsoft.com/office/drawing/2018/hyperlinkcolor">
+<file path=ppt/slides/slide6.xml><?xml version="1.0" encoding="utf-8"?>
+<p:sld xmlns:a="http://schemas.openxmlformats.org/drawingml/2006/main" xmlns:r="http://schemas.openxmlformats.org/officeDocument/2006/relationships" xmlns:p="http://schemas.openxmlformats.org/presentationml/2006/main">
   <p:cSld>
     <p:spTree>
       <p:nvGrpSpPr>
-        <p:cNvPr id="140" name="Shape 140"/>
+        <p:cNvPr id="1" name="Shape 140"/>
         <p:cNvGrpSpPr/>
         <p:nvPr/>
       </p:nvGrpSpPr>
@@ -14019,7 +14115,9 @@
       <p:sp>
         <p:nvSpPr>
           <p:cNvPr id="141" name="Google Shape;141;p19"/>
-          <p:cNvSpPr txBox="1"/>
+          <p:cNvSpPr txBox="1">
+            <a:spLocks noGrp="1"/>
+          </p:cNvSpPr>
           <p:nvPr>
             <p:ph type="title"/>
           </p:nvPr>
@@ -14034,12 +14132,12 @@
           </a:prstGeom>
         </p:spPr>
         <p:txBody>
-          <a:bodyPr anchorCtr="0" anchor="ctr" bIns="45700" lIns="91425" spcFirstLastPara="1" rIns="91425" wrap="square" tIns="45700">
+          <a:bodyPr spcFirstLastPara="1" wrap="square" lIns="91425" tIns="45700" rIns="91425" bIns="45700" anchor="ctr" anchorCtr="0">
             <a:normAutofit/>
           </a:bodyPr>
           <a:lstStyle/>
           <a:p>
-            <a:pPr indent="0" lvl="0" marL="0" rtl="0" algn="ctr">
+            <a:pPr marL="0" lvl="0" indent="0" algn="ctr" rtl="0">
               <a:spcBef>
                 <a:spcPts val="0"/>
               </a:spcBef>
@@ -14067,9 +14165,11 @@
       <p:sp>
         <p:nvSpPr>
           <p:cNvPr id="142" name="Google Shape;142;p19"/>
-          <p:cNvSpPr txBox="1"/>
+          <p:cNvSpPr txBox="1">
+            <a:spLocks noGrp="1"/>
+          </p:cNvSpPr>
           <p:nvPr>
-            <p:ph idx="1" type="body"/>
+            <p:ph type="body" idx="1"/>
           </p:nvPr>
         </p:nvSpPr>
         <p:spPr>
@@ -14082,14 +14182,14 @@
           </a:prstGeom>
         </p:spPr>
         <p:txBody>
-          <a:bodyPr anchorCtr="0" anchor="t" bIns="45700" lIns="91425" spcFirstLastPara="1" rIns="91425" wrap="square" tIns="45700">
+          <a:bodyPr spcFirstLastPara="1" wrap="square" lIns="91425" tIns="45700" rIns="91425" bIns="45700" anchor="t" anchorCtr="0">
             <a:normAutofit/>
           </a:bodyPr>
           <a:lstStyle/>
           <a:p>
-            <a:pPr indent="-342900" lvl="0" marL="457200" rtl="0" algn="l">
-              <a:lnSpc>
-                <a:spcPct val="115000"/>
+            <a:pPr lvl="0" algn="l" rtl="0">
+              <a:lnSpc>
+                <a:spcPct val="200000"/>
               </a:lnSpc>
               <a:spcBef>
                 <a:spcPts val="300"/>
@@ -14101,11 +14201,11 @@
                 <a:srgbClr val="1F2328"/>
               </a:buClr>
               <a:buSzPts val="1800"/>
-              <a:buFont typeface="Arial"/>
-              <a:buChar char="•"/>
+              <a:buFont typeface="Wingdings" panose="05000000000000000000" pitchFamily="2" charset="2"/>
+              <a:buChar char="Ø"/>
             </a:pPr>
             <a:r>
-              <a:rPr b="1" lang="en-US" sz="1800">
+              <a:rPr lang="en-US" sz="1800" b="1" dirty="0">
                 <a:solidFill>
                   <a:srgbClr val="1F2328"/>
                 </a:solidFill>
@@ -14120,7 +14220,7 @@
               <a:t>Stream Processing: </a:t>
             </a:r>
             <a:r>
-              <a:rPr lang="en-US" sz="1800">
+              <a:rPr lang="en-US" sz="1800" dirty="0">
                 <a:solidFill>
                   <a:srgbClr val="1F2328"/>
                 </a:solidFill>
@@ -14135,7 +14235,7 @@
               <a:t>Apache</a:t>
             </a:r>
             <a:r>
-              <a:rPr b="1" lang="en-US" sz="1800">
+              <a:rPr lang="en-US" sz="1800" b="1" dirty="0">
                 <a:solidFill>
                   <a:srgbClr val="1F2328"/>
                 </a:solidFill>
@@ -14150,7 +14250,7 @@
               <a:t> </a:t>
             </a:r>
             <a:r>
-              <a:rPr lang="en-US" sz="1800">
+              <a:rPr lang="en-US" sz="1800" dirty="0">
                 <a:solidFill>
                   <a:srgbClr val="1F2328"/>
                 </a:solidFill>
@@ -14164,7 +14264,7 @@
               </a:rPr>
               <a:t>Kafka</a:t>
             </a:r>
-            <a:endParaRPr sz="1800">
+            <a:endParaRPr sz="1800" dirty="0">
               <a:solidFill>
                 <a:srgbClr val="1F2328"/>
               </a:solidFill>
@@ -14178,9 +14278,9 @@
             </a:endParaRPr>
           </a:p>
           <a:p>
-            <a:pPr indent="-342900" lvl="0" marL="457200" rtl="0" algn="l">
-              <a:lnSpc>
-                <a:spcPct val="115000"/>
+            <a:pPr lvl="0" algn="l" rtl="0">
+              <a:lnSpc>
+                <a:spcPct val="200000"/>
               </a:lnSpc>
               <a:spcBef>
                 <a:spcPts val="0"/>
@@ -14192,11 +14292,11 @@
                 <a:srgbClr val="1F2328"/>
               </a:buClr>
               <a:buSzPts val="1800"/>
-              <a:buFont typeface="Arial"/>
-              <a:buChar char="•"/>
+              <a:buFont typeface="Wingdings" panose="05000000000000000000" pitchFamily="2" charset="2"/>
+              <a:buChar char="Ø"/>
             </a:pPr>
             <a:r>
-              <a:rPr b="1" lang="en-US" sz="1800">
+              <a:rPr lang="en-US" sz="1800" b="1" dirty="0">
                 <a:solidFill>
                   <a:srgbClr val="1F2328"/>
                 </a:solidFill>
@@ -14211,7 +14311,7 @@
               <a:t>Data Storage: </a:t>
             </a:r>
             <a:r>
-              <a:rPr lang="en-US" sz="1800">
+              <a:rPr lang="en-US" sz="1800" dirty="0">
                 <a:solidFill>
                   <a:srgbClr val="1F2328"/>
                 </a:solidFill>
@@ -14225,7 +14325,7 @@
               </a:rPr>
               <a:t>Elasticsearch</a:t>
             </a:r>
-            <a:endParaRPr sz="1800">
+            <a:endParaRPr sz="1800" dirty="0">
               <a:solidFill>
                 <a:srgbClr val="1F2328"/>
               </a:solidFill>
@@ -14239,9 +14339,9 @@
             </a:endParaRPr>
           </a:p>
           <a:p>
-            <a:pPr indent="-342900" lvl="0" marL="457200" rtl="0" algn="l">
-              <a:lnSpc>
-                <a:spcPct val="115000"/>
+            <a:pPr lvl="0" algn="l" rtl="0">
+              <a:lnSpc>
+                <a:spcPct val="200000"/>
               </a:lnSpc>
               <a:spcBef>
                 <a:spcPts val="0"/>
@@ -14253,11 +14353,11 @@
                 <a:srgbClr val="1F2328"/>
               </a:buClr>
               <a:buSzPts val="1800"/>
-              <a:buFont typeface="Arial"/>
-              <a:buChar char="•"/>
+              <a:buFont typeface="Wingdings" panose="05000000000000000000" pitchFamily="2" charset="2"/>
+              <a:buChar char="Ø"/>
             </a:pPr>
             <a:r>
-              <a:rPr b="1" lang="en-US" sz="1800">
+              <a:rPr lang="en-US" sz="1800" b="1" dirty="0">
                 <a:solidFill>
                   <a:srgbClr val="1F2328"/>
                 </a:solidFill>
@@ -14272,7 +14372,7 @@
               <a:t>Visualization: </a:t>
             </a:r>
             <a:r>
-              <a:rPr lang="en-US" sz="1800">
+              <a:rPr lang="en-US" sz="1800" dirty="0">
                 <a:solidFill>
                   <a:srgbClr val="1F2328"/>
                 </a:solidFill>
@@ -14286,7 +14386,7 @@
               </a:rPr>
               <a:t>Kibana</a:t>
             </a:r>
-            <a:endParaRPr sz="1800">
+            <a:endParaRPr sz="1800" dirty="0">
               <a:solidFill>
                 <a:srgbClr val="1F2328"/>
               </a:solidFill>
@@ -14300,9 +14400,9 @@
             </a:endParaRPr>
           </a:p>
           <a:p>
-            <a:pPr indent="-342900" lvl="0" marL="457200" rtl="0" algn="l">
-              <a:lnSpc>
-                <a:spcPct val="115000"/>
+            <a:pPr lvl="0" algn="l" rtl="0">
+              <a:lnSpc>
+                <a:spcPct val="200000"/>
               </a:lnSpc>
               <a:spcBef>
                 <a:spcPts val="0"/>
@@ -14314,11 +14414,11 @@
                 <a:srgbClr val="1F2328"/>
               </a:buClr>
               <a:buSzPts val="1800"/>
-              <a:buFont typeface="Arial"/>
-              <a:buChar char="•"/>
+              <a:buFont typeface="Wingdings" panose="05000000000000000000" pitchFamily="2" charset="2"/>
+              <a:buChar char="Ø"/>
             </a:pPr>
             <a:r>
-              <a:rPr b="1" lang="en-US" sz="1800">
+              <a:rPr lang="en-US" sz="1800" b="1" dirty="0">
                 <a:solidFill>
                   <a:srgbClr val="1F2328"/>
                 </a:solidFill>
@@ -14333,7 +14433,7 @@
               <a:t>Machine Learning: </a:t>
             </a:r>
             <a:r>
-              <a:rPr lang="en-US" sz="1800">
+              <a:rPr lang="en-US" sz="1800" dirty="0">
                 <a:solidFill>
                   <a:srgbClr val="1F2328"/>
                 </a:solidFill>
@@ -14345,9 +14445,24 @@
                 <a:cs typeface="Arial"/>
                 <a:sym typeface="Arial"/>
               </a:rPr>
-              <a:t>Stanford corenlp</a:t>
+              <a:t>Stanford </a:t>
             </a:r>
-            <a:endParaRPr sz="1800">
+            <a:r>
+              <a:rPr lang="en-US" sz="1800" dirty="0" err="1">
+                <a:solidFill>
+                  <a:srgbClr val="1F2328"/>
+                </a:solidFill>
+                <a:highlight>
+                  <a:srgbClr val="FFFFFF"/>
+                </a:highlight>
+                <a:latin typeface="Arial"/>
+                <a:ea typeface="Arial"/>
+                <a:cs typeface="Arial"/>
+                <a:sym typeface="Arial"/>
+              </a:rPr>
+              <a:t>corenlp</a:t>
+            </a:r>
+            <a:endParaRPr sz="1800" dirty="0">
               <a:solidFill>
                 <a:srgbClr val="1F2328"/>
               </a:solidFill>
@@ -14361,7 +14476,7 @@
             </a:endParaRPr>
           </a:p>
           <a:p>
-            <a:pPr indent="0" lvl="0" marL="0" rtl="0" algn="l">
+            <a:pPr marL="0" lvl="0" indent="0" algn="l" rtl="0">
               <a:lnSpc>
                 <a:spcPct val="115000"/>
               </a:lnSpc>
@@ -14373,10 +14488,7 @@
               </a:spcAft>
               <a:buNone/>
             </a:pPr>
-            <a:r>
-              <a:t/>
-            </a:r>
-            <a:endParaRPr b="1" sz="1800">
+            <a:endParaRPr sz="1800" b="1" dirty="0">
               <a:solidFill>
                 <a:srgbClr val="1F2328"/>
               </a:solidFill>
@@ -14390,7 +14502,7 @@
             </a:endParaRPr>
           </a:p>
           <a:p>
-            <a:pPr indent="0" lvl="0" marL="0" rtl="0" algn="l">
+            <a:pPr marL="0" lvl="0" indent="0" algn="l" rtl="0">
               <a:spcBef>
                 <a:spcPts val="1000"/>
               </a:spcBef>
@@ -14399,10 +14511,7 @@
               </a:spcAft>
               <a:buNone/>
             </a:pPr>
-            <a:r>
-              <a:t/>
-            </a:r>
-            <a:endParaRPr/>
+            <a:endParaRPr dirty="0"/>
           </a:p>
         </p:txBody>
       </p:sp>
@@ -14414,12 +14523,12 @@
 </p:sld>
 </file>
 
-<file path=ppt/slides/slide8.xml><?xml version="1.0" encoding="utf-8"?>
-<p:sld xmlns:a="http://schemas.openxmlformats.org/drawingml/2006/main" xmlns:r="http://schemas.openxmlformats.org/officeDocument/2006/relationships" xmlns:mc="http://schemas.openxmlformats.org/markup-compatibility/2006" xmlns:mv="urn:schemas-microsoft-com:mac:vml" xmlns:p="http://schemas.openxmlformats.org/presentationml/2006/main" xmlns:c="http://schemas.openxmlformats.org/drawingml/2006/chart" xmlns:dgm="http://schemas.openxmlformats.org/drawingml/2006/diagram" xmlns:o="urn:schemas-microsoft-com:office:office" xmlns:v="urn:schemas-microsoft-com:vml" xmlns:pvml="urn:schemas-microsoft-com:office:powerpoint" xmlns:com="http://schemas.openxmlformats.org/drawingml/2006/compatibility" xmlns:p14="http://schemas.microsoft.com/office/powerpoint/2010/main" xmlns:p15="http://schemas.microsoft.com/office/powerpoint/2012/main" xmlns:ahyp="http://schemas.microsoft.com/office/drawing/2018/hyperlinkcolor">
+<file path=ppt/slides/slide7.xml><?xml version="1.0" encoding="utf-8"?>
+<p:sld xmlns:a="http://schemas.openxmlformats.org/drawingml/2006/main" xmlns:r="http://schemas.openxmlformats.org/officeDocument/2006/relationships" xmlns:p="http://schemas.openxmlformats.org/presentationml/2006/main">
   <p:cSld>
     <p:spTree>
       <p:nvGrpSpPr>
-        <p:cNvPr id="146" name="Shape 146"/>
+        <p:cNvPr id="1" name="Shape 146"/>
         <p:cNvGrpSpPr/>
         <p:nvPr/>
       </p:nvGrpSpPr>
@@ -14434,7 +14543,9 @@
       <p:sp>
         <p:nvSpPr>
           <p:cNvPr id="147" name="Google Shape;147;p20"/>
-          <p:cNvSpPr txBox="1"/>
+          <p:cNvSpPr txBox="1">
+            <a:spLocks noGrp="1"/>
+          </p:cNvSpPr>
           <p:nvPr>
             <p:ph type="title"/>
           </p:nvPr>
@@ -14449,12 +14560,12 @@
           </a:prstGeom>
         </p:spPr>
         <p:txBody>
-          <a:bodyPr anchorCtr="0" anchor="ctr" bIns="45700" lIns="91425" spcFirstLastPara="1" rIns="91425" wrap="square" tIns="45700">
+          <a:bodyPr spcFirstLastPara="1" wrap="square" lIns="91425" tIns="45700" rIns="91425" bIns="45700" anchor="ctr" anchorCtr="0">
             <a:normAutofit/>
           </a:bodyPr>
           <a:lstStyle/>
           <a:p>
-            <a:pPr indent="0" lvl="0" marL="0" rtl="0" algn="ctr">
+            <a:pPr marL="0" lvl="0" indent="0" algn="ctr" rtl="0">
               <a:spcBef>
                 <a:spcPts val="0"/>
               </a:spcBef>
@@ -14495,8 +14606,8 @@
         </p:blipFill>
         <p:spPr>
           <a:xfrm>
-            <a:off x="0" y="1216025"/>
-            <a:ext cx="12192001" cy="1325700"/>
+            <a:off x="657225" y="1235075"/>
+            <a:ext cx="10877550" cy="755650"/>
           </a:xfrm>
           <a:prstGeom prst="rect">
             <a:avLst/>
@@ -14515,7 +14626,7 @@
         </p:nvSpPr>
         <p:spPr>
           <a:xfrm>
-            <a:off x="900350" y="2285150"/>
+            <a:off x="606900" y="1770800"/>
             <a:ext cx="10746900" cy="4572900"/>
           </a:xfrm>
           <a:prstGeom prst="rect">
@@ -14527,12 +14638,12 @@
           </a:ln>
         </p:spPr>
         <p:txBody>
-          <a:bodyPr anchorCtr="0" anchor="t" bIns="91425" lIns="91425" spcFirstLastPara="1" rIns="91425" wrap="square" tIns="91425">
+          <a:bodyPr spcFirstLastPara="1" wrap="square" lIns="91425" tIns="91425" rIns="91425" bIns="91425" anchor="t" anchorCtr="0">
             <a:noAutofit/>
           </a:bodyPr>
           <a:lstStyle/>
           <a:p>
-            <a:pPr indent="0" lvl="0" marL="0" rtl="0" algn="l">
+            <a:pPr marL="0" lvl="0" indent="0" algn="l" rtl="0">
               <a:lnSpc>
                 <a:spcPct val="125000"/>
               </a:lnSpc>
@@ -14545,7 +14656,7 @@
               <a:buNone/>
             </a:pPr>
             <a:r>
-              <a:rPr b="1" lang="en-US" sz="2450">
+              <a:rPr lang="en-US" sz="2450" b="1" dirty="0">
                 <a:solidFill>
                   <a:srgbClr val="1F2328"/>
                 </a:solidFill>
@@ -14555,7 +14666,7 @@
               </a:rPr>
               <a:t>Pipeline Stages</a:t>
             </a:r>
-            <a:endParaRPr b="1" sz="2450">
+            <a:endParaRPr sz="2450" b="1" dirty="0">
               <a:solidFill>
                 <a:srgbClr val="1F2328"/>
               </a:solidFill>
@@ -14565,7 +14676,7 @@
             </a:endParaRPr>
           </a:p>
           <a:p>
-            <a:pPr indent="-349250" lvl="0" marL="457200" rtl="0" algn="l">
+            <a:pPr marL="457200" lvl="0" indent="-349250" algn="l" rtl="0">
               <a:lnSpc>
                 <a:spcPct val="115000"/>
               </a:lnSpc>
@@ -14582,7 +14693,7 @@
               <a:buAutoNum type="arabicPeriod"/>
             </a:pPr>
             <a:r>
-              <a:rPr lang="en-US" sz="1900">
+              <a:rPr lang="en-US" sz="1900" b="1" dirty="0">
                 <a:solidFill>
                   <a:srgbClr val="1F2328"/>
                 </a:solidFill>
@@ -14590,9 +14701,9 @@
                   <a:srgbClr val="FFFFFF"/>
                 </a:highlight>
               </a:rPr>
-              <a:t>Data Ingestion</a:t>
+              <a:t>Ingestion</a:t>
             </a:r>
-            <a:endParaRPr sz="1900">
+            <a:endParaRPr sz="1900" b="1" dirty="0">
               <a:solidFill>
                 <a:srgbClr val="1F2328"/>
               </a:solidFill>
@@ -14602,7 +14713,7 @@
             </a:endParaRPr>
           </a:p>
           <a:p>
-            <a:pPr indent="-349250" lvl="1" marL="914400" rtl="0" algn="l">
+            <a:pPr marL="914400" lvl="1" indent="-349250" algn="l" rtl="0">
               <a:lnSpc>
                 <a:spcPct val="115000"/>
               </a:lnSpc>
@@ -14619,7 +14730,7 @@
               <a:buChar char="○"/>
             </a:pPr>
             <a:r>
-              <a:rPr lang="en-US" sz="1900">
+              <a:rPr lang="en-US" sz="1900" dirty="0">
                 <a:solidFill>
                   <a:srgbClr val="1F2328"/>
                 </a:solidFill>
@@ -14629,7 +14740,7 @@
               </a:rPr>
               <a:t>Tweets are fetched in real-time using Kafka.</a:t>
             </a:r>
-            <a:endParaRPr sz="1900">
+            <a:endParaRPr sz="1900" dirty="0">
               <a:solidFill>
                 <a:srgbClr val="1F2328"/>
               </a:solidFill>
@@ -14639,7 +14750,7 @@
             </a:endParaRPr>
           </a:p>
           <a:p>
-            <a:pPr indent="-304800" lvl="1" marL="914400" rtl="0" algn="l">
+            <a:pPr marL="914400" lvl="1" indent="-304800" algn="l" rtl="0">
               <a:lnSpc>
                 <a:spcPct val="115000"/>
               </a:lnSpc>
@@ -14656,7 +14767,7 @@
               <a:buChar char="○"/>
             </a:pPr>
             <a:r>
-              <a:rPr lang="en-US" sz="1900">
+              <a:rPr lang="en-US" sz="1900" dirty="0">
                 <a:solidFill>
                   <a:srgbClr val="1F2328"/>
                 </a:solidFill>
@@ -14667,7 +14778,7 @@
               <a:t>Data is pushed to a Kafka topic named </a:t>
             </a:r>
             <a:r>
-              <a:rPr lang="en-US" sz="1700">
+              <a:rPr lang="en-US" sz="1700" dirty="0">
                 <a:solidFill>
                   <a:srgbClr val="1F2328"/>
                 </a:solidFill>
@@ -14682,7 +14793,7 @@
               <a:t>tweets-stream</a:t>
             </a:r>
             <a:r>
-              <a:rPr lang="en-US" sz="1900">
+              <a:rPr lang="en-US" sz="1900" dirty="0">
                 <a:solidFill>
                   <a:srgbClr val="1F2328"/>
                 </a:solidFill>
@@ -14692,7 +14803,7 @@
               </a:rPr>
               <a:t>.</a:t>
             </a:r>
-            <a:endParaRPr sz="1900">
+            <a:endParaRPr sz="1900" dirty="0">
               <a:solidFill>
                 <a:srgbClr val="1F2328"/>
               </a:solidFill>
@@ -14702,7 +14813,7 @@
             </a:endParaRPr>
           </a:p>
           <a:p>
-            <a:pPr indent="-349250" lvl="0" marL="457200" rtl="0" algn="l">
+            <a:pPr marL="457200" lvl="0" indent="-349250" algn="l" rtl="0">
               <a:lnSpc>
                 <a:spcPct val="115000"/>
               </a:lnSpc>
@@ -14719,7 +14830,7 @@
               <a:buAutoNum type="arabicPeriod"/>
             </a:pPr>
             <a:r>
-              <a:rPr lang="en-US" sz="1900">
+              <a:rPr lang="en-US" sz="1900" b="1" dirty="0">
                 <a:solidFill>
                   <a:srgbClr val="1F2328"/>
                 </a:solidFill>
@@ -14727,9 +14838,9 @@
                   <a:srgbClr val="FFFFFF"/>
                 </a:highlight>
               </a:rPr>
-              <a:t>Data Processing</a:t>
+              <a:t>Processing</a:t>
             </a:r>
-            <a:endParaRPr sz="1900">
+            <a:endParaRPr sz="1900" b="1" dirty="0">
               <a:solidFill>
                 <a:srgbClr val="1F2328"/>
               </a:solidFill>
@@ -14739,7 +14850,7 @@
             </a:endParaRPr>
           </a:p>
           <a:p>
-            <a:pPr indent="-349250" lvl="1" marL="914400" rtl="0" algn="l">
+            <a:pPr marL="914400" lvl="1" indent="-349250" algn="l" rtl="0">
               <a:lnSpc>
                 <a:spcPct val="115000"/>
               </a:lnSpc>
@@ -14756,7 +14867,7 @@
               <a:buChar char="○"/>
             </a:pPr>
             <a:r>
-              <a:rPr lang="en-US" sz="1900">
+              <a:rPr lang="en-US" sz="1900" dirty="0">
                 <a:solidFill>
                   <a:srgbClr val="1F2328"/>
                 </a:solidFill>
@@ -14766,7 +14877,7 @@
               </a:rPr>
               <a:t>Extract the important features from the data.</a:t>
             </a:r>
-            <a:endParaRPr sz="1900">
+            <a:endParaRPr sz="1900" dirty="0">
               <a:solidFill>
                 <a:srgbClr val="1F2328"/>
               </a:solidFill>
@@ -14776,7 +14887,7 @@
             </a:endParaRPr>
           </a:p>
           <a:p>
-            <a:pPr indent="-349250" lvl="1" marL="914400" rtl="0" algn="l">
+            <a:pPr marL="914400" lvl="1" indent="-349250" algn="l" rtl="0">
               <a:lnSpc>
                 <a:spcPct val="115000"/>
               </a:lnSpc>
@@ -14793,7 +14904,7 @@
               <a:buChar char="○"/>
             </a:pPr>
             <a:r>
-              <a:rPr lang="en-US" sz="1900">
+              <a:rPr lang="en-US" sz="1900" dirty="0">
                 <a:solidFill>
                   <a:srgbClr val="1F2328"/>
                 </a:solidFill>
@@ -14803,7 +14914,7 @@
               </a:rPr>
               <a:t>Scala scripts perform sentiment analysis.</a:t>
             </a:r>
-            <a:endParaRPr sz="1900">
+            <a:endParaRPr sz="1900" dirty="0">
               <a:solidFill>
                 <a:srgbClr val="1F2328"/>
               </a:solidFill>
@@ -14813,7 +14924,7 @@
             </a:endParaRPr>
           </a:p>
           <a:p>
-            <a:pPr indent="-349250" lvl="1" marL="914400" rtl="0" algn="l">
+            <a:pPr marL="914400" lvl="1" indent="-349250" algn="l" rtl="0">
               <a:lnSpc>
                 <a:spcPct val="115000"/>
               </a:lnSpc>
@@ -14830,7 +14941,7 @@
               <a:buChar char="○"/>
             </a:pPr>
             <a:r>
-              <a:rPr lang="en-US" sz="1900">
+              <a:rPr lang="en-US" sz="1900" dirty="0">
                 <a:solidFill>
                   <a:srgbClr val="1F2328"/>
                 </a:solidFill>
@@ -14840,7 +14951,7 @@
               </a:rPr>
               <a:t>Machine learning models classify tweet text into sentiment categories.</a:t>
             </a:r>
-            <a:endParaRPr sz="1900">
+            <a:endParaRPr sz="1900" dirty="0">
               <a:solidFill>
                 <a:srgbClr val="1F2328"/>
               </a:solidFill>
@@ -14850,7 +14961,7 @@
             </a:endParaRPr>
           </a:p>
           <a:p>
-            <a:pPr indent="-349250" lvl="0" marL="457200" rtl="0" algn="l">
+            <a:pPr marL="457200" lvl="0" indent="-349250" algn="l" rtl="0">
               <a:lnSpc>
                 <a:spcPct val="115000"/>
               </a:lnSpc>
@@ -14867,7 +14978,7 @@
               <a:buAutoNum type="arabicPeriod"/>
             </a:pPr>
             <a:r>
-              <a:rPr lang="en-US" sz="1900">
+              <a:rPr lang="en-US" sz="1900" b="1" dirty="0">
                 <a:solidFill>
                   <a:srgbClr val="1F2328"/>
                 </a:solidFill>
@@ -14875,9 +14986,9 @@
                   <a:srgbClr val="FFFFFF"/>
                 </a:highlight>
               </a:rPr>
-              <a:t>Data Storage</a:t>
+              <a:t>Storage</a:t>
             </a:r>
-            <a:endParaRPr sz="1900">
+            <a:endParaRPr sz="1900" b="1" dirty="0">
               <a:solidFill>
                 <a:srgbClr val="1F2328"/>
               </a:solidFill>
@@ -14887,7 +14998,7 @@
             </a:endParaRPr>
           </a:p>
           <a:p>
-            <a:pPr indent="-349250" lvl="1" marL="914400" rtl="0" algn="l">
+            <a:pPr marL="914400" lvl="1" indent="-349250" algn="l" rtl="0">
               <a:lnSpc>
                 <a:spcPct val="115000"/>
               </a:lnSpc>
@@ -14904,7 +15015,7 @@
               <a:buChar char="○"/>
             </a:pPr>
             <a:r>
-              <a:rPr lang="en-US" sz="1900">
+              <a:rPr lang="en-US" sz="1900" dirty="0">
                 <a:solidFill>
                   <a:srgbClr val="1F2328"/>
                 </a:solidFill>
@@ -14914,7 +15025,7 @@
               </a:rPr>
               <a:t>Processed data is stored in Elasticsearch for querying.</a:t>
             </a:r>
-            <a:endParaRPr sz="1900">
+            <a:endParaRPr sz="1900" dirty="0">
               <a:solidFill>
                 <a:srgbClr val="1F2328"/>
               </a:solidFill>
@@ -14924,7 +15035,7 @@
             </a:endParaRPr>
           </a:p>
           <a:p>
-            <a:pPr indent="-349250" lvl="0" marL="457200" rtl="0" algn="l">
+            <a:pPr marL="457200" lvl="0" indent="-349250" algn="l" rtl="0">
               <a:lnSpc>
                 <a:spcPct val="115000"/>
               </a:lnSpc>
@@ -14941,7 +15052,7 @@
               <a:buAutoNum type="arabicPeriod"/>
             </a:pPr>
             <a:r>
-              <a:rPr lang="en-US" sz="1900">
+              <a:rPr lang="en-US" sz="1900" b="1" dirty="0">
                 <a:solidFill>
                   <a:srgbClr val="1F2328"/>
                 </a:solidFill>
@@ -14949,9 +15060,9 @@
                   <a:srgbClr val="FFFFFF"/>
                 </a:highlight>
               </a:rPr>
-              <a:t>Data Visualization</a:t>
+              <a:t>Visualization</a:t>
             </a:r>
-            <a:endParaRPr sz="1900">
+            <a:endParaRPr sz="1900" b="1" dirty="0">
               <a:solidFill>
                 <a:srgbClr val="1F2328"/>
               </a:solidFill>
@@ -14961,7 +15072,7 @@
             </a:endParaRPr>
           </a:p>
           <a:p>
-            <a:pPr indent="-349250" lvl="1" marL="914400" rtl="0" algn="l">
+            <a:pPr marL="914400" lvl="1" indent="-349250" algn="l" rtl="0">
               <a:lnSpc>
                 <a:spcPct val="115000"/>
               </a:lnSpc>
@@ -14978,7 +15089,7 @@
               <a:buChar char="○"/>
             </a:pPr>
             <a:r>
-              <a:rPr lang="en-US" sz="1900">
+              <a:rPr lang="en-US" sz="1900" dirty="0">
                 <a:solidFill>
                   <a:srgbClr val="1F2328"/>
                 </a:solidFill>
@@ -14988,7 +15099,7 @@
               </a:rPr>
               <a:t>Kibana dashboards visualize sentiment trends, top hashtags, and tweet statistics.</a:t>
             </a:r>
-            <a:endParaRPr sz="1900">
+            <a:endParaRPr sz="1900" dirty="0">
               <a:solidFill>
                 <a:srgbClr val="1F2328"/>
               </a:solidFill>
@@ -14998,7 +15109,7 @@
             </a:endParaRPr>
           </a:p>
           <a:p>
-            <a:pPr indent="0" lvl="0" marL="0" rtl="0" algn="l">
+            <a:pPr marL="0" lvl="0" indent="0" algn="l" rtl="0">
               <a:spcBef>
                 <a:spcPts val="0"/>
               </a:spcBef>
@@ -15007,10 +15118,7 @@
               </a:spcAft>
               <a:buNone/>
             </a:pPr>
-            <a:r>
-              <a:t/>
-            </a:r>
-            <a:endParaRPr sz="2800">
+            <a:endParaRPr sz="2800" dirty="0">
               <a:solidFill>
                 <a:schemeClr val="dk1"/>
               </a:solidFill>
@@ -15030,12 +15138,12 @@
 </p:sld>
 </file>
 
-<file path=ppt/slides/slide9.xml><?xml version="1.0" encoding="utf-8"?>
-<p:sld xmlns:a="http://schemas.openxmlformats.org/drawingml/2006/main" xmlns:r="http://schemas.openxmlformats.org/officeDocument/2006/relationships" xmlns:mc="http://schemas.openxmlformats.org/markup-compatibility/2006" xmlns:mv="urn:schemas-microsoft-com:mac:vml" xmlns:p="http://schemas.openxmlformats.org/presentationml/2006/main" xmlns:c="http://schemas.openxmlformats.org/drawingml/2006/chart" xmlns:dgm="http://schemas.openxmlformats.org/drawingml/2006/diagram" xmlns:o="urn:schemas-microsoft-com:office:office" xmlns:v="urn:schemas-microsoft-com:vml" xmlns:pvml="urn:schemas-microsoft-com:office:powerpoint" xmlns:com="http://schemas.openxmlformats.org/drawingml/2006/compatibility" xmlns:p14="http://schemas.microsoft.com/office/powerpoint/2010/main" xmlns:p15="http://schemas.microsoft.com/office/powerpoint/2012/main" xmlns:ahyp="http://schemas.microsoft.com/office/drawing/2018/hyperlinkcolor">
+<file path=ppt/slides/slide8.xml><?xml version="1.0" encoding="utf-8"?>
+<p:sld xmlns:a="http://schemas.openxmlformats.org/drawingml/2006/main" xmlns:r="http://schemas.openxmlformats.org/officeDocument/2006/relationships" xmlns:p="http://schemas.openxmlformats.org/presentationml/2006/main">
   <p:cSld>
     <p:spTree>
       <p:nvGrpSpPr>
-        <p:cNvPr id="153" name="Shape 153"/>
+        <p:cNvPr id="1" name="Shape 153"/>
         <p:cNvGrpSpPr/>
         <p:nvPr/>
       </p:nvGrpSpPr>
@@ -15067,12 +15175,12 @@
           </a:ln>
         </p:spPr>
         <p:txBody>
-          <a:bodyPr anchorCtr="0" anchor="t" bIns="45700" lIns="91425" spcFirstLastPara="1" rIns="91425" wrap="square" tIns="45700">
+          <a:bodyPr spcFirstLastPara="1" wrap="square" lIns="91425" tIns="45700" rIns="91425" bIns="45700" anchor="t" anchorCtr="0">
             <a:noAutofit/>
           </a:bodyPr>
           <a:lstStyle/>
           <a:p>
-            <a:pPr indent="0" lvl="0" marL="0" marR="0" rtl="0" algn="l">
+            <a:pPr marL="0" marR="0" lvl="0" indent="0" algn="l" rtl="0">
               <a:spcBef>
                 <a:spcPts val="0"/>
               </a:spcBef>
@@ -15081,9 +15189,6 @@
               </a:spcAft>
               <a:buNone/>
             </a:pPr>
-            <a:r>
-              <a:t/>
-            </a:r>
             <a:endParaRPr sz="1800">
               <a:solidFill>
                 <a:schemeClr val="dk1"/>
@@ -15106,7 +15211,7 @@
           <a:blip r:embed="rId3">
             <a:alphaModFix/>
           </a:blip>
-          <a:srcRect b="0" l="0" r="0" t="0"/>
+          <a:srcRect/>
           <a:stretch/>
         </p:blipFill>
         <p:spPr>
@@ -15143,12 +15248,12 @@
           </a:ln>
         </p:spPr>
         <p:txBody>
-          <a:bodyPr anchorCtr="0" anchor="t" bIns="45700" lIns="91425" spcFirstLastPara="1" rIns="91425" wrap="square" tIns="45700">
+          <a:bodyPr spcFirstLastPara="1" wrap="square" lIns="91425" tIns="45700" rIns="91425" bIns="45700" anchor="t" anchorCtr="0">
             <a:spAutoFit/>
           </a:bodyPr>
           <a:lstStyle/>
           <a:p>
-            <a:pPr indent="0" lvl="0" marL="0" marR="0" rtl="0" algn="l">
+            <a:pPr marL="0" marR="0" lvl="0" indent="0" algn="l" rtl="0">
               <a:spcBef>
                 <a:spcPts val="0"/>
               </a:spcBef>
@@ -15158,7 +15263,7 @@
               <a:buNone/>
             </a:pPr>
             <a:r>
-              <a:rPr b="1" lang="en-US" sz="3200" u="sng">
+              <a:rPr lang="en-US" sz="3200" b="1" u="sng">
                 <a:solidFill>
                   <a:srgbClr val="BF9000"/>
                 </a:solidFill>
@@ -15182,7 +15287,7 @@
 </file>
 
 <file path=ppt/theme/theme1.xml><?xml version="1.0" encoding="utf-8"?>
-<a:theme xmlns:a="http://schemas.openxmlformats.org/drawingml/2006/main" xmlns:r="http://schemas.openxmlformats.org/officeDocument/2006/relationships" name="Office Theme">
+<a:theme xmlns:a="http://schemas.openxmlformats.org/drawingml/2006/main" name="Office Theme">
   <a:themeElements>
     <a:clrScheme name="Office">
       <a:dk1>
@@ -15457,11 +15562,13 @@
       </a:bgFillStyleLst>
     </a:fmtScheme>
   </a:themeElements>
+  <a:objectDefaults/>
+  <a:extraClrSchemeLst/>
 </a:theme>
 </file>
 
 <file path=ppt/theme/theme2.xml><?xml version="1.0" encoding="utf-8"?>
-<a:theme xmlns:a="http://schemas.openxmlformats.org/drawingml/2006/main" xmlns:r="http://schemas.openxmlformats.org/officeDocument/2006/relationships">
+<a:theme xmlns:a="http://schemas.openxmlformats.org/drawingml/2006/main">
   <a:themeElements>
     <a:clrScheme name="Default">
       <a:dk1>
@@ -15736,5 +15843,7 @@
       </a:bgFillStyleLst>
     </a:fmtScheme>
   </a:themeElements>
+  <a:objectDefaults/>
+  <a:extraClrSchemeLst/>
 </a:theme>
 </file>